--- a/documents/Сахибназарова.pptx
+++ b/documents/Сахибназарова.pptx
@@ -1,29 +1,36 @@
 
 <file path=ppt/presentation.xml><?xml version="1.0" encoding="utf-8"?>
-<p:presentation xmlns:a="http://schemas.openxmlformats.org/drawingml/2006/main" xmlns:r="http://schemas.openxmlformats.org/officeDocument/2006/relationships" xmlns:p="http://schemas.openxmlformats.org/presentationml/2006/main" saveSubsetFonts="1">
+<p:presentation xmlns:a="http://schemas.openxmlformats.org/drawingml/2006/main" xmlns:r="http://schemas.openxmlformats.org/officeDocument/2006/relationships" xmlns:p="http://schemas.openxmlformats.org/presentationml/2006/main" showSpecialPlsOnTitleSld="0" saveSubsetFonts="1">
   <p:sldMasterIdLst>
     <p:sldMasterId id="2147483660" r:id="rId1"/>
   </p:sldMasterIdLst>
   <p:notesMasterIdLst>
-    <p:notesMasterId r:id="rId18"/>
+    <p:notesMasterId r:id="rId25"/>
   </p:notesMasterIdLst>
   <p:sldIdLst>
     <p:sldId id="256" r:id="rId2"/>
-    <p:sldId id="257" r:id="rId3"/>
-    <p:sldId id="258" r:id="rId4"/>
-    <p:sldId id="269" r:id="rId5"/>
-    <p:sldId id="259" r:id="rId6"/>
-    <p:sldId id="270" r:id="rId7"/>
-    <p:sldId id="272" r:id="rId8"/>
-    <p:sldId id="271" r:id="rId9"/>
-    <p:sldId id="273" r:id="rId10"/>
-    <p:sldId id="274" r:id="rId11"/>
-    <p:sldId id="278" r:id="rId12"/>
-    <p:sldId id="275" r:id="rId13"/>
-    <p:sldId id="276" r:id="rId14"/>
-    <p:sldId id="277" r:id="rId15"/>
-    <p:sldId id="268" r:id="rId16"/>
-    <p:sldId id="279" r:id="rId17"/>
+    <p:sldId id="280" r:id="rId3"/>
+    <p:sldId id="257" r:id="rId4"/>
+    <p:sldId id="258" r:id="rId5"/>
+    <p:sldId id="269" r:id="rId6"/>
+    <p:sldId id="259" r:id="rId7"/>
+    <p:sldId id="281" r:id="rId8"/>
+    <p:sldId id="270" r:id="rId9"/>
+    <p:sldId id="272" r:id="rId10"/>
+    <p:sldId id="271" r:id="rId11"/>
+    <p:sldId id="282" r:id="rId12"/>
+    <p:sldId id="273" r:id="rId13"/>
+    <p:sldId id="274" r:id="rId14"/>
+    <p:sldId id="278" r:id="rId15"/>
+    <p:sldId id="283" r:id="rId16"/>
+    <p:sldId id="285" r:id="rId17"/>
+    <p:sldId id="286" r:id="rId18"/>
+    <p:sldId id="275" r:id="rId19"/>
+    <p:sldId id="276" r:id="rId20"/>
+    <p:sldId id="277" r:id="rId21"/>
+    <p:sldId id="284" r:id="rId22"/>
+    <p:sldId id="268" r:id="rId23"/>
+    <p:sldId id="279" r:id="rId24"/>
   </p:sldIdLst>
   <p:sldSz cx="9144000" cy="6858000" type="screen4x3"/>
   <p:notesSz cx="6858000" cy="9144000"/>
@@ -130,264 +137,6 @@
   <c:lang val="ru-RU"/>
   <c:chart>
     <c:plotArea>
-      <c:layout/>
-      <c:barChart>
-        <c:barDir val="col"/>
-        <c:grouping val="clustered"/>
-        <c:ser>
-          <c:idx val="0"/>
-          <c:order val="0"/>
-          <c:tx>
-            <c:strRef>
-              <c:f>Лист3!$C$5</c:f>
-              <c:strCache>
-                <c:ptCount val="1"/>
-                <c:pt idx="0">
-                  <c:v>Первый подходящий (без разбиения)</c:v>
-                </c:pt>
-              </c:strCache>
-            </c:strRef>
-          </c:tx>
-          <c:spPr>
-            <a:solidFill>
-              <a:srgbClr val="FFC000"/>
-            </a:solidFill>
-            <a:ln>
-              <a:solidFill>
-                <a:schemeClr val="accent1"/>
-              </a:solidFill>
-            </a:ln>
-          </c:spPr>
-          <c:cat>
-            <c:strRef>
-              <c:f>Лист3!$D$4:$F$4</c:f>
-              <c:strCache>
-                <c:ptCount val="3"/>
-                <c:pt idx="0">
-                  <c:v>Без классификации</c:v>
-                </c:pt>
-                <c:pt idx="1">
-                  <c:v>Классификация центром масс</c:v>
-                </c:pt>
-                <c:pt idx="2">
-                  <c:v>Классификация разницей граничных значений яркости</c:v>
-                </c:pt>
-              </c:strCache>
-            </c:strRef>
-          </c:cat>
-          <c:val>
-            <c:numRef>
-              <c:f>Лист3!$D$5:$F$5</c:f>
-              <c:numCache>
-                <c:formatCode>General</c:formatCode>
-                <c:ptCount val="3"/>
-                <c:pt idx="0">
-                  <c:v>27.85</c:v>
-                </c:pt>
-                <c:pt idx="1">
-                  <c:v>11.61</c:v>
-                </c:pt>
-                <c:pt idx="2">
-                  <c:v>10.220000000000001</c:v>
-                </c:pt>
-              </c:numCache>
-            </c:numRef>
-          </c:val>
-        </c:ser>
-        <c:ser>
-          <c:idx val="1"/>
-          <c:order val="1"/>
-          <c:tx>
-            <c:strRef>
-              <c:f>Лист3!$C$6</c:f>
-              <c:strCache>
-                <c:ptCount val="1"/>
-                <c:pt idx="0">
-                  <c:v>Минимальный</c:v>
-                </c:pt>
-              </c:strCache>
-            </c:strRef>
-          </c:tx>
-          <c:spPr>
-            <a:solidFill>
-              <a:schemeClr val="accent4">
-                <a:lumMod val="60000"/>
-                <a:lumOff val="40000"/>
-              </a:schemeClr>
-            </a:solidFill>
-          </c:spPr>
-          <c:cat>
-            <c:strRef>
-              <c:f>Лист3!$D$4:$F$4</c:f>
-              <c:strCache>
-                <c:ptCount val="3"/>
-                <c:pt idx="0">
-                  <c:v>Без классификации</c:v>
-                </c:pt>
-                <c:pt idx="1">
-                  <c:v>Классификация центром масс</c:v>
-                </c:pt>
-                <c:pt idx="2">
-                  <c:v>Классификация разницей граничных значений яркости</c:v>
-                </c:pt>
-              </c:strCache>
-            </c:strRef>
-          </c:cat>
-          <c:val>
-            <c:numRef>
-              <c:f>Лист3!$D$6:$F$6</c:f>
-              <c:numCache>
-                <c:formatCode>General</c:formatCode>
-                <c:ptCount val="3"/>
-                <c:pt idx="0">
-                  <c:v>35.46</c:v>
-                </c:pt>
-                <c:pt idx="1">
-                  <c:v>15.51</c:v>
-                </c:pt>
-                <c:pt idx="2">
-                  <c:v>11.48</c:v>
-                </c:pt>
-              </c:numCache>
-            </c:numRef>
-          </c:val>
-        </c:ser>
-        <c:ser>
-          <c:idx val="2"/>
-          <c:order val="2"/>
-          <c:tx>
-            <c:strRef>
-              <c:f>Лист3!$C$7</c:f>
-              <c:strCache>
-                <c:ptCount val="1"/>
-                <c:pt idx="0">
-                  <c:v>Первый подходящий (с разбиением)</c:v>
-                </c:pt>
-              </c:strCache>
-            </c:strRef>
-          </c:tx>
-          <c:cat>
-            <c:strRef>
-              <c:f>Лист3!$D$4:$F$4</c:f>
-              <c:strCache>
-                <c:ptCount val="3"/>
-                <c:pt idx="0">
-                  <c:v>Без классификации</c:v>
-                </c:pt>
-                <c:pt idx="1">
-                  <c:v>Классификация центром масс</c:v>
-                </c:pt>
-                <c:pt idx="2">
-                  <c:v>Классификация разницей граничных значений яркости</c:v>
-                </c:pt>
-              </c:strCache>
-            </c:strRef>
-          </c:cat>
-          <c:val>
-            <c:numRef>
-              <c:f>Лист3!$D$7:$F$7</c:f>
-              <c:numCache>
-                <c:formatCode>General</c:formatCode>
-                <c:ptCount val="3"/>
-                <c:pt idx="0">
-                  <c:v>163.61000000000001</c:v>
-                </c:pt>
-                <c:pt idx="1">
-                  <c:v>68.16</c:v>
-                </c:pt>
-                <c:pt idx="2">
-                  <c:v>66.94</c:v>
-                </c:pt>
-              </c:numCache>
-            </c:numRef>
-          </c:val>
-        </c:ser>
-        <c:axId val="89400448"/>
-        <c:axId val="89416064"/>
-      </c:barChart>
-      <c:catAx>
-        <c:axId val="89400448"/>
-        <c:scaling>
-          <c:orientation val="minMax"/>
-        </c:scaling>
-        <c:axPos val="b"/>
-        <c:title>
-          <c:tx>
-            <c:rich>
-              <a:bodyPr/>
-              <a:lstStyle/>
-              <a:p>
-                <a:pPr>
-                  <a:defRPr/>
-                </a:pPr>
-                <a:r>
-                  <a:rPr lang="ru-RU"/>
-                  <a:t>Тип классификации</a:t>
-                </a:r>
-              </a:p>
-            </c:rich>
-          </c:tx>
-          <c:layout/>
-        </c:title>
-        <c:tickLblPos val="nextTo"/>
-        <c:crossAx val="89416064"/>
-        <c:crosses val="autoZero"/>
-        <c:auto val="1"/>
-        <c:lblAlgn val="ctr"/>
-        <c:lblOffset val="100"/>
-      </c:catAx>
-      <c:valAx>
-        <c:axId val="89416064"/>
-        <c:scaling>
-          <c:orientation val="minMax"/>
-        </c:scaling>
-        <c:axPos val="l"/>
-        <c:majorGridlines/>
-        <c:title>
-          <c:tx>
-            <c:rich>
-              <a:bodyPr rot="0" vert="horz"/>
-              <a:lstStyle/>
-              <a:p>
-                <a:pPr>
-                  <a:defRPr/>
-                </a:pPr>
-                <a:r>
-                  <a:rPr lang="ru-RU"/>
-                  <a:t>Время, сек</a:t>
-                </a:r>
-              </a:p>
-            </c:rich>
-          </c:tx>
-          <c:layout/>
-        </c:title>
-        <c:numFmt formatCode="General" sourceLinked="1"/>
-        <c:tickLblPos val="nextTo"/>
-        <c:crossAx val="89400448"/>
-        <c:crosses val="autoZero"/>
-        <c:crossBetween val="between"/>
-      </c:valAx>
-    </c:plotArea>
-    <c:legend>
-      <c:legendPos val="r"/>
-      <c:layout/>
-    </c:legend>
-    <c:plotVisOnly val="1"/>
-  </c:chart>
-  <c:spPr>
-    <a:ln>
-      <a:noFill/>
-    </a:ln>
-  </c:spPr>
-  <c:externalData r:id="rId1"/>
-</c:chartSpace>
-</file>
-
-<file path=ppt/charts/chart2.xml><?xml version="1.0" encoding="utf-8"?>
-<c:chartSpace xmlns:c="http://schemas.openxmlformats.org/drawingml/2006/chart" xmlns:a="http://schemas.openxmlformats.org/drawingml/2006/main" xmlns:r="http://schemas.openxmlformats.org/officeDocument/2006/relationships">
-  <c:lang val="ru-RU"/>
-  <c:chart>
-    <c:plotArea>
       <c:layout>
         <c:manualLayout>
           <c:layoutTarget val="inner"/>
@@ -396,7 +145,7 @@
           <c:x val="0.21884834155125171"/>
           <c:y val="7.3648555124639276E-2"/>
           <c:w val="0.50831729526216407"/>
-          <c:h val="0.62769668716783611"/>
+          <c:h val="0.70692833412247746"/>
         </c:manualLayout>
       </c:layout>
       <c:barChart>
@@ -411,7 +160,7 @@
               <c:strCache>
                 <c:ptCount val="1"/>
                 <c:pt idx="0">
-                  <c:v>Размер раногового блока 8 пикселей</c:v>
+                  <c:v>Размер рангового блока 8 пикселей</c:v>
                 </c:pt>
               </c:strCache>
             </c:strRef>
@@ -422,13 +171,13 @@
               <c:strCache>
                 <c:ptCount val="3"/>
                 <c:pt idx="0">
-                  <c:v>Минимпльный доменный блок</c:v>
+                  <c:v>Минимальный доменный блок</c:v>
                 </c:pt>
                 <c:pt idx="1">
                   <c:v>Классификация центром масс</c:v>
                 </c:pt>
                 <c:pt idx="2">
-                  <c:v>"Эталонный" метод</c:v>
+                  <c:v>Метод эталонного блока</c:v>
                 </c:pt>
               </c:strCache>
             </c:strRef>
@@ -440,7 +189,7 @@
                 <c:formatCode>General</c:formatCode>
                 <c:ptCount val="3"/>
                 <c:pt idx="0">
-                  <c:v>32.81</c:v>
+                  <c:v>32.809999999999995</c:v>
                 </c:pt>
                 <c:pt idx="1">
                   <c:v>14.57</c:v>
@@ -461,7 +210,7 @@
               <c:strCache>
                 <c:ptCount val="1"/>
                 <c:pt idx="0">
-                  <c:v>Размер раногового блока 4 пикселя</c:v>
+                  <c:v>Размер рангового блока 4 пикселя</c:v>
                 </c:pt>
               </c:strCache>
             </c:strRef>
@@ -473,7 +222,7 @@
                 <c:formatCode>General</c:formatCode>
                 <c:ptCount val="3"/>
                 <c:pt idx="0">
-                  <c:v>209.88000000000011</c:v>
+                  <c:v>209.88000000000002</c:v>
                 </c:pt>
                 <c:pt idx="1">
                   <c:v>84.55</c:v>
@@ -485,25 +234,25 @@
             </c:numRef>
           </c:val>
         </c:ser>
-        <c:axId val="117192192"/>
-        <c:axId val="117214208"/>
+        <c:axId val="74792320"/>
+        <c:axId val="75216000"/>
       </c:barChart>
       <c:catAx>
-        <c:axId val="117192192"/>
+        <c:axId val="74792320"/>
         <c:scaling>
           <c:orientation val="minMax"/>
         </c:scaling>
         <c:axPos val="b"/>
         <c:numFmt formatCode="General" sourceLinked="1"/>
         <c:tickLblPos val="nextTo"/>
-        <c:crossAx val="117214208"/>
+        <c:crossAx val="75216000"/>
         <c:crosses val="autoZero"/>
         <c:auto val="1"/>
         <c:lblAlgn val="ctr"/>
         <c:lblOffset val="100"/>
       </c:catAx>
       <c:valAx>
-        <c:axId val="117214208"/>
+        <c:axId val="75216000"/>
         <c:scaling>
           <c:orientation val="minMax"/>
         </c:scaling>
@@ -519,8 +268,16 @@
                   <a:defRPr/>
                 </a:pPr>
                 <a:r>
+                  <a:rPr lang="en-US"/>
+                  <a:t>t</a:t>
+                </a:r>
+                <a:r>
+                  <a:rPr lang="ru-RU" baseline="-25000"/>
+                  <a:t>комп</a:t>
+                </a:r>
+                <a:r>
                   <a:rPr lang="ru-RU"/>
-                  <a:t>Время, сек</a:t>
+                  <a:t>, сек</a:t>
                 </a:r>
               </a:p>
             </c:rich>
@@ -529,7 +286,7 @@
         </c:title>
         <c:numFmt formatCode="General" sourceLinked="1"/>
         <c:tickLblPos val="nextTo"/>
-        <c:crossAx val="117192192"/>
+        <c:crossAx val="74792320"/>
         <c:crosses val="autoZero"/>
         <c:crossBetween val="between"/>
       </c:valAx>
@@ -549,6 +306,329 @@
     </c:legend>
     <c:plotVisOnly val="1"/>
   </c:chart>
+  <c:externalData r:id="rId1"/>
+</c:chartSpace>
+</file>
+
+<file path=ppt/charts/chart2.xml><?xml version="1.0" encoding="utf-8"?>
+<c:chartSpace xmlns:c="http://schemas.openxmlformats.org/drawingml/2006/chart" xmlns:a="http://schemas.openxmlformats.org/drawingml/2006/main" xmlns:r="http://schemas.openxmlformats.org/officeDocument/2006/relationships">
+  <c:lang val="ru-RU"/>
+  <c:chart>
+    <c:plotArea>
+      <c:layout>
+        <c:manualLayout>
+          <c:layoutTarget val="inner"/>
+          <c:xMode val="edge"/>
+          <c:yMode val="edge"/>
+          <c:x val="0.24119362251930856"/>
+          <c:y val="7.6778988485025221E-2"/>
+          <c:w val="0.72205505972587414"/>
+          <c:h val="0.66145274821522348"/>
+        </c:manualLayout>
+      </c:layout>
+      <c:barChart>
+        <c:barDir val="col"/>
+        <c:grouping val="clustered"/>
+        <c:ser>
+          <c:idx val="0"/>
+          <c:order val="0"/>
+          <c:tx>
+            <c:strRef>
+              <c:f>портрет!$C$404</c:f>
+              <c:strCache>
+                <c:ptCount val="1"/>
+                <c:pt idx="0">
+                  <c:v>Первый подходящий (без разбиения)</c:v>
+                </c:pt>
+              </c:strCache>
+            </c:strRef>
+          </c:tx>
+          <c:spPr>
+            <a:pattFill prst="wdUpDiag"/>
+            <a:ln w="15875">
+              <a:solidFill>
+                <a:prstClr val="black"/>
+              </a:solidFill>
+            </a:ln>
+          </c:spPr>
+          <c:cat>
+            <c:strRef>
+              <c:f>портрет!$D$403:$F$403</c:f>
+              <c:strCache>
+                <c:ptCount val="3"/>
+                <c:pt idx="0">
+                  <c:v>Без классификации</c:v>
+                </c:pt>
+                <c:pt idx="1">
+                  <c:v>Центр масс</c:v>
+                </c:pt>
+                <c:pt idx="2">
+                  <c:v>Разница граничных значений</c:v>
+                </c:pt>
+              </c:strCache>
+            </c:strRef>
+          </c:cat>
+          <c:val>
+            <c:numRef>
+              <c:f>портрет!$D$404:$F$404</c:f>
+              <c:numCache>
+                <c:formatCode>General</c:formatCode>
+                <c:ptCount val="3"/>
+                <c:pt idx="0">
+                  <c:v>9.2100000000000009</c:v>
+                </c:pt>
+                <c:pt idx="1">
+                  <c:v>4.0599999999999996</c:v>
+                </c:pt>
+                <c:pt idx="2">
+                  <c:v>2.9499999999999997</c:v>
+                </c:pt>
+              </c:numCache>
+            </c:numRef>
+          </c:val>
+        </c:ser>
+        <c:ser>
+          <c:idx val="2"/>
+          <c:order val="1"/>
+          <c:tx>
+            <c:strRef>
+              <c:f>портрет!$C$405</c:f>
+              <c:strCache>
+                <c:ptCount val="1"/>
+                <c:pt idx="0">
+                  <c:v>Первый подходящий (с разбиением)</c:v>
+                </c:pt>
+              </c:strCache>
+            </c:strRef>
+          </c:tx>
+          <c:spPr>
+            <a:pattFill prst="pct5"/>
+            <a:ln w="15875">
+              <a:solidFill>
+                <a:prstClr val="black"/>
+              </a:solidFill>
+            </a:ln>
+          </c:spPr>
+          <c:cat>
+            <c:strRef>
+              <c:f>портрет!$D$403:$F$403</c:f>
+              <c:strCache>
+                <c:ptCount val="3"/>
+                <c:pt idx="0">
+                  <c:v>Без классификации</c:v>
+                </c:pt>
+                <c:pt idx="1">
+                  <c:v>Центр масс</c:v>
+                </c:pt>
+                <c:pt idx="2">
+                  <c:v>Разница граничных значений</c:v>
+                </c:pt>
+              </c:strCache>
+            </c:strRef>
+          </c:cat>
+          <c:val>
+            <c:numRef>
+              <c:f>портрет!$D$405:$F$405</c:f>
+              <c:numCache>
+                <c:formatCode>General</c:formatCode>
+                <c:ptCount val="3"/>
+                <c:pt idx="0">
+                  <c:v>45.08</c:v>
+                </c:pt>
+                <c:pt idx="1">
+                  <c:v>16.84</c:v>
+                </c:pt>
+                <c:pt idx="2">
+                  <c:v>15.860000000000001</c:v>
+                </c:pt>
+              </c:numCache>
+            </c:numRef>
+          </c:val>
+        </c:ser>
+        <c:ser>
+          <c:idx val="1"/>
+          <c:order val="2"/>
+          <c:tx>
+            <c:strRef>
+              <c:f>портрет!$C$406</c:f>
+              <c:strCache>
+                <c:ptCount val="1"/>
+                <c:pt idx="0">
+                  <c:v>Доменный блок с минимальным СКО</c:v>
+                </c:pt>
+              </c:strCache>
+            </c:strRef>
+          </c:tx>
+          <c:spPr>
+            <a:pattFill prst="dkHorz"/>
+            <a:ln w="15875" cmpd="sng">
+              <a:solidFill>
+                <a:prstClr val="black"/>
+              </a:solidFill>
+            </a:ln>
+          </c:spPr>
+          <c:cat>
+            <c:strRef>
+              <c:f>портрет!$D$403:$F$403</c:f>
+              <c:strCache>
+                <c:ptCount val="3"/>
+                <c:pt idx="0">
+                  <c:v>Без классификации</c:v>
+                </c:pt>
+                <c:pt idx="1">
+                  <c:v>Центр масс</c:v>
+                </c:pt>
+                <c:pt idx="2">
+                  <c:v>Разница граничных значений</c:v>
+                </c:pt>
+              </c:strCache>
+            </c:strRef>
+          </c:cat>
+          <c:val>
+            <c:numRef>
+              <c:f>портрет!$D$406:$F$406</c:f>
+              <c:numCache>
+                <c:formatCode>General</c:formatCode>
+                <c:ptCount val="3"/>
+                <c:pt idx="0">
+                  <c:v>35.720000000000006</c:v>
+                </c:pt>
+                <c:pt idx="1">
+                  <c:v>15.75</c:v>
+                </c:pt>
+                <c:pt idx="2">
+                  <c:v>13.43</c:v>
+                </c:pt>
+              </c:numCache>
+            </c:numRef>
+          </c:val>
+        </c:ser>
+        <c:ser>
+          <c:idx val="3"/>
+          <c:order val="3"/>
+          <c:tx>
+            <c:strRef>
+              <c:f>портрет!$C$407</c:f>
+              <c:strCache>
+                <c:ptCount val="1"/>
+              </c:strCache>
+            </c:strRef>
+          </c:tx>
+          <c:spPr>
+            <a:noFill/>
+          </c:spPr>
+          <c:cat>
+            <c:strRef>
+              <c:f>портрет!$D$403:$F$403</c:f>
+              <c:strCache>
+                <c:ptCount val="3"/>
+                <c:pt idx="0">
+                  <c:v>Без классификации</c:v>
+                </c:pt>
+                <c:pt idx="1">
+                  <c:v>Центр масс</c:v>
+                </c:pt>
+                <c:pt idx="2">
+                  <c:v>Разница граничных значений</c:v>
+                </c:pt>
+              </c:strCache>
+            </c:strRef>
+          </c:cat>
+          <c:val>
+            <c:numRef>
+              <c:f>портрет!$D$407:$F$407</c:f>
+              <c:numCache>
+                <c:formatCode>General</c:formatCode>
+                <c:ptCount val="3"/>
+              </c:numCache>
+            </c:numRef>
+          </c:val>
+        </c:ser>
+        <c:axId val="75842688"/>
+        <c:axId val="75844608"/>
+      </c:barChart>
+      <c:catAx>
+        <c:axId val="75842688"/>
+        <c:scaling>
+          <c:orientation val="minMax"/>
+        </c:scaling>
+        <c:axPos val="b"/>
+        <c:title>
+          <c:tx>
+            <c:rich>
+              <a:bodyPr/>
+              <a:lstStyle/>
+              <a:p>
+                <a:pPr>
+                  <a:defRPr/>
+                </a:pPr>
+                <a:r>
+                  <a:rPr lang="ru-RU" sz="1000" b="1" i="0" u="none" strike="noStrike" baseline="0"/>
+                  <a:t>Метод классификации</a:t>
+                </a:r>
+                <a:endParaRPr lang="ru-RU"/>
+              </a:p>
+            </c:rich>
+          </c:tx>
+          <c:layout>
+            <c:manualLayout>
+              <c:xMode val="edge"/>
+              <c:yMode val="edge"/>
+              <c:x val="0.38737799709497317"/>
+              <c:y val="0.91339177801793059"/>
+            </c:manualLayout>
+          </c:layout>
+        </c:title>
+        <c:tickLblPos val="nextTo"/>
+        <c:crossAx val="75844608"/>
+        <c:crosses val="autoZero"/>
+        <c:auto val="1"/>
+        <c:lblAlgn val="ctr"/>
+        <c:lblOffset val="100"/>
+      </c:catAx>
+      <c:valAx>
+        <c:axId val="75844608"/>
+        <c:scaling>
+          <c:orientation val="minMax"/>
+        </c:scaling>
+        <c:axPos val="l"/>
+        <c:majorGridlines/>
+        <c:title>
+          <c:tx>
+            <c:rich>
+              <a:bodyPr rot="0" vert="horz"/>
+              <a:lstStyle/>
+              <a:p>
+                <a:pPr>
+                  <a:defRPr/>
+                </a:pPr>
+                <a:r>
+                  <a:rPr lang="en-US" sz="1200" b="1" i="0" u="none" strike="noStrike" baseline="0"/>
+                  <a:t>t</a:t>
+                </a:r>
+                <a:r>
+                  <a:rPr lang="ru-RU" sz="1200" b="1" i="0" u="none" strike="noStrike" baseline="-25000"/>
+                  <a:t>комп</a:t>
+                </a:r>
+                <a:r>
+                  <a:rPr lang="ru-RU" sz="1200" b="1" i="0" u="none" strike="noStrike" baseline="0"/>
+                  <a:t>, сек</a:t>
+                </a:r>
+                <a:endParaRPr lang="ru-RU" sz="1200"/>
+              </a:p>
+            </c:rich>
+          </c:tx>
+          <c:layout/>
+        </c:title>
+        <c:numFmt formatCode="General" sourceLinked="1"/>
+        <c:tickLblPos val="nextTo"/>
+        <c:crossAx val="75842688"/>
+        <c:crosses val="autoZero"/>
+        <c:crossBetween val="between"/>
+      </c:valAx>
+    </c:plotArea>
+    <c:plotVisOnly val="1"/>
+  </c:chart>
   <c:spPr>
     <a:ln>
       <a:noFill/>
@@ -563,7 +643,1001 @@
   <c:lang val="ru-RU"/>
   <c:chart>
     <c:plotArea>
-      <c:layout/>
+      <c:layout>
+        <c:manualLayout>
+          <c:layoutTarget val="inner"/>
+          <c:xMode val="edge"/>
+          <c:yMode val="edge"/>
+          <c:x val="0.23679919402894628"/>
+          <c:y val="6.4391657338194408E-2"/>
+          <c:w val="0.72059922634858786"/>
+          <c:h val="0.6631460437710438"/>
+        </c:manualLayout>
+      </c:layout>
+      <c:barChart>
+        <c:barDir val="col"/>
+        <c:grouping val="clustered"/>
+        <c:ser>
+          <c:idx val="0"/>
+          <c:order val="0"/>
+          <c:tx>
+            <c:strRef>
+              <c:f>'мало деталей'!$C$407</c:f>
+              <c:strCache>
+                <c:ptCount val="1"/>
+                <c:pt idx="0">
+                  <c:v>Первый подходящий (без разбиения)</c:v>
+                </c:pt>
+              </c:strCache>
+            </c:strRef>
+          </c:tx>
+          <c:spPr>
+            <a:pattFill prst="wdUpDiag"/>
+            <a:ln w="15875">
+              <a:solidFill>
+                <a:prstClr val="black"/>
+              </a:solidFill>
+            </a:ln>
+          </c:spPr>
+          <c:cat>
+            <c:strRef>
+              <c:f>'мало деталей'!$D$406:$F$406</c:f>
+              <c:strCache>
+                <c:ptCount val="3"/>
+                <c:pt idx="0">
+                  <c:v>Без классификации</c:v>
+                </c:pt>
+                <c:pt idx="1">
+                  <c:v>Центр масс</c:v>
+                </c:pt>
+                <c:pt idx="2">
+                  <c:v>Разница граничных значений</c:v>
+                </c:pt>
+              </c:strCache>
+            </c:strRef>
+          </c:cat>
+          <c:val>
+            <c:numRef>
+              <c:f>'мало деталей'!$D$407:$F$407</c:f>
+              <c:numCache>
+                <c:formatCode>General</c:formatCode>
+                <c:ptCount val="3"/>
+                <c:pt idx="0">
+                  <c:v>2.12</c:v>
+                </c:pt>
+                <c:pt idx="1">
+                  <c:v>1.04</c:v>
+                </c:pt>
+                <c:pt idx="2">
+                  <c:v>0.94000000000000006</c:v>
+                </c:pt>
+              </c:numCache>
+            </c:numRef>
+          </c:val>
+        </c:ser>
+        <c:ser>
+          <c:idx val="2"/>
+          <c:order val="1"/>
+          <c:tx>
+            <c:strRef>
+              <c:f>'мало деталей'!$C$408</c:f>
+              <c:strCache>
+                <c:ptCount val="1"/>
+                <c:pt idx="0">
+                  <c:v>Первый подходящий (с разбиением)</c:v>
+                </c:pt>
+              </c:strCache>
+            </c:strRef>
+          </c:tx>
+          <c:spPr>
+            <a:pattFill prst="pct5"/>
+            <a:ln w="15875">
+              <a:solidFill>
+                <a:prstClr val="black"/>
+              </a:solidFill>
+            </a:ln>
+          </c:spPr>
+          <c:cat>
+            <c:strRef>
+              <c:f>'мало деталей'!$D$406:$F$406</c:f>
+              <c:strCache>
+                <c:ptCount val="3"/>
+                <c:pt idx="0">
+                  <c:v>Без классификации</c:v>
+                </c:pt>
+                <c:pt idx="1">
+                  <c:v>Центр масс</c:v>
+                </c:pt>
+                <c:pt idx="2">
+                  <c:v>Разница граничных значений</c:v>
+                </c:pt>
+              </c:strCache>
+            </c:strRef>
+          </c:cat>
+          <c:val>
+            <c:numRef>
+              <c:f>'мало деталей'!$D$408:$F$408</c:f>
+              <c:numCache>
+                <c:formatCode>General</c:formatCode>
+                <c:ptCount val="3"/>
+                <c:pt idx="0">
+                  <c:v>27.5</c:v>
+                </c:pt>
+                <c:pt idx="1">
+                  <c:v>8.84</c:v>
+                </c:pt>
+                <c:pt idx="2">
+                  <c:v>8.9</c:v>
+                </c:pt>
+              </c:numCache>
+            </c:numRef>
+          </c:val>
+        </c:ser>
+        <c:ser>
+          <c:idx val="1"/>
+          <c:order val="2"/>
+          <c:tx>
+            <c:strRef>
+              <c:f>'мало деталей'!$C$409</c:f>
+              <c:strCache>
+                <c:ptCount val="1"/>
+                <c:pt idx="0">
+                  <c:v>Доменный блок с минимальным СКО</c:v>
+                </c:pt>
+              </c:strCache>
+            </c:strRef>
+          </c:tx>
+          <c:spPr>
+            <a:pattFill prst="dkHorz"/>
+            <a:ln w="15875" cmpd="sng">
+              <a:solidFill>
+                <a:prstClr val="black"/>
+              </a:solidFill>
+            </a:ln>
+          </c:spPr>
+          <c:cat>
+            <c:strRef>
+              <c:f>'мало деталей'!$D$406:$F$406</c:f>
+              <c:strCache>
+                <c:ptCount val="3"/>
+                <c:pt idx="0">
+                  <c:v>Без классификации</c:v>
+                </c:pt>
+                <c:pt idx="1">
+                  <c:v>Центр масс</c:v>
+                </c:pt>
+                <c:pt idx="2">
+                  <c:v>Разница граничных значений</c:v>
+                </c:pt>
+              </c:strCache>
+            </c:strRef>
+          </c:cat>
+          <c:val>
+            <c:numRef>
+              <c:f>'мало деталей'!$D$409:$F$409</c:f>
+              <c:numCache>
+                <c:formatCode>General</c:formatCode>
+                <c:ptCount val="3"/>
+                <c:pt idx="0">
+                  <c:v>46.89</c:v>
+                </c:pt>
+                <c:pt idx="1">
+                  <c:v>14.34</c:v>
+                </c:pt>
+                <c:pt idx="2">
+                  <c:v>30.45</c:v>
+                </c:pt>
+              </c:numCache>
+            </c:numRef>
+          </c:val>
+        </c:ser>
+        <c:ser>
+          <c:idx val="3"/>
+          <c:order val="3"/>
+          <c:tx>
+            <c:strRef>
+              <c:f>'мало деталей'!$C$410</c:f>
+              <c:strCache>
+                <c:ptCount val="1"/>
+              </c:strCache>
+            </c:strRef>
+          </c:tx>
+          <c:spPr>
+            <a:noFill/>
+          </c:spPr>
+          <c:cat>
+            <c:strRef>
+              <c:f>'мало деталей'!$D$406:$F$406</c:f>
+              <c:strCache>
+                <c:ptCount val="3"/>
+                <c:pt idx="0">
+                  <c:v>Без классификации</c:v>
+                </c:pt>
+                <c:pt idx="1">
+                  <c:v>Центр масс</c:v>
+                </c:pt>
+                <c:pt idx="2">
+                  <c:v>Разница граничных значений</c:v>
+                </c:pt>
+              </c:strCache>
+            </c:strRef>
+          </c:cat>
+          <c:val>
+            <c:numRef>
+              <c:f>'мало деталей'!$D$410:$F$410</c:f>
+              <c:numCache>
+                <c:formatCode>General</c:formatCode>
+                <c:ptCount val="3"/>
+              </c:numCache>
+            </c:numRef>
+          </c:val>
+        </c:ser>
+        <c:axId val="75887360"/>
+        <c:axId val="75889280"/>
+      </c:barChart>
+      <c:catAx>
+        <c:axId val="75887360"/>
+        <c:scaling>
+          <c:orientation val="minMax"/>
+        </c:scaling>
+        <c:axPos val="b"/>
+        <c:title>
+          <c:tx>
+            <c:rich>
+              <a:bodyPr/>
+              <a:lstStyle/>
+              <a:p>
+                <a:pPr>
+                  <a:defRPr/>
+                </a:pPr>
+                <a:r>
+                  <a:rPr lang="ru-RU" sz="1000" b="1" i="0" u="none" strike="noStrike" baseline="0"/>
+                  <a:t>Метод классификации</a:t>
+                </a:r>
+                <a:endParaRPr lang="ru-RU"/>
+              </a:p>
+            </c:rich>
+          </c:tx>
+          <c:layout>
+            <c:manualLayout>
+              <c:xMode val="edge"/>
+              <c:yMode val="edge"/>
+              <c:x val="0.38844032921810706"/>
+              <c:y val="0.91338215488215468"/>
+            </c:manualLayout>
+          </c:layout>
+        </c:title>
+        <c:tickLblPos val="nextTo"/>
+        <c:crossAx val="75889280"/>
+        <c:crosses val="autoZero"/>
+        <c:auto val="1"/>
+        <c:lblAlgn val="ctr"/>
+        <c:lblOffset val="100"/>
+      </c:catAx>
+      <c:valAx>
+        <c:axId val="75889280"/>
+        <c:scaling>
+          <c:orientation val="minMax"/>
+        </c:scaling>
+        <c:axPos val="l"/>
+        <c:majorGridlines/>
+        <c:title>
+          <c:tx>
+            <c:rich>
+              <a:bodyPr rot="0" vert="horz"/>
+              <a:lstStyle/>
+              <a:p>
+                <a:pPr>
+                  <a:defRPr/>
+                </a:pPr>
+                <a:r>
+                  <a:rPr lang="en-US" sz="1200" b="1" i="0" u="none" strike="noStrike" baseline="0" dirty="0"/>
+                  <a:t>t</a:t>
+                </a:r>
+                <a:r>
+                  <a:rPr lang="ru-RU" sz="1200" b="1" i="0" u="none" strike="noStrike" baseline="-25000" dirty="0" err="1"/>
+                  <a:t>комп</a:t>
+                </a:r>
+                <a:r>
+                  <a:rPr lang="ru-RU" sz="1200" b="1" i="0" u="none" strike="noStrike" baseline="0" dirty="0"/>
+                  <a:t>, сек</a:t>
+                </a:r>
+                <a:endParaRPr lang="ru-RU" sz="1200" dirty="0"/>
+              </a:p>
+            </c:rich>
+          </c:tx>
+          <c:layout/>
+        </c:title>
+        <c:numFmt formatCode="General" sourceLinked="1"/>
+        <c:tickLblPos val="nextTo"/>
+        <c:crossAx val="75887360"/>
+        <c:crosses val="autoZero"/>
+        <c:crossBetween val="between"/>
+      </c:valAx>
+    </c:plotArea>
+    <c:plotVisOnly val="1"/>
+  </c:chart>
+  <c:spPr>
+    <a:ln>
+      <a:noFill/>
+    </a:ln>
+  </c:spPr>
+  <c:externalData r:id="rId1"/>
+</c:chartSpace>
+</file>
+
+<file path=ppt/charts/chart4.xml><?xml version="1.0" encoding="utf-8"?>
+<c:chartSpace xmlns:c="http://schemas.openxmlformats.org/drawingml/2006/chart" xmlns:a="http://schemas.openxmlformats.org/drawingml/2006/main" xmlns:r="http://schemas.openxmlformats.org/officeDocument/2006/relationships">
+  <c:lang val="ru-RU"/>
+  <c:chart>
+    <c:plotArea>
+      <c:layout>
+        <c:manualLayout>
+          <c:layoutTarget val="inner"/>
+          <c:xMode val="edge"/>
+          <c:yMode val="edge"/>
+          <c:x val="0.24120087448559671"/>
+          <c:y val="7.6778988485025221E-2"/>
+          <c:w val="0.71719701646090561"/>
+          <c:h val="0.67803852210781679"/>
+        </c:manualLayout>
+      </c:layout>
+      <c:barChart>
+        <c:barDir val="col"/>
+        <c:grouping val="clustered"/>
+        <c:ser>
+          <c:idx val="0"/>
+          <c:order val="0"/>
+          <c:tx>
+            <c:strRef>
+              <c:f>текст!$D$411</c:f>
+              <c:strCache>
+                <c:ptCount val="1"/>
+                <c:pt idx="0">
+                  <c:v>Первый подходящий (без разбиения)</c:v>
+                </c:pt>
+              </c:strCache>
+            </c:strRef>
+          </c:tx>
+          <c:spPr>
+            <a:pattFill prst="wdUpDiag"/>
+            <a:ln w="15875">
+              <a:solidFill>
+                <a:prstClr val="black"/>
+              </a:solidFill>
+            </a:ln>
+          </c:spPr>
+          <c:cat>
+            <c:strRef>
+              <c:f>текст!$E$410:$G$410</c:f>
+              <c:strCache>
+                <c:ptCount val="3"/>
+                <c:pt idx="0">
+                  <c:v>Без классификации</c:v>
+                </c:pt>
+                <c:pt idx="1">
+                  <c:v>Центр масс</c:v>
+                </c:pt>
+                <c:pt idx="2">
+                  <c:v>Разница граничных значений</c:v>
+                </c:pt>
+              </c:strCache>
+            </c:strRef>
+          </c:cat>
+          <c:val>
+            <c:numRef>
+              <c:f>текст!$E$411:$G$411</c:f>
+              <c:numCache>
+                <c:formatCode>General</c:formatCode>
+                <c:ptCount val="3"/>
+                <c:pt idx="0">
+                  <c:v>148.96</c:v>
+                </c:pt>
+                <c:pt idx="1">
+                  <c:v>64.169999999999987</c:v>
+                </c:pt>
+                <c:pt idx="2">
+                  <c:v>43.260000000000005</c:v>
+                </c:pt>
+              </c:numCache>
+            </c:numRef>
+          </c:val>
+        </c:ser>
+        <c:ser>
+          <c:idx val="2"/>
+          <c:order val="1"/>
+          <c:tx>
+            <c:strRef>
+              <c:f>текст!$D$412</c:f>
+              <c:strCache>
+                <c:ptCount val="1"/>
+                <c:pt idx="0">
+                  <c:v>Первый подходящий (с разбиением)</c:v>
+                </c:pt>
+              </c:strCache>
+            </c:strRef>
+          </c:tx>
+          <c:spPr>
+            <a:pattFill prst="pct5"/>
+            <a:ln w="15875">
+              <a:solidFill>
+                <a:prstClr val="black"/>
+              </a:solidFill>
+            </a:ln>
+          </c:spPr>
+          <c:cat>
+            <c:strRef>
+              <c:f>текст!$E$410:$G$410</c:f>
+              <c:strCache>
+                <c:ptCount val="3"/>
+                <c:pt idx="0">
+                  <c:v>Без классификации</c:v>
+                </c:pt>
+                <c:pt idx="1">
+                  <c:v>Центр масс</c:v>
+                </c:pt>
+                <c:pt idx="2">
+                  <c:v>Разница граничных значений</c:v>
+                </c:pt>
+              </c:strCache>
+            </c:strRef>
+          </c:cat>
+          <c:val>
+            <c:numRef>
+              <c:f>текст!$E$412:$G$412</c:f>
+              <c:numCache>
+                <c:formatCode>General</c:formatCode>
+                <c:ptCount val="3"/>
+                <c:pt idx="0">
+                  <c:v>120.94000000000001</c:v>
+                </c:pt>
+                <c:pt idx="1">
+                  <c:v>71.209999999999994</c:v>
+                </c:pt>
+                <c:pt idx="2">
+                  <c:v>52.24</c:v>
+                </c:pt>
+              </c:numCache>
+            </c:numRef>
+          </c:val>
+        </c:ser>
+        <c:ser>
+          <c:idx val="1"/>
+          <c:order val="2"/>
+          <c:tx>
+            <c:strRef>
+              <c:f>текст!$D$413</c:f>
+              <c:strCache>
+                <c:ptCount val="1"/>
+                <c:pt idx="0">
+                  <c:v>Доменный блок с минимальным СКО</c:v>
+                </c:pt>
+              </c:strCache>
+            </c:strRef>
+          </c:tx>
+          <c:spPr>
+            <a:pattFill prst="dkHorz"/>
+            <a:ln w="15875" cmpd="sng">
+              <a:solidFill>
+                <a:prstClr val="black"/>
+              </a:solidFill>
+            </a:ln>
+          </c:spPr>
+          <c:cat>
+            <c:strRef>
+              <c:f>текст!$E$410:$G$410</c:f>
+              <c:strCache>
+                <c:ptCount val="3"/>
+                <c:pt idx="0">
+                  <c:v>Без классификации</c:v>
+                </c:pt>
+                <c:pt idx="1">
+                  <c:v>Центр масс</c:v>
+                </c:pt>
+                <c:pt idx="2">
+                  <c:v>Разница граничных значений</c:v>
+                </c:pt>
+              </c:strCache>
+            </c:strRef>
+          </c:cat>
+          <c:val>
+            <c:numRef>
+              <c:f>текст!$E$413:$G$413</c:f>
+              <c:numCache>
+                <c:formatCode>General</c:formatCode>
+                <c:ptCount val="3"/>
+                <c:pt idx="0">
+                  <c:v>136.16999999999999</c:v>
+                </c:pt>
+                <c:pt idx="1">
+                  <c:v>96.77</c:v>
+                </c:pt>
+                <c:pt idx="2">
+                  <c:v>37.190000000000005</c:v>
+                </c:pt>
+              </c:numCache>
+            </c:numRef>
+          </c:val>
+        </c:ser>
+        <c:ser>
+          <c:idx val="3"/>
+          <c:order val="3"/>
+          <c:tx>
+            <c:strRef>
+              <c:f>текст!$D$414</c:f>
+              <c:strCache>
+                <c:ptCount val="1"/>
+              </c:strCache>
+            </c:strRef>
+          </c:tx>
+          <c:spPr>
+            <a:noFill/>
+          </c:spPr>
+          <c:cat>
+            <c:strRef>
+              <c:f>текст!$E$410:$G$410</c:f>
+              <c:strCache>
+                <c:ptCount val="3"/>
+                <c:pt idx="0">
+                  <c:v>Без классификации</c:v>
+                </c:pt>
+                <c:pt idx="1">
+                  <c:v>Центр масс</c:v>
+                </c:pt>
+                <c:pt idx="2">
+                  <c:v>Разница граничных значений</c:v>
+                </c:pt>
+              </c:strCache>
+            </c:strRef>
+          </c:cat>
+          <c:val>
+            <c:numRef>
+              <c:f>текст!$E$414:$G$414</c:f>
+              <c:numCache>
+                <c:formatCode>General</c:formatCode>
+                <c:ptCount val="3"/>
+              </c:numCache>
+            </c:numRef>
+          </c:val>
+        </c:ser>
+        <c:axId val="75796864"/>
+        <c:axId val="75798784"/>
+      </c:barChart>
+      <c:catAx>
+        <c:axId val="75796864"/>
+        <c:scaling>
+          <c:orientation val="minMax"/>
+        </c:scaling>
+        <c:axPos val="b"/>
+        <c:title>
+          <c:tx>
+            <c:rich>
+              <a:bodyPr/>
+              <a:lstStyle/>
+              <a:p>
+                <a:pPr>
+                  <a:defRPr/>
+                </a:pPr>
+                <a:r>
+                  <a:rPr lang="ru-RU" sz="1000" b="1" i="0" u="none" strike="noStrike" baseline="0"/>
+                  <a:t>Метод классификации</a:t>
+                </a:r>
+                <a:endParaRPr lang="ru-RU"/>
+              </a:p>
+            </c:rich>
+          </c:tx>
+          <c:layout>
+            <c:manualLayout>
+              <c:xMode val="edge"/>
+              <c:yMode val="edge"/>
+              <c:x val="0.38839068930041171"/>
+              <c:y val="0.91338215488215468"/>
+            </c:manualLayout>
+          </c:layout>
+        </c:title>
+        <c:tickLblPos val="nextTo"/>
+        <c:crossAx val="75798784"/>
+        <c:crosses val="autoZero"/>
+        <c:auto val="1"/>
+        <c:lblAlgn val="ctr"/>
+        <c:lblOffset val="100"/>
+      </c:catAx>
+      <c:valAx>
+        <c:axId val="75798784"/>
+        <c:scaling>
+          <c:orientation val="minMax"/>
+        </c:scaling>
+        <c:axPos val="l"/>
+        <c:majorGridlines/>
+        <c:title>
+          <c:tx>
+            <c:rich>
+              <a:bodyPr rot="0" vert="horz"/>
+              <a:lstStyle/>
+              <a:p>
+                <a:pPr>
+                  <a:defRPr/>
+                </a:pPr>
+                <a:r>
+                  <a:rPr lang="en-US" sz="1200" b="1" i="0" u="none" strike="noStrike" baseline="0"/>
+                  <a:t>t</a:t>
+                </a:r>
+                <a:r>
+                  <a:rPr lang="ru-RU" sz="1200" b="1" i="0" u="none" strike="noStrike" baseline="-25000"/>
+                  <a:t>комп</a:t>
+                </a:r>
+                <a:r>
+                  <a:rPr lang="ru-RU" sz="1200" b="1" i="0" u="none" strike="noStrike" baseline="0"/>
+                  <a:t>, сек</a:t>
+                </a:r>
+                <a:endParaRPr lang="ru-RU" sz="1200"/>
+              </a:p>
+            </c:rich>
+          </c:tx>
+          <c:layout/>
+        </c:title>
+        <c:numFmt formatCode="General" sourceLinked="1"/>
+        <c:tickLblPos val="nextTo"/>
+        <c:crossAx val="75796864"/>
+        <c:crosses val="autoZero"/>
+        <c:crossBetween val="between"/>
+      </c:valAx>
+    </c:plotArea>
+    <c:plotVisOnly val="1"/>
+  </c:chart>
+  <c:spPr>
+    <a:ln>
+      <a:noFill/>
+    </a:ln>
+  </c:spPr>
+  <c:externalData r:id="rId1"/>
+</c:chartSpace>
+</file>
+
+<file path=ppt/charts/chart5.xml><?xml version="1.0" encoding="utf-8"?>
+<c:chartSpace xmlns:c="http://schemas.openxmlformats.org/drawingml/2006/chart" xmlns:a="http://schemas.openxmlformats.org/drawingml/2006/main" xmlns:r="http://schemas.openxmlformats.org/officeDocument/2006/relationships">
+  <c:lang val="ru-RU"/>
+  <c:chart>
+    <c:plotArea>
+      <c:layout>
+        <c:manualLayout>
+          <c:layoutTarget val="inner"/>
+          <c:xMode val="edge"/>
+          <c:yMode val="edge"/>
+          <c:x val="0.26079963991769545"/>
+          <c:y val="7.6778988485025221E-2"/>
+          <c:w val="0.69202160493827181"/>
+          <c:h val="0.68139537103316661"/>
+        </c:manualLayout>
+      </c:layout>
+      <c:barChart>
+        <c:barDir val="col"/>
+        <c:grouping val="clustered"/>
+        <c:ser>
+          <c:idx val="0"/>
+          <c:order val="0"/>
+          <c:tx>
+            <c:strRef>
+              <c:f>'много деталей'!$C$409</c:f>
+              <c:strCache>
+                <c:ptCount val="1"/>
+                <c:pt idx="0">
+                  <c:v>Первый подходящий (без разбиения)</c:v>
+                </c:pt>
+              </c:strCache>
+            </c:strRef>
+          </c:tx>
+          <c:spPr>
+            <a:pattFill prst="wdUpDiag"/>
+            <a:ln w="15875">
+              <a:solidFill>
+                <a:prstClr val="black"/>
+              </a:solidFill>
+            </a:ln>
+          </c:spPr>
+          <c:cat>
+            <c:strRef>
+              <c:f>'много деталей'!$D$408:$F$408</c:f>
+              <c:strCache>
+                <c:ptCount val="3"/>
+                <c:pt idx="0">
+                  <c:v>Без классификации</c:v>
+                </c:pt>
+                <c:pt idx="1">
+                  <c:v>Центр масс</c:v>
+                </c:pt>
+                <c:pt idx="2">
+                  <c:v>Разница граничных значений</c:v>
+                </c:pt>
+              </c:strCache>
+            </c:strRef>
+          </c:cat>
+          <c:val>
+            <c:numRef>
+              <c:f>'много деталей'!$D$409:$F$409</c:f>
+              <c:numCache>
+                <c:formatCode>General</c:formatCode>
+                <c:ptCount val="3"/>
+                <c:pt idx="0">
+                  <c:v>131.23999999999998</c:v>
+                </c:pt>
+                <c:pt idx="1">
+                  <c:v>69.36</c:v>
+                </c:pt>
+                <c:pt idx="2">
+                  <c:v>56.09</c:v>
+                </c:pt>
+              </c:numCache>
+            </c:numRef>
+          </c:val>
+        </c:ser>
+        <c:ser>
+          <c:idx val="2"/>
+          <c:order val="1"/>
+          <c:tx>
+            <c:strRef>
+              <c:f>'много деталей'!$C$410</c:f>
+              <c:strCache>
+                <c:ptCount val="1"/>
+                <c:pt idx="0">
+                  <c:v>Первый подходящий (с разбиением)</c:v>
+                </c:pt>
+              </c:strCache>
+            </c:strRef>
+          </c:tx>
+          <c:spPr>
+            <a:pattFill prst="pct5"/>
+            <a:ln w="15875">
+              <a:solidFill>
+                <a:prstClr val="black"/>
+              </a:solidFill>
+            </a:ln>
+          </c:spPr>
+          <c:cat>
+            <c:strRef>
+              <c:f>'много деталей'!$D$408:$F$408</c:f>
+              <c:strCache>
+                <c:ptCount val="3"/>
+                <c:pt idx="0">
+                  <c:v>Без классификации</c:v>
+                </c:pt>
+                <c:pt idx="1">
+                  <c:v>Центр масс</c:v>
+                </c:pt>
+                <c:pt idx="2">
+                  <c:v>Разница граничных значений</c:v>
+                </c:pt>
+              </c:strCache>
+            </c:strRef>
+          </c:cat>
+          <c:val>
+            <c:numRef>
+              <c:f>'много деталей'!$D$410:$F$410</c:f>
+              <c:numCache>
+                <c:formatCode>General</c:formatCode>
+                <c:ptCount val="3"/>
+                <c:pt idx="0">
+                  <c:v>109.66999999999999</c:v>
+                </c:pt>
+                <c:pt idx="1">
+                  <c:v>43.27</c:v>
+                </c:pt>
+                <c:pt idx="2">
+                  <c:v>37.42</c:v>
+                </c:pt>
+              </c:numCache>
+            </c:numRef>
+          </c:val>
+        </c:ser>
+        <c:ser>
+          <c:idx val="1"/>
+          <c:order val="2"/>
+          <c:tx>
+            <c:strRef>
+              <c:f>'много деталей'!$C$411</c:f>
+              <c:strCache>
+                <c:ptCount val="1"/>
+                <c:pt idx="0">
+                  <c:v>Доменный блок с минимальным СКО</c:v>
+                </c:pt>
+              </c:strCache>
+            </c:strRef>
+          </c:tx>
+          <c:spPr>
+            <a:pattFill prst="dkHorz"/>
+            <a:ln w="15875" cmpd="sng">
+              <a:solidFill>
+                <a:prstClr val="black"/>
+              </a:solidFill>
+            </a:ln>
+          </c:spPr>
+          <c:cat>
+            <c:strRef>
+              <c:f>'много деталей'!$D$408:$F$408</c:f>
+              <c:strCache>
+                <c:ptCount val="3"/>
+                <c:pt idx="0">
+                  <c:v>Без классификации</c:v>
+                </c:pt>
+                <c:pt idx="1">
+                  <c:v>Центр масс</c:v>
+                </c:pt>
+                <c:pt idx="2">
+                  <c:v>Разница граничных значений</c:v>
+                </c:pt>
+              </c:strCache>
+            </c:strRef>
+          </c:cat>
+          <c:val>
+            <c:numRef>
+              <c:f>'много деталей'!$D$411:$F$411</c:f>
+              <c:numCache>
+                <c:formatCode>General</c:formatCode>
+                <c:ptCount val="3"/>
+                <c:pt idx="0">
+                  <c:v>225.10999999999999</c:v>
+                </c:pt>
+                <c:pt idx="1">
+                  <c:v>57.06</c:v>
+                </c:pt>
+                <c:pt idx="2">
+                  <c:v>31.310000000000002</c:v>
+                </c:pt>
+              </c:numCache>
+            </c:numRef>
+          </c:val>
+        </c:ser>
+        <c:ser>
+          <c:idx val="3"/>
+          <c:order val="3"/>
+          <c:tx>
+            <c:strRef>
+              <c:f>'много деталей'!$C$412</c:f>
+              <c:strCache>
+                <c:ptCount val="1"/>
+              </c:strCache>
+            </c:strRef>
+          </c:tx>
+          <c:spPr>
+            <a:noFill/>
+          </c:spPr>
+          <c:cat>
+            <c:strRef>
+              <c:f>'много деталей'!$D$408:$F$408</c:f>
+              <c:strCache>
+                <c:ptCount val="3"/>
+                <c:pt idx="0">
+                  <c:v>Без классификации</c:v>
+                </c:pt>
+                <c:pt idx="1">
+                  <c:v>Центр масс</c:v>
+                </c:pt>
+                <c:pt idx="2">
+                  <c:v>Разница граничных значений</c:v>
+                </c:pt>
+              </c:strCache>
+            </c:strRef>
+          </c:cat>
+          <c:val>
+            <c:numRef>
+              <c:f>'много деталей'!$D$412:$F$412</c:f>
+              <c:numCache>
+                <c:formatCode>General</c:formatCode>
+                <c:ptCount val="3"/>
+              </c:numCache>
+            </c:numRef>
+          </c:val>
+        </c:ser>
+        <c:axId val="76173312"/>
+        <c:axId val="76175232"/>
+      </c:barChart>
+      <c:catAx>
+        <c:axId val="76173312"/>
+        <c:scaling>
+          <c:orientation val="minMax"/>
+        </c:scaling>
+        <c:axPos val="b"/>
+        <c:title>
+          <c:tx>
+            <c:rich>
+              <a:bodyPr/>
+              <a:lstStyle/>
+              <a:p>
+                <a:pPr>
+                  <a:defRPr/>
+                </a:pPr>
+                <a:r>
+                  <a:rPr lang="ru-RU" sz="1000" b="1" i="0" u="none" strike="noStrike" baseline="0"/>
+                  <a:t>Метод классификации</a:t>
+                </a:r>
+                <a:endParaRPr lang="ru-RU"/>
+              </a:p>
+            </c:rich>
+          </c:tx>
+          <c:layout>
+            <c:manualLayout>
+              <c:xMode val="edge"/>
+              <c:yMode val="edge"/>
+              <c:x val="0.40653960905349795"/>
+              <c:y val="0.91338215488215468"/>
+            </c:manualLayout>
+          </c:layout>
+        </c:title>
+        <c:tickLblPos val="nextTo"/>
+        <c:crossAx val="76175232"/>
+        <c:crosses val="autoZero"/>
+        <c:auto val="1"/>
+        <c:lblAlgn val="ctr"/>
+        <c:lblOffset val="100"/>
+      </c:catAx>
+      <c:valAx>
+        <c:axId val="76175232"/>
+        <c:scaling>
+          <c:orientation val="minMax"/>
+        </c:scaling>
+        <c:axPos val="l"/>
+        <c:majorGridlines/>
+        <c:title>
+          <c:tx>
+            <c:rich>
+              <a:bodyPr rot="0" vert="horz"/>
+              <a:lstStyle/>
+              <a:p>
+                <a:pPr>
+                  <a:defRPr/>
+                </a:pPr>
+                <a:r>
+                  <a:rPr lang="en-US" sz="1200" b="1" i="0" u="none" strike="noStrike" baseline="0"/>
+                  <a:t>t</a:t>
+                </a:r>
+                <a:r>
+                  <a:rPr lang="ru-RU" sz="1200" b="1" i="0" u="none" strike="noStrike" baseline="-25000"/>
+                  <a:t>комп</a:t>
+                </a:r>
+                <a:r>
+                  <a:rPr lang="ru-RU" sz="1200" b="1" i="0" u="none" strike="noStrike" baseline="0"/>
+                  <a:t>, сек</a:t>
+                </a:r>
+                <a:endParaRPr lang="ru-RU" sz="1200"/>
+              </a:p>
+            </c:rich>
+          </c:tx>
+          <c:layout/>
+        </c:title>
+        <c:numFmt formatCode="General" sourceLinked="1"/>
+        <c:tickLblPos val="nextTo"/>
+        <c:crossAx val="76173312"/>
+        <c:crosses val="autoZero"/>
+        <c:crossBetween val="between"/>
+      </c:valAx>
+    </c:plotArea>
+    <c:plotVisOnly val="1"/>
+  </c:chart>
+  <c:spPr>
+    <a:ln>
+      <a:noFill/>
+    </a:ln>
+  </c:spPr>
+  <c:externalData r:id="rId1"/>
+</c:chartSpace>
+</file>
+
+<file path=ppt/charts/chart6.xml><?xml version="1.0" encoding="utf-8"?>
+<c:chartSpace xmlns:c="http://schemas.openxmlformats.org/drawingml/2006/chart" xmlns:a="http://schemas.openxmlformats.org/drawingml/2006/main" xmlns:r="http://schemas.openxmlformats.org/officeDocument/2006/relationships">
+  <c:lang val="ru-RU"/>
+  <c:chart>
+    <c:plotArea>
+      <c:layout>
+        <c:manualLayout>
+          <c:layoutTarget val="inner"/>
+          <c:xMode val="edge"/>
+          <c:yMode val="edge"/>
+          <c:x val="0.26033420529032131"/>
+          <c:y val="4.208764352579368E-2"/>
+          <c:w val="0.64310135412304625"/>
+          <c:h val="0.71646967520510574"/>
+        </c:manualLayout>
+      </c:layout>
       <c:barChart>
         <c:barDir val="col"/>
         <c:grouping val="clustered"/>
@@ -660,7 +1734,7 @@
                   <c:v>11.68</c:v>
                 </c:pt>
                 <c:pt idx="1">
-                  <c:v>53.31</c:v>
+                  <c:v>53.309999999999995</c:v>
                 </c:pt>
                 <c:pt idx="2">
                   <c:v>308.94</c:v>
@@ -669,11 +1743,11 @@
             </c:numRef>
           </c:val>
         </c:ser>
-        <c:axId val="84069376"/>
-        <c:axId val="87489152"/>
+        <c:axId val="76208768"/>
+        <c:axId val="75256576"/>
       </c:barChart>
       <c:catAx>
-        <c:axId val="84069376"/>
+        <c:axId val="76208768"/>
         <c:scaling>
           <c:orientation val="minMax"/>
         </c:scaling>
@@ -698,14 +1772,14 @@
         </c:title>
         <c:numFmt formatCode="General" sourceLinked="1"/>
         <c:tickLblPos val="nextTo"/>
-        <c:crossAx val="87489152"/>
+        <c:crossAx val="75256576"/>
         <c:crosses val="autoZero"/>
         <c:auto val="1"/>
         <c:lblAlgn val="ctr"/>
         <c:lblOffset val="100"/>
       </c:catAx>
       <c:valAx>
-        <c:axId val="87489152"/>
+        <c:axId val="75256576"/>
         <c:scaling>
           <c:orientation val="minMax"/>
         </c:scaling>
@@ -721,8 +1795,16 @@
                   <a:defRPr/>
                 </a:pPr>
                 <a:r>
+                  <a:rPr lang="en-US"/>
+                  <a:t>t</a:t>
+                </a:r>
+                <a:r>
+                  <a:rPr lang="ru-RU" sz="1000" baseline="-25000"/>
+                  <a:t>комп</a:t>
+                </a:r>
+                <a:r>
                   <a:rPr lang="ru-RU"/>
-                  <a:t>Время, сек</a:t>
+                  <a:t>, сек</a:t>
                 </a:r>
               </a:p>
             </c:rich>
@@ -731,14 +1813,365 @@
         </c:title>
         <c:numFmt formatCode="General" sourceLinked="1"/>
         <c:tickLblPos val="nextTo"/>
-        <c:crossAx val="84069376"/>
+        <c:crossAx val="76208768"/>
         <c:crosses val="autoZero"/>
         <c:crossBetween val="between"/>
       </c:valAx>
     </c:plotArea>
     <c:legend>
       <c:legendPos val="r"/>
-      <c:layout/>
+      <c:layout>
+        <c:manualLayout>
+          <c:xMode val="edge"/>
+          <c:yMode val="edge"/>
+          <c:x val="0.18050645887830649"/>
+          <c:y val="0.91139119997686224"/>
+          <c:w val="0.67198467847006904"/>
+          <c:h val="8.7841159967992924E-2"/>
+        </c:manualLayout>
+      </c:layout>
+    </c:legend>
+    <c:plotVisOnly val="1"/>
+  </c:chart>
+  <c:externalData r:id="rId1"/>
+</c:chartSpace>
+</file>
+
+<file path=ppt/charts/chart7.xml><?xml version="1.0" encoding="utf-8"?>
+<c:chartSpace xmlns:c="http://schemas.openxmlformats.org/drawingml/2006/chart" xmlns:a="http://schemas.openxmlformats.org/drawingml/2006/main" xmlns:r="http://schemas.openxmlformats.org/officeDocument/2006/relationships">
+  <c:lang val="ru-RU"/>
+  <c:chart>
+    <c:plotArea>
+      <c:layout>
+        <c:manualLayout>
+          <c:layoutTarget val="inner"/>
+          <c:xMode val="edge"/>
+          <c:yMode val="edge"/>
+          <c:x val="0.24732484349247796"/>
+          <c:y val="7.6778988485025221E-2"/>
+          <c:w val="0.73397586257497827"/>
+          <c:h val="0.59670316787877742"/>
+        </c:manualLayout>
+      </c:layout>
+      <c:barChart>
+        <c:barDir val="col"/>
+        <c:grouping val="clustered"/>
+        <c:ser>
+          <c:idx val="0"/>
+          <c:order val="0"/>
+          <c:tx>
+            <c:strRef>
+              <c:f>цвет!$D$111</c:f>
+              <c:strCache>
+                <c:ptCount val="1"/>
+                <c:pt idx="0">
+                  <c:v>В оттенках серого</c:v>
+                </c:pt>
+              </c:strCache>
+            </c:strRef>
+          </c:tx>
+          <c:spPr>
+            <a:pattFill prst="wdUpDiag"/>
+            <a:ln w="15875">
+              <a:solidFill>
+                <a:prstClr val="black"/>
+              </a:solidFill>
+            </a:ln>
+          </c:spPr>
+          <c:cat>
+            <c:strRef>
+              <c:f>цвет!$E$110:$G$110</c:f>
+              <c:strCache>
+                <c:ptCount val="3"/>
+                <c:pt idx="0">
+                  <c:v>Первый подходящий (без разбиения)</c:v>
+                </c:pt>
+                <c:pt idx="1">
+                  <c:v>Первый подходящий (с разбиением)</c:v>
+                </c:pt>
+                <c:pt idx="2">
+                  <c:v>Доменный блок с минимальным СКО</c:v>
+                </c:pt>
+              </c:strCache>
+            </c:strRef>
+          </c:cat>
+          <c:val>
+            <c:numRef>
+              <c:f>цвет!$E$111:$G$111</c:f>
+              <c:numCache>
+                <c:formatCode>General</c:formatCode>
+                <c:ptCount val="3"/>
+                <c:pt idx="0">
+                  <c:v>9.2100000000000009</c:v>
+                </c:pt>
+                <c:pt idx="1">
+                  <c:v>45.08</c:v>
+                </c:pt>
+                <c:pt idx="2">
+                  <c:v>35.720000000000006</c:v>
+                </c:pt>
+              </c:numCache>
+            </c:numRef>
+          </c:val>
+        </c:ser>
+        <c:ser>
+          <c:idx val="2"/>
+          <c:order val="1"/>
+          <c:tx>
+            <c:strRef>
+              <c:f>цвет!$D$112</c:f>
+              <c:strCache>
+                <c:ptCount val="1"/>
+                <c:pt idx="0">
+                  <c:v>RGB</c:v>
+                </c:pt>
+              </c:strCache>
+            </c:strRef>
+          </c:tx>
+          <c:spPr>
+            <a:pattFill prst="pct5"/>
+            <a:ln w="15875">
+              <a:solidFill>
+                <a:prstClr val="black"/>
+              </a:solidFill>
+            </a:ln>
+          </c:spPr>
+          <c:cat>
+            <c:strRef>
+              <c:f>цвет!$E$110:$G$110</c:f>
+              <c:strCache>
+                <c:ptCount val="3"/>
+                <c:pt idx="0">
+                  <c:v>Первый подходящий (без разбиения)</c:v>
+                </c:pt>
+                <c:pt idx="1">
+                  <c:v>Первый подходящий (с разбиением)</c:v>
+                </c:pt>
+                <c:pt idx="2">
+                  <c:v>Доменный блок с минимальным СКО</c:v>
+                </c:pt>
+              </c:strCache>
+            </c:strRef>
+          </c:cat>
+          <c:val>
+            <c:numRef>
+              <c:f>цвет!$E$112:$G$112</c:f>
+              <c:numCache>
+                <c:formatCode>General</c:formatCode>
+                <c:ptCount val="3"/>
+                <c:pt idx="0">
+                  <c:v>18.989999999999991</c:v>
+                </c:pt>
+                <c:pt idx="1">
+                  <c:v>154.73999999999998</c:v>
+                </c:pt>
+                <c:pt idx="2">
+                  <c:v>55.91</c:v>
+                </c:pt>
+              </c:numCache>
+            </c:numRef>
+          </c:val>
+        </c:ser>
+        <c:ser>
+          <c:idx val="1"/>
+          <c:order val="2"/>
+          <c:tx>
+            <c:strRef>
+              <c:f>цвет!$D$113</c:f>
+              <c:strCache>
+                <c:ptCount val="1"/>
+                <c:pt idx="0">
+                  <c:v>YIQ</c:v>
+                </c:pt>
+              </c:strCache>
+            </c:strRef>
+          </c:tx>
+          <c:spPr>
+            <a:pattFill prst="dkHorz"/>
+            <a:ln w="15875" cmpd="sng">
+              <a:solidFill>
+                <a:prstClr val="black"/>
+              </a:solidFill>
+            </a:ln>
+          </c:spPr>
+          <c:cat>
+            <c:strRef>
+              <c:f>цвет!$E$110:$G$110</c:f>
+              <c:strCache>
+                <c:ptCount val="3"/>
+                <c:pt idx="0">
+                  <c:v>Первый подходящий (без разбиения)</c:v>
+                </c:pt>
+                <c:pt idx="1">
+                  <c:v>Первый подходящий (с разбиением)</c:v>
+                </c:pt>
+                <c:pt idx="2">
+                  <c:v>Доменный блок с минимальным СКО</c:v>
+                </c:pt>
+              </c:strCache>
+            </c:strRef>
+          </c:cat>
+          <c:val>
+            <c:numRef>
+              <c:f>цвет!$E$113:$G$113</c:f>
+              <c:numCache>
+                <c:formatCode>General</c:formatCode>
+                <c:ptCount val="3"/>
+                <c:pt idx="0">
+                  <c:v>96.38</c:v>
+                </c:pt>
+                <c:pt idx="1">
+                  <c:v>220.31</c:v>
+                </c:pt>
+                <c:pt idx="2">
+                  <c:v>200.37</c:v>
+                </c:pt>
+              </c:numCache>
+            </c:numRef>
+          </c:val>
+        </c:ser>
+        <c:ser>
+          <c:idx val="3"/>
+          <c:order val="3"/>
+          <c:tx>
+            <c:strRef>
+              <c:f>цвет!$D$114</c:f>
+              <c:strCache>
+                <c:ptCount val="1"/>
+              </c:strCache>
+            </c:strRef>
+          </c:tx>
+          <c:spPr>
+            <a:noFill/>
+          </c:spPr>
+          <c:cat>
+            <c:strRef>
+              <c:f>цвет!$E$110:$G$110</c:f>
+              <c:strCache>
+                <c:ptCount val="3"/>
+                <c:pt idx="0">
+                  <c:v>Первый подходящий (без разбиения)</c:v>
+                </c:pt>
+                <c:pt idx="1">
+                  <c:v>Первый подходящий (с разбиением)</c:v>
+                </c:pt>
+                <c:pt idx="2">
+                  <c:v>Доменный блок с минимальным СКО</c:v>
+                </c:pt>
+              </c:strCache>
+            </c:strRef>
+          </c:cat>
+          <c:val>
+            <c:numRef>
+              <c:f>цвет!$E$114:$G$114</c:f>
+              <c:numCache>
+                <c:formatCode>General</c:formatCode>
+                <c:ptCount val="3"/>
+              </c:numCache>
+            </c:numRef>
+          </c:val>
+        </c:ser>
+        <c:axId val="75292672"/>
+        <c:axId val="75294592"/>
+      </c:barChart>
+      <c:catAx>
+        <c:axId val="75292672"/>
+        <c:scaling>
+          <c:orientation val="minMax"/>
+        </c:scaling>
+        <c:axPos val="b"/>
+        <c:title>
+          <c:tx>
+            <c:rich>
+              <a:bodyPr/>
+              <a:lstStyle/>
+              <a:p>
+                <a:pPr>
+                  <a:defRPr/>
+                </a:pPr>
+                <a:r>
+                  <a:rPr lang="ru-RU" sz="1000" b="1" i="0" u="none" strike="noStrike" baseline="0"/>
+                  <a:t>Метод классификации</a:t>
+                </a:r>
+                <a:endParaRPr lang="ru-RU"/>
+              </a:p>
+            </c:rich>
+          </c:tx>
+          <c:layout/>
+        </c:title>
+        <c:tickLblPos val="nextTo"/>
+        <c:crossAx val="75294592"/>
+        <c:crosses val="autoZero"/>
+        <c:auto val="1"/>
+        <c:lblAlgn val="ctr"/>
+        <c:lblOffset val="100"/>
+      </c:catAx>
+      <c:valAx>
+        <c:axId val="75294592"/>
+        <c:scaling>
+          <c:orientation val="minMax"/>
+        </c:scaling>
+        <c:axPos val="l"/>
+        <c:majorGridlines/>
+        <c:title>
+          <c:tx>
+            <c:rich>
+              <a:bodyPr rot="0" vert="horz"/>
+              <a:lstStyle/>
+              <a:p>
+                <a:pPr>
+                  <a:defRPr/>
+                </a:pPr>
+                <a:r>
+                  <a:rPr lang="en-US" sz="1200" b="1" i="0" u="none" strike="noStrike" baseline="0"/>
+                  <a:t>t</a:t>
+                </a:r>
+                <a:r>
+                  <a:rPr lang="ru-RU" sz="1200" b="1" i="0" u="none" strike="noStrike" baseline="-25000"/>
+                  <a:t>комп</a:t>
+                </a:r>
+                <a:r>
+                  <a:rPr lang="ru-RU" sz="1200" b="1" i="0" u="none" strike="noStrike" baseline="0"/>
+                  <a:t>, сек</a:t>
+                </a:r>
+                <a:endParaRPr lang="ru-RU" sz="1200"/>
+              </a:p>
+            </c:rich>
+          </c:tx>
+          <c:layout/>
+        </c:title>
+        <c:numFmt formatCode="General" sourceLinked="1"/>
+        <c:tickLblPos val="nextTo"/>
+        <c:crossAx val="75292672"/>
+        <c:crosses val="autoZero"/>
+        <c:crossBetween val="between"/>
+      </c:valAx>
+    </c:plotArea>
+    <c:legend>
+      <c:legendPos val="r"/>
+      <c:legendEntry>
+        <c:idx val="3"/>
+        <c:txPr>
+          <a:bodyPr/>
+          <a:lstStyle/>
+          <a:p>
+            <a:pPr>
+              <a:defRPr sz="2000"/>
+            </a:pPr>
+            <a:endParaRPr lang="ru-RU"/>
+          </a:p>
+        </c:txPr>
+      </c:legendEntry>
+      <c:layout>
+        <c:manualLayout>
+          <c:xMode val="edge"/>
+          <c:yMode val="edge"/>
+          <c:x val="0.1957219221942807"/>
+          <c:y val="0.90258139661202907"/>
+          <c:w val="0.71818151003375874"/>
+          <c:h val="9.7418603387970884E-2"/>
+        </c:manualLayout>
+      </c:layout>
     </c:legend>
     <c:plotVisOnly val="1"/>
   </c:chart>
@@ -834,7 +2267,7 @@
             <a:fld id="{B3AB11DC-6867-4096-965C-2AEE33BDBF6E}" type="datetimeFigureOut">
               <a:rPr lang="ru-RU" smtClean="0"/>
               <a:pPr/>
-              <a:t>15.04.2018</a:t>
+              <a:t>26.05.2018</a:t>
             </a:fld>
             <a:endParaRPr lang="ru-RU"/>
           </a:p>
@@ -1232,10 +2665,10 @@
             <a:extLst/>
           </a:lstStyle>
           <a:p>
-            <a:fld id="{5B106E36-FD25-4E2D-B0AA-010F637433A0}" type="datetimeFigureOut">
+            <a:fld id="{DC5CE5B1-E640-48C8-BC5F-011C2BBD09CA}" type="datetime1">
               <a:rPr lang="ru-RU" smtClean="0"/>
               <a:pPr/>
-              <a:t>15.04.2018</a:t>
+              <a:t>26.05.2018</a:t>
             </a:fld>
             <a:endParaRPr lang="ru-RU"/>
           </a:p>
@@ -1547,10 +2980,10 @@
             <a:extLst/>
           </a:lstStyle>
           <a:p>
-            <a:fld id="{5B106E36-FD25-4E2D-B0AA-010F637433A0}" type="datetimeFigureOut">
+            <a:fld id="{A908F6E1-9441-4DDA-95AC-E29769AA1C4F}" type="datetime1">
               <a:rPr lang="ru-RU" smtClean="0"/>
               <a:pPr/>
-              <a:t>15.04.2018</a:t>
+              <a:t>26.05.2018</a:t>
             </a:fld>
             <a:endParaRPr lang="ru-RU"/>
           </a:p>
@@ -1734,10 +3167,10 @@
             <a:extLst/>
           </a:lstStyle>
           <a:p>
-            <a:fld id="{5B106E36-FD25-4E2D-B0AA-010F637433A0}" type="datetimeFigureOut">
+            <a:fld id="{7D696E63-F84D-41EE-9FE8-03AAC096D0DC}" type="datetime1">
               <a:rPr lang="ru-RU" smtClean="0"/>
               <a:pPr/>
-              <a:t>15.04.2018</a:t>
+              <a:t>26.05.2018</a:t>
             </a:fld>
             <a:endParaRPr lang="ru-RU"/>
           </a:p>
@@ -1911,10 +3344,10 @@
             <a:extLst/>
           </a:lstStyle>
           <a:p>
-            <a:fld id="{5B106E36-FD25-4E2D-B0AA-010F637433A0}" type="datetimeFigureOut">
+            <a:fld id="{D79831A1-1230-48E1-A5B7-27D250DCB573}" type="datetime1">
               <a:rPr lang="ru-RU" smtClean="0"/>
               <a:pPr/>
-              <a:t>15.04.2018</a:t>
+              <a:t>26.05.2018</a:t>
             </a:fld>
             <a:endParaRPr lang="ru-RU"/>
           </a:p>
@@ -2181,10 +3614,10 @@
             <a:extLst/>
           </a:lstStyle>
           <a:p>
-            <a:fld id="{5B106E36-FD25-4E2D-B0AA-010F637433A0}" type="datetimeFigureOut">
+            <a:fld id="{54563D98-FCFF-4998-86E8-51C5468E9B8C}" type="datetime1">
               <a:rPr lang="ru-RU" smtClean="0"/>
               <a:pPr/>
-              <a:t>15.04.2018</a:t>
+              <a:t>26.05.2018</a:t>
             </a:fld>
             <a:endParaRPr lang="ru-RU"/>
           </a:p>
@@ -2651,10 +4084,10 @@
             <a:extLst/>
           </a:lstStyle>
           <a:p>
-            <a:fld id="{5B106E36-FD25-4E2D-B0AA-010F637433A0}" type="datetimeFigureOut">
+            <a:fld id="{35DAD7E7-A528-4137-97EE-A962BF1C917B}" type="datetime1">
               <a:rPr lang="ru-RU" smtClean="0"/>
               <a:pPr/>
-              <a:t>15.04.2018</a:t>
+              <a:t>26.05.2018</a:t>
             </a:fld>
             <a:endParaRPr lang="ru-RU"/>
           </a:p>
@@ -3142,10 +4575,10 @@
             <a:extLst/>
           </a:lstStyle>
           <a:p>
-            <a:fld id="{5B106E36-FD25-4E2D-B0AA-010F637433A0}" type="datetimeFigureOut">
+            <a:fld id="{EAD5968E-E7EA-4079-9C3B-152798F08CD1}" type="datetime1">
               <a:rPr lang="ru-RU" smtClean="0"/>
               <a:pPr/>
-              <a:t>15.04.2018</a:t>
+              <a:t>26.05.2018</a:t>
             </a:fld>
             <a:endParaRPr lang="ru-RU"/>
           </a:p>
@@ -3270,10 +4703,10 @@
             <a:extLst/>
           </a:lstStyle>
           <a:p>
-            <a:fld id="{5B106E36-FD25-4E2D-B0AA-010F637433A0}" type="datetimeFigureOut">
+            <a:fld id="{A7F1A4BA-8F59-4165-9BF7-DE019B6C11D1}" type="datetime1">
               <a:rPr lang="ru-RU" smtClean="0"/>
               <a:pPr/>
-              <a:t>15.04.2018</a:t>
+              <a:t>26.05.2018</a:t>
             </a:fld>
             <a:endParaRPr lang="ru-RU"/>
           </a:p>
@@ -3416,10 +4849,10 @@
             <a:extLst/>
           </a:lstStyle>
           <a:p>
-            <a:fld id="{5B106E36-FD25-4E2D-B0AA-010F637433A0}" type="datetimeFigureOut">
+            <a:fld id="{8E31537D-7D7F-43D1-BF57-F3F6D339DBE8}" type="datetime1">
               <a:rPr lang="ru-RU" smtClean="0"/>
               <a:pPr/>
-              <a:t>15.04.2018</a:t>
+              <a:t>26.05.2018</a:t>
             </a:fld>
             <a:endParaRPr lang="ru-RU"/>
           </a:p>
@@ -3740,10 +5173,10 @@
             <a:extLst/>
           </a:lstStyle>
           <a:p>
-            <a:fld id="{5B106E36-FD25-4E2D-B0AA-010F637433A0}" type="datetimeFigureOut">
+            <a:fld id="{0C1AECA4-DC7D-4BFE-B131-48D8260CCE03}" type="datetime1">
               <a:rPr lang="ru-RU" smtClean="0"/>
               <a:pPr/>
-              <a:t>15.04.2018</a:t>
+              <a:t>26.05.2018</a:t>
             </a:fld>
             <a:endParaRPr lang="ru-RU"/>
           </a:p>
@@ -3876,10 +5309,10 @@
             <a:extLst/>
           </a:lstStyle>
           <a:p>
-            <a:fld id="{5B106E36-FD25-4E2D-B0AA-010F637433A0}" type="datetimeFigureOut">
+            <a:fld id="{65EAD0C3-3C5F-4928-96AB-343BAB3F5EA9}" type="datetime1">
               <a:rPr lang="ru-RU" smtClean="0"/>
               <a:pPr/>
-              <a:t>15.04.2018</a:t>
+              <a:t>26.05.2018</a:t>
             </a:fld>
             <a:endParaRPr lang="ru-RU"/>
           </a:p>
@@ -4659,10 +6092,10 @@
             <a:extLst/>
           </a:lstStyle>
           <a:p>
-            <a:fld id="{5B106E36-FD25-4E2D-B0AA-010F637433A0}" type="datetimeFigureOut">
+            <a:fld id="{4DE3B94C-16A6-4DE7-B933-066EAA81B95A}" type="datetime1">
               <a:rPr lang="ru-RU" smtClean="0"/>
               <a:pPr/>
-              <a:t>15.04.2018</a:t>
+              <a:t>26.05.2018</a:t>
             </a:fld>
             <a:endParaRPr lang="ru-RU"/>
           </a:p>
@@ -4825,6 +6258,7 @@
     <p:sldLayoutId id="2147483670" r:id="rId10"/>
     <p:sldLayoutId id="2147483671" r:id="rId11"/>
   </p:sldLayoutIdLst>
+  <p:hf hdr="0" ftr="0" dt="0"/>
   <p:txStyles>
     <p:titleStyle>
       <a:lvl1pPr algn="l" rtl="0" eaLnBrk="1" latinLnBrk="0" hangingPunct="1">
@@ -5261,8 +6695,8 @@
         </p:nvSpPr>
         <p:spPr>
           <a:xfrm>
-            <a:off x="4355976" y="4725144"/>
-            <a:ext cx="4067944" cy="1472184"/>
+            <a:off x="5940152" y="4077072"/>
+            <a:ext cx="3024336" cy="2088232"/>
           </a:xfrm>
           <a:prstGeom prst="rect">
             <a:avLst/>
@@ -5270,11 +6704,11 @@
         </p:spPr>
         <p:txBody>
           <a:bodyPr anchor="b">
-            <a:normAutofit fontScale="82500" lnSpcReduction="10000"/>
+            <a:normAutofit fontScale="97500"/>
           </a:bodyPr>
           <a:lstStyle/>
           <a:p>
-            <a:pPr marL="0" marR="0" lvl="0" indent="0" algn="r" defTabSz="914400" rtl="0" eaLnBrk="1" fontAlgn="auto" latinLnBrk="0" hangingPunct="1">
+            <a:pPr marL="0" marR="0" lvl="0" indent="0" defTabSz="914400" rtl="0" eaLnBrk="1" fontAlgn="auto" latinLnBrk="0" hangingPunct="1">
               <a:lnSpc>
                 <a:spcPct val="100000"/>
               </a:lnSpc>
@@ -5292,7 +6726,7 @@
               <a:defRPr/>
             </a:pPr>
             <a:r>
-              <a:rPr kumimoji="0" lang="ru-RU" sz="2400" b="0" i="0" u="none" strike="noStrike" kern="1200" cap="none" spc="0" normalizeH="0" baseline="0" noProof="0" dirty="0" smtClean="0">
+              <a:rPr kumimoji="0" lang="ru-RU" sz="1600" b="0" i="0" u="none" strike="noStrike" kern="1200" cap="none" spc="0" normalizeH="0" baseline="0" noProof="0" dirty="0" smtClean="0">
                 <a:ln>
                   <a:noFill/>
                 </a:ln>
@@ -5307,42 +6741,11 @@
                 <a:ea typeface="+mj-ea"/>
                 <a:cs typeface="Times New Roman" pitchFamily="18" charset="0"/>
               </a:rPr>
-              <a:t>Магистрант группы 6222-090401</a:t>
-            </a:r>
-            <a:r>
-              <a:rPr kumimoji="0" lang="en-US" sz="2400" b="0" i="0" u="none" strike="noStrike" kern="1200" cap="none" spc="0" normalizeH="0" baseline="0" noProof="0" dirty="0" smtClean="0">
-                <a:ln>
-                  <a:noFill/>
-                </a:ln>
-                <a:solidFill>
-                  <a:schemeClr val="tx2">
-                    <a:satMod val="130000"/>
-                  </a:schemeClr>
-                </a:solidFill>
-                <a:uLnTx/>
-                <a:uFillTx/>
-                <a:latin typeface="Times New Roman" pitchFamily="18" charset="0"/>
-                <a:ea typeface="+mj-ea"/>
-                <a:cs typeface="Times New Roman" pitchFamily="18" charset="0"/>
-              </a:rPr>
-              <a:t>D</a:t>
-            </a:r>
-            <a:r>
-              <a:rPr lang="ru-RU" sz="2400" dirty="0" smtClean="0">
-                <a:solidFill>
-                  <a:schemeClr val="tx2">
-                    <a:satMod val="130000"/>
-                  </a:schemeClr>
-                </a:solidFill>
-                <a:latin typeface="Times New Roman" pitchFamily="18" charset="0"/>
-                <a:ea typeface="+mj-ea"/>
-                <a:cs typeface="Times New Roman" pitchFamily="18" charset="0"/>
-              </a:rPr>
-              <a:t>:</a:t>
-            </a:r>
-          </a:p>
-          <a:p>
-            <a:pPr marL="0" marR="0" lvl="0" indent="0" algn="r" defTabSz="914400" rtl="0" eaLnBrk="1" fontAlgn="auto" latinLnBrk="0" hangingPunct="1">
+              <a:t>Выполнил: </a:t>
+            </a:r>
+          </a:p>
+          <a:p>
+            <a:pPr marL="0" marR="0" lvl="0" indent="0" defTabSz="914400" rtl="0" eaLnBrk="1" fontAlgn="auto" latinLnBrk="0" hangingPunct="1">
               <a:lnSpc>
                 <a:spcPct val="100000"/>
               </a:lnSpc>
@@ -5360,7 +6763,7 @@
               <a:defRPr/>
             </a:pPr>
             <a:r>
-              <a:rPr kumimoji="0" lang="ru-RU" sz="2400" b="0" i="0" u="none" strike="noStrike" kern="1200" cap="none" spc="0" normalizeH="0" baseline="0" noProof="0" dirty="0" err="1" smtClean="0">
+              <a:rPr kumimoji="0" lang="ru-RU" sz="1600" b="0" i="0" u="none" strike="noStrike" kern="1200" cap="none" spc="0" normalizeH="0" baseline="0" noProof="0" dirty="0" smtClean="0">
                 <a:ln>
                   <a:noFill/>
                 </a:ln>
@@ -5375,10 +6778,10 @@
                 <a:ea typeface="+mj-ea"/>
                 <a:cs typeface="Times New Roman" pitchFamily="18" charset="0"/>
               </a:rPr>
-              <a:t>Сахибназарова</a:t>
-            </a:r>
-            <a:r>
-              <a:rPr kumimoji="0" lang="ru-RU" sz="2400" b="0" i="0" u="none" strike="noStrike" kern="1200" cap="none" spc="0" normalizeH="0" noProof="0" dirty="0" smtClean="0">
+              <a:t>студент группы 6222-090401</a:t>
+            </a:r>
+            <a:r>
+              <a:rPr kumimoji="0" lang="en-US" sz="1600" b="0" i="0" u="none" strike="noStrike" kern="1200" cap="none" spc="0" normalizeH="0" baseline="0" noProof="0" dirty="0" smtClean="0">
                 <a:ln>
                   <a:noFill/>
                 </a:ln>
@@ -5393,44 +6796,24 @@
                 <a:ea typeface="+mj-ea"/>
                 <a:cs typeface="Times New Roman" pitchFamily="18" charset="0"/>
               </a:rPr>
-              <a:t> Виктория </a:t>
-            </a:r>
-            <a:r>
-              <a:rPr kumimoji="0" lang="ru-RU" sz="2400" b="0" i="0" u="none" strike="noStrike" kern="1200" cap="none" spc="0" normalizeH="0" noProof="0" dirty="0" err="1" smtClean="0">
-                <a:ln>
-                  <a:noFill/>
-                </a:ln>
+              <a:t>D</a:t>
+            </a:r>
+            <a:r>
+              <a:rPr lang="ru-RU" sz="1600" dirty="0" smtClean="0">
                 <a:solidFill>
                   <a:schemeClr val="tx2">
                     <a:satMod val="130000"/>
                   </a:schemeClr>
                 </a:solidFill>
-                <a:uLnTx/>
-                <a:uFillTx/>
                 <a:latin typeface="Times New Roman" pitchFamily="18" charset="0"/>
                 <a:ea typeface="+mj-ea"/>
                 <a:cs typeface="Times New Roman" pitchFamily="18" charset="0"/>
               </a:rPr>
-              <a:t>Бахтиёровна</a:t>
-            </a:r>
-            <a:endParaRPr kumimoji="0" lang="ru-RU" sz="2400" b="0" i="0" u="none" strike="noStrike" kern="1200" cap="none" spc="0" normalizeH="0" noProof="0" dirty="0" smtClean="0">
-              <a:ln>
-                <a:noFill/>
-              </a:ln>
-              <a:solidFill>
-                <a:schemeClr val="tx2">
-                  <a:satMod val="130000"/>
-                </a:schemeClr>
-              </a:solidFill>
-              <a:uLnTx/>
-              <a:uFillTx/>
-              <a:latin typeface="Times New Roman" pitchFamily="18" charset="0"/>
-              <a:ea typeface="+mj-ea"/>
-              <a:cs typeface="Times New Roman" pitchFamily="18" charset="0"/>
-            </a:endParaRPr>
-          </a:p>
-          <a:p>
-            <a:pPr marL="0" marR="0" lvl="0" indent="0" algn="r" defTabSz="914400" rtl="0" eaLnBrk="1" fontAlgn="auto" latinLnBrk="0" hangingPunct="1">
+              <a:t>:</a:t>
+            </a:r>
+          </a:p>
+          <a:p>
+            <a:pPr marL="0" marR="0" lvl="0" indent="0" defTabSz="914400" rtl="0" eaLnBrk="1" fontAlgn="auto" latinLnBrk="0" hangingPunct="1">
               <a:lnSpc>
                 <a:spcPct val="100000"/>
               </a:lnSpc>
@@ -5448,34 +6831,77 @@
               <a:defRPr/>
             </a:pPr>
             <a:r>
-              <a:rPr lang="ru-RU" sz="2400" baseline="0" dirty="0" smtClean="0">
+              <a:rPr kumimoji="0" lang="ru-RU" sz="1600" b="0" i="0" u="none" strike="noStrike" kern="1200" cap="none" spc="0" normalizeH="0" baseline="0" noProof="0" dirty="0" err="1" smtClean="0">
+                <a:ln>
+                  <a:noFill/>
+                </a:ln>
                 <a:solidFill>
                   <a:schemeClr val="tx2">
                     <a:satMod val="130000"/>
                   </a:schemeClr>
                 </a:solidFill>
+                <a:uLnTx/>
+                <a:uFillTx/>
                 <a:latin typeface="Times New Roman" pitchFamily="18" charset="0"/>
                 <a:ea typeface="+mj-ea"/>
                 <a:cs typeface="Times New Roman" pitchFamily="18" charset="0"/>
               </a:rPr>
-              <a:t>Научные</a:t>
-            </a:r>
-            <a:r>
-              <a:rPr lang="ru-RU" sz="2400" dirty="0" smtClean="0">
+              <a:t>Сахибназарова</a:t>
+            </a:r>
+            <a:r>
+              <a:rPr kumimoji="0" lang="ru-RU" sz="1600" b="0" i="0" u="none" strike="noStrike" kern="1200" cap="none" spc="0" normalizeH="0" noProof="0" dirty="0" smtClean="0">
+                <a:ln>
+                  <a:noFill/>
+                </a:ln>
                 <a:solidFill>
                   <a:schemeClr val="tx2">
                     <a:satMod val="130000"/>
                   </a:schemeClr>
                 </a:solidFill>
+                <a:uLnTx/>
+                <a:uFillTx/>
                 <a:latin typeface="Times New Roman" pitchFamily="18" charset="0"/>
                 <a:ea typeface="+mj-ea"/>
                 <a:cs typeface="Times New Roman" pitchFamily="18" charset="0"/>
               </a:rPr>
-              <a:t> руководитель:</a:t>
-            </a:r>
-          </a:p>
-          <a:p>
-            <a:pPr marL="0" marR="0" lvl="0" indent="0" algn="r" defTabSz="914400" rtl="0" eaLnBrk="1" fontAlgn="auto" latinLnBrk="0" hangingPunct="1">
+              <a:t> Виктория </a:t>
+            </a:r>
+            <a:r>
+              <a:rPr kumimoji="0" lang="ru-RU" sz="1600" b="0" i="0" u="none" strike="noStrike" kern="1200" cap="none" spc="0" normalizeH="0" noProof="0" dirty="0" err="1" smtClean="0">
+                <a:ln>
+                  <a:noFill/>
+                </a:ln>
+                <a:solidFill>
+                  <a:schemeClr val="tx2">
+                    <a:satMod val="130000"/>
+                  </a:schemeClr>
+                </a:solidFill>
+                <a:uLnTx/>
+                <a:uFillTx/>
+                <a:latin typeface="Times New Roman" pitchFamily="18" charset="0"/>
+                <a:ea typeface="+mj-ea"/>
+                <a:cs typeface="Times New Roman" pitchFamily="18" charset="0"/>
+              </a:rPr>
+              <a:t>Бахтиёровна</a:t>
+            </a:r>
+            <a:endParaRPr kumimoji="0" lang="ru-RU" sz="1600" b="0" i="0" u="none" strike="noStrike" kern="1200" cap="none" spc="0" normalizeH="0" noProof="0" dirty="0" smtClean="0">
+              <a:ln>
+                <a:noFill/>
+              </a:ln>
+              <a:solidFill>
+                <a:schemeClr val="tx2">
+                  <a:satMod val="130000"/>
+                </a:schemeClr>
+              </a:solidFill>
+              <a:uLnTx/>
+              <a:uFillTx/>
+              <a:latin typeface="Times New Roman" pitchFamily="18" charset="0"/>
+              <a:ea typeface="+mj-ea"/>
+              <a:cs typeface="Times New Roman" pitchFamily="18" charset="0"/>
+            </a:endParaRPr>
+          </a:p>
+          <a:p>
+            <a:pPr marL="0" marR="0" lvl="0" indent="0" defTabSz="914400" rtl="0" eaLnBrk="1" fontAlgn="auto" latinLnBrk="0" hangingPunct="1">
               <a:lnSpc>
                 <a:spcPct val="100000"/>
               </a:lnSpc>
@@ -5492,8 +6918,101 @@
               <a:tabLst/>
               <a:defRPr/>
             </a:pPr>
-            <a:r>
-              <a:rPr kumimoji="0" lang="ru-RU" sz="2400" b="0" i="0" u="none" strike="noStrike" kern="1200" cap="none" spc="0" normalizeH="0" baseline="0" noProof="0" dirty="0" smtClean="0">
+            <a:endParaRPr lang="ru-RU" sz="1600" baseline="0" dirty="0" smtClean="0">
+              <a:solidFill>
+                <a:schemeClr val="tx2">
+                  <a:satMod val="130000"/>
+                </a:schemeClr>
+              </a:solidFill>
+              <a:latin typeface="Times New Roman" pitchFamily="18" charset="0"/>
+              <a:ea typeface="+mj-ea"/>
+              <a:cs typeface="Times New Roman" pitchFamily="18" charset="0"/>
+            </a:endParaRPr>
+          </a:p>
+          <a:p>
+            <a:pPr marL="0" marR="0" lvl="0" indent="0" defTabSz="914400" rtl="0" eaLnBrk="1" fontAlgn="auto" latinLnBrk="0" hangingPunct="1">
+              <a:lnSpc>
+                <a:spcPct val="100000"/>
+              </a:lnSpc>
+              <a:spcBef>
+                <a:spcPct val="0"/>
+              </a:spcBef>
+              <a:spcAft>
+                <a:spcPts val="0"/>
+              </a:spcAft>
+              <a:buClrTx/>
+              <a:buSzTx/>
+              <a:buFontTx/>
+              <a:buNone/>
+              <a:tabLst/>
+              <a:defRPr/>
+            </a:pPr>
+            <a:r>
+              <a:rPr lang="ru-RU" sz="1600" dirty="0" smtClean="0">
+                <a:solidFill>
+                  <a:schemeClr val="tx2">
+                    <a:satMod val="130000"/>
+                  </a:schemeClr>
+                </a:solidFill>
+                <a:latin typeface="Times New Roman" pitchFamily="18" charset="0"/>
+                <a:ea typeface="+mj-ea"/>
+                <a:cs typeface="Times New Roman" pitchFamily="18" charset="0"/>
+              </a:rPr>
+              <a:t>Руководитель:</a:t>
+            </a:r>
+          </a:p>
+          <a:p>
+            <a:pPr marL="0" marR="0" lvl="0" indent="0" defTabSz="914400" rtl="0" eaLnBrk="1" fontAlgn="auto" latinLnBrk="0" hangingPunct="1">
+              <a:lnSpc>
+                <a:spcPct val="100000"/>
+              </a:lnSpc>
+              <a:spcBef>
+                <a:spcPct val="0"/>
+              </a:spcBef>
+              <a:spcAft>
+                <a:spcPts val="0"/>
+              </a:spcAft>
+              <a:buClrTx/>
+              <a:buSzTx/>
+              <a:buFontTx/>
+              <a:buNone/>
+              <a:tabLst/>
+              <a:defRPr/>
+            </a:pPr>
+            <a:r>
+              <a:rPr lang="ru-RU" sz="1600" dirty="0" smtClean="0">
+                <a:solidFill>
+                  <a:schemeClr val="tx2">
+                    <a:satMod val="130000"/>
+                  </a:schemeClr>
+                </a:solidFill>
+                <a:latin typeface="Times New Roman" pitchFamily="18" charset="0"/>
+                <a:ea typeface="+mj-ea"/>
+                <a:cs typeface="Times New Roman" pitchFamily="18" charset="0"/>
+              </a:rPr>
+              <a:t>Доцент кафедры ИСТ, к.т.н.,</a:t>
+            </a:r>
+          </a:p>
+          <a:p>
+            <a:pPr marL="0" marR="0" lvl="0" indent="0" defTabSz="914400" rtl="0" eaLnBrk="1" fontAlgn="auto" latinLnBrk="0" hangingPunct="1">
+              <a:lnSpc>
+                <a:spcPct val="100000"/>
+              </a:lnSpc>
+              <a:spcBef>
+                <a:spcPct val="0"/>
+              </a:spcBef>
+              <a:spcAft>
+                <a:spcPts val="0"/>
+              </a:spcAft>
+              <a:buClrTx/>
+              <a:buSzTx/>
+              <a:buFontTx/>
+              <a:buNone/>
+              <a:tabLst/>
+              <a:defRPr/>
+            </a:pPr>
+            <a:r>
+              <a:rPr kumimoji="0" lang="ru-RU" sz="1600" b="0" i="0" u="none" strike="noStrike" kern="1200" cap="none" spc="0" normalizeH="0" baseline="0" noProof="0" dirty="0" smtClean="0">
                 <a:ln>
                   <a:noFill/>
                 </a:ln>
@@ -5511,7 +7030,7 @@
               <a:t>Кудрина</a:t>
             </a:r>
             <a:r>
-              <a:rPr kumimoji="0" lang="ru-RU" sz="2400" b="0" i="0" u="none" strike="noStrike" kern="1200" cap="none" spc="0" normalizeH="0" noProof="0" dirty="0" smtClean="0">
+              <a:rPr kumimoji="0" lang="ru-RU" sz="1600" b="0" i="0" u="none" strike="noStrike" kern="1200" cap="none" spc="0" normalizeH="0" noProof="0" dirty="0" smtClean="0">
                 <a:ln>
                   <a:noFill/>
                 </a:ln>
@@ -5528,7 +7047,7 @@
               </a:rPr>
               <a:t> Мария Александровна</a:t>
             </a:r>
-            <a:endParaRPr kumimoji="0" lang="ru-RU" sz="2400" b="0" i="0" u="none" strike="noStrike" kern="1200" cap="none" spc="0" normalizeH="0" baseline="0" noProof="0" dirty="0">
+            <a:endParaRPr kumimoji="0" lang="ru-RU" sz="1600" b="0" i="0" u="none" strike="noStrike" kern="1200" cap="none" spc="0" normalizeH="0" baseline="0" noProof="0" dirty="0">
               <a:ln>
                 <a:noFill/>
               </a:ln>
@@ -5546,11 +7065,111 @@
           </a:p>
         </p:txBody>
       </p:sp>
+      <p:sp>
+        <p:nvSpPr>
+          <p:cNvPr id="7" name="Подзаголовок 2"/>
+          <p:cNvSpPr>
+            <a:spLocks noGrp="1"/>
+          </p:cNvSpPr>
+          <p:nvPr>
+            <p:ph type="subTitle" idx="1"/>
+          </p:nvPr>
+        </p:nvSpPr>
+        <p:spPr>
+          <a:xfrm>
+            <a:off x="2195736" y="3573016"/>
+            <a:ext cx="5174392" cy="360040"/>
+          </a:xfrm>
+        </p:spPr>
+        <p:txBody>
+          <a:bodyPr/>
+          <a:lstStyle/>
+          <a:p>
+            <a:pPr algn="ctr">
+              <a:spcBef>
+                <a:spcPts val="0"/>
+              </a:spcBef>
+            </a:pPr>
+            <a:r>
+              <a:rPr lang="ru-RU" sz="1400" dirty="0" smtClean="0"/>
+              <a:t>Выпускная квалификационная работа магистра</a:t>
+            </a:r>
+          </a:p>
+          <a:p>
+            <a:endParaRPr lang="ru-RU" dirty="0"/>
+          </a:p>
+        </p:txBody>
+      </p:sp>
+      <p:sp>
+        <p:nvSpPr>
+          <p:cNvPr id="8" name="TextBox 7"/>
+          <p:cNvSpPr txBox="1"/>
+          <p:nvPr/>
+        </p:nvSpPr>
+        <p:spPr>
+          <a:xfrm>
+            <a:off x="4139952" y="6165304"/>
+            <a:ext cx="1287725" cy="338554"/>
+          </a:xfrm>
+          <a:prstGeom prst="rect">
+            <a:avLst/>
+          </a:prstGeom>
+          <a:noFill/>
+        </p:spPr>
+        <p:txBody>
+          <a:bodyPr wrap="none" rtlCol="0">
+            <a:spAutoFit/>
+          </a:bodyPr>
+          <a:lstStyle/>
+          <a:p>
+            <a:r>
+              <a:rPr lang="ru-RU" sz="1600" dirty="0">
+                <a:solidFill>
+                  <a:schemeClr val="bg2">
+                    <a:shade val="25000"/>
+                  </a:schemeClr>
+                </a:solidFill>
+                <a:latin typeface="Times New Roman" pitchFamily="18" charset="0"/>
+                <a:cs typeface="Times New Roman" pitchFamily="18" charset="0"/>
+              </a:rPr>
+              <a:t>Самара </a:t>
+            </a:r>
+            <a:r>
+              <a:rPr lang="ru-RU" sz="1600" dirty="0" smtClean="0">
+                <a:solidFill>
+                  <a:schemeClr val="bg2">
+                    <a:shade val="25000"/>
+                  </a:schemeClr>
+                </a:solidFill>
+                <a:latin typeface="Times New Roman" pitchFamily="18" charset="0"/>
+                <a:cs typeface="Times New Roman" pitchFamily="18" charset="0"/>
+              </a:rPr>
+              <a:t>2018</a:t>
+            </a:r>
+            <a:endParaRPr lang="ru-RU" sz="1600" dirty="0">
+              <a:solidFill>
+                <a:schemeClr val="bg2">
+                  <a:shade val="25000"/>
+                </a:schemeClr>
+              </a:solidFill>
+              <a:latin typeface="Times New Roman" pitchFamily="18" charset="0"/>
+              <a:cs typeface="Times New Roman" pitchFamily="18" charset="0"/>
+            </a:endParaRPr>
+          </a:p>
+        </p:txBody>
+      </p:sp>
     </p:spTree>
   </p:cSld>
   <p:clrMapOvr>
     <a:masterClrMapping/>
   </p:clrMapOvr>
+  <p:timing>
+    <p:tnLst>
+      <p:par>
+        <p:cTn id="1" dur="indefinite" restart="never" nodeType="tmRoot"/>
+      </p:par>
+    </p:tnLst>
+  </p:timing>
 </p:sld>
 </file>
 
@@ -5581,12 +7200,7 @@
             <p:ph type="title"/>
           </p:nvPr>
         </p:nvSpPr>
-        <p:spPr>
-          <a:xfrm>
-            <a:off x="1435608" y="188640"/>
-            <a:ext cx="7498080" cy="508918"/>
-          </a:xfrm>
-        </p:spPr>
+        <p:spPr/>
         <p:txBody>
           <a:bodyPr>
             <a:normAutofit/>
@@ -5595,7 +7209,14 @@
           <a:p>
             <a:r>
               <a:rPr lang="ru-RU" sz="2400" dirty="0" smtClean="0"/>
-              <a:t>Метод эталонного блока</a:t>
+              <a:t>Поиск подходящего доменного блока. </a:t>
+            </a:r>
+            <a:br>
+              <a:rPr lang="ru-RU" sz="2400" dirty="0" smtClean="0"/>
+            </a:br>
+            <a:r>
+              <a:rPr lang="ru-RU" sz="2400" dirty="0" smtClean="0"/>
+              <a:t>Алгоритм поиска блока с минимальным СКО.</a:t>
             </a:r>
             <a:endParaRPr lang="ru-RU" sz="2400" dirty="0"/>
           </a:p>
@@ -5603,25 +7224,14 @@
       </p:sp>
       <p:pic>
         <p:nvPicPr>
-          <p:cNvPr id="30721" name="Picture 1"/>
+          <p:cNvPr id="33793" name="Picture 1"/>
           <p:cNvPicPr>
             <a:picLocks noChangeAspect="1" noChangeArrowheads="1"/>
           </p:cNvPicPr>
           <p:nvPr/>
         </p:nvPicPr>
         <p:blipFill>
-          <a:blip r:embed="rId2" cstate="print">
-            <a:clrChange>
-              <a:clrFrom>
-                <a:srgbClr val="FFFFFF"/>
-              </a:clrFrom>
-              <a:clrTo>
-                <a:srgbClr val="FFFFFF">
-                  <a:alpha val="0"/>
-                </a:srgbClr>
-              </a:clrTo>
-            </a:clrChange>
-          </a:blip>
+          <a:blip r:embed="rId2" cstate="print"/>
           <a:srcRect/>
           <a:stretch>
             <a:fillRect/>
@@ -5629,8 +7239,8 @@
         </p:blipFill>
         <p:spPr bwMode="auto">
           <a:xfrm>
-            <a:off x="2411760" y="592958"/>
-            <a:ext cx="4320480" cy="6315236"/>
+            <a:off x="2843808" y="1195611"/>
+            <a:ext cx="3947260" cy="5662389"/>
           </a:xfrm>
           <a:prstGeom prst="rect">
             <a:avLst/>
@@ -5644,6 +7254,35 @@
           </a:ln>
         </p:spPr>
       </p:pic>
+      <p:sp>
+        <p:nvSpPr>
+          <p:cNvPr id="4" name="Номер слайда 3"/>
+          <p:cNvSpPr>
+            <a:spLocks noGrp="1"/>
+          </p:cNvSpPr>
+          <p:nvPr>
+            <p:ph type="sldNum" sz="quarter" idx="12"/>
+          </p:nvPr>
+        </p:nvSpPr>
+        <p:spPr>
+          <a:xfrm>
+            <a:off x="8316416" y="6305550"/>
+            <a:ext cx="754432" cy="476250"/>
+          </a:xfrm>
+        </p:spPr>
+        <p:txBody>
+          <a:bodyPr anchor="b"/>
+          <a:lstStyle/>
+          <a:p>
+            <a:fld id="{725C68B6-61C2-468F-89AB-4B9F7531AA68}" type="slidenum">
+              <a:rPr lang="ru-RU" sz="3200" smtClean="0"/>
+              <a:pPr/>
+              <a:t>10</a:t>
+            </a:fld>
+            <a:endParaRPr lang="ru-RU" sz="3200" dirty="0"/>
+          </a:p>
+        </p:txBody>
+      </p:sp>
     </p:spTree>
   </p:cSld>
   <p:clrMapOvr>
@@ -5678,7 +7317,36 @@
       </p:grpSpPr>
       <p:sp>
         <p:nvSpPr>
-          <p:cNvPr id="2" name="Заголовок 1"/>
+          <p:cNvPr id="4" name="Номер слайда 3"/>
+          <p:cNvSpPr>
+            <a:spLocks noGrp="1"/>
+          </p:cNvSpPr>
+          <p:nvPr>
+            <p:ph type="sldNum" sz="quarter" idx="12"/>
+          </p:nvPr>
+        </p:nvSpPr>
+        <p:spPr>
+          <a:xfrm>
+            <a:off x="8388424" y="6305550"/>
+            <a:ext cx="682424" cy="476250"/>
+          </a:xfrm>
+        </p:spPr>
+        <p:txBody>
+          <a:bodyPr anchor="b"/>
+          <a:lstStyle/>
+          <a:p>
+            <a:fld id="{725C68B6-61C2-468F-89AB-4B9F7531AA68}" type="slidenum">
+              <a:rPr lang="ru-RU" sz="3200" smtClean="0"/>
+              <a:pPr/>
+              <a:t>11</a:t>
+            </a:fld>
+            <a:endParaRPr lang="ru-RU" sz="3200"/>
+          </a:p>
+        </p:txBody>
+      </p:sp>
+      <p:sp>
+        <p:nvSpPr>
+          <p:cNvPr id="5" name="Заголовок 1"/>
           <p:cNvSpPr>
             <a:spLocks noGrp="1"/>
           </p:cNvSpPr>
@@ -5688,8 +7356,8 @@
         </p:nvSpPr>
         <p:spPr>
           <a:xfrm>
-            <a:off x="1435608" y="188640"/>
-            <a:ext cx="7498080" cy="508918"/>
+            <a:off x="1435608" y="274638"/>
+            <a:ext cx="7498080" cy="1143000"/>
           </a:xfrm>
         </p:spPr>
         <p:txBody>
@@ -5700,7 +7368,7 @@
           <a:p>
             <a:r>
               <a:rPr lang="ru-RU" sz="2400" dirty="0" smtClean="0"/>
-              <a:t>Алгоритм декомпрессии</a:t>
+              <a:t>Разбиение сжимаемого изображения на ранговые блоки</a:t>
             </a:r>
             <a:endParaRPr lang="ru-RU" sz="2400" dirty="0"/>
           </a:p>
@@ -5708,34 +7376,33 @@
       </p:sp>
       <p:pic>
         <p:nvPicPr>
-          <p:cNvPr id="36866" name="Picture 2"/>
-          <p:cNvPicPr>
-            <a:picLocks noChangeAspect="1" noChangeArrowheads="1"/>
-          </p:cNvPicPr>
+          <p:cNvPr id="6" name="Рисунок 5"/>
+          <p:cNvPicPr/>
           <p:nvPr/>
         </p:nvPicPr>
         <p:blipFill>
           <a:blip r:embed="rId2" cstate="print"/>
-          <a:srcRect/>
+          <a:srcRect t="3804" b="4905"/>
           <a:stretch>
             <a:fillRect/>
           </a:stretch>
         </p:blipFill>
         <p:spPr bwMode="auto">
           <a:xfrm>
-            <a:off x="2545831" y="620688"/>
-            <a:ext cx="4316932" cy="6192688"/>
+            <a:off x="1547664" y="1916832"/>
+            <a:ext cx="6624894" cy="3168352"/>
           </a:xfrm>
           <a:prstGeom prst="rect">
             <a:avLst/>
           </a:prstGeom>
           <a:noFill/>
-          <a:ln w="9525">
+          <a:ln w="1">
             <a:noFill/>
             <a:miter lim="800000"/>
             <a:headEnd/>
-            <a:tailEnd/>
+            <a:tailEnd type="none" w="med" len="med"/>
           </a:ln>
+          <a:effectLst/>
         </p:spPr>
       </p:pic>
     </p:spTree>
@@ -5770,25 +7437,9 @@
           <a:chExt cx="0" cy="0"/>
         </a:xfrm>
       </p:grpSpPr>
-      <p:graphicFrame>
-        <p:nvGraphicFramePr>
-          <p:cNvPr id="4" name="Диаграмма 3"/>
-          <p:cNvGraphicFramePr/>
-          <p:nvPr/>
-        </p:nvGraphicFramePr>
-        <p:xfrm>
-          <a:off x="1475656" y="1196752"/>
-          <a:ext cx="7049723" cy="2952328"/>
-        </p:xfrm>
-        <a:graphic>
-          <a:graphicData uri="http://schemas.openxmlformats.org/drawingml/2006/chart">
-            <c:chart xmlns:c="http://schemas.openxmlformats.org/drawingml/2006/chart" xmlns:r="http://schemas.openxmlformats.org/officeDocument/2006/relationships" r:id="rId2"/>
-          </a:graphicData>
-        </a:graphic>
-      </p:graphicFrame>
-      <p:sp>
-        <p:nvSpPr>
-          <p:cNvPr id="5" name="Заголовок 4"/>
+      <p:sp>
+        <p:nvSpPr>
+          <p:cNvPr id="2" name="Заголовок 1"/>
           <p:cNvSpPr>
             <a:spLocks noGrp="1"/>
           </p:cNvSpPr>
@@ -5805,7 +7456,85 @@
           <a:p>
             <a:r>
               <a:rPr lang="ru-RU" dirty="0" smtClean="0"/>
-              <a:t>Результаты исследований</a:t>
+              <a:t>Методы ускорения</a:t>
+            </a:r>
+          </a:p>
+        </p:txBody>
+      </p:sp>
+      <p:sp>
+        <p:nvSpPr>
+          <p:cNvPr id="3" name="Содержимое 2"/>
+          <p:cNvSpPr>
+            <a:spLocks noGrp="1"/>
+          </p:cNvSpPr>
+          <p:nvPr>
+            <p:ph idx="1"/>
+          </p:nvPr>
+        </p:nvSpPr>
+        <p:spPr>
+          <a:xfrm>
+            <a:off x="1435608" y="1447800"/>
+            <a:ext cx="7498080" cy="4800600"/>
+          </a:xfrm>
+        </p:spPr>
+        <p:txBody>
+          <a:bodyPr/>
+          <a:lstStyle/>
+          <a:p>
+            <a:r>
+              <a:rPr lang="ru-RU" dirty="0" smtClean="0"/>
+              <a:t>Предварительная классификация блоков</a:t>
+            </a:r>
+          </a:p>
+          <a:p>
+            <a:pPr lvl="1">
+              <a:lnSpc>
+                <a:spcPct val="150000"/>
+              </a:lnSpc>
+            </a:pPr>
+            <a:r>
+              <a:rPr lang="ru-RU" dirty="0" smtClean="0"/>
+              <a:t>Центр масс</a:t>
+            </a:r>
+          </a:p>
+          <a:p>
+            <a:pPr lvl="1">
+              <a:lnSpc>
+                <a:spcPct val="150000"/>
+              </a:lnSpc>
+              <a:buNone/>
+            </a:pPr>
+            <a:endParaRPr lang="ru-RU" dirty="0" smtClean="0"/>
+          </a:p>
+          <a:p>
+            <a:pPr lvl="1">
+              <a:lnSpc>
+                <a:spcPct val="150000"/>
+              </a:lnSpc>
+            </a:pPr>
+            <a:r>
+              <a:rPr lang="ru-RU" dirty="0" smtClean="0"/>
+              <a:t>Разница граничных значение блоков</a:t>
+            </a:r>
+          </a:p>
+          <a:p>
+            <a:pPr lvl="1">
+              <a:lnSpc>
+                <a:spcPct val="150000"/>
+              </a:lnSpc>
+              <a:buNone/>
+            </a:pPr>
+            <a:endParaRPr lang="ru-RU" dirty="0" smtClean="0"/>
+          </a:p>
+          <a:p>
+            <a:pPr>
+              <a:lnSpc>
+                <a:spcPct val="150000"/>
+              </a:lnSpc>
+            </a:pPr>
+            <a:r>
+              <a:rPr lang="ru-RU" dirty="0" smtClean="0"/>
+              <a:t>Метод эталонного блока</a:t>
             </a:r>
             <a:endParaRPr lang="ru-RU" dirty="0"/>
           </a:p>
@@ -5813,125 +7542,16 @@
       </p:sp>
       <p:sp>
         <p:nvSpPr>
-          <p:cNvPr id="9" name="TextBox 8"/>
-          <p:cNvSpPr txBox="1"/>
+          <p:cNvPr id="31746" name="Rectangle 2"/>
+          <p:cNvSpPr>
+            <a:spLocks noChangeArrowheads="1"/>
+          </p:cNvSpPr>
           <p:nvPr/>
         </p:nvSpPr>
-        <p:spPr>
-          <a:xfrm>
-            <a:off x="1331640" y="6309320"/>
-            <a:ext cx="3202223" cy="369332"/>
-          </a:xfrm>
-          <a:prstGeom prst="rect">
-            <a:avLst/>
-          </a:prstGeom>
-          <a:noFill/>
-        </p:spPr>
-        <p:txBody>
-          <a:bodyPr wrap="none" rtlCol="0">
-            <a:spAutoFit/>
-          </a:bodyPr>
-          <a:lstStyle/>
-          <a:p>
-            <a:r>
-              <a:rPr lang="ru-RU" dirty="0" smtClean="0">
-                <a:latin typeface="Times New Roman" pitchFamily="18" charset="0"/>
-                <a:cs typeface="Times New Roman" pitchFamily="18" charset="0"/>
-              </a:rPr>
-              <a:t>Изображение сжатое с </a:t>
-            </a:r>
-            <a:r>
-              <a:rPr lang="ru-RU" dirty="0" smtClean="0">
-                <a:latin typeface="Times New Roman" pitchFamily="18" charset="0"/>
-                <a:cs typeface="Times New Roman" pitchFamily="18" charset="0"/>
-                <a:sym typeface="Symbol"/>
-              </a:rPr>
-              <a:t></a:t>
-            </a:r>
-            <a:r>
-              <a:rPr lang="ru-RU" dirty="0" smtClean="0">
-                <a:latin typeface="Times New Roman" pitchFamily="18" charset="0"/>
-                <a:cs typeface="Times New Roman" pitchFamily="18" charset="0"/>
-              </a:rPr>
-              <a:t>= 2000</a:t>
-            </a:r>
-            <a:endParaRPr lang="ru-RU" dirty="0">
-              <a:latin typeface="Times New Roman" pitchFamily="18" charset="0"/>
-              <a:cs typeface="Times New Roman" pitchFamily="18" charset="0"/>
-            </a:endParaRPr>
-          </a:p>
-        </p:txBody>
-      </p:sp>
-      <p:sp>
-        <p:nvSpPr>
-          <p:cNvPr id="10" name="TextBox 9"/>
-          <p:cNvSpPr txBox="1"/>
-          <p:nvPr/>
-        </p:nvSpPr>
-        <p:spPr>
-          <a:xfrm>
-            <a:off x="5004048" y="6309320"/>
-            <a:ext cx="3255250" cy="369332"/>
-          </a:xfrm>
-          <a:prstGeom prst="rect">
-            <a:avLst/>
-          </a:prstGeom>
-          <a:noFill/>
-        </p:spPr>
-        <p:txBody>
-          <a:bodyPr wrap="none" rtlCol="0">
-            <a:spAutoFit/>
-          </a:bodyPr>
-          <a:lstStyle/>
-          <a:p>
-            <a:r>
-              <a:rPr lang="ru-RU" dirty="0" smtClean="0">
-                <a:latin typeface="Times New Roman" pitchFamily="18" charset="0"/>
-                <a:cs typeface="Times New Roman" pitchFamily="18" charset="0"/>
-              </a:rPr>
-              <a:t>Изображение сжатое с </a:t>
-            </a:r>
-            <a:r>
-              <a:rPr lang="ru-RU" dirty="0" smtClean="0">
-                <a:latin typeface="Times New Roman" pitchFamily="18" charset="0"/>
-                <a:cs typeface="Times New Roman" pitchFamily="18" charset="0"/>
-                <a:sym typeface="Symbol"/>
-              </a:rPr>
-              <a:t></a:t>
-            </a:r>
-            <a:r>
-              <a:rPr lang="ru-RU" dirty="0" smtClean="0">
-                <a:latin typeface="Times New Roman" pitchFamily="18" charset="0"/>
-                <a:cs typeface="Times New Roman" pitchFamily="18" charset="0"/>
-              </a:rPr>
-              <a:t>= 4000</a:t>
-            </a:r>
-            <a:endParaRPr lang="ru-RU" dirty="0">
-              <a:latin typeface="Times New Roman" pitchFamily="18" charset="0"/>
-              <a:cs typeface="Times New Roman" pitchFamily="18" charset="0"/>
-            </a:endParaRPr>
-          </a:p>
-        </p:txBody>
-      </p:sp>
-      <p:pic>
-        <p:nvPicPr>
-          <p:cNvPr id="37891" name="Picture 3"/>
-          <p:cNvPicPr>
-            <a:picLocks noChangeAspect="1" noChangeArrowheads="1"/>
-          </p:cNvPicPr>
-          <p:nvPr/>
-        </p:nvPicPr>
-        <p:blipFill>
-          <a:blip r:embed="rId3" cstate="print"/>
-          <a:srcRect/>
-          <a:stretch>
-            <a:fillRect/>
-          </a:stretch>
-        </p:blipFill>
         <p:spPr bwMode="auto">
           <a:xfrm>
-            <a:off x="5436096" y="4149080"/>
-            <a:ext cx="2160240" cy="2160240"/>
+            <a:off x="0" y="0"/>
+            <a:ext cx="9144000" cy="0"/>
           </a:xfrm>
           <a:prstGeom prst="rect">
             <a:avLst/>
@@ -5943,27 +7563,62 @@
             <a:headEnd/>
             <a:tailEnd/>
           </a:ln>
-        </p:spPr>
-      </p:pic>
-      <p:pic>
-        <p:nvPicPr>
-          <p:cNvPr id="37892" name="Picture 4"/>
-          <p:cNvPicPr>
-            <a:picLocks noChangeAspect="1" noChangeArrowheads="1"/>
-          </p:cNvPicPr>
+          <a:effectLst/>
+        </p:spPr>
+        <p:txBody>
+          <a:bodyPr vert="horz" wrap="none" lIns="91440" tIns="45720" rIns="91440" bIns="45720" numCol="1" anchor="ctr" anchorCtr="0" compatLnSpc="1">
+            <a:prstTxWarp prst="textNoShape">
+              <a:avLst/>
+            </a:prstTxWarp>
+            <a:spAutoFit/>
+          </a:bodyPr>
+          <a:lstStyle/>
+          <a:p>
+            <a:endParaRPr lang="ru-RU"/>
+          </a:p>
+        </p:txBody>
+      </p:sp>
+      <p:sp>
+        <p:nvSpPr>
+          <p:cNvPr id="6" name="Номер слайда 5"/>
+          <p:cNvSpPr>
+            <a:spLocks noGrp="1"/>
+          </p:cNvSpPr>
+          <p:nvPr>
+            <p:ph type="sldNum" sz="quarter" idx="12"/>
+          </p:nvPr>
+        </p:nvSpPr>
+        <p:spPr>
+          <a:xfrm>
+            <a:off x="8316416" y="6305550"/>
+            <a:ext cx="754432" cy="476250"/>
+          </a:xfrm>
+        </p:spPr>
+        <p:txBody>
+          <a:bodyPr anchor="b"/>
+          <a:lstStyle/>
+          <a:p>
+            <a:fld id="{725C68B6-61C2-468F-89AB-4B9F7531AA68}" type="slidenum">
+              <a:rPr lang="ru-RU" sz="3200" smtClean="0"/>
+              <a:pPr/>
+              <a:t>12</a:t>
+            </a:fld>
+            <a:endParaRPr lang="ru-RU" sz="3200" dirty="0"/>
+          </a:p>
+        </p:txBody>
+      </p:sp>
+      <p:sp>
+        <p:nvSpPr>
+          <p:cNvPr id="6146" name="Rectangle 2"/>
+          <p:cNvSpPr>
+            <a:spLocks noChangeArrowheads="1"/>
+          </p:cNvSpPr>
           <p:nvPr/>
-        </p:nvPicPr>
-        <p:blipFill>
-          <a:blip r:embed="rId4" cstate="print"/>
-          <a:srcRect/>
-          <a:stretch>
-            <a:fillRect/>
-          </a:stretch>
-        </p:blipFill>
+        </p:nvSpPr>
         <p:spPr bwMode="auto">
           <a:xfrm>
-            <a:off x="1835696" y="4121207"/>
-            <a:ext cx="2160240" cy="2146987"/>
+            <a:off x="0" y="0"/>
+            <a:ext cx="9144000" cy="457200"/>
           </a:xfrm>
           <a:prstGeom prst="rect">
             <a:avLst/>
@@ -5975,6 +7630,195 @@
             <a:headEnd/>
             <a:tailEnd/>
           </a:ln>
+          <a:effectLst/>
+        </p:spPr>
+        <p:txBody>
+          <a:bodyPr vert="horz" wrap="none" lIns="91440" tIns="45720" rIns="91440" bIns="45720" numCol="1" anchor="ctr" anchorCtr="0" compatLnSpc="1">
+            <a:prstTxWarp prst="textNoShape">
+              <a:avLst/>
+            </a:prstTxWarp>
+            <a:spAutoFit/>
+          </a:bodyPr>
+          <a:lstStyle/>
+          <a:p>
+            <a:endParaRPr lang="ru-RU"/>
+          </a:p>
+        </p:txBody>
+      </p:sp>
+      <p:pic>
+        <p:nvPicPr>
+          <p:cNvPr id="6145" name="Picture 1"/>
+          <p:cNvPicPr>
+            <a:picLocks noChangeAspect="1" noChangeArrowheads="1"/>
+          </p:cNvPicPr>
+          <p:nvPr/>
+        </p:nvPicPr>
+        <p:blipFill>
+          <a:blip r:embed="rId2" cstate="print">
+            <a:clrChange>
+              <a:clrFrom>
+                <a:srgbClr val="FFFFFF"/>
+              </a:clrFrom>
+              <a:clrTo>
+                <a:srgbClr val="FFFFFF">
+                  <a:alpha val="0"/>
+                </a:srgbClr>
+              </a:clrTo>
+            </a:clrChange>
+          </a:blip>
+          <a:srcRect r="65359"/>
+          <a:stretch>
+            <a:fillRect/>
+          </a:stretch>
+        </p:blipFill>
+        <p:spPr bwMode="auto">
+          <a:xfrm>
+            <a:off x="3635896" y="3068960"/>
+            <a:ext cx="2376264" cy="1155948"/>
+          </a:xfrm>
+          <a:prstGeom prst="rect">
+            <a:avLst/>
+          </a:prstGeom>
+          <a:noFill/>
+        </p:spPr>
+      </p:pic>
+      <p:sp>
+        <p:nvSpPr>
+          <p:cNvPr id="6147" name="Rectangle 3"/>
+          <p:cNvSpPr>
+            <a:spLocks noChangeArrowheads="1"/>
+          </p:cNvSpPr>
+          <p:nvPr/>
+        </p:nvSpPr>
+        <p:spPr bwMode="auto">
+          <a:xfrm>
+            <a:off x="0" y="1181100"/>
+            <a:ext cx="9144000" cy="457200"/>
+          </a:xfrm>
+          <a:prstGeom prst="rect">
+            <a:avLst/>
+          </a:prstGeom>
+          <a:noFill/>
+          <a:ln w="9525">
+            <a:noFill/>
+            <a:miter lim="800000"/>
+            <a:headEnd/>
+            <a:tailEnd/>
+          </a:ln>
+          <a:effectLst/>
+        </p:spPr>
+        <p:txBody>
+          <a:bodyPr vert="horz" wrap="none" lIns="91440" tIns="45720" rIns="91440" bIns="45720" numCol="1" anchor="ctr" anchorCtr="0" compatLnSpc="1">
+            <a:prstTxWarp prst="textNoShape">
+              <a:avLst/>
+            </a:prstTxWarp>
+            <a:spAutoFit/>
+          </a:bodyPr>
+          <a:lstStyle/>
+          <a:p>
+            <a:pPr marL="0" marR="0" lvl="0" indent="0" algn="l" defTabSz="914400" rtl="0" eaLnBrk="1" fontAlgn="base" latinLnBrk="0" hangingPunct="1">
+              <a:lnSpc>
+                <a:spcPct val="100000"/>
+              </a:lnSpc>
+              <a:spcBef>
+                <a:spcPct val="0"/>
+              </a:spcBef>
+              <a:spcAft>
+                <a:spcPct val="0"/>
+              </a:spcAft>
+              <a:buClrTx/>
+              <a:buSzTx/>
+              <a:buFontTx/>
+              <a:buNone/>
+              <a:tabLst/>
+            </a:pPr>
+            <a:endParaRPr kumimoji="0" lang="ru-RU" sz="1800" b="0" i="0" u="none" strike="noStrike" cap="none" normalizeH="0" baseline="0" smtClean="0">
+              <a:ln>
+                <a:noFill/>
+              </a:ln>
+              <a:solidFill>
+                <a:schemeClr val="tx1"/>
+              </a:solidFill>
+              <a:effectLst/>
+              <a:latin typeface="Arial" pitchFamily="34" charset="0"/>
+              <a:cs typeface="Arial" pitchFamily="34" charset="0"/>
+            </a:endParaRPr>
+          </a:p>
+        </p:txBody>
+      </p:sp>
+      <p:sp>
+        <p:nvSpPr>
+          <p:cNvPr id="6149" name="Rectangle 5"/>
+          <p:cNvSpPr>
+            <a:spLocks noChangeArrowheads="1"/>
+          </p:cNvSpPr>
+          <p:nvPr/>
+        </p:nvSpPr>
+        <p:spPr bwMode="auto">
+          <a:xfrm>
+            <a:off x="0" y="0"/>
+            <a:ext cx="9144000" cy="0"/>
+          </a:xfrm>
+          <a:prstGeom prst="rect">
+            <a:avLst/>
+          </a:prstGeom>
+          <a:noFill/>
+          <a:ln w="9525">
+            <a:noFill/>
+            <a:miter lim="800000"/>
+            <a:headEnd/>
+            <a:tailEnd/>
+          </a:ln>
+          <a:effectLst/>
+        </p:spPr>
+        <p:txBody>
+          <a:bodyPr vert="horz" wrap="none" lIns="91440" tIns="45720" rIns="91440" bIns="45720" numCol="1" anchor="ctr" anchorCtr="0" compatLnSpc="1">
+            <a:prstTxWarp prst="textNoShape">
+              <a:avLst/>
+            </a:prstTxWarp>
+            <a:spAutoFit/>
+          </a:bodyPr>
+          <a:lstStyle/>
+          <a:p>
+            <a:endParaRPr lang="ru-RU"/>
+          </a:p>
+        </p:txBody>
+      </p:sp>
+      <p:pic>
+        <p:nvPicPr>
+          <p:cNvPr id="6148" name="Picture 4"/>
+          <p:cNvPicPr>
+            <a:picLocks noChangeAspect="1" noChangeArrowheads="1"/>
+          </p:cNvPicPr>
+          <p:nvPr/>
+        </p:nvPicPr>
+        <p:blipFill>
+          <a:blip r:embed="rId3" cstate="print">
+            <a:clrChange>
+              <a:clrFrom>
+                <a:srgbClr val="FFFFFF"/>
+              </a:clrFrom>
+              <a:clrTo>
+                <a:srgbClr val="FFFFFF">
+                  <a:alpha val="0"/>
+                </a:srgbClr>
+              </a:clrTo>
+            </a:clrChange>
+          </a:blip>
+          <a:srcRect l="-4271" t="-65738" r="3899" b="-31476"/>
+          <a:stretch>
+            <a:fillRect/>
+          </a:stretch>
+        </p:blipFill>
+        <p:spPr bwMode="auto">
+          <a:xfrm>
+            <a:off x="3563888" y="4581128"/>
+            <a:ext cx="3384377" cy="864096"/>
+          </a:xfrm>
+          <a:prstGeom prst="rect">
+            <a:avLst/>
+          </a:prstGeom>
+          <a:noFill/>
         </p:spPr>
       </p:pic>
     </p:spTree>
@@ -6009,25 +7853,9 @@
           <a:chExt cx="0" cy="0"/>
         </a:xfrm>
       </p:grpSpPr>
-      <p:graphicFrame>
-        <p:nvGraphicFramePr>
-          <p:cNvPr id="5" name="Диаграмма 4"/>
-          <p:cNvGraphicFramePr/>
-          <p:nvPr/>
-        </p:nvGraphicFramePr>
-        <p:xfrm>
-          <a:off x="1619672" y="1412776"/>
-          <a:ext cx="6509493" cy="3765575"/>
-        </p:xfrm>
-        <a:graphic>
-          <a:graphicData uri="http://schemas.openxmlformats.org/drawingml/2006/chart">
-            <c:chart xmlns:c="http://schemas.openxmlformats.org/drawingml/2006/chart" xmlns:r="http://schemas.openxmlformats.org/officeDocument/2006/relationships" r:id="rId2"/>
-          </a:graphicData>
-        </a:graphic>
-      </p:graphicFrame>
-      <p:sp>
-        <p:nvSpPr>
-          <p:cNvPr id="6" name="Заголовок 5"/>
+      <p:sp>
+        <p:nvSpPr>
+          <p:cNvPr id="2" name="Заголовок 1"/>
           <p:cNvSpPr>
             <a:spLocks noGrp="1"/>
           </p:cNvSpPr>
@@ -6035,206 +7863,217 @@
             <p:ph type="title"/>
           </p:nvPr>
         </p:nvSpPr>
-        <p:spPr/>
-        <p:txBody>
-          <a:bodyPr/>
+        <p:spPr>
+          <a:xfrm>
+            <a:off x="1435608" y="188640"/>
+            <a:ext cx="7498080" cy="508918"/>
+          </a:xfrm>
+        </p:spPr>
+        <p:txBody>
+          <a:bodyPr>
+            <a:normAutofit/>
+          </a:bodyPr>
           <a:lstStyle/>
           <a:p>
             <a:r>
-              <a:rPr lang="ru-RU" dirty="0" smtClean="0"/>
-              <a:t>Результаты исследований</a:t>
-            </a:r>
-            <a:endParaRPr lang="ru-RU" dirty="0"/>
+              <a:rPr lang="ru-RU" sz="2400" dirty="0" smtClean="0"/>
+              <a:t>Метод эталонного блока</a:t>
+            </a:r>
+            <a:endParaRPr lang="ru-RU" sz="2400" dirty="0"/>
+          </a:p>
+        </p:txBody>
+      </p:sp>
+      <p:sp>
+        <p:nvSpPr>
+          <p:cNvPr id="4" name="Номер слайда 3"/>
+          <p:cNvSpPr>
+            <a:spLocks noGrp="1"/>
+          </p:cNvSpPr>
+          <p:nvPr>
+            <p:ph type="sldNum" sz="quarter" idx="12"/>
+          </p:nvPr>
+        </p:nvSpPr>
+        <p:spPr>
+          <a:xfrm>
+            <a:off x="8316416" y="6305550"/>
+            <a:ext cx="754432" cy="476250"/>
+          </a:xfrm>
+        </p:spPr>
+        <p:txBody>
+          <a:bodyPr anchor="b"/>
+          <a:lstStyle/>
+          <a:p>
+            <a:fld id="{725C68B6-61C2-468F-89AB-4B9F7531AA68}" type="slidenum">
+              <a:rPr lang="ru-RU" sz="3200" smtClean="0"/>
+              <a:pPr/>
+              <a:t>13</a:t>
+            </a:fld>
+            <a:endParaRPr lang="ru-RU" sz="3200" dirty="0"/>
+          </a:p>
+        </p:txBody>
+      </p:sp>
+      <p:sp>
+        <p:nvSpPr>
+          <p:cNvPr id="5211" name="Rectangle 91"/>
+          <p:cNvSpPr>
+            <a:spLocks noChangeArrowheads="1"/>
+          </p:cNvSpPr>
+          <p:nvPr/>
+        </p:nvSpPr>
+        <p:spPr bwMode="auto">
+          <a:xfrm>
+            <a:off x="0" y="0"/>
+            <a:ext cx="9144000" cy="0"/>
+          </a:xfrm>
+          <a:prstGeom prst="rect">
+            <a:avLst/>
+          </a:prstGeom>
+          <a:noFill/>
+          <a:ln w="9525">
+            <a:noFill/>
+            <a:miter lim="800000"/>
+            <a:headEnd/>
+            <a:tailEnd/>
+          </a:ln>
+          <a:effectLst/>
+        </p:spPr>
+        <p:txBody>
+          <a:bodyPr vert="horz" wrap="none" lIns="91440" tIns="45720" rIns="91440" bIns="45720" numCol="1" anchor="ctr" anchorCtr="0" compatLnSpc="1">
+            <a:prstTxWarp prst="textNoShape">
+              <a:avLst/>
+            </a:prstTxWarp>
+            <a:spAutoFit/>
+          </a:bodyPr>
+          <a:lstStyle/>
+          <a:p>
+            <a:endParaRPr lang="ru-RU"/>
+          </a:p>
+        </p:txBody>
+      </p:sp>
+      <p:sp>
+        <p:nvSpPr>
+          <p:cNvPr id="5329" name="Rectangle 209"/>
+          <p:cNvSpPr>
+            <a:spLocks noChangeArrowheads="1"/>
+          </p:cNvSpPr>
+          <p:nvPr/>
+        </p:nvSpPr>
+        <p:spPr bwMode="auto">
+          <a:xfrm>
+            <a:off x="0" y="0"/>
+            <a:ext cx="9144000" cy="0"/>
+          </a:xfrm>
+          <a:prstGeom prst="rect">
+            <a:avLst/>
+          </a:prstGeom>
+          <a:noFill/>
+          <a:ln w="9525">
+            <a:noFill/>
+            <a:miter lim="800000"/>
+            <a:headEnd/>
+            <a:tailEnd/>
+          </a:ln>
+          <a:effectLst/>
+        </p:spPr>
+        <p:txBody>
+          <a:bodyPr vert="horz" wrap="none" lIns="91440" tIns="45720" rIns="91440" bIns="45720" numCol="1" anchor="ctr" anchorCtr="0" compatLnSpc="1">
+            <a:prstTxWarp prst="textNoShape">
+              <a:avLst/>
+            </a:prstTxWarp>
+            <a:spAutoFit/>
+          </a:bodyPr>
+          <a:lstStyle/>
+          <a:p>
+            <a:endParaRPr lang="ru-RU"/>
           </a:p>
         </p:txBody>
       </p:sp>
       <p:pic>
         <p:nvPicPr>
-          <p:cNvPr id="8" name="Рисунок 7" descr="сер 16.jpg"/>
+          <p:cNvPr id="5357" name="Picture 237"/>
           <p:cNvPicPr>
-            <a:picLocks noChangeAspect="1"/>
+            <a:picLocks noChangeAspect="1" noChangeArrowheads="1"/>
           </p:cNvPicPr>
           <p:nvPr/>
         </p:nvPicPr>
         <p:blipFill>
-          <a:blip r:embed="rId3" cstate="print"/>
+          <a:blip r:embed="rId2" cstate="print">
+            <a:clrChange>
+              <a:clrFrom>
+                <a:srgbClr val="FFFFFF"/>
+              </a:clrFrom>
+              <a:clrTo>
+                <a:srgbClr val="FFFFFF">
+                  <a:alpha val="0"/>
+                </a:srgbClr>
+              </a:clrTo>
+            </a:clrChange>
+          </a:blip>
+          <a:srcRect/>
           <a:stretch>
             <a:fillRect/>
           </a:stretch>
         </p:blipFill>
-        <p:spPr>
-          <a:xfrm>
-            <a:off x="1907704" y="4797152"/>
-            <a:ext cx="1524213" cy="1524213"/>
+        <p:spPr bwMode="auto">
+          <a:xfrm>
+            <a:off x="1259632" y="620688"/>
+            <a:ext cx="3816424" cy="6129025"/>
           </a:xfrm>
           <a:prstGeom prst="rect">
             <a:avLst/>
           </a:prstGeom>
+          <a:noFill/>
+          <a:ln w="9525">
+            <a:noFill/>
+            <a:miter lim="800000"/>
+            <a:headEnd/>
+            <a:tailEnd/>
+          </a:ln>
         </p:spPr>
       </p:pic>
       <p:pic>
         <p:nvPicPr>
-          <p:cNvPr id="9" name="Рисунок 8" descr="сер 4.jpg"/>
+          <p:cNvPr id="5358" name="Picture 238"/>
           <p:cNvPicPr>
-            <a:picLocks noChangeAspect="1"/>
+            <a:picLocks noChangeAspect="1" noChangeArrowheads="1"/>
           </p:cNvPicPr>
           <p:nvPr/>
         </p:nvPicPr>
         <p:blipFill>
-          <a:blip r:embed="rId4" cstate="print"/>
+          <a:blip r:embed="rId3" cstate="print">
+            <a:clrChange>
+              <a:clrFrom>
+                <a:srgbClr val="FFFFFF"/>
+              </a:clrFrom>
+              <a:clrTo>
+                <a:srgbClr val="FFFFFF">
+                  <a:alpha val="0"/>
+                </a:srgbClr>
+              </a:clrTo>
+            </a:clrChange>
+          </a:blip>
+          <a:srcRect t="3280"/>
           <a:stretch>
             <a:fillRect/>
           </a:stretch>
         </p:blipFill>
-        <p:spPr>
-          <a:xfrm>
-            <a:off x="6228184" y="4797152"/>
-            <a:ext cx="1524213" cy="1524213"/>
-          </a:xfrm>
-          <a:prstGeom prst="rect">
-            <a:avLst/>
-          </a:prstGeom>
-        </p:spPr>
-      </p:pic>
-      <p:pic>
-        <p:nvPicPr>
-          <p:cNvPr id="10" name="Рисунок 9" descr="сер 8.jpg"/>
-          <p:cNvPicPr>
-            <a:picLocks noChangeAspect="1"/>
-          </p:cNvPicPr>
-          <p:nvPr/>
-        </p:nvPicPr>
-        <p:blipFill>
-          <a:blip r:embed="rId5" cstate="print"/>
-          <a:stretch>
-            <a:fillRect/>
-          </a:stretch>
-        </p:blipFill>
-        <p:spPr>
-          <a:xfrm>
-            <a:off x="3995936" y="4797152"/>
-            <a:ext cx="1524213" cy="1524213"/>
-          </a:xfrm>
-          <a:prstGeom prst="rect">
-            <a:avLst/>
-          </a:prstGeom>
-        </p:spPr>
-      </p:pic>
-      <p:sp>
-        <p:nvSpPr>
-          <p:cNvPr id="11" name="TextBox 10"/>
-          <p:cNvSpPr txBox="1"/>
-          <p:nvPr/>
-        </p:nvSpPr>
-        <p:spPr>
-          <a:xfrm>
-            <a:off x="1979712" y="6309320"/>
-            <a:ext cx="1512168" cy="369332"/>
+        <p:spPr bwMode="auto">
+          <a:xfrm>
+            <a:off x="4499992" y="622816"/>
+            <a:ext cx="3960440" cy="5678077"/>
           </a:xfrm>
           <a:prstGeom prst="rect">
             <a:avLst/>
           </a:prstGeom>
           <a:noFill/>
-        </p:spPr>
-        <p:txBody>
-          <a:bodyPr wrap="square" rtlCol="0">
-            <a:spAutoFit/>
-          </a:bodyPr>
-          <a:lstStyle/>
-          <a:p>
-            <a:r>
-              <a:rPr lang="ru-RU" dirty="0" smtClean="0">
-                <a:latin typeface="Times New Roman" pitchFamily="18" charset="0"/>
-                <a:cs typeface="Times New Roman" pitchFamily="18" charset="0"/>
-              </a:rPr>
-              <a:t>16 пикселей</a:t>
-            </a:r>
-            <a:endParaRPr lang="ru-RU" dirty="0">
-              <a:latin typeface="Times New Roman" pitchFamily="18" charset="0"/>
-              <a:cs typeface="Times New Roman" pitchFamily="18" charset="0"/>
-            </a:endParaRPr>
-          </a:p>
-        </p:txBody>
-      </p:sp>
-      <p:sp>
-        <p:nvSpPr>
-          <p:cNvPr id="12" name="TextBox 11"/>
-          <p:cNvSpPr txBox="1"/>
-          <p:nvPr/>
-        </p:nvSpPr>
-        <p:spPr>
-          <a:xfrm>
-            <a:off x="4139952" y="6309320"/>
-            <a:ext cx="1368152" cy="369332"/>
-          </a:xfrm>
-          <a:prstGeom prst="rect">
-            <a:avLst/>
-          </a:prstGeom>
-          <a:noFill/>
-        </p:spPr>
-        <p:txBody>
-          <a:bodyPr wrap="square" rtlCol="0">
-            <a:spAutoFit/>
-          </a:bodyPr>
-          <a:lstStyle/>
-          <a:p>
-            <a:r>
-              <a:rPr lang="ru-RU" dirty="0" smtClean="0">
-                <a:latin typeface="Times New Roman" pitchFamily="18" charset="0"/>
-                <a:cs typeface="Times New Roman" pitchFamily="18" charset="0"/>
-              </a:rPr>
-              <a:t>8 пикселей</a:t>
-            </a:r>
-            <a:endParaRPr lang="ru-RU" dirty="0">
-              <a:latin typeface="Times New Roman" pitchFamily="18" charset="0"/>
-              <a:cs typeface="Times New Roman" pitchFamily="18" charset="0"/>
-            </a:endParaRPr>
-          </a:p>
-        </p:txBody>
-      </p:sp>
-      <p:sp>
-        <p:nvSpPr>
-          <p:cNvPr id="13" name="TextBox 12"/>
-          <p:cNvSpPr txBox="1"/>
-          <p:nvPr/>
-        </p:nvSpPr>
-        <p:spPr>
-          <a:xfrm>
-            <a:off x="6300192" y="6309320"/>
-            <a:ext cx="1368152" cy="369332"/>
-          </a:xfrm>
-          <a:prstGeom prst="rect">
-            <a:avLst/>
-          </a:prstGeom>
-          <a:noFill/>
-        </p:spPr>
-        <p:txBody>
-          <a:bodyPr wrap="square" rtlCol="0">
-            <a:spAutoFit/>
-          </a:bodyPr>
-          <a:lstStyle/>
-          <a:p>
-            <a:r>
-              <a:rPr lang="ru-RU" dirty="0" smtClean="0">
-                <a:latin typeface="Times New Roman" pitchFamily="18" charset="0"/>
-                <a:cs typeface="Times New Roman" pitchFamily="18" charset="0"/>
-              </a:rPr>
-              <a:t>4</a:t>
-            </a:r>
-            <a:r>
-              <a:rPr lang="ru-RU" dirty="0" smtClean="0">
-                <a:latin typeface="Times New Roman" pitchFamily="18" charset="0"/>
-                <a:cs typeface="Times New Roman" pitchFamily="18" charset="0"/>
-              </a:rPr>
-              <a:t> пикселя</a:t>
-            </a:r>
-            <a:endParaRPr lang="ru-RU" dirty="0">
-              <a:latin typeface="Times New Roman" pitchFamily="18" charset="0"/>
-              <a:cs typeface="Times New Roman" pitchFamily="18" charset="0"/>
-            </a:endParaRPr>
-          </a:p>
-        </p:txBody>
-      </p:sp>
+          <a:ln w="9525">
+            <a:noFill/>
+            <a:miter lim="800000"/>
+            <a:headEnd/>
+            <a:tailEnd/>
+          </a:ln>
+        </p:spPr>
+      </p:pic>
     </p:spTree>
   </p:cSld>
   <p:clrMapOvr>
@@ -6269,7 +8108,7 @@
       </p:grpSpPr>
       <p:sp>
         <p:nvSpPr>
-          <p:cNvPr id="5" name="Заголовок 4"/>
+          <p:cNvPr id="2" name="Заголовок 1"/>
           <p:cNvSpPr>
             <a:spLocks noGrp="1"/>
           </p:cNvSpPr>
@@ -6277,286 +8116,84 @@
             <p:ph type="title"/>
           </p:nvPr>
         </p:nvSpPr>
-        <p:spPr/>
-        <p:txBody>
-          <a:bodyPr/>
+        <p:spPr>
+          <a:xfrm>
+            <a:off x="1435608" y="188640"/>
+            <a:ext cx="7498080" cy="508918"/>
+          </a:xfrm>
+        </p:spPr>
+        <p:txBody>
+          <a:bodyPr>
+            <a:normAutofit/>
+          </a:bodyPr>
           <a:lstStyle/>
           <a:p>
             <a:r>
-              <a:rPr lang="ru-RU" dirty="0" smtClean="0"/>
-              <a:t>Результаты исследований</a:t>
-            </a:r>
-            <a:endParaRPr lang="ru-RU" dirty="0"/>
-          </a:p>
-        </p:txBody>
-      </p:sp>
-      <p:graphicFrame>
-        <p:nvGraphicFramePr>
-          <p:cNvPr id="6" name="Диаграмма 5"/>
-          <p:cNvGraphicFramePr/>
-          <p:nvPr/>
-        </p:nvGraphicFramePr>
-        <p:xfrm>
-          <a:off x="1979712" y="1268760"/>
-          <a:ext cx="5754276" cy="3114814"/>
-        </p:xfrm>
-        <a:graphic>
-          <a:graphicData uri="http://schemas.openxmlformats.org/drawingml/2006/chart">
-            <c:chart xmlns:c="http://schemas.openxmlformats.org/drawingml/2006/chart" xmlns:r="http://schemas.openxmlformats.org/officeDocument/2006/relationships" r:id="rId2"/>
-          </a:graphicData>
-        </a:graphic>
-      </p:graphicFrame>
+              <a:rPr lang="ru-RU" sz="2400" dirty="0" smtClean="0"/>
+              <a:t>Алгоритм декомпрессии</a:t>
+            </a:r>
+            <a:endParaRPr lang="ru-RU" sz="2400" dirty="0"/>
+          </a:p>
+        </p:txBody>
+      </p:sp>
       <p:pic>
         <p:nvPicPr>
-          <p:cNvPr id="7" name="Рисунок 6" descr="сер 16.jpg"/>
+          <p:cNvPr id="36866" name="Picture 2"/>
           <p:cNvPicPr>
-            <a:picLocks noChangeAspect="1"/>
+            <a:picLocks noChangeAspect="1" noChangeArrowheads="1"/>
           </p:cNvPicPr>
           <p:nvPr/>
         </p:nvPicPr>
         <p:blipFill>
-          <a:blip r:embed="rId3" cstate="print"/>
+          <a:blip r:embed="rId2" cstate="print"/>
+          <a:srcRect/>
           <a:stretch>
             <a:fillRect/>
           </a:stretch>
         </p:blipFill>
-        <p:spPr>
-          <a:xfrm>
-            <a:off x="1115616" y="4725144"/>
-            <a:ext cx="1524213" cy="1524213"/>
-          </a:xfrm>
-          <a:prstGeom prst="rect">
-            <a:avLst/>
-          </a:prstGeom>
-        </p:spPr>
-      </p:pic>
-      <p:pic>
-        <p:nvPicPr>
-          <p:cNvPr id="8" name="Рисунок 7" descr="цвет 16.jpg"/>
-          <p:cNvPicPr>
-            <a:picLocks noChangeAspect="1"/>
-          </p:cNvPicPr>
-          <p:nvPr/>
-        </p:nvPicPr>
-        <p:blipFill>
-          <a:blip r:embed="rId4" cstate="print"/>
-          <a:stretch>
-            <a:fillRect/>
-          </a:stretch>
-        </p:blipFill>
-        <p:spPr>
-          <a:xfrm>
-            <a:off x="5436096" y="4725144"/>
-            <a:ext cx="1524213" cy="1524213"/>
-          </a:xfrm>
-          <a:prstGeom prst="rect">
-            <a:avLst/>
-          </a:prstGeom>
-        </p:spPr>
-      </p:pic>
-      <p:pic>
-        <p:nvPicPr>
-          <p:cNvPr id="9" name="Рисунок 8" descr="сер 4.jpg"/>
-          <p:cNvPicPr>
-            <a:picLocks noChangeAspect="1"/>
-          </p:cNvPicPr>
-          <p:nvPr/>
-        </p:nvPicPr>
-        <p:blipFill>
-          <a:blip r:embed="rId5" cstate="print"/>
-          <a:stretch>
-            <a:fillRect/>
-          </a:stretch>
-        </p:blipFill>
-        <p:spPr>
-          <a:xfrm>
-            <a:off x="2915816" y="4725144"/>
-            <a:ext cx="1524213" cy="1524213"/>
-          </a:xfrm>
-          <a:prstGeom prst="rect">
-            <a:avLst/>
-          </a:prstGeom>
-        </p:spPr>
-      </p:pic>
-      <p:pic>
-        <p:nvPicPr>
-          <p:cNvPr id="10" name="Рисунок 9" descr="цвет 4.jpg"/>
-          <p:cNvPicPr>
-            <a:picLocks noChangeAspect="1"/>
-          </p:cNvPicPr>
-          <p:nvPr/>
-        </p:nvPicPr>
-        <p:blipFill>
-          <a:blip r:embed="rId6" cstate="print"/>
-          <a:stretch>
-            <a:fillRect/>
-          </a:stretch>
-        </p:blipFill>
-        <p:spPr>
-          <a:xfrm>
-            <a:off x="7092280" y="4725144"/>
-            <a:ext cx="1524213" cy="1524213"/>
-          </a:xfrm>
-          <a:prstGeom prst="rect">
-            <a:avLst/>
-          </a:prstGeom>
-        </p:spPr>
-      </p:pic>
-      <p:sp>
-        <p:nvSpPr>
-          <p:cNvPr id="11" name="TextBox 10"/>
-          <p:cNvSpPr txBox="1"/>
-          <p:nvPr/>
-        </p:nvSpPr>
-        <p:spPr>
-          <a:xfrm>
-            <a:off x="1115616" y="6237312"/>
-            <a:ext cx="1512168" cy="369332"/>
+        <p:spPr bwMode="auto">
+          <a:xfrm>
+            <a:off x="2545831" y="620688"/>
+            <a:ext cx="4316932" cy="6192688"/>
           </a:xfrm>
           <a:prstGeom prst="rect">
             <a:avLst/>
           </a:prstGeom>
           <a:noFill/>
-        </p:spPr>
-        <p:txBody>
-          <a:bodyPr wrap="square" rtlCol="0">
-            <a:spAutoFit/>
-          </a:bodyPr>
+          <a:ln w="9525">
+            <a:noFill/>
+            <a:miter lim="800000"/>
+            <a:headEnd/>
+            <a:tailEnd/>
+          </a:ln>
+        </p:spPr>
+      </p:pic>
+      <p:sp>
+        <p:nvSpPr>
+          <p:cNvPr id="4" name="Номер слайда 3"/>
+          <p:cNvSpPr>
+            <a:spLocks noGrp="1"/>
+          </p:cNvSpPr>
+          <p:nvPr>
+            <p:ph type="sldNum" sz="quarter" idx="12"/>
+          </p:nvPr>
+        </p:nvSpPr>
+        <p:spPr>
+          <a:xfrm>
+            <a:off x="8460432" y="6305550"/>
+            <a:ext cx="610416" cy="476250"/>
+          </a:xfrm>
+        </p:spPr>
+        <p:txBody>
+          <a:bodyPr anchor="b"/>
           <a:lstStyle/>
           <a:p>
-            <a:r>
-              <a:rPr lang="ru-RU" dirty="0" smtClean="0">
-                <a:latin typeface="Times New Roman" pitchFamily="18" charset="0"/>
-                <a:cs typeface="Times New Roman" pitchFamily="18" charset="0"/>
-              </a:rPr>
-              <a:t>16 пикселей</a:t>
-            </a:r>
-            <a:endParaRPr lang="ru-RU" dirty="0">
-              <a:latin typeface="Times New Roman" pitchFamily="18" charset="0"/>
-              <a:cs typeface="Times New Roman" pitchFamily="18" charset="0"/>
-            </a:endParaRPr>
-          </a:p>
-        </p:txBody>
-      </p:sp>
-      <p:sp>
-        <p:nvSpPr>
-          <p:cNvPr id="12" name="TextBox 11"/>
-          <p:cNvSpPr txBox="1"/>
-          <p:nvPr/>
-        </p:nvSpPr>
-        <p:spPr>
-          <a:xfrm>
-            <a:off x="5436096" y="6237312"/>
-            <a:ext cx="1512168" cy="369332"/>
-          </a:xfrm>
-          <a:prstGeom prst="rect">
-            <a:avLst/>
-          </a:prstGeom>
-          <a:noFill/>
-        </p:spPr>
-        <p:txBody>
-          <a:bodyPr wrap="square" rtlCol="0">
-            <a:spAutoFit/>
-          </a:bodyPr>
-          <a:lstStyle/>
-          <a:p>
-            <a:r>
-              <a:rPr lang="ru-RU" dirty="0" smtClean="0">
-                <a:latin typeface="Times New Roman" pitchFamily="18" charset="0"/>
-                <a:cs typeface="Times New Roman" pitchFamily="18" charset="0"/>
-              </a:rPr>
-              <a:t>16 пикселей</a:t>
-            </a:r>
-            <a:endParaRPr lang="ru-RU" dirty="0">
-              <a:latin typeface="Times New Roman" pitchFamily="18" charset="0"/>
-              <a:cs typeface="Times New Roman" pitchFamily="18" charset="0"/>
-            </a:endParaRPr>
-          </a:p>
-        </p:txBody>
-      </p:sp>
-      <p:sp>
-        <p:nvSpPr>
-          <p:cNvPr id="14" name="TextBox 13"/>
-          <p:cNvSpPr txBox="1"/>
-          <p:nvPr/>
-        </p:nvSpPr>
-        <p:spPr>
-          <a:xfrm>
-            <a:off x="7164288" y="6237312"/>
-            <a:ext cx="1368152" cy="369332"/>
-          </a:xfrm>
-          <a:prstGeom prst="rect">
-            <a:avLst/>
-          </a:prstGeom>
-          <a:noFill/>
-        </p:spPr>
-        <p:txBody>
-          <a:bodyPr wrap="square" rtlCol="0">
-            <a:spAutoFit/>
-          </a:bodyPr>
-          <a:lstStyle/>
-          <a:p>
-            <a:r>
-              <a:rPr lang="ru-RU" dirty="0" smtClean="0">
-                <a:latin typeface="Times New Roman" pitchFamily="18" charset="0"/>
-                <a:cs typeface="Times New Roman" pitchFamily="18" charset="0"/>
-              </a:rPr>
-              <a:t>4</a:t>
-            </a:r>
-            <a:r>
-              <a:rPr lang="ru-RU" dirty="0" smtClean="0">
-                <a:latin typeface="Times New Roman" pitchFamily="18" charset="0"/>
-                <a:cs typeface="Times New Roman" pitchFamily="18" charset="0"/>
-              </a:rPr>
-              <a:t> пикселя</a:t>
-            </a:r>
-            <a:endParaRPr lang="ru-RU" dirty="0">
-              <a:latin typeface="Times New Roman" pitchFamily="18" charset="0"/>
-              <a:cs typeface="Times New Roman" pitchFamily="18" charset="0"/>
-            </a:endParaRPr>
-          </a:p>
-        </p:txBody>
-      </p:sp>
-      <p:sp>
-        <p:nvSpPr>
-          <p:cNvPr id="15" name="TextBox 14"/>
-          <p:cNvSpPr txBox="1"/>
-          <p:nvPr/>
-        </p:nvSpPr>
-        <p:spPr>
-          <a:xfrm>
-            <a:off x="2987824" y="6237312"/>
-            <a:ext cx="1368152" cy="369332"/>
-          </a:xfrm>
-          <a:prstGeom prst="rect">
-            <a:avLst/>
-          </a:prstGeom>
-          <a:noFill/>
-        </p:spPr>
-        <p:txBody>
-          <a:bodyPr wrap="square" rtlCol="0">
-            <a:spAutoFit/>
-          </a:bodyPr>
-          <a:lstStyle/>
-          <a:p>
-            <a:r>
-              <a:rPr lang="ru-RU" dirty="0" smtClean="0">
-                <a:latin typeface="Times New Roman" pitchFamily="18" charset="0"/>
-                <a:cs typeface="Times New Roman" pitchFamily="18" charset="0"/>
-              </a:rPr>
-              <a:t>4</a:t>
-            </a:r>
-            <a:r>
-              <a:rPr lang="ru-RU" dirty="0" smtClean="0">
-                <a:latin typeface="Times New Roman" pitchFamily="18" charset="0"/>
-                <a:cs typeface="Times New Roman" pitchFamily="18" charset="0"/>
-              </a:rPr>
-              <a:t> пикселя</a:t>
-            </a:r>
-            <a:endParaRPr lang="ru-RU" dirty="0">
-              <a:latin typeface="Times New Roman" pitchFamily="18" charset="0"/>
-              <a:cs typeface="Times New Roman" pitchFamily="18" charset="0"/>
-            </a:endParaRPr>
+            <a:fld id="{725C68B6-61C2-468F-89AB-4B9F7531AA68}" type="slidenum">
+              <a:rPr lang="ru-RU" sz="3200" smtClean="0"/>
+              <a:pPr/>
+              <a:t>14</a:t>
+            </a:fld>
+            <a:endParaRPr lang="ru-RU" sz="3200" dirty="0"/>
           </a:p>
         </p:txBody>
       </p:sp>
@@ -6594,225 +8231,213 @@
       </p:grpSpPr>
       <p:sp>
         <p:nvSpPr>
-          <p:cNvPr id="2" name="Заголовок 1"/>
+          <p:cNvPr id="4" name="Номер слайда 3"/>
           <p:cNvSpPr>
             <a:spLocks noGrp="1"/>
           </p:cNvSpPr>
           <p:nvPr>
-            <p:ph type="title"/>
+            <p:ph type="sldNum" sz="quarter" idx="12"/>
           </p:nvPr>
         </p:nvSpPr>
-        <p:spPr/>
-        <p:txBody>
-          <a:bodyPr>
-            <a:normAutofit/>
-          </a:bodyPr>
+        <p:spPr>
+          <a:xfrm>
+            <a:off x="8388424" y="6305550"/>
+            <a:ext cx="682424" cy="476250"/>
+          </a:xfrm>
+        </p:spPr>
+        <p:txBody>
+          <a:bodyPr anchor="b"/>
           <a:lstStyle/>
           <a:p>
-            <a:r>
-              <a:rPr lang="ru-RU" dirty="0" smtClean="0"/>
-              <a:t>Заключение</a:t>
-            </a:r>
-            <a:endParaRPr lang="ru-RU" dirty="0"/>
-          </a:p>
-        </p:txBody>
-      </p:sp>
-      <p:sp>
-        <p:nvSpPr>
-          <p:cNvPr id="4" name="TextBox 3"/>
-          <p:cNvSpPr txBox="1"/>
+            <a:fld id="{725C68B6-61C2-468F-89AB-4B9F7531AA68}" type="slidenum">
+              <a:rPr lang="ru-RU" sz="3200" smtClean="0"/>
+              <a:pPr/>
+              <a:t>15</a:t>
+            </a:fld>
+            <a:endParaRPr lang="ru-RU" sz="3200"/>
+          </a:p>
+        </p:txBody>
+      </p:sp>
+      <p:pic>
+        <p:nvPicPr>
+          <p:cNvPr id="5" name="Рисунок 4"/>
+          <p:cNvPicPr/>
           <p:nvPr/>
-        </p:nvSpPr>
-        <p:spPr>
-          <a:xfrm>
-            <a:off x="1403648" y="1484784"/>
-            <a:ext cx="6984776" cy="4093428"/>
+        </p:nvPicPr>
+        <p:blipFill>
+          <a:blip r:embed="rId2" cstate="print">
+            <a:clrChange>
+              <a:clrFrom>
+                <a:srgbClr val="FFFFFF"/>
+              </a:clrFrom>
+              <a:clrTo>
+                <a:srgbClr val="FFFFFF">
+                  <a:alpha val="0"/>
+                </a:srgbClr>
+              </a:clrTo>
+            </a:clrChange>
+          </a:blip>
+          <a:srcRect r="21149"/>
+          <a:stretch>
+            <a:fillRect/>
+          </a:stretch>
+        </p:blipFill>
+        <p:spPr bwMode="auto">
+          <a:xfrm>
+            <a:off x="1619672" y="44624"/>
+            <a:ext cx="5906737" cy="1918547"/>
           </a:xfrm>
           <a:prstGeom prst="rect">
             <a:avLst/>
           </a:prstGeom>
           <a:noFill/>
-        </p:spPr>
-        <p:txBody>
-          <a:bodyPr wrap="square" rtlCol="0">
-            <a:spAutoFit/>
-          </a:bodyPr>
-          <a:lstStyle/>
-          <a:p>
-            <a:pPr marL="342900" indent="-342900"/>
-            <a:r>
-              <a:rPr lang="ru-RU" sz="2000" dirty="0" smtClean="0">
-                <a:latin typeface="Times New Roman" pitchFamily="18" charset="0"/>
-                <a:cs typeface="Times New Roman" pitchFamily="18" charset="0"/>
-              </a:rPr>
-              <a:t>Поиск подходящего доменного блока:</a:t>
-            </a:r>
-            <a:endParaRPr lang="ru-RU" sz="2000" dirty="0" smtClean="0">
-              <a:latin typeface="Times New Roman" pitchFamily="18" charset="0"/>
-              <a:cs typeface="Times New Roman" pitchFamily="18" charset="0"/>
-            </a:endParaRPr>
-          </a:p>
-          <a:p>
-            <a:pPr marL="342900" lvl="0" indent="-342900">
-              <a:buFont typeface="+mj-lt"/>
-              <a:buAutoNum type="arabicParenR"/>
-            </a:pPr>
-            <a:r>
-              <a:rPr lang="ru-RU" sz="2000" dirty="0" smtClean="0">
-                <a:latin typeface="Times New Roman" pitchFamily="18" charset="0"/>
-                <a:cs typeface="Times New Roman" pitchFamily="18" charset="0"/>
-              </a:rPr>
-              <a:t>Первый встречный доменный блок, удовлетворяющий </a:t>
-            </a:r>
-            <a:r>
-              <a:rPr lang="ru-RU" sz="2000" dirty="0" smtClean="0">
-                <a:latin typeface="Times New Roman" pitchFamily="18" charset="0"/>
-                <a:cs typeface="Times New Roman" pitchFamily="18" charset="0"/>
-              </a:rPr>
-              <a:t>условию. </a:t>
-            </a:r>
-            <a:r>
-              <a:rPr lang="ru-RU" sz="2000" dirty="0" smtClean="0">
-                <a:latin typeface="Times New Roman" pitchFamily="18" charset="0"/>
-                <a:cs typeface="Times New Roman" pitchFamily="18" charset="0"/>
-              </a:rPr>
-              <a:t>Если ни один доменный блок не удовлетворяет условию:</a:t>
-            </a:r>
-          </a:p>
-          <a:p>
-            <a:pPr marL="800100" lvl="1" indent="-342900">
-              <a:buFont typeface="+mj-lt"/>
-              <a:buAutoNum type="alphaLcPeriod"/>
-            </a:pPr>
-            <a:r>
-              <a:rPr lang="ru-RU" sz="2000" dirty="0" smtClean="0">
-                <a:latin typeface="Times New Roman" pitchFamily="18" charset="0"/>
-                <a:cs typeface="Times New Roman" pitchFamily="18" charset="0"/>
-              </a:rPr>
-              <a:t>Берем доменный блок с минимальный СКО;</a:t>
-            </a:r>
-          </a:p>
-          <a:p>
-            <a:pPr marL="800100" lvl="1" indent="-342900">
-              <a:buFont typeface="+mj-lt"/>
-              <a:buAutoNum type="alphaLcPeriod"/>
-            </a:pPr>
-            <a:r>
-              <a:rPr lang="ru-RU" sz="2000" dirty="0" smtClean="0">
-                <a:latin typeface="Times New Roman" pitchFamily="18" charset="0"/>
-                <a:cs typeface="Times New Roman" pitchFamily="18" charset="0"/>
-              </a:rPr>
-              <a:t>Разбиваем ранговый блок на 4 блока и для каждого из них ищем подходящий доменный блок.</a:t>
-            </a:r>
-          </a:p>
-          <a:p>
-            <a:pPr marL="342900" lvl="0" indent="-342900">
-              <a:buFont typeface="+mj-lt"/>
-              <a:buAutoNum type="arabicParenR"/>
-            </a:pPr>
-            <a:r>
-              <a:rPr lang="ru-RU" sz="2000" dirty="0" smtClean="0">
-                <a:latin typeface="Times New Roman" pitchFamily="18" charset="0"/>
-                <a:cs typeface="Times New Roman" pitchFamily="18" charset="0"/>
-              </a:rPr>
-              <a:t>Доменный блок с минимальным СКО;</a:t>
-            </a:r>
-          </a:p>
-          <a:p>
-            <a:pPr marL="342900" indent="-342900">
-              <a:buFont typeface="+mj-lt"/>
-              <a:buAutoNum type="arabicParenR"/>
-            </a:pPr>
-            <a:endParaRPr lang="ru-RU" sz="2000" dirty="0" smtClean="0">
-              <a:latin typeface="Times New Roman" pitchFamily="18" charset="0"/>
-              <a:cs typeface="Times New Roman" pitchFamily="18" charset="0"/>
-            </a:endParaRPr>
-          </a:p>
-          <a:p>
-            <a:pPr marL="342900" indent="-342900"/>
-            <a:r>
-              <a:rPr lang="ru-RU" sz="2000" dirty="0" smtClean="0">
-                <a:latin typeface="Times New Roman" pitchFamily="18" charset="0"/>
-                <a:cs typeface="Times New Roman" pitchFamily="18" charset="0"/>
-              </a:rPr>
-              <a:t>Для </a:t>
-            </a:r>
-            <a:r>
-              <a:rPr lang="ru-RU" sz="2000" dirty="0" smtClean="0">
-                <a:latin typeface="Times New Roman" pitchFamily="18" charset="0"/>
-                <a:cs typeface="Times New Roman" pitchFamily="18" charset="0"/>
-              </a:rPr>
-              <a:t>ускорения процесса сжатия можно </a:t>
-            </a:r>
-            <a:r>
-              <a:rPr lang="ru-RU" sz="2000" dirty="0" smtClean="0">
-                <a:latin typeface="Times New Roman" pitchFamily="18" charset="0"/>
-                <a:cs typeface="Times New Roman" pitchFamily="18" charset="0"/>
-              </a:rPr>
-              <a:t>используют:</a:t>
-            </a:r>
-          </a:p>
-          <a:p>
-            <a:pPr marL="342900" indent="-342900">
-              <a:buFont typeface="+mj-lt"/>
-              <a:buAutoNum type="arabicParenR"/>
-            </a:pPr>
-            <a:r>
-              <a:rPr lang="ru-RU" sz="2000" dirty="0" smtClean="0">
-                <a:latin typeface="Times New Roman" pitchFamily="18" charset="0"/>
-                <a:cs typeface="Times New Roman" pitchFamily="18" charset="0"/>
-              </a:rPr>
-              <a:t>Предварительная </a:t>
-            </a:r>
-            <a:r>
-              <a:rPr lang="ru-RU" sz="2000" dirty="0" smtClean="0">
-                <a:latin typeface="Times New Roman" pitchFamily="18" charset="0"/>
-                <a:cs typeface="Times New Roman" pitchFamily="18" charset="0"/>
-              </a:rPr>
-              <a:t>классификация </a:t>
-            </a:r>
-            <a:r>
-              <a:rPr lang="ru-RU" sz="2000" dirty="0" smtClean="0">
-                <a:latin typeface="Times New Roman" pitchFamily="18" charset="0"/>
-                <a:cs typeface="Times New Roman" pitchFamily="18" charset="0"/>
-              </a:rPr>
-              <a:t>блоков;</a:t>
-            </a:r>
-            <a:endParaRPr lang="ru-RU" sz="2000" dirty="0" smtClean="0">
-              <a:latin typeface="Times New Roman" pitchFamily="18" charset="0"/>
-              <a:cs typeface="Times New Roman" pitchFamily="18" charset="0"/>
-            </a:endParaRPr>
-          </a:p>
-          <a:p>
-            <a:pPr marL="342900" indent="-342900">
-              <a:buFont typeface="+mj-lt"/>
-              <a:buAutoNum type="arabicParenR"/>
-            </a:pPr>
-            <a:r>
-              <a:rPr lang="ru-RU" sz="2000" dirty="0" smtClean="0">
-                <a:latin typeface="Times New Roman" pitchFamily="18" charset="0"/>
-                <a:cs typeface="Times New Roman" pitchFamily="18" charset="0"/>
-              </a:rPr>
-              <a:t>Метод эталонного </a:t>
-            </a:r>
-            <a:r>
-              <a:rPr lang="ru-RU" sz="2000" dirty="0" smtClean="0">
-                <a:latin typeface="Times New Roman" pitchFamily="18" charset="0"/>
-                <a:cs typeface="Times New Roman" pitchFamily="18" charset="0"/>
-              </a:rPr>
-              <a:t>блока.</a:t>
-            </a:r>
-          </a:p>
-          <a:p>
-            <a:endParaRPr lang="ru-RU" sz="2000" dirty="0"/>
-          </a:p>
-        </p:txBody>
-      </p:sp>
+          <a:ln w="1">
+            <a:noFill/>
+            <a:miter lim="800000"/>
+            <a:headEnd/>
+            <a:tailEnd type="none" w="med" len="med"/>
+          </a:ln>
+          <a:effectLst/>
+        </p:spPr>
+      </p:pic>
+      <p:pic>
+        <p:nvPicPr>
+          <p:cNvPr id="6" name="Рисунок 5"/>
+          <p:cNvPicPr/>
+          <p:nvPr/>
+        </p:nvPicPr>
+        <p:blipFill>
+          <a:blip r:embed="rId3" cstate="print">
+            <a:clrChange>
+              <a:clrFrom>
+                <a:srgbClr val="FFFFFF"/>
+              </a:clrFrom>
+              <a:clrTo>
+                <a:srgbClr val="FFFFFF">
+                  <a:alpha val="0"/>
+                </a:srgbClr>
+              </a:clrTo>
+            </a:clrChange>
+          </a:blip>
+          <a:srcRect r="22115"/>
+          <a:stretch>
+            <a:fillRect/>
+          </a:stretch>
+        </p:blipFill>
+        <p:spPr bwMode="auto">
+          <a:xfrm>
+            <a:off x="1617591" y="1700808"/>
+            <a:ext cx="5906737" cy="1927730"/>
+          </a:xfrm>
+          <a:prstGeom prst="rect">
+            <a:avLst/>
+          </a:prstGeom>
+          <a:noFill/>
+          <a:ln w="1">
+            <a:noFill/>
+            <a:miter lim="800000"/>
+            <a:headEnd/>
+            <a:tailEnd type="none" w="med" len="med"/>
+          </a:ln>
+          <a:effectLst/>
+        </p:spPr>
+      </p:pic>
+      <p:pic>
+        <p:nvPicPr>
+          <p:cNvPr id="7" name="Рисунок 6"/>
+          <p:cNvPicPr/>
+          <p:nvPr/>
+        </p:nvPicPr>
+        <p:blipFill>
+          <a:blip r:embed="rId4" cstate="print">
+            <a:clrChange>
+              <a:clrFrom>
+                <a:srgbClr val="FFFFFF"/>
+              </a:clrFrom>
+              <a:clrTo>
+                <a:srgbClr val="FFFFFF">
+                  <a:alpha val="0"/>
+                </a:srgbClr>
+              </a:clrTo>
+            </a:clrChange>
+          </a:blip>
+          <a:srcRect r="19985"/>
+          <a:stretch>
+            <a:fillRect/>
+          </a:stretch>
+        </p:blipFill>
+        <p:spPr bwMode="auto">
+          <a:xfrm>
+            <a:off x="1619672" y="3356992"/>
+            <a:ext cx="5989864" cy="1844619"/>
+          </a:xfrm>
+          <a:prstGeom prst="rect">
+            <a:avLst/>
+          </a:prstGeom>
+          <a:noFill/>
+          <a:ln w="1">
+            <a:noFill/>
+            <a:miter lim="800000"/>
+            <a:headEnd/>
+            <a:tailEnd type="none" w="med" len="med"/>
+          </a:ln>
+          <a:effectLst/>
+        </p:spPr>
+      </p:pic>
+      <p:pic>
+        <p:nvPicPr>
+          <p:cNvPr id="8" name="Рисунок 7"/>
+          <p:cNvPicPr/>
+          <p:nvPr/>
+        </p:nvPicPr>
+        <p:blipFill>
+          <a:blip r:embed="rId5" cstate="print">
+            <a:clrChange>
+              <a:clrFrom>
+                <a:srgbClr val="FFFFFF"/>
+              </a:clrFrom>
+              <a:clrTo>
+                <a:srgbClr val="FFFFFF">
+                  <a:alpha val="0"/>
+                </a:srgbClr>
+              </a:clrTo>
+            </a:clrChange>
+          </a:blip>
+          <a:srcRect r="21701"/>
+          <a:stretch>
+            <a:fillRect/>
+          </a:stretch>
+        </p:blipFill>
+        <p:spPr bwMode="auto">
+          <a:xfrm>
+            <a:off x="1619672" y="4972516"/>
+            <a:ext cx="5989864" cy="1912868"/>
+          </a:xfrm>
+          <a:prstGeom prst="rect">
+            <a:avLst/>
+          </a:prstGeom>
+          <a:noFill/>
+          <a:ln w="1">
+            <a:noFill/>
+            <a:miter lim="800000"/>
+            <a:headEnd/>
+            <a:tailEnd type="none" w="med" len="med"/>
+          </a:ln>
+          <a:effectLst/>
+        </p:spPr>
+      </p:pic>
     </p:spTree>
   </p:cSld>
   <p:clrMapOvr>
     <a:masterClrMapping/>
   </p:clrMapOvr>
+  <p:timing>
+    <p:tnLst>
+      <p:par>
+        <p:cTn id="1" dur="indefinite" restart="never" nodeType="tmRoot"/>
+      </p:par>
+    </p:tnLst>
+  </p:timing>
 </p:sld>
 </file>
 
@@ -6843,33 +8468,2578 @@
             <p:ph type="title"/>
           </p:nvPr>
         </p:nvSpPr>
-        <p:spPr>
-          <a:xfrm>
-            <a:off x="1187624" y="2636912"/>
-            <a:ext cx="7498080" cy="1143000"/>
-          </a:xfrm>
-        </p:spPr>
+        <p:spPr/>
         <p:txBody>
           <a:bodyPr/>
           <a:lstStyle/>
           <a:p>
             <a:r>
               <a:rPr lang="ru-RU" dirty="0" smtClean="0"/>
-              <a:t>Спасибо за внимание!</a:t>
+              <a:t>Программная система</a:t>
             </a:r>
             <a:endParaRPr lang="ru-RU" dirty="0"/>
           </a:p>
         </p:txBody>
       </p:sp>
+      <p:sp>
+        <p:nvSpPr>
+          <p:cNvPr id="4" name="Номер слайда 3"/>
+          <p:cNvSpPr>
+            <a:spLocks noGrp="1"/>
+          </p:cNvSpPr>
+          <p:nvPr>
+            <p:ph type="sldNum" sz="quarter" idx="12"/>
+          </p:nvPr>
+        </p:nvSpPr>
+        <p:spPr>
+          <a:xfrm>
+            <a:off x="8316416" y="6305550"/>
+            <a:ext cx="754432" cy="476250"/>
+          </a:xfrm>
+        </p:spPr>
+        <p:txBody>
+          <a:bodyPr anchor="b"/>
+          <a:lstStyle/>
+          <a:p>
+            <a:fld id="{725C68B6-61C2-468F-89AB-4B9F7531AA68}" type="slidenum">
+              <a:rPr lang="ru-RU" sz="3200" smtClean="0"/>
+              <a:pPr/>
+              <a:t>16</a:t>
+            </a:fld>
+            <a:endParaRPr lang="ru-RU" sz="3200" dirty="0"/>
+          </a:p>
+        </p:txBody>
+      </p:sp>
+      <p:pic>
+        <p:nvPicPr>
+          <p:cNvPr id="5" name="Рисунок 4"/>
+          <p:cNvPicPr/>
+          <p:nvPr/>
+        </p:nvPicPr>
+        <p:blipFill>
+          <a:blip r:embed="rId2" cstate="print"/>
+          <a:srcRect/>
+          <a:stretch>
+            <a:fillRect/>
+          </a:stretch>
+        </p:blipFill>
+        <p:spPr bwMode="auto">
+          <a:xfrm>
+            <a:off x="1763688" y="1340768"/>
+            <a:ext cx="6048000" cy="4674136"/>
+          </a:xfrm>
+          <a:prstGeom prst="rect">
+            <a:avLst/>
+          </a:prstGeom>
+          <a:noFill/>
+          <a:ln w="9525">
+            <a:noFill/>
+            <a:miter lim="800000"/>
+            <a:headEnd/>
+            <a:tailEnd/>
+          </a:ln>
+        </p:spPr>
+      </p:pic>
     </p:spTree>
   </p:cSld>
   <p:clrMapOvr>
     <a:masterClrMapping/>
   </p:clrMapOvr>
+  <p:timing>
+    <p:tnLst>
+      <p:par>
+        <p:cTn id="1" dur="indefinite" restart="never" nodeType="tmRoot"/>
+      </p:par>
+    </p:tnLst>
+  </p:timing>
+</p:sld>
+</file>
+
+<file path=ppt/slides/slide17.xml><?xml version="1.0" encoding="utf-8"?>
+<p:sld xmlns:a="http://schemas.openxmlformats.org/drawingml/2006/main" xmlns:r="http://schemas.openxmlformats.org/officeDocument/2006/relationships" xmlns:p="http://schemas.openxmlformats.org/presentationml/2006/main">
+  <p:cSld>
+    <p:spTree>
+      <p:nvGrpSpPr>
+        <p:cNvPr id="1" name=""/>
+        <p:cNvGrpSpPr/>
+        <p:nvPr/>
+      </p:nvGrpSpPr>
+      <p:grpSpPr>
+        <a:xfrm>
+          <a:off x="0" y="0"/>
+          <a:ext cx="0" cy="0"/>
+          <a:chOff x="0" y="0"/>
+          <a:chExt cx="0" cy="0"/>
+        </a:xfrm>
+      </p:grpSpPr>
+      <p:sp>
+        <p:nvSpPr>
+          <p:cNvPr id="4" name="Номер слайда 3"/>
+          <p:cNvSpPr>
+            <a:spLocks noGrp="1"/>
+          </p:cNvSpPr>
+          <p:nvPr>
+            <p:ph type="sldNum" sz="quarter" idx="12"/>
+          </p:nvPr>
+        </p:nvSpPr>
+        <p:spPr>
+          <a:xfrm>
+            <a:off x="8316416" y="6305550"/>
+            <a:ext cx="754432" cy="476250"/>
+          </a:xfrm>
+        </p:spPr>
+        <p:txBody>
+          <a:bodyPr anchor="b"/>
+          <a:lstStyle/>
+          <a:p>
+            <a:fld id="{725C68B6-61C2-468F-89AB-4B9F7531AA68}" type="slidenum">
+              <a:rPr lang="ru-RU" sz="3200" smtClean="0"/>
+              <a:pPr/>
+              <a:t>17</a:t>
+            </a:fld>
+            <a:endParaRPr lang="ru-RU" sz="3200"/>
+          </a:p>
+        </p:txBody>
+      </p:sp>
+      <p:sp>
+        <p:nvSpPr>
+          <p:cNvPr id="5" name="Заголовок 1"/>
+          <p:cNvSpPr>
+            <a:spLocks noGrp="1"/>
+          </p:cNvSpPr>
+          <p:nvPr>
+            <p:ph type="title"/>
+          </p:nvPr>
+        </p:nvSpPr>
+        <p:spPr>
+          <a:xfrm>
+            <a:off x="1435608" y="274638"/>
+            <a:ext cx="7498080" cy="1143000"/>
+          </a:xfrm>
+        </p:spPr>
+        <p:txBody>
+          <a:bodyPr/>
+          <a:lstStyle/>
+          <a:p>
+            <a:r>
+              <a:rPr lang="ru-RU" dirty="0" smtClean="0"/>
+              <a:t>Программная система</a:t>
+            </a:r>
+            <a:endParaRPr lang="ru-RU" dirty="0"/>
+          </a:p>
+        </p:txBody>
+      </p:sp>
+      <p:pic>
+        <p:nvPicPr>
+          <p:cNvPr id="6" name="Рисунок 5"/>
+          <p:cNvPicPr/>
+          <p:nvPr/>
+        </p:nvPicPr>
+        <p:blipFill>
+          <a:blip r:embed="rId2" cstate="print"/>
+          <a:srcRect/>
+          <a:stretch>
+            <a:fillRect/>
+          </a:stretch>
+        </p:blipFill>
+        <p:spPr bwMode="auto">
+          <a:xfrm>
+            <a:off x="683568" y="2708920"/>
+            <a:ext cx="4417353" cy="3413907"/>
+          </a:xfrm>
+          <a:prstGeom prst="rect">
+            <a:avLst/>
+          </a:prstGeom>
+          <a:noFill/>
+          <a:ln w="9525">
+            <a:noFill/>
+            <a:miter lim="800000"/>
+            <a:headEnd/>
+            <a:tailEnd/>
+          </a:ln>
+        </p:spPr>
+      </p:pic>
+      <p:sp>
+        <p:nvSpPr>
+          <p:cNvPr id="10" name="Прямоугольник 9"/>
+          <p:cNvSpPr/>
+          <p:nvPr/>
+        </p:nvSpPr>
+        <p:spPr>
+          <a:xfrm>
+            <a:off x="5256488" y="2420888"/>
+            <a:ext cx="3708000" cy="1080120"/>
+          </a:xfrm>
+          <a:prstGeom prst="rect">
+            <a:avLst/>
+          </a:prstGeom>
+        </p:spPr>
+        <p:style>
+          <a:lnRef idx="2">
+            <a:schemeClr val="accent1">
+              <a:shade val="50000"/>
+            </a:schemeClr>
+          </a:lnRef>
+          <a:fillRef idx="1">
+            <a:schemeClr val="accent1"/>
+          </a:fillRef>
+          <a:effectRef idx="0">
+            <a:schemeClr val="accent1"/>
+          </a:effectRef>
+          <a:fontRef idx="minor">
+            <a:schemeClr val="lt1"/>
+          </a:fontRef>
+        </p:style>
+        <p:txBody>
+          <a:bodyPr rtlCol="0" anchor="ctr"/>
+          <a:lstStyle/>
+          <a:p>
+            <a:pPr algn="ctr"/>
+            <a:endParaRPr lang="ru-RU"/>
+          </a:p>
+        </p:txBody>
+      </p:sp>
+      <p:pic>
+        <p:nvPicPr>
+          <p:cNvPr id="9" name="Рисунок 8"/>
+          <p:cNvPicPr/>
+          <p:nvPr/>
+        </p:nvPicPr>
+        <p:blipFill>
+          <a:blip r:embed="rId3" cstate="print"/>
+          <a:srcRect/>
+          <a:stretch>
+            <a:fillRect/>
+          </a:stretch>
+        </p:blipFill>
+        <p:spPr bwMode="auto">
+          <a:xfrm>
+            <a:off x="5364088" y="2492896"/>
+            <a:ext cx="3531672" cy="904108"/>
+          </a:xfrm>
+          <a:prstGeom prst="rect">
+            <a:avLst/>
+          </a:prstGeom>
+          <a:noFill/>
+          <a:ln w="9525">
+            <a:noFill/>
+            <a:miter lim="800000"/>
+            <a:headEnd/>
+            <a:tailEnd/>
+          </a:ln>
+        </p:spPr>
+      </p:pic>
+      <p:sp>
+        <p:nvSpPr>
+          <p:cNvPr id="11" name="Прямоугольник 10"/>
+          <p:cNvSpPr/>
+          <p:nvPr/>
+        </p:nvSpPr>
+        <p:spPr>
+          <a:xfrm>
+            <a:off x="3707904" y="4941280"/>
+            <a:ext cx="4932000" cy="1008000"/>
+          </a:xfrm>
+          <a:prstGeom prst="rect">
+            <a:avLst/>
+          </a:prstGeom>
+        </p:spPr>
+        <p:style>
+          <a:lnRef idx="2">
+            <a:schemeClr val="accent1">
+              <a:shade val="50000"/>
+            </a:schemeClr>
+          </a:lnRef>
+          <a:fillRef idx="1">
+            <a:schemeClr val="accent1"/>
+          </a:fillRef>
+          <a:effectRef idx="0">
+            <a:schemeClr val="accent1"/>
+          </a:effectRef>
+          <a:fontRef idx="minor">
+            <a:schemeClr val="lt1"/>
+          </a:fontRef>
+        </p:style>
+        <p:txBody>
+          <a:bodyPr rtlCol="0" anchor="ctr"/>
+          <a:lstStyle/>
+          <a:p>
+            <a:pPr algn="ctr"/>
+            <a:endParaRPr lang="ru-RU"/>
+          </a:p>
+        </p:txBody>
+      </p:sp>
+      <p:pic>
+        <p:nvPicPr>
+          <p:cNvPr id="8" name="Рисунок 7"/>
+          <p:cNvPicPr/>
+          <p:nvPr/>
+        </p:nvPicPr>
+        <p:blipFill>
+          <a:blip r:embed="rId4" cstate="print"/>
+          <a:srcRect/>
+          <a:stretch>
+            <a:fillRect/>
+          </a:stretch>
+        </p:blipFill>
+        <p:spPr bwMode="auto">
+          <a:xfrm>
+            <a:off x="3779912" y="5013176"/>
+            <a:ext cx="4811032" cy="864905"/>
+          </a:xfrm>
+          <a:prstGeom prst="rect">
+            <a:avLst/>
+          </a:prstGeom>
+          <a:noFill/>
+          <a:ln w="9525">
+            <a:noFill/>
+            <a:miter lim="800000"/>
+            <a:headEnd/>
+            <a:tailEnd/>
+          </a:ln>
+        </p:spPr>
+      </p:pic>
+      <p:sp>
+        <p:nvSpPr>
+          <p:cNvPr id="12" name="Прямоугольник 11"/>
+          <p:cNvSpPr/>
+          <p:nvPr/>
+        </p:nvSpPr>
+        <p:spPr>
+          <a:xfrm>
+            <a:off x="395536" y="1340768"/>
+            <a:ext cx="5472608" cy="864096"/>
+          </a:xfrm>
+          <a:prstGeom prst="rect">
+            <a:avLst/>
+          </a:prstGeom>
+        </p:spPr>
+        <p:style>
+          <a:lnRef idx="2">
+            <a:schemeClr val="accent1">
+              <a:shade val="50000"/>
+            </a:schemeClr>
+          </a:lnRef>
+          <a:fillRef idx="1">
+            <a:schemeClr val="accent1"/>
+          </a:fillRef>
+          <a:effectRef idx="0">
+            <a:schemeClr val="accent1"/>
+          </a:effectRef>
+          <a:fontRef idx="minor">
+            <a:schemeClr val="lt1"/>
+          </a:fontRef>
+        </p:style>
+        <p:txBody>
+          <a:bodyPr rtlCol="0" anchor="ctr"/>
+          <a:lstStyle/>
+          <a:p>
+            <a:pPr algn="ctr"/>
+            <a:endParaRPr lang="ru-RU"/>
+          </a:p>
+        </p:txBody>
+      </p:sp>
+      <p:pic>
+        <p:nvPicPr>
+          <p:cNvPr id="7" name="Рисунок 6"/>
+          <p:cNvPicPr/>
+          <p:nvPr/>
+        </p:nvPicPr>
+        <p:blipFill>
+          <a:blip r:embed="rId5" cstate="print"/>
+          <a:srcRect/>
+          <a:stretch>
+            <a:fillRect/>
+          </a:stretch>
+        </p:blipFill>
+        <p:spPr bwMode="auto">
+          <a:xfrm>
+            <a:off x="467544" y="1412776"/>
+            <a:ext cx="5336721" cy="713227"/>
+          </a:xfrm>
+          <a:prstGeom prst="rect">
+            <a:avLst/>
+          </a:prstGeom>
+          <a:noFill/>
+          <a:ln w="9525">
+            <a:noFill/>
+            <a:miter lim="800000"/>
+            <a:headEnd/>
+            <a:tailEnd/>
+          </a:ln>
+        </p:spPr>
+      </p:pic>
+      <p:cxnSp>
+        <p:nvCxnSpPr>
+          <p:cNvPr id="15" name="Прямая соединительная линия 14"/>
+          <p:cNvCxnSpPr/>
+          <p:nvPr/>
+        </p:nvCxnSpPr>
+        <p:spPr>
+          <a:xfrm flipV="1">
+            <a:off x="2051720" y="2204936"/>
+            <a:ext cx="360040" cy="684000"/>
+          </a:xfrm>
+          <a:prstGeom prst="line">
+            <a:avLst/>
+          </a:prstGeom>
+          <a:ln w="38100"/>
+        </p:spPr>
+        <p:style>
+          <a:lnRef idx="1">
+            <a:schemeClr val="accent1"/>
+          </a:lnRef>
+          <a:fillRef idx="0">
+            <a:schemeClr val="accent1"/>
+          </a:fillRef>
+          <a:effectRef idx="0">
+            <a:schemeClr val="accent1"/>
+          </a:effectRef>
+          <a:fontRef idx="minor">
+            <a:schemeClr val="tx1"/>
+          </a:fontRef>
+        </p:style>
+      </p:cxnSp>
+      <p:cxnSp>
+        <p:nvCxnSpPr>
+          <p:cNvPr id="16" name="Прямая соединительная линия 15"/>
+          <p:cNvCxnSpPr/>
+          <p:nvPr/>
+        </p:nvCxnSpPr>
+        <p:spPr>
+          <a:xfrm>
+            <a:off x="4788024" y="2996952"/>
+            <a:ext cx="432048" cy="0"/>
+          </a:xfrm>
+          <a:prstGeom prst="line">
+            <a:avLst/>
+          </a:prstGeom>
+          <a:ln w="38100"/>
+        </p:spPr>
+        <p:style>
+          <a:lnRef idx="1">
+            <a:schemeClr val="accent1"/>
+          </a:lnRef>
+          <a:fillRef idx="0">
+            <a:schemeClr val="accent1"/>
+          </a:fillRef>
+          <a:effectRef idx="0">
+            <a:schemeClr val="accent1"/>
+          </a:effectRef>
+          <a:fontRef idx="minor">
+            <a:schemeClr val="tx1"/>
+          </a:fontRef>
+        </p:style>
+      </p:cxnSp>
+      <p:cxnSp>
+        <p:nvCxnSpPr>
+          <p:cNvPr id="18" name="Прямая соединительная линия 17"/>
+          <p:cNvCxnSpPr/>
+          <p:nvPr/>
+        </p:nvCxnSpPr>
+        <p:spPr>
+          <a:xfrm>
+            <a:off x="2411760" y="3068960"/>
+            <a:ext cx="3024336" cy="1872208"/>
+          </a:xfrm>
+          <a:prstGeom prst="line">
+            <a:avLst/>
+          </a:prstGeom>
+          <a:ln w="38100"/>
+        </p:spPr>
+        <p:style>
+          <a:lnRef idx="1">
+            <a:schemeClr val="accent1"/>
+          </a:lnRef>
+          <a:fillRef idx="0">
+            <a:schemeClr val="accent1"/>
+          </a:fillRef>
+          <a:effectRef idx="0">
+            <a:schemeClr val="accent1"/>
+          </a:effectRef>
+          <a:fontRef idx="minor">
+            <a:schemeClr val="tx1"/>
+          </a:fontRef>
+        </p:style>
+      </p:cxnSp>
+    </p:spTree>
+  </p:cSld>
+  <p:clrMapOvr>
+    <a:masterClrMapping/>
+  </p:clrMapOvr>
+  <p:timing>
+    <p:tnLst>
+      <p:par>
+        <p:cTn id="1" dur="indefinite" restart="never" nodeType="tmRoot"/>
+      </p:par>
+    </p:tnLst>
+  </p:timing>
+</p:sld>
+</file>
+
+<file path=ppt/slides/slide18.xml><?xml version="1.0" encoding="utf-8"?>
+<p:sld xmlns:a="http://schemas.openxmlformats.org/drawingml/2006/main" xmlns:r="http://schemas.openxmlformats.org/officeDocument/2006/relationships" xmlns:p="http://schemas.openxmlformats.org/presentationml/2006/main">
+  <p:cSld>
+    <p:spTree>
+      <p:nvGrpSpPr>
+        <p:cNvPr id="1" name=""/>
+        <p:cNvGrpSpPr/>
+        <p:nvPr/>
+      </p:nvGrpSpPr>
+      <p:grpSpPr>
+        <a:xfrm>
+          <a:off x="0" y="0"/>
+          <a:ext cx="0" cy="0"/>
+          <a:chOff x="0" y="0"/>
+          <a:chExt cx="0" cy="0"/>
+        </a:xfrm>
+      </p:grpSpPr>
+      <p:sp>
+        <p:nvSpPr>
+          <p:cNvPr id="8" name="Номер слайда 7"/>
+          <p:cNvSpPr>
+            <a:spLocks noGrp="1"/>
+          </p:cNvSpPr>
+          <p:nvPr>
+            <p:ph type="sldNum" sz="quarter" idx="12"/>
+          </p:nvPr>
+        </p:nvSpPr>
+        <p:spPr>
+          <a:xfrm>
+            <a:off x="8460432" y="6305550"/>
+            <a:ext cx="610416" cy="476250"/>
+          </a:xfrm>
+        </p:spPr>
+        <p:txBody>
+          <a:bodyPr/>
+          <a:lstStyle/>
+          <a:p>
+            <a:fld id="{725C68B6-61C2-468F-89AB-4B9F7531AA68}" type="slidenum">
+              <a:rPr lang="ru-RU" sz="3200" smtClean="0"/>
+              <a:pPr/>
+              <a:t>18</a:t>
+            </a:fld>
+            <a:endParaRPr lang="ru-RU" sz="3200" dirty="0"/>
+          </a:p>
+        </p:txBody>
+      </p:sp>
+      <p:sp>
+        <p:nvSpPr>
+          <p:cNvPr id="12" name="Заголовок 1"/>
+          <p:cNvSpPr>
+            <a:spLocks noGrp="1"/>
+          </p:cNvSpPr>
+          <p:nvPr>
+            <p:ph type="title"/>
+          </p:nvPr>
+        </p:nvSpPr>
+        <p:spPr>
+          <a:xfrm>
+            <a:off x="1403648" y="188640"/>
+            <a:ext cx="7498080" cy="1143000"/>
+          </a:xfrm>
+        </p:spPr>
+        <p:txBody>
+          <a:bodyPr>
+            <a:normAutofit fontScale="90000"/>
+          </a:bodyPr>
+          <a:lstStyle/>
+          <a:p>
+            <a:r>
+              <a:rPr lang="ru-RU" sz="2400" dirty="0" smtClean="0"/>
+              <a:t>Результаты исследований.</a:t>
+            </a:r>
+            <a:br>
+              <a:rPr lang="ru-RU" sz="2400" dirty="0" smtClean="0"/>
+            </a:br>
+            <a:r>
+              <a:rPr lang="ru-RU" sz="2400" dirty="0" smtClean="0"/>
+              <a:t>Зависимость времени сжатия от размера рангового блока</a:t>
+            </a:r>
+            <a:endParaRPr lang="ru-RU" sz="2400" dirty="0"/>
+          </a:p>
+        </p:txBody>
+      </p:sp>
+      <p:pic>
+        <p:nvPicPr>
+          <p:cNvPr id="14" name="Рисунок 13" descr="сер 16.jpg"/>
+          <p:cNvPicPr>
+            <a:picLocks noChangeAspect="1"/>
+          </p:cNvPicPr>
+          <p:nvPr/>
+        </p:nvPicPr>
+        <p:blipFill>
+          <a:blip r:embed="rId2" cstate="print"/>
+          <a:stretch>
+            <a:fillRect/>
+          </a:stretch>
+        </p:blipFill>
+        <p:spPr>
+          <a:xfrm>
+            <a:off x="1907704" y="4797152"/>
+            <a:ext cx="1524213" cy="1524213"/>
+          </a:xfrm>
+          <a:prstGeom prst="rect">
+            <a:avLst/>
+          </a:prstGeom>
+        </p:spPr>
+      </p:pic>
+      <p:pic>
+        <p:nvPicPr>
+          <p:cNvPr id="15" name="Рисунок 14" descr="сер 4.jpg"/>
+          <p:cNvPicPr>
+            <a:picLocks noChangeAspect="1"/>
+          </p:cNvPicPr>
+          <p:nvPr/>
+        </p:nvPicPr>
+        <p:blipFill>
+          <a:blip r:embed="rId3" cstate="print"/>
+          <a:stretch>
+            <a:fillRect/>
+          </a:stretch>
+        </p:blipFill>
+        <p:spPr>
+          <a:xfrm>
+            <a:off x="6228184" y="4797152"/>
+            <a:ext cx="1524213" cy="1524213"/>
+          </a:xfrm>
+          <a:prstGeom prst="rect">
+            <a:avLst/>
+          </a:prstGeom>
+        </p:spPr>
+      </p:pic>
+      <p:pic>
+        <p:nvPicPr>
+          <p:cNvPr id="16" name="Рисунок 15" descr="сер 8.jpg"/>
+          <p:cNvPicPr>
+            <a:picLocks noChangeAspect="1"/>
+          </p:cNvPicPr>
+          <p:nvPr/>
+        </p:nvPicPr>
+        <p:blipFill>
+          <a:blip r:embed="rId4" cstate="print"/>
+          <a:stretch>
+            <a:fillRect/>
+          </a:stretch>
+        </p:blipFill>
+        <p:spPr>
+          <a:xfrm>
+            <a:off x="3995936" y="4797152"/>
+            <a:ext cx="1524213" cy="1524213"/>
+          </a:xfrm>
+          <a:prstGeom prst="rect">
+            <a:avLst/>
+          </a:prstGeom>
+        </p:spPr>
+      </p:pic>
+      <p:sp>
+        <p:nvSpPr>
+          <p:cNvPr id="17" name="TextBox 16"/>
+          <p:cNvSpPr txBox="1"/>
+          <p:nvPr/>
+        </p:nvSpPr>
+        <p:spPr>
+          <a:xfrm>
+            <a:off x="1979712" y="6309320"/>
+            <a:ext cx="1512168" cy="369332"/>
+          </a:xfrm>
+          <a:prstGeom prst="rect">
+            <a:avLst/>
+          </a:prstGeom>
+          <a:noFill/>
+        </p:spPr>
+        <p:txBody>
+          <a:bodyPr wrap="square" rtlCol="0">
+            <a:spAutoFit/>
+          </a:bodyPr>
+          <a:lstStyle/>
+          <a:p>
+            <a:r>
+              <a:rPr lang="ru-RU" dirty="0" smtClean="0">
+                <a:latin typeface="Times New Roman" pitchFamily="18" charset="0"/>
+                <a:cs typeface="Times New Roman" pitchFamily="18" charset="0"/>
+              </a:rPr>
+              <a:t>16 пикселей</a:t>
+            </a:r>
+            <a:endParaRPr lang="ru-RU" dirty="0">
+              <a:latin typeface="Times New Roman" pitchFamily="18" charset="0"/>
+              <a:cs typeface="Times New Roman" pitchFamily="18" charset="0"/>
+            </a:endParaRPr>
+          </a:p>
+        </p:txBody>
+      </p:sp>
+      <p:sp>
+        <p:nvSpPr>
+          <p:cNvPr id="18" name="TextBox 17"/>
+          <p:cNvSpPr txBox="1"/>
+          <p:nvPr/>
+        </p:nvSpPr>
+        <p:spPr>
+          <a:xfrm>
+            <a:off x="4139952" y="6309320"/>
+            <a:ext cx="1368152" cy="369332"/>
+          </a:xfrm>
+          <a:prstGeom prst="rect">
+            <a:avLst/>
+          </a:prstGeom>
+          <a:noFill/>
+        </p:spPr>
+        <p:txBody>
+          <a:bodyPr wrap="square" rtlCol="0">
+            <a:spAutoFit/>
+          </a:bodyPr>
+          <a:lstStyle/>
+          <a:p>
+            <a:r>
+              <a:rPr lang="ru-RU" dirty="0" smtClean="0">
+                <a:latin typeface="Times New Roman" pitchFamily="18" charset="0"/>
+                <a:cs typeface="Times New Roman" pitchFamily="18" charset="0"/>
+              </a:rPr>
+              <a:t>8 пикселей</a:t>
+            </a:r>
+            <a:endParaRPr lang="ru-RU" dirty="0">
+              <a:latin typeface="Times New Roman" pitchFamily="18" charset="0"/>
+              <a:cs typeface="Times New Roman" pitchFamily="18" charset="0"/>
+            </a:endParaRPr>
+          </a:p>
+        </p:txBody>
+      </p:sp>
+      <p:sp>
+        <p:nvSpPr>
+          <p:cNvPr id="19" name="TextBox 18"/>
+          <p:cNvSpPr txBox="1"/>
+          <p:nvPr/>
+        </p:nvSpPr>
+        <p:spPr>
+          <a:xfrm>
+            <a:off x="6300192" y="6309320"/>
+            <a:ext cx="1368152" cy="369332"/>
+          </a:xfrm>
+          <a:prstGeom prst="rect">
+            <a:avLst/>
+          </a:prstGeom>
+          <a:noFill/>
+        </p:spPr>
+        <p:txBody>
+          <a:bodyPr wrap="square" rtlCol="0">
+            <a:spAutoFit/>
+          </a:bodyPr>
+          <a:lstStyle/>
+          <a:p>
+            <a:r>
+              <a:rPr lang="ru-RU" dirty="0" smtClean="0">
+                <a:latin typeface="Times New Roman" pitchFamily="18" charset="0"/>
+                <a:cs typeface="Times New Roman" pitchFamily="18" charset="0"/>
+              </a:rPr>
+              <a:t>4 пикселя</a:t>
+            </a:r>
+            <a:endParaRPr lang="ru-RU" dirty="0">
+              <a:latin typeface="Times New Roman" pitchFamily="18" charset="0"/>
+              <a:cs typeface="Times New Roman" pitchFamily="18" charset="0"/>
+            </a:endParaRPr>
+          </a:p>
+        </p:txBody>
+      </p:sp>
+      <p:graphicFrame>
+        <p:nvGraphicFramePr>
+          <p:cNvPr id="20" name="Диаграмма 19"/>
+          <p:cNvGraphicFramePr/>
+          <p:nvPr/>
+        </p:nvGraphicFramePr>
+        <p:xfrm>
+          <a:off x="1957388" y="1340768"/>
+          <a:ext cx="5566940" cy="3240359"/>
+        </p:xfrm>
+        <a:graphic>
+          <a:graphicData uri="http://schemas.openxmlformats.org/drawingml/2006/chart">
+            <c:chart xmlns:c="http://schemas.openxmlformats.org/drawingml/2006/chart" xmlns:r="http://schemas.openxmlformats.org/officeDocument/2006/relationships" r:id="rId5"/>
+          </a:graphicData>
+        </a:graphic>
+      </p:graphicFrame>
+    </p:spTree>
+  </p:cSld>
+  <p:clrMapOvr>
+    <a:masterClrMapping/>
+  </p:clrMapOvr>
+  <p:timing>
+    <p:tnLst>
+      <p:par>
+        <p:cTn id="1" dur="indefinite" restart="never" nodeType="tmRoot"/>
+      </p:par>
+    </p:tnLst>
+  </p:timing>
+</p:sld>
+</file>
+
+<file path=ppt/slides/slide19.xml><?xml version="1.0" encoding="utf-8"?>
+<p:sld xmlns:a="http://schemas.openxmlformats.org/drawingml/2006/main" xmlns:r="http://schemas.openxmlformats.org/officeDocument/2006/relationships" xmlns:p="http://schemas.openxmlformats.org/presentationml/2006/main">
+  <p:cSld>
+    <p:spTree>
+      <p:nvGrpSpPr>
+        <p:cNvPr id="1" name=""/>
+        <p:cNvGrpSpPr/>
+        <p:nvPr/>
+      </p:nvGrpSpPr>
+      <p:grpSpPr>
+        <a:xfrm>
+          <a:off x="0" y="0"/>
+          <a:ext cx="0" cy="0"/>
+          <a:chOff x="0" y="0"/>
+          <a:chExt cx="0" cy="0"/>
+        </a:xfrm>
+      </p:grpSpPr>
+      <p:sp>
+        <p:nvSpPr>
+          <p:cNvPr id="14" name="Номер слайда 13"/>
+          <p:cNvSpPr>
+            <a:spLocks noGrp="1"/>
+          </p:cNvSpPr>
+          <p:nvPr>
+            <p:ph type="sldNum" sz="quarter" idx="12"/>
+          </p:nvPr>
+        </p:nvSpPr>
+        <p:spPr>
+          <a:xfrm>
+            <a:off x="8316416" y="6305550"/>
+            <a:ext cx="754432" cy="476250"/>
+          </a:xfrm>
+        </p:spPr>
+        <p:txBody>
+          <a:bodyPr anchor="b"/>
+          <a:lstStyle/>
+          <a:p>
+            <a:fld id="{725C68B6-61C2-468F-89AB-4B9F7531AA68}" type="slidenum">
+              <a:rPr lang="ru-RU" sz="3200" smtClean="0"/>
+              <a:pPr/>
+              <a:t>19</a:t>
+            </a:fld>
+            <a:endParaRPr lang="ru-RU" sz="3200"/>
+          </a:p>
+        </p:txBody>
+      </p:sp>
+      <p:sp>
+        <p:nvSpPr>
+          <p:cNvPr id="17" name="Заголовок 1"/>
+          <p:cNvSpPr>
+            <a:spLocks noGrp="1"/>
+          </p:cNvSpPr>
+          <p:nvPr>
+            <p:ph type="title"/>
+          </p:nvPr>
+        </p:nvSpPr>
+        <p:spPr>
+          <a:xfrm>
+            <a:off x="1187624" y="-99392"/>
+            <a:ext cx="7498080" cy="1143000"/>
+          </a:xfrm>
+        </p:spPr>
+        <p:txBody>
+          <a:bodyPr>
+            <a:normAutofit fontScale="90000"/>
+          </a:bodyPr>
+          <a:lstStyle/>
+          <a:p>
+            <a:r>
+              <a:rPr lang="ru-RU" sz="2400" dirty="0" smtClean="0"/>
+              <a:t>Результаты исследований.</a:t>
+            </a:r>
+            <a:br>
+              <a:rPr lang="ru-RU" sz="2400" dirty="0" smtClean="0"/>
+            </a:br>
+            <a:r>
+              <a:rPr lang="ru-RU" sz="2400" dirty="0" smtClean="0"/>
+              <a:t>Зависимость времени сжатия от выбранного алгоритма</a:t>
+            </a:r>
+            <a:endParaRPr lang="ru-RU" sz="2400" dirty="0"/>
+          </a:p>
+        </p:txBody>
+      </p:sp>
+      <p:graphicFrame>
+        <p:nvGraphicFramePr>
+          <p:cNvPr id="18" name="Диаграмма 17"/>
+          <p:cNvGraphicFramePr/>
+          <p:nvPr/>
+        </p:nvGraphicFramePr>
+        <p:xfrm>
+          <a:off x="1115616" y="1052736"/>
+          <a:ext cx="3888432" cy="2376264"/>
+        </p:xfrm>
+        <a:graphic>
+          <a:graphicData uri="http://schemas.openxmlformats.org/drawingml/2006/chart">
+            <c:chart xmlns:c="http://schemas.openxmlformats.org/drawingml/2006/chart" xmlns:r="http://schemas.openxmlformats.org/officeDocument/2006/relationships" r:id="rId2"/>
+          </a:graphicData>
+        </a:graphic>
+      </p:graphicFrame>
+      <p:graphicFrame>
+        <p:nvGraphicFramePr>
+          <p:cNvPr id="19" name="Диаграмма 18"/>
+          <p:cNvGraphicFramePr/>
+          <p:nvPr/>
+        </p:nvGraphicFramePr>
+        <p:xfrm>
+          <a:off x="5004048" y="1052736"/>
+          <a:ext cx="3888000" cy="2376000"/>
+        </p:xfrm>
+        <a:graphic>
+          <a:graphicData uri="http://schemas.openxmlformats.org/drawingml/2006/chart">
+            <c:chart xmlns:c="http://schemas.openxmlformats.org/drawingml/2006/chart" xmlns:r="http://schemas.openxmlformats.org/officeDocument/2006/relationships" r:id="rId3"/>
+          </a:graphicData>
+        </a:graphic>
+      </p:graphicFrame>
+      <p:graphicFrame>
+        <p:nvGraphicFramePr>
+          <p:cNvPr id="21" name="Диаграмма 20"/>
+          <p:cNvGraphicFramePr/>
+          <p:nvPr/>
+        </p:nvGraphicFramePr>
+        <p:xfrm>
+          <a:off x="5004048" y="3789304"/>
+          <a:ext cx="3888000" cy="2376000"/>
+        </p:xfrm>
+        <a:graphic>
+          <a:graphicData uri="http://schemas.openxmlformats.org/drawingml/2006/chart">
+            <c:chart xmlns:c="http://schemas.openxmlformats.org/drawingml/2006/chart" xmlns:r="http://schemas.openxmlformats.org/officeDocument/2006/relationships" r:id="rId4"/>
+          </a:graphicData>
+        </a:graphic>
+      </p:graphicFrame>
+      <p:pic>
+        <p:nvPicPr>
+          <p:cNvPr id="23" name="Picture 1"/>
+          <p:cNvPicPr>
+            <a:picLocks noChangeAspect="1" noChangeArrowheads="1"/>
+          </p:cNvPicPr>
+          <p:nvPr/>
+        </p:nvPicPr>
+        <p:blipFill>
+          <a:blip r:embed="rId5" cstate="print"/>
+          <a:srcRect/>
+          <a:stretch>
+            <a:fillRect/>
+          </a:stretch>
+        </p:blipFill>
+        <p:spPr bwMode="auto">
+          <a:xfrm>
+            <a:off x="1043608" y="6237312"/>
+            <a:ext cx="7324725" cy="542925"/>
+          </a:xfrm>
+          <a:prstGeom prst="rect">
+            <a:avLst/>
+          </a:prstGeom>
+          <a:noFill/>
+          <a:ln w="1">
+            <a:noFill/>
+            <a:miter lim="800000"/>
+            <a:headEnd/>
+            <a:tailEnd type="none" w="med" len="med"/>
+          </a:ln>
+          <a:effectLst/>
+        </p:spPr>
+      </p:pic>
+      <p:graphicFrame>
+        <p:nvGraphicFramePr>
+          <p:cNvPr id="24" name="Диаграмма 23"/>
+          <p:cNvGraphicFramePr/>
+          <p:nvPr/>
+        </p:nvGraphicFramePr>
+        <p:xfrm>
+          <a:off x="1187624" y="3789304"/>
+          <a:ext cx="3888000" cy="2376000"/>
+        </p:xfrm>
+        <a:graphic>
+          <a:graphicData uri="http://schemas.openxmlformats.org/drawingml/2006/chart">
+            <c:chart xmlns:c="http://schemas.openxmlformats.org/drawingml/2006/chart" xmlns:r="http://schemas.openxmlformats.org/officeDocument/2006/relationships" r:id="rId6"/>
+          </a:graphicData>
+        </a:graphic>
+      </p:graphicFrame>
+      <p:sp>
+        <p:nvSpPr>
+          <p:cNvPr id="25" name="TextBox 24"/>
+          <p:cNvSpPr txBox="1"/>
+          <p:nvPr/>
+        </p:nvSpPr>
+        <p:spPr>
+          <a:xfrm>
+            <a:off x="2627784" y="836712"/>
+            <a:ext cx="940066" cy="338554"/>
+          </a:xfrm>
+          <a:prstGeom prst="rect">
+            <a:avLst/>
+          </a:prstGeom>
+          <a:noFill/>
+        </p:spPr>
+        <p:txBody>
+          <a:bodyPr wrap="none" rtlCol="0">
+            <a:spAutoFit/>
+          </a:bodyPr>
+          <a:lstStyle/>
+          <a:p>
+            <a:r>
+              <a:rPr lang="ru-RU" sz="1600" b="1" dirty="0" smtClean="0"/>
+              <a:t>Портрет</a:t>
+            </a:r>
+            <a:endParaRPr lang="ru-RU" sz="1600" b="1" dirty="0"/>
+          </a:p>
+        </p:txBody>
+      </p:sp>
+      <p:sp>
+        <p:nvSpPr>
+          <p:cNvPr id="26" name="TextBox 25"/>
+          <p:cNvSpPr txBox="1"/>
+          <p:nvPr/>
+        </p:nvSpPr>
+        <p:spPr>
+          <a:xfrm>
+            <a:off x="6588224" y="786190"/>
+            <a:ext cx="1463414" cy="338554"/>
+          </a:xfrm>
+          <a:prstGeom prst="rect">
+            <a:avLst/>
+          </a:prstGeom>
+          <a:noFill/>
+        </p:spPr>
+        <p:txBody>
+          <a:bodyPr wrap="none" rtlCol="0">
+            <a:spAutoFit/>
+          </a:bodyPr>
+          <a:lstStyle/>
+          <a:p>
+            <a:r>
+              <a:rPr lang="ru-RU" sz="1600" b="1" dirty="0" smtClean="0"/>
+              <a:t>Мало деталей</a:t>
+            </a:r>
+            <a:endParaRPr lang="ru-RU" sz="1600" b="1" dirty="0"/>
+          </a:p>
+        </p:txBody>
+      </p:sp>
+      <p:sp>
+        <p:nvSpPr>
+          <p:cNvPr id="27" name="TextBox 26"/>
+          <p:cNvSpPr txBox="1"/>
+          <p:nvPr/>
+        </p:nvSpPr>
+        <p:spPr>
+          <a:xfrm>
+            <a:off x="2699792" y="3573016"/>
+            <a:ext cx="1557991" cy="338554"/>
+          </a:xfrm>
+          <a:prstGeom prst="rect">
+            <a:avLst/>
+          </a:prstGeom>
+          <a:noFill/>
+        </p:spPr>
+        <p:txBody>
+          <a:bodyPr wrap="none" rtlCol="0">
+            <a:spAutoFit/>
+          </a:bodyPr>
+          <a:lstStyle/>
+          <a:p>
+            <a:r>
+              <a:rPr lang="ru-RU" sz="1600" b="1" dirty="0" smtClean="0"/>
+              <a:t>Много деталей</a:t>
+            </a:r>
+            <a:endParaRPr lang="ru-RU" sz="1600" b="1" dirty="0"/>
+          </a:p>
+        </p:txBody>
+      </p:sp>
+      <p:sp>
+        <p:nvSpPr>
+          <p:cNvPr id="28" name="TextBox 27"/>
+          <p:cNvSpPr txBox="1"/>
+          <p:nvPr/>
+        </p:nvSpPr>
+        <p:spPr>
+          <a:xfrm>
+            <a:off x="6948264" y="3573016"/>
+            <a:ext cx="672107" cy="338554"/>
+          </a:xfrm>
+          <a:prstGeom prst="rect">
+            <a:avLst/>
+          </a:prstGeom>
+          <a:noFill/>
+        </p:spPr>
+        <p:txBody>
+          <a:bodyPr wrap="none" rtlCol="0">
+            <a:spAutoFit/>
+          </a:bodyPr>
+          <a:lstStyle/>
+          <a:p>
+            <a:r>
+              <a:rPr lang="ru-RU" sz="1600" b="1" dirty="0" smtClean="0"/>
+              <a:t>Текст</a:t>
+            </a:r>
+            <a:endParaRPr lang="ru-RU" sz="1600" b="1" dirty="0"/>
+          </a:p>
+        </p:txBody>
+      </p:sp>
+    </p:spTree>
+  </p:cSld>
+  <p:clrMapOvr>
+    <a:masterClrMapping/>
+  </p:clrMapOvr>
+  <p:timing>
+    <p:tnLst>
+      <p:par>
+        <p:cTn id="1" dur="indefinite" restart="never" nodeType="tmRoot"/>
+      </p:par>
+    </p:tnLst>
+  </p:timing>
 </p:sld>
 </file>
 
 <file path=ppt/slides/slide2.xml><?xml version="1.0" encoding="utf-8"?>
+<p:sld xmlns:a="http://schemas.openxmlformats.org/drawingml/2006/main" xmlns:r="http://schemas.openxmlformats.org/officeDocument/2006/relationships" xmlns:p="http://schemas.openxmlformats.org/presentationml/2006/main">
+  <p:cSld>
+    <p:spTree>
+      <p:nvGrpSpPr>
+        <p:cNvPr id="1" name=""/>
+        <p:cNvGrpSpPr/>
+        <p:nvPr/>
+      </p:nvGrpSpPr>
+      <p:grpSpPr>
+        <a:xfrm>
+          <a:off x="0" y="0"/>
+          <a:ext cx="0" cy="0"/>
+          <a:chOff x="0" y="0"/>
+          <a:chExt cx="0" cy="0"/>
+        </a:xfrm>
+      </p:grpSpPr>
+      <p:sp>
+        <p:nvSpPr>
+          <p:cNvPr id="4" name="Номер слайда 3"/>
+          <p:cNvSpPr>
+            <a:spLocks noGrp="1"/>
+          </p:cNvSpPr>
+          <p:nvPr>
+            <p:ph type="sldNum" sz="quarter" idx="12"/>
+          </p:nvPr>
+        </p:nvSpPr>
+        <p:spPr/>
+        <p:txBody>
+          <a:bodyPr anchor="b"/>
+          <a:lstStyle/>
+          <a:p>
+            <a:fld id="{725C68B6-61C2-468F-89AB-4B9F7531AA68}" type="slidenum">
+              <a:rPr lang="ru-RU" sz="3200" smtClean="0"/>
+              <a:pPr/>
+              <a:t>2</a:t>
+            </a:fld>
+            <a:endParaRPr lang="ru-RU" sz="3200"/>
+          </a:p>
+        </p:txBody>
+      </p:sp>
+      <p:sp>
+        <p:nvSpPr>
+          <p:cNvPr id="5" name="Заголовок 1"/>
+          <p:cNvSpPr>
+            <a:spLocks noGrp="1"/>
+          </p:cNvSpPr>
+          <p:nvPr>
+            <p:ph type="title"/>
+          </p:nvPr>
+        </p:nvSpPr>
+        <p:spPr>
+          <a:xfrm>
+            <a:off x="1435608" y="274638"/>
+            <a:ext cx="7498080" cy="1143000"/>
+          </a:xfrm>
+        </p:spPr>
+        <p:txBody>
+          <a:bodyPr/>
+          <a:lstStyle/>
+          <a:p>
+            <a:r>
+              <a:rPr lang="ru-RU" dirty="0" smtClean="0"/>
+              <a:t>Цели и задачи</a:t>
+            </a:r>
+            <a:endParaRPr lang="ru-RU" dirty="0"/>
+          </a:p>
+        </p:txBody>
+      </p:sp>
+      <p:sp>
+        <p:nvSpPr>
+          <p:cNvPr id="6" name="Содержимое 2"/>
+          <p:cNvSpPr>
+            <a:spLocks noGrp="1"/>
+          </p:cNvSpPr>
+          <p:nvPr>
+            <p:ph idx="1"/>
+          </p:nvPr>
+        </p:nvSpPr>
+        <p:spPr>
+          <a:xfrm>
+            <a:off x="1202706" y="1447800"/>
+            <a:ext cx="7498080" cy="757064"/>
+          </a:xfrm>
+        </p:spPr>
+        <p:txBody>
+          <a:bodyPr>
+            <a:normAutofit/>
+          </a:bodyPr>
+          <a:lstStyle/>
+          <a:p>
+            <a:pPr algn="just">
+              <a:buNone/>
+              <a:tabLst>
+                <a:tab pos="0" algn="l"/>
+              </a:tabLst>
+            </a:pPr>
+            <a:r>
+              <a:rPr lang="ru-RU" sz="2000" dirty="0" smtClean="0">
+                <a:effectLst>
+                  <a:outerShdw blurRad="38100" dist="38100" dir="2700000" algn="tl">
+                    <a:srgbClr val="000000">
+                      <a:alpha val="43137"/>
+                    </a:srgbClr>
+                  </a:outerShdw>
+                </a:effectLst>
+              </a:rPr>
+              <a:t>Цель: </a:t>
+            </a:r>
+            <a:r>
+              <a:rPr lang="ru-RU" sz="2000" dirty="0" smtClean="0"/>
+              <a:t>исследовать алгоритмы фрактального сжатия изображений</a:t>
+            </a:r>
+            <a:endParaRPr lang="ru-RU" sz="2000" dirty="0">
+              <a:effectLst>
+                <a:outerShdw blurRad="38100" dist="38100" dir="2700000" algn="tl">
+                  <a:srgbClr val="000000">
+                    <a:alpha val="43137"/>
+                  </a:srgbClr>
+                </a:outerShdw>
+              </a:effectLst>
+            </a:endParaRPr>
+          </a:p>
+        </p:txBody>
+      </p:sp>
+      <p:sp>
+        <p:nvSpPr>
+          <p:cNvPr id="7" name="Содержимое 2"/>
+          <p:cNvSpPr txBox="1">
+            <a:spLocks/>
+          </p:cNvSpPr>
+          <p:nvPr/>
+        </p:nvSpPr>
+        <p:spPr>
+          <a:xfrm>
+            <a:off x="1228502" y="2204864"/>
+            <a:ext cx="7498080" cy="4104456"/>
+          </a:xfrm>
+          <a:prstGeom prst="rect">
+            <a:avLst/>
+          </a:prstGeom>
+        </p:spPr>
+        <p:txBody>
+          <a:bodyPr>
+            <a:normAutofit lnSpcReduction="10000"/>
+          </a:bodyPr>
+          <a:lstStyle/>
+          <a:p>
+            <a:pPr marL="365760" marR="0" lvl="0" indent="-283464" algn="l" defTabSz="914400" rtl="0" eaLnBrk="1" fontAlgn="auto" latinLnBrk="0" hangingPunct="1">
+              <a:lnSpc>
+                <a:spcPct val="100000"/>
+              </a:lnSpc>
+              <a:spcBef>
+                <a:spcPts val="600"/>
+              </a:spcBef>
+              <a:spcAft>
+                <a:spcPts val="0"/>
+              </a:spcAft>
+              <a:buClr>
+                <a:schemeClr val="accent1"/>
+              </a:buClr>
+              <a:buSzPct val="80000"/>
+              <a:buFont typeface="Wingdings 2"/>
+              <a:buNone/>
+              <a:tabLst/>
+              <a:defRPr/>
+            </a:pPr>
+            <a:r>
+              <a:rPr kumimoji="0" lang="ru-RU" sz="2000" b="0" i="0" u="none" strike="noStrike" kern="1200" cap="none" spc="0" normalizeH="0" baseline="0" noProof="0" dirty="0" smtClean="0">
+                <a:ln>
+                  <a:noFill/>
+                </a:ln>
+                <a:solidFill>
+                  <a:schemeClr val="tx1"/>
+                </a:solidFill>
+                <a:effectLst>
+                  <a:outerShdw blurRad="38100" dist="38100" dir="2700000" algn="tl">
+                    <a:srgbClr val="000000">
+                      <a:alpha val="43137"/>
+                    </a:srgbClr>
+                  </a:outerShdw>
+                </a:effectLst>
+                <a:uLnTx/>
+                <a:uFillTx/>
+                <a:latin typeface="+mn-lt"/>
+                <a:ea typeface="+mn-ea"/>
+                <a:cs typeface="+mn-cs"/>
+              </a:rPr>
+              <a:t>Задачи:</a:t>
+            </a:r>
+            <a:endParaRPr kumimoji="0" lang="ru-RU" sz="2000" b="0" i="0" u="none" strike="noStrike" kern="1200" cap="none" spc="0" normalizeH="0" baseline="0" noProof="0" dirty="0" smtClean="0">
+              <a:ln>
+                <a:noFill/>
+              </a:ln>
+              <a:solidFill>
+                <a:schemeClr val="tx1"/>
+              </a:solidFill>
+              <a:uLnTx/>
+              <a:uFillTx/>
+              <a:latin typeface="+mn-lt"/>
+              <a:ea typeface="+mn-ea"/>
+              <a:cs typeface="+mn-cs"/>
+            </a:endParaRPr>
+          </a:p>
+          <a:p>
+            <a:pPr marL="365760" marR="0" lvl="0" indent="-283464" algn="l" defTabSz="914400" rtl="0" eaLnBrk="1" fontAlgn="auto" latinLnBrk="0" hangingPunct="1">
+              <a:lnSpc>
+                <a:spcPct val="100000"/>
+              </a:lnSpc>
+              <a:spcBef>
+                <a:spcPts val="600"/>
+              </a:spcBef>
+              <a:spcAft>
+                <a:spcPts val="0"/>
+              </a:spcAft>
+              <a:buClr>
+                <a:schemeClr val="accent1"/>
+              </a:buClr>
+              <a:buSzPct val="80000"/>
+              <a:buFont typeface="Arial" pitchFamily="34" charset="0"/>
+              <a:buChar char="•"/>
+              <a:tabLst/>
+              <a:defRPr/>
+            </a:pPr>
+            <a:r>
+              <a:rPr kumimoji="0" lang="ru-RU" sz="2000" b="0" i="0" u="none" strike="noStrike" kern="1200" cap="none" spc="0" normalizeH="0" baseline="0" noProof="0" dirty="0" smtClean="0">
+                <a:ln>
+                  <a:noFill/>
+                </a:ln>
+                <a:solidFill>
+                  <a:schemeClr val="tx1"/>
+                </a:solidFill>
+                <a:uLnTx/>
+                <a:uFillTx/>
+                <a:latin typeface="+mn-lt"/>
+                <a:ea typeface="+mn-ea"/>
+                <a:cs typeface="+mn-cs"/>
+              </a:rPr>
+              <a:t>Произвести</a:t>
+            </a:r>
+            <a:r>
+              <a:rPr kumimoji="0" lang="ru-RU" sz="2000" b="0" i="0" u="none" strike="noStrike" kern="1200" cap="none" spc="0" normalizeH="0" noProof="0" dirty="0" smtClean="0">
+                <a:ln>
+                  <a:noFill/>
+                </a:ln>
+                <a:solidFill>
+                  <a:schemeClr val="tx1"/>
+                </a:solidFill>
+                <a:uLnTx/>
+                <a:uFillTx/>
+                <a:latin typeface="+mn-lt"/>
+                <a:ea typeface="+mn-ea"/>
+                <a:cs typeface="+mn-cs"/>
+              </a:rPr>
+              <a:t> анализ предметной области: изучить основной алгоритм фрактального сжатия, варианты его реализации и методы ускорения фрактального сжатия;</a:t>
+            </a:r>
+          </a:p>
+          <a:p>
+            <a:pPr marL="365760" marR="0" lvl="0" indent="-283464" algn="l" defTabSz="914400" rtl="0" eaLnBrk="1" fontAlgn="auto" latinLnBrk="0" hangingPunct="1">
+              <a:lnSpc>
+                <a:spcPct val="100000"/>
+              </a:lnSpc>
+              <a:spcBef>
+                <a:spcPts val="600"/>
+              </a:spcBef>
+              <a:spcAft>
+                <a:spcPts val="0"/>
+              </a:spcAft>
+              <a:buClr>
+                <a:schemeClr val="accent1"/>
+              </a:buClr>
+              <a:buSzPct val="80000"/>
+              <a:buFont typeface="Arial" pitchFamily="34" charset="0"/>
+              <a:buChar char="•"/>
+              <a:tabLst/>
+              <a:defRPr/>
+            </a:pPr>
+            <a:r>
+              <a:rPr kumimoji="0" lang="ru-RU" sz="2000" b="0" i="0" u="none" strike="noStrike" kern="1200" cap="none" spc="0" normalizeH="0" baseline="0" noProof="0" dirty="0" smtClean="0">
+                <a:ln>
+                  <a:noFill/>
+                </a:ln>
+                <a:solidFill>
+                  <a:schemeClr val="tx1"/>
+                </a:solidFill>
+                <a:uLnTx/>
+                <a:uFillTx/>
+                <a:latin typeface="+mn-lt"/>
+                <a:ea typeface="+mn-ea"/>
+                <a:cs typeface="+mn-cs"/>
+              </a:rPr>
+              <a:t>Разработать информационно-логический проект по методологии </a:t>
+            </a:r>
+            <a:r>
+              <a:rPr kumimoji="0" lang="en-US" sz="2000" b="0" i="0" u="none" strike="noStrike" kern="1200" cap="none" spc="0" normalizeH="0" baseline="0" noProof="0" dirty="0" smtClean="0">
+                <a:ln>
+                  <a:noFill/>
+                </a:ln>
+                <a:solidFill>
+                  <a:schemeClr val="tx1"/>
+                </a:solidFill>
+                <a:uLnTx/>
+                <a:uFillTx/>
+                <a:latin typeface="+mn-lt"/>
+                <a:ea typeface="+mn-ea"/>
+                <a:cs typeface="+mn-cs"/>
+              </a:rPr>
+              <a:t>UML</a:t>
+            </a:r>
+            <a:r>
+              <a:rPr kumimoji="0" lang="ru-RU" sz="2000" b="0" i="0" u="none" strike="noStrike" kern="1200" cap="none" spc="0" normalizeH="0" baseline="0" noProof="0" dirty="0" smtClean="0">
+                <a:ln>
+                  <a:noFill/>
+                </a:ln>
+                <a:solidFill>
+                  <a:schemeClr val="tx1"/>
+                </a:solidFill>
+                <a:uLnTx/>
+                <a:uFillTx/>
+                <a:latin typeface="+mn-lt"/>
+                <a:ea typeface="+mn-ea"/>
+                <a:cs typeface="+mn-cs"/>
+              </a:rPr>
+              <a:t>;</a:t>
+            </a:r>
+          </a:p>
+          <a:p>
+            <a:pPr marL="365760" marR="0" lvl="0" indent="-283464" algn="l" defTabSz="914400" rtl="0" eaLnBrk="1" fontAlgn="auto" latinLnBrk="0" hangingPunct="1">
+              <a:lnSpc>
+                <a:spcPct val="100000"/>
+              </a:lnSpc>
+              <a:spcBef>
+                <a:spcPts val="600"/>
+              </a:spcBef>
+              <a:spcAft>
+                <a:spcPts val="0"/>
+              </a:spcAft>
+              <a:buClr>
+                <a:schemeClr val="accent1"/>
+              </a:buClr>
+              <a:buSzPct val="80000"/>
+              <a:buFont typeface="Arial" pitchFamily="34" charset="0"/>
+              <a:buChar char="•"/>
+              <a:tabLst/>
+              <a:defRPr/>
+            </a:pPr>
+            <a:r>
+              <a:rPr kumimoji="0" lang="ru-RU" sz="2000" b="0" i="0" u="none" strike="noStrike" kern="1200" cap="none" spc="0" normalizeH="0" baseline="0" noProof="0" dirty="0" smtClean="0">
+                <a:ln>
+                  <a:noFill/>
+                </a:ln>
+                <a:solidFill>
+                  <a:schemeClr val="tx1"/>
+                </a:solidFill>
+                <a:uLnTx/>
+                <a:uFillTx/>
+                <a:latin typeface="+mn-lt"/>
+                <a:ea typeface="+mn-ea"/>
+                <a:cs typeface="+mn-cs"/>
+              </a:rPr>
+              <a:t>Разработать и реализовать программное и информационное обеспечение,</a:t>
+            </a:r>
+            <a:r>
+              <a:rPr kumimoji="0" lang="ru-RU" sz="2000" b="0" i="0" u="none" strike="noStrike" kern="1200" cap="none" spc="0" normalizeH="0" noProof="0" dirty="0" smtClean="0">
+                <a:ln>
+                  <a:noFill/>
+                </a:ln>
+                <a:solidFill>
+                  <a:schemeClr val="tx1"/>
+                </a:solidFill>
+                <a:uLnTx/>
+                <a:uFillTx/>
+                <a:latin typeface="+mn-lt"/>
+                <a:ea typeface="+mn-ea"/>
+                <a:cs typeface="+mn-cs"/>
+              </a:rPr>
+              <a:t> реализующее исследованные алгоритмы и методы;</a:t>
+            </a:r>
+          </a:p>
+          <a:p>
+            <a:pPr marL="365760" marR="0" lvl="0" indent="-283464" algn="l" defTabSz="914400" rtl="0" eaLnBrk="1" fontAlgn="auto" latinLnBrk="0" hangingPunct="1">
+              <a:lnSpc>
+                <a:spcPct val="100000"/>
+              </a:lnSpc>
+              <a:spcBef>
+                <a:spcPts val="600"/>
+              </a:spcBef>
+              <a:spcAft>
+                <a:spcPts val="0"/>
+              </a:spcAft>
+              <a:buClr>
+                <a:schemeClr val="accent1"/>
+              </a:buClr>
+              <a:buSzPct val="80000"/>
+              <a:buFont typeface="Arial" pitchFamily="34" charset="0"/>
+              <a:buChar char="•"/>
+              <a:tabLst/>
+              <a:defRPr/>
+            </a:pPr>
+            <a:r>
+              <a:rPr lang="ru-RU" sz="2000" dirty="0" smtClean="0"/>
+              <a:t>Провести исследование зависимости времени сжатия изображения от примененного алгоритма;</a:t>
+            </a:r>
+            <a:endParaRPr kumimoji="0" lang="ru-RU" sz="2000" b="0" i="0" u="none" strike="noStrike" kern="1200" cap="none" spc="0" normalizeH="0" noProof="0" dirty="0" smtClean="0">
+              <a:ln>
+                <a:noFill/>
+              </a:ln>
+              <a:solidFill>
+                <a:schemeClr val="tx1"/>
+              </a:solidFill>
+              <a:uLnTx/>
+              <a:uFillTx/>
+              <a:latin typeface="+mn-lt"/>
+              <a:ea typeface="+mn-ea"/>
+              <a:cs typeface="+mn-cs"/>
+            </a:endParaRPr>
+          </a:p>
+          <a:p>
+            <a:pPr marL="365760" marR="0" lvl="0" indent="-283464" algn="l" defTabSz="914400" rtl="0" eaLnBrk="1" fontAlgn="auto" latinLnBrk="0" hangingPunct="1">
+              <a:lnSpc>
+                <a:spcPct val="100000"/>
+              </a:lnSpc>
+              <a:spcBef>
+                <a:spcPts val="600"/>
+              </a:spcBef>
+              <a:spcAft>
+                <a:spcPts val="0"/>
+              </a:spcAft>
+              <a:buClr>
+                <a:schemeClr val="accent1"/>
+              </a:buClr>
+              <a:buSzPct val="80000"/>
+              <a:buFont typeface="Arial" pitchFamily="34" charset="0"/>
+              <a:buChar char="•"/>
+              <a:tabLst/>
+              <a:defRPr/>
+            </a:pPr>
+            <a:r>
+              <a:rPr lang="ru-RU" sz="2000" baseline="0" dirty="0" smtClean="0"/>
+              <a:t>Оформить</a:t>
+            </a:r>
+            <a:r>
+              <a:rPr lang="ru-RU" sz="2000" dirty="0" smtClean="0"/>
+              <a:t> документацию выпускной квалификационной работы</a:t>
+            </a:r>
+            <a:endParaRPr kumimoji="0" lang="ru-RU" sz="2000" b="0" i="0" u="none" strike="noStrike" kern="1200" cap="none" spc="0" normalizeH="0" baseline="0" noProof="0" dirty="0" smtClean="0">
+              <a:ln>
+                <a:noFill/>
+              </a:ln>
+              <a:solidFill>
+                <a:schemeClr val="tx1"/>
+              </a:solidFill>
+              <a:uLnTx/>
+              <a:uFillTx/>
+              <a:latin typeface="+mn-lt"/>
+              <a:ea typeface="+mn-ea"/>
+              <a:cs typeface="+mn-cs"/>
+            </a:endParaRPr>
+          </a:p>
+          <a:p>
+            <a:pPr marL="365760" marR="0" lvl="0" indent="-283464" algn="l" defTabSz="914400" rtl="0" eaLnBrk="1" fontAlgn="auto" latinLnBrk="0" hangingPunct="1">
+              <a:lnSpc>
+                <a:spcPct val="100000"/>
+              </a:lnSpc>
+              <a:spcBef>
+                <a:spcPts val="600"/>
+              </a:spcBef>
+              <a:spcAft>
+                <a:spcPts val="0"/>
+              </a:spcAft>
+              <a:buClr>
+                <a:schemeClr val="accent1"/>
+              </a:buClr>
+              <a:buSzPct val="80000"/>
+              <a:buFont typeface="Arial" pitchFamily="34" charset="0"/>
+              <a:buChar char="•"/>
+              <a:tabLst/>
+              <a:defRPr/>
+            </a:pPr>
+            <a:endParaRPr kumimoji="0" lang="ru-RU" sz="2000" b="0" i="0" u="none" strike="noStrike" kern="1200" cap="none" spc="0" normalizeH="0" baseline="0" noProof="0" dirty="0">
+              <a:ln>
+                <a:noFill/>
+              </a:ln>
+              <a:solidFill>
+                <a:schemeClr val="tx1"/>
+              </a:solidFill>
+              <a:effectLst>
+                <a:outerShdw blurRad="38100" dist="38100" dir="2700000" algn="tl">
+                  <a:srgbClr val="000000">
+                    <a:alpha val="43137"/>
+                  </a:srgbClr>
+                </a:outerShdw>
+              </a:effectLst>
+              <a:uLnTx/>
+              <a:uFillTx/>
+              <a:latin typeface="+mn-lt"/>
+              <a:ea typeface="+mn-ea"/>
+              <a:cs typeface="+mn-cs"/>
+            </a:endParaRPr>
+          </a:p>
+        </p:txBody>
+      </p:sp>
+    </p:spTree>
+  </p:cSld>
+  <p:clrMapOvr>
+    <a:masterClrMapping/>
+  </p:clrMapOvr>
+  <p:timing>
+    <p:tnLst>
+      <p:par>
+        <p:cTn id="1" dur="indefinite" restart="never" nodeType="tmRoot"/>
+      </p:par>
+    </p:tnLst>
+  </p:timing>
+</p:sld>
+</file>
+
+<file path=ppt/slides/slide20.xml><?xml version="1.0" encoding="utf-8"?>
+<p:sld xmlns:a="http://schemas.openxmlformats.org/drawingml/2006/main" xmlns:r="http://schemas.openxmlformats.org/officeDocument/2006/relationships" xmlns:p="http://schemas.openxmlformats.org/presentationml/2006/main">
+  <p:cSld>
+    <p:spTree>
+      <p:nvGrpSpPr>
+        <p:cNvPr id="1" name=""/>
+        <p:cNvGrpSpPr/>
+        <p:nvPr/>
+      </p:nvGrpSpPr>
+      <p:grpSpPr>
+        <a:xfrm>
+          <a:off x="0" y="0"/>
+          <a:ext cx="0" cy="0"/>
+          <a:chOff x="0" y="0"/>
+          <a:chExt cx="0" cy="0"/>
+        </a:xfrm>
+      </p:grpSpPr>
+      <p:pic>
+        <p:nvPicPr>
+          <p:cNvPr id="7" name="Рисунок 6" descr="сер 16.jpg"/>
+          <p:cNvPicPr>
+            <a:picLocks noChangeAspect="1"/>
+          </p:cNvPicPr>
+          <p:nvPr/>
+        </p:nvPicPr>
+        <p:blipFill>
+          <a:blip r:embed="rId2" cstate="print"/>
+          <a:stretch>
+            <a:fillRect/>
+          </a:stretch>
+        </p:blipFill>
+        <p:spPr>
+          <a:xfrm>
+            <a:off x="1115616" y="4725144"/>
+            <a:ext cx="1524213" cy="1524213"/>
+          </a:xfrm>
+          <a:prstGeom prst="rect">
+            <a:avLst/>
+          </a:prstGeom>
+        </p:spPr>
+      </p:pic>
+      <p:pic>
+        <p:nvPicPr>
+          <p:cNvPr id="8" name="Рисунок 7" descr="цвет 16.jpg"/>
+          <p:cNvPicPr>
+            <a:picLocks noChangeAspect="1"/>
+          </p:cNvPicPr>
+          <p:nvPr/>
+        </p:nvPicPr>
+        <p:blipFill>
+          <a:blip r:embed="rId3" cstate="print"/>
+          <a:stretch>
+            <a:fillRect/>
+          </a:stretch>
+        </p:blipFill>
+        <p:spPr>
+          <a:xfrm>
+            <a:off x="5436096" y="4725144"/>
+            <a:ext cx="1524213" cy="1524213"/>
+          </a:xfrm>
+          <a:prstGeom prst="rect">
+            <a:avLst/>
+          </a:prstGeom>
+        </p:spPr>
+      </p:pic>
+      <p:pic>
+        <p:nvPicPr>
+          <p:cNvPr id="9" name="Рисунок 8" descr="сер 4.jpg"/>
+          <p:cNvPicPr>
+            <a:picLocks noChangeAspect="1"/>
+          </p:cNvPicPr>
+          <p:nvPr/>
+        </p:nvPicPr>
+        <p:blipFill>
+          <a:blip r:embed="rId4" cstate="print"/>
+          <a:stretch>
+            <a:fillRect/>
+          </a:stretch>
+        </p:blipFill>
+        <p:spPr>
+          <a:xfrm>
+            <a:off x="2915816" y="4725144"/>
+            <a:ext cx="1524213" cy="1524213"/>
+          </a:xfrm>
+          <a:prstGeom prst="rect">
+            <a:avLst/>
+          </a:prstGeom>
+        </p:spPr>
+      </p:pic>
+      <p:pic>
+        <p:nvPicPr>
+          <p:cNvPr id="10" name="Рисунок 9" descr="цвет 4.jpg"/>
+          <p:cNvPicPr>
+            <a:picLocks noChangeAspect="1"/>
+          </p:cNvPicPr>
+          <p:nvPr/>
+        </p:nvPicPr>
+        <p:blipFill>
+          <a:blip r:embed="rId5" cstate="print"/>
+          <a:stretch>
+            <a:fillRect/>
+          </a:stretch>
+        </p:blipFill>
+        <p:spPr>
+          <a:xfrm>
+            <a:off x="7092280" y="4725144"/>
+            <a:ext cx="1524213" cy="1524213"/>
+          </a:xfrm>
+          <a:prstGeom prst="rect">
+            <a:avLst/>
+          </a:prstGeom>
+        </p:spPr>
+      </p:pic>
+      <p:sp>
+        <p:nvSpPr>
+          <p:cNvPr id="11" name="TextBox 10"/>
+          <p:cNvSpPr txBox="1"/>
+          <p:nvPr/>
+        </p:nvSpPr>
+        <p:spPr>
+          <a:xfrm>
+            <a:off x="1115616" y="6237312"/>
+            <a:ext cx="1512168" cy="369332"/>
+          </a:xfrm>
+          <a:prstGeom prst="rect">
+            <a:avLst/>
+          </a:prstGeom>
+          <a:noFill/>
+        </p:spPr>
+        <p:txBody>
+          <a:bodyPr wrap="square" rtlCol="0">
+            <a:spAutoFit/>
+          </a:bodyPr>
+          <a:lstStyle/>
+          <a:p>
+            <a:r>
+              <a:rPr lang="ru-RU" dirty="0" smtClean="0">
+                <a:latin typeface="Times New Roman" pitchFamily="18" charset="0"/>
+                <a:cs typeface="Times New Roman" pitchFamily="18" charset="0"/>
+              </a:rPr>
+              <a:t>16 пикселей</a:t>
+            </a:r>
+            <a:endParaRPr lang="ru-RU" dirty="0">
+              <a:latin typeface="Times New Roman" pitchFamily="18" charset="0"/>
+              <a:cs typeface="Times New Roman" pitchFamily="18" charset="0"/>
+            </a:endParaRPr>
+          </a:p>
+        </p:txBody>
+      </p:sp>
+      <p:sp>
+        <p:nvSpPr>
+          <p:cNvPr id="12" name="TextBox 11"/>
+          <p:cNvSpPr txBox="1"/>
+          <p:nvPr/>
+        </p:nvSpPr>
+        <p:spPr>
+          <a:xfrm>
+            <a:off x="5436096" y="6237312"/>
+            <a:ext cx="1512168" cy="369332"/>
+          </a:xfrm>
+          <a:prstGeom prst="rect">
+            <a:avLst/>
+          </a:prstGeom>
+          <a:noFill/>
+        </p:spPr>
+        <p:txBody>
+          <a:bodyPr wrap="square" rtlCol="0">
+            <a:spAutoFit/>
+          </a:bodyPr>
+          <a:lstStyle/>
+          <a:p>
+            <a:r>
+              <a:rPr lang="ru-RU" dirty="0" smtClean="0">
+                <a:latin typeface="Times New Roman" pitchFamily="18" charset="0"/>
+                <a:cs typeface="Times New Roman" pitchFamily="18" charset="0"/>
+              </a:rPr>
+              <a:t>16 пикселей</a:t>
+            </a:r>
+            <a:endParaRPr lang="ru-RU" dirty="0">
+              <a:latin typeface="Times New Roman" pitchFamily="18" charset="0"/>
+              <a:cs typeface="Times New Roman" pitchFamily="18" charset="0"/>
+            </a:endParaRPr>
+          </a:p>
+        </p:txBody>
+      </p:sp>
+      <p:sp>
+        <p:nvSpPr>
+          <p:cNvPr id="14" name="TextBox 13"/>
+          <p:cNvSpPr txBox="1"/>
+          <p:nvPr/>
+        </p:nvSpPr>
+        <p:spPr>
+          <a:xfrm>
+            <a:off x="7164288" y="6237312"/>
+            <a:ext cx="1368152" cy="369332"/>
+          </a:xfrm>
+          <a:prstGeom prst="rect">
+            <a:avLst/>
+          </a:prstGeom>
+          <a:noFill/>
+        </p:spPr>
+        <p:txBody>
+          <a:bodyPr wrap="square" rtlCol="0">
+            <a:spAutoFit/>
+          </a:bodyPr>
+          <a:lstStyle/>
+          <a:p>
+            <a:r>
+              <a:rPr lang="ru-RU" dirty="0" smtClean="0">
+                <a:latin typeface="Times New Roman" pitchFamily="18" charset="0"/>
+                <a:cs typeface="Times New Roman" pitchFamily="18" charset="0"/>
+              </a:rPr>
+              <a:t>4 пикселя</a:t>
+            </a:r>
+            <a:endParaRPr lang="ru-RU" dirty="0">
+              <a:latin typeface="Times New Roman" pitchFamily="18" charset="0"/>
+              <a:cs typeface="Times New Roman" pitchFamily="18" charset="0"/>
+            </a:endParaRPr>
+          </a:p>
+        </p:txBody>
+      </p:sp>
+      <p:sp>
+        <p:nvSpPr>
+          <p:cNvPr id="15" name="TextBox 14"/>
+          <p:cNvSpPr txBox="1"/>
+          <p:nvPr/>
+        </p:nvSpPr>
+        <p:spPr>
+          <a:xfrm>
+            <a:off x="2987824" y="6237312"/>
+            <a:ext cx="1368152" cy="369332"/>
+          </a:xfrm>
+          <a:prstGeom prst="rect">
+            <a:avLst/>
+          </a:prstGeom>
+          <a:noFill/>
+        </p:spPr>
+        <p:txBody>
+          <a:bodyPr wrap="square" rtlCol="0">
+            <a:spAutoFit/>
+          </a:bodyPr>
+          <a:lstStyle/>
+          <a:p>
+            <a:r>
+              <a:rPr lang="ru-RU" dirty="0" smtClean="0">
+                <a:latin typeface="Times New Roman" pitchFamily="18" charset="0"/>
+                <a:cs typeface="Times New Roman" pitchFamily="18" charset="0"/>
+              </a:rPr>
+              <a:t>4 пикселя</a:t>
+            </a:r>
+            <a:endParaRPr lang="ru-RU" dirty="0">
+              <a:latin typeface="Times New Roman" pitchFamily="18" charset="0"/>
+              <a:cs typeface="Times New Roman" pitchFamily="18" charset="0"/>
+            </a:endParaRPr>
+          </a:p>
+        </p:txBody>
+      </p:sp>
+      <p:sp>
+        <p:nvSpPr>
+          <p:cNvPr id="13" name="Номер слайда 12"/>
+          <p:cNvSpPr>
+            <a:spLocks noGrp="1"/>
+          </p:cNvSpPr>
+          <p:nvPr>
+            <p:ph type="sldNum" sz="quarter" idx="12"/>
+          </p:nvPr>
+        </p:nvSpPr>
+        <p:spPr>
+          <a:xfrm>
+            <a:off x="8316416" y="6305550"/>
+            <a:ext cx="754432" cy="476250"/>
+          </a:xfrm>
+        </p:spPr>
+        <p:txBody>
+          <a:bodyPr anchor="b"/>
+          <a:lstStyle/>
+          <a:p>
+            <a:fld id="{725C68B6-61C2-468F-89AB-4B9F7531AA68}" type="slidenum">
+              <a:rPr lang="ru-RU" sz="3200" smtClean="0"/>
+              <a:pPr/>
+              <a:t>20</a:t>
+            </a:fld>
+            <a:endParaRPr lang="ru-RU" sz="3200" dirty="0"/>
+          </a:p>
+        </p:txBody>
+      </p:sp>
+      <p:sp>
+        <p:nvSpPr>
+          <p:cNvPr id="17" name="Заголовок 1"/>
+          <p:cNvSpPr>
+            <a:spLocks noGrp="1"/>
+          </p:cNvSpPr>
+          <p:nvPr>
+            <p:ph type="title"/>
+          </p:nvPr>
+        </p:nvSpPr>
+        <p:spPr>
+          <a:xfrm>
+            <a:off x="1115616" y="0"/>
+            <a:ext cx="7498080" cy="1143000"/>
+          </a:xfrm>
+        </p:spPr>
+        <p:txBody>
+          <a:bodyPr>
+            <a:normAutofit/>
+          </a:bodyPr>
+          <a:lstStyle/>
+          <a:p>
+            <a:r>
+              <a:rPr lang="ru-RU" sz="2400" dirty="0" smtClean="0"/>
+              <a:t>Результаты исследований.</a:t>
+            </a:r>
+            <a:br>
+              <a:rPr lang="ru-RU" sz="2400" dirty="0" smtClean="0"/>
+            </a:br>
+            <a:r>
+              <a:rPr lang="ru-RU" sz="2400" dirty="0" smtClean="0"/>
+              <a:t>Сжатие цветных изображений.</a:t>
+            </a:r>
+            <a:endParaRPr lang="ru-RU" sz="2400" dirty="0"/>
+          </a:p>
+        </p:txBody>
+      </p:sp>
+      <p:graphicFrame>
+        <p:nvGraphicFramePr>
+          <p:cNvPr id="19" name="Диаграмма 18"/>
+          <p:cNvGraphicFramePr/>
+          <p:nvPr/>
+        </p:nvGraphicFramePr>
+        <p:xfrm>
+          <a:off x="1043608" y="1124744"/>
+          <a:ext cx="3744416" cy="3319264"/>
+        </p:xfrm>
+        <a:graphic>
+          <a:graphicData uri="http://schemas.openxmlformats.org/drawingml/2006/chart">
+            <c:chart xmlns:c="http://schemas.openxmlformats.org/drawingml/2006/chart" xmlns:r="http://schemas.openxmlformats.org/officeDocument/2006/relationships" r:id="rId6"/>
+          </a:graphicData>
+        </a:graphic>
+      </p:graphicFrame>
+      <p:graphicFrame>
+        <p:nvGraphicFramePr>
+          <p:cNvPr id="21" name="Диаграмма 20"/>
+          <p:cNvGraphicFramePr/>
+          <p:nvPr/>
+        </p:nvGraphicFramePr>
+        <p:xfrm>
+          <a:off x="4716016" y="980728"/>
+          <a:ext cx="3945657" cy="3420617"/>
+        </p:xfrm>
+        <a:graphic>
+          <a:graphicData uri="http://schemas.openxmlformats.org/drawingml/2006/chart">
+            <c:chart xmlns:c="http://schemas.openxmlformats.org/drawingml/2006/chart" xmlns:r="http://schemas.openxmlformats.org/officeDocument/2006/relationships" r:id="rId7"/>
+          </a:graphicData>
+        </a:graphic>
+      </p:graphicFrame>
+    </p:spTree>
+  </p:cSld>
+  <p:clrMapOvr>
+    <a:masterClrMapping/>
+  </p:clrMapOvr>
+  <p:timing>
+    <p:tnLst>
+      <p:par>
+        <p:cTn id="1" dur="indefinite" restart="never" nodeType="tmRoot"/>
+      </p:par>
+    </p:tnLst>
+  </p:timing>
+</p:sld>
+</file>
+
+<file path=ppt/slides/slide21.xml><?xml version="1.0" encoding="utf-8"?>
+<p:sld xmlns:a="http://schemas.openxmlformats.org/drawingml/2006/main" xmlns:r="http://schemas.openxmlformats.org/officeDocument/2006/relationships" xmlns:p="http://schemas.openxmlformats.org/presentationml/2006/main">
+  <p:cSld>
+    <p:spTree>
+      <p:nvGrpSpPr>
+        <p:cNvPr id="1" name=""/>
+        <p:cNvGrpSpPr/>
+        <p:nvPr/>
+      </p:nvGrpSpPr>
+      <p:grpSpPr>
+        <a:xfrm>
+          <a:off x="0" y="0"/>
+          <a:ext cx="0" cy="0"/>
+          <a:chOff x="0" y="0"/>
+          <a:chExt cx="0" cy="0"/>
+        </a:xfrm>
+      </p:grpSpPr>
+      <p:sp>
+        <p:nvSpPr>
+          <p:cNvPr id="2" name="Заголовок 1"/>
+          <p:cNvSpPr>
+            <a:spLocks noGrp="1"/>
+          </p:cNvSpPr>
+          <p:nvPr>
+            <p:ph type="title"/>
+          </p:nvPr>
+        </p:nvSpPr>
+        <p:spPr>
+          <a:xfrm>
+            <a:off x="1435608" y="274638"/>
+            <a:ext cx="7498080" cy="490066"/>
+          </a:xfrm>
+        </p:spPr>
+        <p:txBody>
+          <a:bodyPr>
+            <a:normAutofit fontScale="90000"/>
+          </a:bodyPr>
+          <a:lstStyle/>
+          <a:p>
+            <a:r>
+              <a:rPr lang="ru-RU" dirty="0" smtClean="0"/>
+              <a:t>Апробация работы</a:t>
+            </a:r>
+            <a:endParaRPr lang="ru-RU" dirty="0"/>
+          </a:p>
+        </p:txBody>
+      </p:sp>
+      <p:sp>
+        <p:nvSpPr>
+          <p:cNvPr id="4" name="Номер слайда 3"/>
+          <p:cNvSpPr>
+            <a:spLocks noGrp="1"/>
+          </p:cNvSpPr>
+          <p:nvPr>
+            <p:ph type="sldNum" sz="quarter" idx="12"/>
+          </p:nvPr>
+        </p:nvSpPr>
+        <p:spPr>
+          <a:xfrm>
+            <a:off x="8388424" y="6305550"/>
+            <a:ext cx="682424" cy="476250"/>
+          </a:xfrm>
+        </p:spPr>
+        <p:txBody>
+          <a:bodyPr anchor="b"/>
+          <a:lstStyle/>
+          <a:p>
+            <a:fld id="{725C68B6-61C2-468F-89AB-4B9F7531AA68}" type="slidenum">
+              <a:rPr lang="ru-RU" sz="3200" smtClean="0"/>
+              <a:pPr/>
+              <a:t>21</a:t>
+            </a:fld>
+            <a:endParaRPr lang="ru-RU" sz="3200"/>
+          </a:p>
+        </p:txBody>
+      </p:sp>
+      <p:sp>
+        <p:nvSpPr>
+          <p:cNvPr id="5" name="TextBox 4"/>
+          <p:cNvSpPr txBox="1"/>
+          <p:nvPr/>
+        </p:nvSpPr>
+        <p:spPr>
+          <a:xfrm>
+            <a:off x="1403648" y="980728"/>
+            <a:ext cx="6984776" cy="4708981"/>
+          </a:xfrm>
+          <a:prstGeom prst="rect">
+            <a:avLst/>
+          </a:prstGeom>
+          <a:noFill/>
+        </p:spPr>
+        <p:txBody>
+          <a:bodyPr wrap="square" rtlCol="0">
+            <a:spAutoFit/>
+          </a:bodyPr>
+          <a:lstStyle/>
+          <a:p>
+            <a:pPr marL="342900" indent="-342900">
+              <a:buFont typeface="Arial" pitchFamily="34" charset="0"/>
+              <a:buChar char="•"/>
+            </a:pPr>
+            <a:r>
+              <a:rPr lang="ru-RU" sz="2000" dirty="0" smtClean="0">
+                <a:latin typeface="Calibri" pitchFamily="34" charset="0"/>
+              </a:rPr>
+              <a:t>Международная научно-техническая конференция «Перспективные информационные технологии – 2017» (Самара, 2017)</a:t>
+            </a:r>
+          </a:p>
+          <a:p>
+            <a:pPr marL="342900" indent="-342900">
+              <a:buFont typeface="Arial" pitchFamily="34" charset="0"/>
+              <a:buChar char="•"/>
+            </a:pPr>
+            <a:r>
+              <a:rPr lang="ru-RU" sz="2000" dirty="0" smtClean="0">
+                <a:latin typeface="Calibri" pitchFamily="34" charset="0"/>
+              </a:rPr>
+              <a:t>Международная заочная научно-практическая конференция «Научное сообщество студентов </a:t>
+            </a:r>
+            <a:r>
+              <a:rPr lang="en-US" sz="2000" dirty="0" smtClean="0">
+                <a:latin typeface="Calibri" pitchFamily="34" charset="0"/>
+              </a:rPr>
+              <a:t>XXI</a:t>
+            </a:r>
+            <a:r>
+              <a:rPr lang="ru-RU" sz="2000" dirty="0" smtClean="0">
+                <a:latin typeface="Calibri" pitchFamily="34" charset="0"/>
+              </a:rPr>
+              <a:t> века» (Москва, 2018)</a:t>
+            </a:r>
+          </a:p>
+          <a:p>
+            <a:pPr marL="342900" indent="-342900">
+              <a:buFont typeface="Arial" pitchFamily="34" charset="0"/>
+              <a:buChar char="•"/>
+            </a:pPr>
+            <a:r>
+              <a:rPr lang="ru-RU" sz="2000" dirty="0" smtClean="0">
+                <a:latin typeface="Calibri" pitchFamily="34" charset="0"/>
+              </a:rPr>
+              <a:t> Международная заочная научно-практическая конференция «Технические и математические науки. Студенческий научный форум» (Новосибирск, 2018) </a:t>
+            </a:r>
+          </a:p>
+          <a:p>
+            <a:pPr marL="342900" indent="-342900">
+              <a:buFont typeface="Arial" pitchFamily="34" charset="0"/>
+              <a:buChar char="•"/>
+            </a:pPr>
+            <a:r>
+              <a:rPr lang="ru-RU" sz="2000" dirty="0" smtClean="0">
+                <a:latin typeface="Calibri" pitchFamily="34" charset="0"/>
+              </a:rPr>
+              <a:t>Международная научно-техническая конференция «Перспективные информационные технологии – 2018» (Самара, 2018) </a:t>
+            </a:r>
+          </a:p>
+          <a:p>
+            <a:pPr marL="342900" indent="-342900">
+              <a:buFont typeface="Arial" pitchFamily="34" charset="0"/>
+              <a:buChar char="•"/>
+            </a:pPr>
+            <a:r>
+              <a:rPr lang="ru-RU" sz="2000" dirty="0" smtClean="0">
+                <a:latin typeface="Calibri" pitchFamily="34" charset="0"/>
+              </a:rPr>
+              <a:t>«</a:t>
+            </a:r>
+            <a:r>
+              <a:rPr lang="en-US" sz="2000" dirty="0" smtClean="0">
+                <a:latin typeface="Calibri" pitchFamily="34" charset="0"/>
+              </a:rPr>
+              <a:t>The Best Paper Special award Certificate</a:t>
+            </a:r>
+            <a:r>
+              <a:rPr lang="ru-RU" sz="2000" dirty="0" smtClean="0">
+                <a:latin typeface="Calibri" pitchFamily="34" charset="0"/>
+              </a:rPr>
+              <a:t>»</a:t>
+            </a:r>
+            <a:r>
+              <a:rPr lang="en-US" sz="2000" dirty="0" smtClean="0">
+                <a:latin typeface="Calibri" pitchFamily="34" charset="0"/>
+              </a:rPr>
+              <a:t> (</a:t>
+            </a:r>
+            <a:r>
+              <a:rPr lang="ru-RU" sz="2000" dirty="0" smtClean="0">
+                <a:latin typeface="Calibri" pitchFamily="34" charset="0"/>
+              </a:rPr>
+              <a:t>ПИТ 2018)</a:t>
+            </a:r>
+          </a:p>
+          <a:p>
+            <a:pPr marL="342900" indent="-342900">
+              <a:buFont typeface="Arial" pitchFamily="34" charset="0"/>
+              <a:buChar char="•"/>
+            </a:pPr>
+            <a:r>
+              <a:rPr lang="ru-RU" sz="2000" dirty="0" smtClean="0">
+                <a:latin typeface="Calibri" pitchFamily="34" charset="0"/>
+              </a:rPr>
+              <a:t>Международный симпозиум «Надежность и качество» (Пенза, 2018) </a:t>
+            </a:r>
+            <a:endParaRPr lang="ru-RU" sz="2000" dirty="0">
+              <a:latin typeface="Calibri" pitchFamily="34" charset="0"/>
+            </a:endParaRPr>
+          </a:p>
+        </p:txBody>
+      </p:sp>
+    </p:spTree>
+  </p:cSld>
+  <p:clrMapOvr>
+    <a:masterClrMapping/>
+  </p:clrMapOvr>
+  <p:timing>
+    <p:tnLst>
+      <p:par>
+        <p:cTn id="1" dur="indefinite" restart="never" nodeType="tmRoot"/>
+      </p:par>
+    </p:tnLst>
+  </p:timing>
+</p:sld>
+</file>
+
+<file path=ppt/slides/slide22.xml><?xml version="1.0" encoding="utf-8"?>
+<p:sld xmlns:a="http://schemas.openxmlformats.org/drawingml/2006/main" xmlns:r="http://schemas.openxmlformats.org/officeDocument/2006/relationships" xmlns:p="http://schemas.openxmlformats.org/presentationml/2006/main">
+  <p:cSld>
+    <p:spTree>
+      <p:nvGrpSpPr>
+        <p:cNvPr id="1" name=""/>
+        <p:cNvGrpSpPr/>
+        <p:nvPr/>
+      </p:nvGrpSpPr>
+      <p:grpSpPr>
+        <a:xfrm>
+          <a:off x="0" y="0"/>
+          <a:ext cx="0" cy="0"/>
+          <a:chOff x="0" y="0"/>
+          <a:chExt cx="0" cy="0"/>
+        </a:xfrm>
+      </p:grpSpPr>
+      <p:sp>
+        <p:nvSpPr>
+          <p:cNvPr id="2" name="Заголовок 1"/>
+          <p:cNvSpPr>
+            <a:spLocks noGrp="1"/>
+          </p:cNvSpPr>
+          <p:nvPr>
+            <p:ph type="title"/>
+          </p:nvPr>
+        </p:nvSpPr>
+        <p:spPr/>
+        <p:txBody>
+          <a:bodyPr>
+            <a:normAutofit/>
+          </a:bodyPr>
+          <a:lstStyle/>
+          <a:p>
+            <a:r>
+              <a:rPr lang="ru-RU" dirty="0" smtClean="0"/>
+              <a:t>Заключение</a:t>
+            </a:r>
+            <a:endParaRPr lang="ru-RU" dirty="0"/>
+          </a:p>
+        </p:txBody>
+      </p:sp>
+      <p:sp>
+        <p:nvSpPr>
+          <p:cNvPr id="4" name="TextBox 3"/>
+          <p:cNvSpPr txBox="1"/>
+          <p:nvPr/>
+        </p:nvSpPr>
+        <p:spPr>
+          <a:xfrm>
+            <a:off x="1403648" y="1484784"/>
+            <a:ext cx="6984776" cy="4324261"/>
+          </a:xfrm>
+          <a:prstGeom prst="rect">
+            <a:avLst/>
+          </a:prstGeom>
+          <a:noFill/>
+        </p:spPr>
+        <p:txBody>
+          <a:bodyPr wrap="square" rtlCol="0">
+            <a:spAutoFit/>
+          </a:bodyPr>
+          <a:lstStyle/>
+          <a:p>
+            <a:pPr marL="365760" lvl="0" indent="-283464">
+              <a:spcBef>
+                <a:spcPts val="600"/>
+              </a:spcBef>
+              <a:buClr>
+                <a:schemeClr val="accent1"/>
+              </a:buClr>
+              <a:buSzPct val="80000"/>
+              <a:buFont typeface="Arial" pitchFamily="34" charset="0"/>
+              <a:buChar char="•"/>
+              <a:defRPr/>
+            </a:pPr>
+            <a:r>
+              <a:rPr lang="ru-RU" sz="2000" dirty="0" smtClean="0"/>
+              <a:t>Проведен анализ предметной области: </a:t>
+            </a:r>
+          </a:p>
+          <a:p>
+            <a:pPr marL="822960" lvl="1" indent="-283464">
+              <a:spcBef>
+                <a:spcPts val="600"/>
+              </a:spcBef>
+              <a:buClr>
+                <a:schemeClr val="accent1"/>
+              </a:buClr>
+              <a:buSzPct val="80000"/>
+              <a:buFont typeface="Arial" pitchFamily="34" charset="0"/>
+              <a:buChar char="•"/>
+              <a:defRPr/>
+            </a:pPr>
+            <a:r>
+              <a:rPr lang="ru-RU" sz="2000" dirty="0" smtClean="0"/>
+              <a:t>основной алгоритм фрактального сжатия;</a:t>
+            </a:r>
+          </a:p>
+          <a:p>
+            <a:pPr marL="822960" lvl="1" indent="-283464">
+              <a:spcBef>
+                <a:spcPts val="600"/>
+              </a:spcBef>
+              <a:buClr>
+                <a:schemeClr val="accent1"/>
+              </a:buClr>
+              <a:buSzPct val="80000"/>
+              <a:buFont typeface="Arial" pitchFamily="34" charset="0"/>
+              <a:buChar char="•"/>
+              <a:defRPr/>
+            </a:pPr>
+            <a:r>
+              <a:rPr lang="ru-RU" sz="2000" dirty="0" smtClean="0"/>
+              <a:t>варианты реализации основного алгоритма;</a:t>
+            </a:r>
+          </a:p>
+          <a:p>
+            <a:pPr marL="822960" lvl="1" indent="-283464">
+              <a:spcBef>
+                <a:spcPts val="600"/>
+              </a:spcBef>
+              <a:buClr>
+                <a:schemeClr val="accent1"/>
+              </a:buClr>
+              <a:buSzPct val="80000"/>
+              <a:buFont typeface="Arial" pitchFamily="34" charset="0"/>
+              <a:buChar char="•"/>
+              <a:defRPr/>
+            </a:pPr>
+            <a:r>
+              <a:rPr lang="ru-RU" sz="2000" dirty="0" smtClean="0"/>
+              <a:t>методы ускорения фрактального сжатия;</a:t>
+            </a:r>
+          </a:p>
+          <a:p>
+            <a:pPr marL="365760" lvl="0" indent="-283464">
+              <a:spcBef>
+                <a:spcPts val="600"/>
+              </a:spcBef>
+              <a:buClr>
+                <a:schemeClr val="accent1"/>
+              </a:buClr>
+              <a:buSzPct val="80000"/>
+              <a:buFont typeface="Arial" pitchFamily="34" charset="0"/>
+              <a:buChar char="•"/>
+              <a:defRPr/>
+            </a:pPr>
+            <a:endParaRPr lang="ru-RU" sz="2000" dirty="0" smtClean="0"/>
+          </a:p>
+          <a:p>
+            <a:pPr marL="365760" lvl="0" indent="-283464">
+              <a:spcBef>
+                <a:spcPts val="600"/>
+              </a:spcBef>
+              <a:buClr>
+                <a:schemeClr val="accent1"/>
+              </a:buClr>
+              <a:buSzPct val="80000"/>
+              <a:buFont typeface="Arial" pitchFamily="34" charset="0"/>
+              <a:buChar char="•"/>
+              <a:defRPr/>
+            </a:pPr>
+            <a:r>
+              <a:rPr lang="ru-RU" sz="2000" dirty="0" smtClean="0"/>
+              <a:t>Разработано и реализовано программное и информационное обеспечение, реализующее исследованные алгоритмы и методы;</a:t>
+            </a:r>
+          </a:p>
+          <a:p>
+            <a:pPr marL="365760" lvl="0" indent="-283464">
+              <a:spcBef>
+                <a:spcPts val="600"/>
+              </a:spcBef>
+              <a:buClr>
+                <a:schemeClr val="accent1"/>
+              </a:buClr>
+              <a:buSzPct val="80000"/>
+              <a:buFont typeface="Arial" pitchFamily="34" charset="0"/>
+              <a:buChar char="•"/>
+              <a:defRPr/>
+            </a:pPr>
+            <a:endParaRPr lang="ru-RU" sz="2000" dirty="0" smtClean="0"/>
+          </a:p>
+          <a:p>
+            <a:pPr marL="365760" lvl="0" indent="-283464">
+              <a:spcBef>
+                <a:spcPts val="600"/>
+              </a:spcBef>
+              <a:buClr>
+                <a:schemeClr val="accent1"/>
+              </a:buClr>
+              <a:buSzPct val="80000"/>
+              <a:buFont typeface="Arial" pitchFamily="34" charset="0"/>
+              <a:buChar char="•"/>
+              <a:defRPr/>
+            </a:pPr>
+            <a:r>
+              <a:rPr lang="ru-RU" sz="2000" dirty="0" smtClean="0"/>
+              <a:t>Проведено исследование зависимости времени сжатия изображения от примененного алгоритма.</a:t>
+            </a:r>
+          </a:p>
+          <a:p>
+            <a:endParaRPr lang="ru-RU" sz="2000" dirty="0">
+              <a:latin typeface="Calibri" pitchFamily="34" charset="0"/>
+            </a:endParaRPr>
+          </a:p>
+        </p:txBody>
+      </p:sp>
+      <p:sp>
+        <p:nvSpPr>
+          <p:cNvPr id="5" name="Номер слайда 4"/>
+          <p:cNvSpPr>
+            <a:spLocks noGrp="1"/>
+          </p:cNvSpPr>
+          <p:nvPr>
+            <p:ph type="sldNum" sz="quarter" idx="12"/>
+          </p:nvPr>
+        </p:nvSpPr>
+        <p:spPr>
+          <a:xfrm>
+            <a:off x="8316416" y="6305550"/>
+            <a:ext cx="754432" cy="476250"/>
+          </a:xfrm>
+        </p:spPr>
+        <p:txBody>
+          <a:bodyPr anchor="b"/>
+          <a:lstStyle/>
+          <a:p>
+            <a:fld id="{725C68B6-61C2-468F-89AB-4B9F7531AA68}" type="slidenum">
+              <a:rPr lang="ru-RU" sz="3200" smtClean="0"/>
+              <a:pPr/>
+              <a:t>22</a:t>
+            </a:fld>
+            <a:endParaRPr lang="ru-RU" sz="3200"/>
+          </a:p>
+        </p:txBody>
+      </p:sp>
+    </p:spTree>
+  </p:cSld>
+  <p:clrMapOvr>
+    <a:masterClrMapping/>
+  </p:clrMapOvr>
+  <p:timing>
+    <p:tnLst>
+      <p:par>
+        <p:cTn id="1" dur="indefinite" restart="never" nodeType="tmRoot"/>
+      </p:par>
+    </p:tnLst>
+  </p:timing>
+</p:sld>
+</file>
+
+<file path=ppt/slides/slide23.xml><?xml version="1.0" encoding="utf-8"?>
+<p:sld xmlns:a="http://schemas.openxmlformats.org/drawingml/2006/main" xmlns:r="http://schemas.openxmlformats.org/officeDocument/2006/relationships" xmlns:p="http://schemas.openxmlformats.org/presentationml/2006/main">
+  <p:cSld>
+    <p:spTree>
+      <p:nvGrpSpPr>
+        <p:cNvPr id="1" name=""/>
+        <p:cNvGrpSpPr/>
+        <p:nvPr/>
+      </p:nvGrpSpPr>
+      <p:grpSpPr>
+        <a:xfrm>
+          <a:off x="0" y="0"/>
+          <a:ext cx="0" cy="0"/>
+          <a:chOff x="0" y="0"/>
+          <a:chExt cx="0" cy="0"/>
+        </a:xfrm>
+      </p:grpSpPr>
+      <p:sp>
+        <p:nvSpPr>
+          <p:cNvPr id="2" name="Заголовок 1"/>
+          <p:cNvSpPr>
+            <a:spLocks noGrp="1"/>
+          </p:cNvSpPr>
+          <p:nvPr>
+            <p:ph type="title"/>
+          </p:nvPr>
+        </p:nvSpPr>
+        <p:spPr>
+          <a:xfrm>
+            <a:off x="1979712" y="2636912"/>
+            <a:ext cx="5904656" cy="1143000"/>
+          </a:xfrm>
+        </p:spPr>
+        <p:txBody>
+          <a:bodyPr/>
+          <a:lstStyle/>
+          <a:p>
+            <a:r>
+              <a:rPr lang="ru-RU" dirty="0" smtClean="0"/>
+              <a:t>Спасибо за внимание!</a:t>
+            </a:r>
+            <a:endParaRPr lang="ru-RU" dirty="0"/>
+          </a:p>
+        </p:txBody>
+      </p:sp>
+      <p:sp>
+        <p:nvSpPr>
+          <p:cNvPr id="3" name="Номер слайда 2"/>
+          <p:cNvSpPr>
+            <a:spLocks noGrp="1"/>
+          </p:cNvSpPr>
+          <p:nvPr>
+            <p:ph type="sldNum" sz="quarter" idx="12"/>
+          </p:nvPr>
+        </p:nvSpPr>
+        <p:spPr>
+          <a:xfrm>
+            <a:off x="8460432" y="6305550"/>
+            <a:ext cx="610416" cy="476250"/>
+          </a:xfrm>
+        </p:spPr>
+        <p:txBody>
+          <a:bodyPr anchor="b"/>
+          <a:lstStyle/>
+          <a:p>
+            <a:fld id="{725C68B6-61C2-468F-89AB-4B9F7531AA68}" type="slidenum">
+              <a:rPr lang="ru-RU" sz="3200" smtClean="0"/>
+              <a:pPr/>
+              <a:t>23</a:t>
+            </a:fld>
+            <a:endParaRPr lang="ru-RU" sz="3200"/>
+          </a:p>
+        </p:txBody>
+      </p:sp>
+    </p:spTree>
+  </p:cSld>
+  <p:clrMapOvr>
+    <a:masterClrMapping/>
+  </p:clrMapOvr>
+  <p:timing>
+    <p:tnLst>
+      <p:par>
+        <p:cTn id="1" dur="indefinite" restart="never" nodeType="tmRoot"/>
+      </p:par>
+    </p:tnLst>
+  </p:timing>
+</p:sld>
+</file>
+
+<file path=ppt/slides/slide3.xml><?xml version="1.0" encoding="utf-8"?>
 <p:sld xmlns:a="http://schemas.openxmlformats.org/drawingml/2006/main" xmlns:r="http://schemas.openxmlformats.org/officeDocument/2006/relationships" xmlns:p="http://schemas.openxmlformats.org/presentationml/2006/main">
   <p:cSld>
     <p:spTree>
@@ -7128,21 +11298,41 @@
             </a:r>
             <a:r>
               <a:rPr lang="en-US" dirty="0" smtClean="0"/>
-              <a:t> </a:t>
+              <a:t> "</a:t>
+            </a:r>
+            <a:r>
+              <a:rPr lang="ru-RU" b="1" dirty="0" smtClean="0"/>
+              <a:t>Лена</a:t>
             </a:r>
             <a:r>
               <a:rPr lang="en-US" dirty="0" smtClean="0"/>
               <a:t>"</a:t>
             </a:r>
-            <a:r>
-              <a:rPr lang="ru-RU" b="1" dirty="0" smtClean="0"/>
-              <a:t>Лена</a:t>
-            </a:r>
-            <a:r>
-              <a:rPr lang="en-US" dirty="0" smtClean="0"/>
-              <a:t>"</a:t>
-            </a:r>
             <a:endParaRPr lang="ru-RU" dirty="0"/>
+          </a:p>
+        </p:txBody>
+      </p:sp>
+      <p:sp>
+        <p:nvSpPr>
+          <p:cNvPr id="11" name="Номер слайда 10"/>
+          <p:cNvSpPr>
+            <a:spLocks noGrp="1"/>
+          </p:cNvSpPr>
+          <p:nvPr>
+            <p:ph type="sldNum" sz="quarter" idx="12"/>
+          </p:nvPr>
+        </p:nvSpPr>
+        <p:spPr/>
+        <p:txBody>
+          <a:bodyPr/>
+          <a:lstStyle/>
+          <a:p>
+            <a:fld id="{725C68B6-61C2-468F-89AB-4B9F7531AA68}" type="slidenum">
+              <a:rPr lang="ru-RU" sz="3200" smtClean="0"/>
+              <a:pPr/>
+              <a:t>3</a:t>
+            </a:fld>
+            <a:endParaRPr lang="ru-RU" sz="3200" dirty="0"/>
           </a:p>
         </p:txBody>
       </p:sp>
@@ -7151,10 +11341,17 @@
   <p:clrMapOvr>
     <a:masterClrMapping/>
   </p:clrMapOvr>
+  <p:timing>
+    <p:tnLst>
+      <p:par>
+        <p:cTn id="1" dur="indefinite" restart="never" nodeType="tmRoot"/>
+      </p:par>
+    </p:tnLst>
+  </p:timing>
 </p:sld>
 </file>
 
-<file path=ppt/slides/slide3.xml><?xml version="1.0" encoding="utf-8"?>
+<file path=ppt/slides/slide4.xml><?xml version="1.0" encoding="utf-8"?>
 <p:sld xmlns:a="http://schemas.openxmlformats.org/drawingml/2006/main" xmlns:r="http://schemas.openxmlformats.org/officeDocument/2006/relationships" xmlns:p="http://schemas.openxmlformats.org/presentationml/2006/main">
   <p:cSld>
     <p:spTree>
@@ -7848,7 +12045,18 @@
                           <a:ea typeface="+mn-ea"/>
                           <a:cs typeface="+mn-cs"/>
                         </a:rPr>
-                        <a:t>Вертикальное отражение</a:t>
+                        <a:t>Отражение относительно оси </a:t>
+                      </a:r>
+                      <a:r>
+                        <a:rPr kumimoji="0" lang="en-US" sz="1300" kern="1200" dirty="0" smtClean="0">
+                          <a:solidFill>
+                            <a:schemeClr val="tx1"/>
+                          </a:solidFill>
+                          <a:latin typeface="+mn-lt"/>
+                          <a:ea typeface="+mn-ea"/>
+                          <a:cs typeface="+mn-cs"/>
+                        </a:rPr>
+                        <a:t>Y</a:t>
                       </a:r>
                       <a:endParaRPr lang="ru-RU" sz="1300" dirty="0"/>
                     </a:p>
@@ -7895,7 +12103,18 @@
                           <a:ea typeface="+mn-ea"/>
                           <a:cs typeface="+mn-cs"/>
                         </a:rPr>
-                        <a:t>Горизонтальное отражение </a:t>
+                        <a:t>Отражение относительно оси </a:t>
+                      </a:r>
+                      <a:r>
+                        <a:rPr kumimoji="0" lang="en-US" sz="1300" kern="1200" dirty="0" smtClean="0">
+                          <a:solidFill>
+                            <a:schemeClr val="tx1"/>
+                          </a:solidFill>
+                          <a:latin typeface="+mn-lt"/>
+                          <a:ea typeface="+mn-ea"/>
+                          <a:cs typeface="+mn-cs"/>
+                        </a:rPr>
+                        <a:t>X</a:t>
                       </a:r>
                       <a:endParaRPr lang="ru-RU" sz="1300" dirty="0"/>
                     </a:p>
@@ -7964,7 +12183,18 @@
                           <a:ea typeface="+mn-ea"/>
                           <a:cs typeface="+mn-cs"/>
                         </a:rPr>
-                        <a:t> и вертикальное отражение</a:t>
+                        <a:t> и отражение относительно оси </a:t>
+                      </a:r>
+                      <a:r>
+                        <a:rPr kumimoji="0" lang="en-US" sz="1300" kern="1200" dirty="0" smtClean="0">
+                          <a:solidFill>
+                            <a:schemeClr val="tx1"/>
+                          </a:solidFill>
+                          <a:latin typeface="+mn-lt"/>
+                          <a:ea typeface="+mn-ea"/>
+                          <a:cs typeface="+mn-cs"/>
+                        </a:rPr>
+                        <a:t>Y</a:t>
                       </a:r>
                       <a:endParaRPr lang="ru-RU" sz="1300" dirty="0"/>
                     </a:p>
@@ -8033,7 +12263,18 @@
                           <a:ea typeface="+mn-ea"/>
                           <a:cs typeface="+mn-cs"/>
                         </a:rPr>
-                        <a:t> и горизонтальное отражение</a:t>
+                        <a:t> и отражение относительно оси </a:t>
+                      </a:r>
+                      <a:r>
+                        <a:rPr kumimoji="0" lang="en-US" sz="1300" kern="1200" dirty="0" smtClean="0">
+                          <a:solidFill>
+                            <a:schemeClr val="tx1"/>
+                          </a:solidFill>
+                          <a:latin typeface="+mn-lt"/>
+                          <a:ea typeface="+mn-ea"/>
+                          <a:cs typeface="+mn-cs"/>
+                        </a:rPr>
+                        <a:t>X</a:t>
                       </a:r>
                       <a:endParaRPr lang="ru-RU" sz="1300" dirty="0"/>
                     </a:p>
@@ -8055,15 +12296,46 @@
           </a:graphicData>
         </a:graphic>
       </p:graphicFrame>
+      <p:sp>
+        <p:nvSpPr>
+          <p:cNvPr id="13" name="Номер слайда 12"/>
+          <p:cNvSpPr>
+            <a:spLocks noGrp="1"/>
+          </p:cNvSpPr>
+          <p:nvPr>
+            <p:ph type="sldNum" sz="quarter" idx="12"/>
+          </p:nvPr>
+        </p:nvSpPr>
+        <p:spPr/>
+        <p:txBody>
+          <a:bodyPr/>
+          <a:lstStyle/>
+          <a:p>
+            <a:fld id="{725C68B6-61C2-468F-89AB-4B9F7531AA68}" type="slidenum">
+              <a:rPr lang="ru-RU" sz="3200" smtClean="0"/>
+              <a:pPr/>
+              <a:t>4</a:t>
+            </a:fld>
+            <a:endParaRPr lang="ru-RU" sz="3200" dirty="0"/>
+          </a:p>
+        </p:txBody>
+      </p:sp>
     </p:spTree>
   </p:cSld>
   <p:clrMapOvr>
     <a:masterClrMapping/>
   </p:clrMapOvr>
+  <p:timing>
+    <p:tnLst>
+      <p:par>
+        <p:cTn id="1" dur="indefinite" restart="never" nodeType="tmRoot"/>
+      </p:par>
+    </p:tnLst>
+  </p:timing>
 </p:sld>
 </file>
 
-<file path=ppt/slides/slide4.xml><?xml version="1.0" encoding="utf-8"?>
+<file path=ppt/slides/slide5.xml><?xml version="1.0" encoding="utf-8"?>
 <p:sld xmlns:a="http://schemas.openxmlformats.org/drawingml/2006/main" xmlns:r="http://schemas.openxmlformats.org/officeDocument/2006/relationships" xmlns:p="http://schemas.openxmlformats.org/presentationml/2006/main">
   <p:cSld>
     <p:spTree>
@@ -8141,9 +12413,260 @@
           </a:p>
         </p:txBody>
       </p:sp>
+      <p:sp>
+        <p:nvSpPr>
+          <p:cNvPr id="6" name="TextBox 5"/>
+          <p:cNvSpPr txBox="1"/>
+          <p:nvPr/>
+        </p:nvSpPr>
+        <p:spPr>
+          <a:xfrm>
+            <a:off x="4499992" y="1700808"/>
+            <a:ext cx="2088232" cy="369332"/>
+          </a:xfrm>
+          <a:prstGeom prst="rect">
+            <a:avLst/>
+          </a:prstGeom>
+          <a:noFill/>
+        </p:spPr>
+        <p:txBody>
+          <a:bodyPr wrap="square" rtlCol="0">
+            <a:spAutoFit/>
+          </a:bodyPr>
+          <a:lstStyle/>
+          <a:p>
+            <a:endParaRPr lang="ru-RU" dirty="0"/>
+          </a:p>
+        </p:txBody>
+      </p:sp>
+      <p:sp>
+        <p:nvSpPr>
+          <p:cNvPr id="9" name="TextBox 8"/>
+          <p:cNvSpPr txBox="1"/>
+          <p:nvPr/>
+        </p:nvSpPr>
+        <p:spPr>
+          <a:xfrm>
+            <a:off x="4499992" y="1628800"/>
+            <a:ext cx="720080" cy="523220"/>
+          </a:xfrm>
+          <a:prstGeom prst="rect">
+            <a:avLst/>
+          </a:prstGeom>
+          <a:noFill/>
+        </p:spPr>
+        <p:txBody>
+          <a:bodyPr wrap="square" rtlCol="0">
+            <a:spAutoFit/>
+          </a:bodyPr>
+          <a:lstStyle/>
+          <a:p>
+            <a:r>
+              <a:rPr lang="ru-RU" sz="2800" dirty="0" smtClean="0">
+                <a:latin typeface="Times New Roman" pitchFamily="18" charset="0"/>
+                <a:cs typeface="Times New Roman" pitchFamily="18" charset="0"/>
+              </a:rPr>
+              <a:t>(1)</a:t>
+            </a:r>
+            <a:endParaRPr lang="ru-RU" sz="2800" dirty="0">
+              <a:latin typeface="Times New Roman" pitchFamily="18" charset="0"/>
+              <a:cs typeface="Times New Roman" pitchFamily="18" charset="0"/>
+            </a:endParaRPr>
+          </a:p>
+        </p:txBody>
+      </p:sp>
+      <p:sp>
+        <p:nvSpPr>
+          <p:cNvPr id="28676" name="Rectangle 4"/>
+          <p:cNvSpPr>
+            <a:spLocks noChangeArrowheads="1"/>
+          </p:cNvSpPr>
+          <p:nvPr/>
+        </p:nvSpPr>
+        <p:spPr bwMode="auto">
+          <a:xfrm>
+            <a:off x="0" y="0"/>
+            <a:ext cx="9144000" cy="0"/>
+          </a:xfrm>
+          <a:prstGeom prst="rect">
+            <a:avLst/>
+          </a:prstGeom>
+          <a:noFill/>
+          <a:ln w="9525">
+            <a:noFill/>
+            <a:miter lim="800000"/>
+            <a:headEnd/>
+            <a:tailEnd/>
+          </a:ln>
+          <a:effectLst/>
+        </p:spPr>
+        <p:txBody>
+          <a:bodyPr vert="horz" wrap="none" lIns="91440" tIns="45720" rIns="91440" bIns="45720" numCol="1" anchor="ctr" anchorCtr="0" compatLnSpc="1">
+            <a:prstTxWarp prst="textNoShape">
+              <a:avLst/>
+            </a:prstTxWarp>
+            <a:spAutoFit/>
+          </a:bodyPr>
+          <a:lstStyle/>
+          <a:p>
+            <a:endParaRPr lang="ru-RU"/>
+          </a:p>
+        </p:txBody>
+      </p:sp>
+      <p:sp>
+        <p:nvSpPr>
+          <p:cNvPr id="12" name="TextBox 11"/>
+          <p:cNvSpPr txBox="1"/>
+          <p:nvPr/>
+        </p:nvSpPr>
+        <p:spPr>
+          <a:xfrm>
+            <a:off x="4499992" y="3573016"/>
+            <a:ext cx="648072" cy="523220"/>
+          </a:xfrm>
+          <a:prstGeom prst="rect">
+            <a:avLst/>
+          </a:prstGeom>
+          <a:noFill/>
+        </p:spPr>
+        <p:txBody>
+          <a:bodyPr wrap="square" rtlCol="0">
+            <a:spAutoFit/>
+          </a:bodyPr>
+          <a:lstStyle/>
+          <a:p>
+            <a:r>
+              <a:rPr lang="ru-RU" sz="2800" dirty="0" smtClean="0">
+                <a:latin typeface="Times New Roman" pitchFamily="18" charset="0"/>
+                <a:cs typeface="Times New Roman" pitchFamily="18" charset="0"/>
+              </a:rPr>
+              <a:t>(2)</a:t>
+            </a:r>
+            <a:endParaRPr lang="ru-RU" sz="2800" dirty="0">
+              <a:latin typeface="Times New Roman" pitchFamily="18" charset="0"/>
+              <a:cs typeface="Times New Roman" pitchFamily="18" charset="0"/>
+            </a:endParaRPr>
+          </a:p>
+        </p:txBody>
+      </p:sp>
+      <p:sp>
+        <p:nvSpPr>
+          <p:cNvPr id="28681" name="Rectangle 9"/>
+          <p:cNvSpPr>
+            <a:spLocks noChangeArrowheads="1"/>
+          </p:cNvSpPr>
+          <p:nvPr/>
+        </p:nvSpPr>
+        <p:spPr bwMode="auto">
+          <a:xfrm>
+            <a:off x="1115616" y="5353471"/>
+            <a:ext cx="7200800" cy="307777"/>
+          </a:xfrm>
+          <a:prstGeom prst="rect">
+            <a:avLst/>
+          </a:prstGeom>
+          <a:noFill/>
+          <a:ln w="9525">
+            <a:noFill/>
+            <a:miter lim="800000"/>
+            <a:headEnd/>
+            <a:tailEnd/>
+          </a:ln>
+          <a:effectLst/>
+        </p:spPr>
+        <p:txBody>
+          <a:bodyPr vert="horz" wrap="square" lIns="91440" tIns="45720" rIns="91440" bIns="45720" numCol="1" anchor="ctr" anchorCtr="0" compatLnSpc="1">
+            <a:prstTxWarp prst="textNoShape">
+              <a:avLst/>
+            </a:prstTxWarp>
+            <a:spAutoFit/>
+          </a:bodyPr>
+          <a:lstStyle/>
+          <a:p>
+            <a:pPr lvl="0" fontAlgn="base">
+              <a:spcBef>
+                <a:spcPct val="0"/>
+              </a:spcBef>
+              <a:spcAft>
+                <a:spcPct val="0"/>
+              </a:spcAft>
+            </a:pPr>
+            <a:r>
+              <a:rPr lang="ru-RU" sz="1400" dirty="0" smtClean="0">
+                <a:latin typeface="Times New Roman" pitchFamily="18" charset="0"/>
+                <a:cs typeface="Times New Roman" pitchFamily="18" charset="0"/>
+              </a:rPr>
+              <a:t>           и          - соответственно значения </a:t>
+            </a:r>
+            <a:r>
+              <a:rPr lang="ru-RU" sz="1400" dirty="0" err="1" smtClean="0">
+                <a:latin typeface="Times New Roman" pitchFamily="18" charset="0"/>
+                <a:cs typeface="Times New Roman" pitchFamily="18" charset="0"/>
+              </a:rPr>
+              <a:t>пискелей</a:t>
+            </a:r>
+            <a:r>
+              <a:rPr lang="ru-RU" sz="1400" dirty="0" smtClean="0">
+                <a:latin typeface="Times New Roman" pitchFamily="18" charset="0"/>
+                <a:cs typeface="Times New Roman" pitchFamily="18" charset="0"/>
+              </a:rPr>
+              <a:t> ранговой и доменной областей</a:t>
+            </a:r>
+            <a:endParaRPr kumimoji="0" lang="ru-RU" sz="1800" b="0" i="0" u="none" strike="noStrike" cap="none" normalizeH="0" baseline="0" dirty="0" smtClean="0">
+              <a:ln>
+                <a:noFill/>
+              </a:ln>
+              <a:solidFill>
+                <a:schemeClr val="tx1"/>
+              </a:solidFill>
+              <a:effectLst/>
+              <a:latin typeface="Times New Roman" pitchFamily="18" charset="0"/>
+              <a:cs typeface="Times New Roman" pitchFamily="18" charset="0"/>
+            </a:endParaRPr>
+          </a:p>
+        </p:txBody>
+      </p:sp>
+      <p:sp>
+        <p:nvSpPr>
+          <p:cNvPr id="28683" name="Rectangle 11"/>
+          <p:cNvSpPr>
+            <a:spLocks noChangeArrowheads="1"/>
+          </p:cNvSpPr>
+          <p:nvPr/>
+        </p:nvSpPr>
+        <p:spPr bwMode="auto">
+          <a:xfrm>
+            <a:off x="0" y="0"/>
+            <a:ext cx="9144000" cy="0"/>
+          </a:xfrm>
+          <a:prstGeom prst="rect">
+            <a:avLst/>
+          </a:prstGeom>
+          <a:noFill/>
+          <a:ln w="9525">
+            <a:noFill/>
+            <a:miter lim="800000"/>
+            <a:headEnd/>
+            <a:tailEnd/>
+          </a:ln>
+          <a:effectLst/>
+        </p:spPr>
+        <p:txBody>
+          <a:bodyPr vert="horz" wrap="none" lIns="91440" tIns="45720" rIns="91440" bIns="45720" numCol="1" anchor="ctr" anchorCtr="0" compatLnSpc="1">
+            <a:prstTxWarp prst="textNoShape">
+              <a:avLst/>
+            </a:prstTxWarp>
+            <a:spAutoFit/>
+          </a:bodyPr>
+          <a:lstStyle/>
+          <a:p>
+            <a:endParaRPr lang="ru-RU"/>
+          </a:p>
+        </p:txBody>
+      </p:sp>
       <p:pic>
         <p:nvPicPr>
-          <p:cNvPr id="28673" name="Picture 1"/>
+          <p:cNvPr id="28682" name="Picture 10"/>
           <p:cNvPicPr>
             <a:picLocks noChangeAspect="1" noChangeArrowheads="1"/>
           </p:cNvPicPr>
@@ -8162,15 +12685,15 @@
               </a:clrTo>
             </a:clrChange>
           </a:blip>
-          <a:srcRect r="34398" b="3491"/>
+          <a:srcRect/>
           <a:stretch>
             <a:fillRect/>
           </a:stretch>
         </p:blipFill>
         <p:spPr bwMode="auto">
           <a:xfrm>
-            <a:off x="1403648" y="1988840"/>
-            <a:ext cx="2213558" cy="632445"/>
+            <a:off x="1438697" y="5384328"/>
+            <a:ext cx="180975" cy="257175"/>
           </a:xfrm>
           <a:prstGeom prst="rect">
             <a:avLst/>
@@ -8180,69 +12703,7 @@
       </p:pic>
       <p:sp>
         <p:nvSpPr>
-          <p:cNvPr id="6" name="TextBox 5"/>
-          <p:cNvSpPr txBox="1"/>
-          <p:nvPr/>
-        </p:nvSpPr>
-        <p:spPr>
-          <a:xfrm>
-            <a:off x="4499992" y="1700808"/>
-            <a:ext cx="2088232" cy="369332"/>
-          </a:xfrm>
-          <a:prstGeom prst="rect">
-            <a:avLst/>
-          </a:prstGeom>
-          <a:noFill/>
-        </p:spPr>
-        <p:txBody>
-          <a:bodyPr wrap="square" rtlCol="0">
-            <a:spAutoFit/>
-          </a:bodyPr>
-          <a:lstStyle/>
-          <a:p>
-            <a:endParaRPr lang="ru-RU" dirty="0"/>
-          </a:p>
-        </p:txBody>
-      </p:sp>
-      <p:sp>
-        <p:nvSpPr>
-          <p:cNvPr id="9" name="TextBox 8"/>
-          <p:cNvSpPr txBox="1"/>
-          <p:nvPr/>
-        </p:nvSpPr>
-        <p:spPr>
-          <a:xfrm>
-            <a:off x="3635896" y="2060848"/>
-            <a:ext cx="720080" cy="523220"/>
-          </a:xfrm>
-          <a:prstGeom prst="rect">
-            <a:avLst/>
-          </a:prstGeom>
-          <a:noFill/>
-        </p:spPr>
-        <p:txBody>
-          <a:bodyPr wrap="square" rtlCol="0">
-            <a:spAutoFit/>
-          </a:bodyPr>
-          <a:lstStyle/>
-          <a:p>
-            <a:r>
-              <a:rPr lang="ru-RU" sz="2800" dirty="0" smtClean="0">
-                <a:latin typeface="Times New Roman" pitchFamily="18" charset="0"/>
-                <a:cs typeface="Times New Roman" pitchFamily="18" charset="0"/>
-              </a:rPr>
-              <a:t>(1)</a:t>
-            </a:r>
-            <a:endParaRPr lang="ru-RU" sz="2800" dirty="0">
-              <a:latin typeface="Times New Roman" pitchFamily="18" charset="0"/>
-              <a:cs typeface="Times New Roman" pitchFamily="18" charset="0"/>
-            </a:endParaRPr>
-          </a:p>
-        </p:txBody>
-      </p:sp>
-      <p:sp>
-        <p:nvSpPr>
-          <p:cNvPr id="28676" name="Rectangle 4"/>
+          <p:cNvPr id="28685" name="Rectangle 13"/>
           <p:cNvSpPr>
             <a:spLocks noChangeArrowheads="1"/>
           </p:cNvSpPr>
@@ -8280,7 +12741,7 @@
       </p:sp>
       <p:pic>
         <p:nvPicPr>
-          <p:cNvPr id="28675" name="Picture 3"/>
+          <p:cNvPr id="28684" name="Picture 12"/>
           <p:cNvPicPr>
             <a:picLocks noChangeAspect="1" noChangeArrowheads="1"/>
           </p:cNvPicPr>
@@ -8306,8 +12767,8 @@
         </p:blipFill>
         <p:spPr bwMode="auto">
           <a:xfrm>
-            <a:off x="1331640" y="3501008"/>
-            <a:ext cx="2656315" cy="591691"/>
+            <a:off x="1904653" y="5384328"/>
+            <a:ext cx="219075" cy="257175"/>
           </a:xfrm>
           <a:prstGeom prst="rect">
             <a:avLst/>
@@ -8317,43 +12778,7 @@
       </p:pic>
       <p:sp>
         <p:nvSpPr>
-          <p:cNvPr id="12" name="TextBox 11"/>
-          <p:cNvSpPr txBox="1"/>
-          <p:nvPr/>
-        </p:nvSpPr>
-        <p:spPr>
-          <a:xfrm>
-            <a:off x="4283968" y="3573016"/>
-            <a:ext cx="648072" cy="523220"/>
-          </a:xfrm>
-          <a:prstGeom prst="rect">
-            <a:avLst/>
-          </a:prstGeom>
-          <a:noFill/>
-        </p:spPr>
-        <p:txBody>
-          <a:bodyPr wrap="square" rtlCol="0">
-            <a:spAutoFit/>
-          </a:bodyPr>
-          <a:lstStyle/>
-          <a:p>
-            <a:r>
-              <a:rPr lang="ru-RU" sz="2800" dirty="0" smtClean="0">
-                <a:latin typeface="Times New Roman" pitchFamily="18" charset="0"/>
-                <a:cs typeface="Times New Roman" pitchFamily="18" charset="0"/>
-              </a:rPr>
-              <a:t>(2)</a:t>
-            </a:r>
-            <a:endParaRPr lang="ru-RU" sz="2800" dirty="0">
-              <a:latin typeface="Times New Roman" pitchFamily="18" charset="0"/>
-              <a:cs typeface="Times New Roman" pitchFamily="18" charset="0"/>
-            </a:endParaRPr>
-          </a:p>
-        </p:txBody>
-      </p:sp>
-      <p:sp>
-        <p:nvSpPr>
-          <p:cNvPr id="28681" name="Rectangle 9"/>
+          <p:cNvPr id="28687" name="Rectangle 15"/>
           <p:cNvSpPr>
             <a:spLocks noChangeArrowheads="1"/>
           </p:cNvSpPr>
@@ -8361,8 +12786,8 @@
         </p:nvSpPr>
         <p:spPr bwMode="auto">
           <a:xfrm>
-            <a:off x="1115616" y="5661248"/>
-            <a:ext cx="7200800" cy="307777"/>
+            <a:off x="0" y="0"/>
+            <a:ext cx="9144000" cy="0"/>
           </a:xfrm>
           <a:prstGeom prst="rect">
             <a:avLst/>
@@ -8377,7 +12802,7 @@
           <a:effectLst/>
         </p:spPr>
         <p:txBody>
-          <a:bodyPr vert="horz" wrap="square" lIns="91440" tIns="45720" rIns="91440" bIns="45720" numCol="1" anchor="ctr" anchorCtr="0" compatLnSpc="1">
+          <a:bodyPr vert="horz" wrap="none" lIns="91440" tIns="45720" rIns="91440" bIns="45720" numCol="1" anchor="ctr" anchorCtr="0" compatLnSpc="1">
             <a:prstTxWarp prst="textNoShape">
               <a:avLst/>
             </a:prstTxWarp>
@@ -8385,59 +12810,13 @@
           </a:bodyPr>
           <a:lstStyle/>
           <a:p>
-            <a:pPr lvl="0" fontAlgn="base">
-              <a:spcBef>
-                <a:spcPct val="0"/>
-              </a:spcBef>
-              <a:spcAft>
-                <a:spcPct val="0"/>
-              </a:spcAft>
-            </a:pPr>
-            <a:r>
-              <a:rPr lang="ru-RU" sz="1400" dirty="0" smtClean="0">
-                <a:latin typeface="Times New Roman" pitchFamily="18" charset="0"/>
-                <a:cs typeface="Times New Roman" pitchFamily="18" charset="0"/>
-              </a:rPr>
-              <a:t>           и          - </a:t>
-            </a:r>
-            <a:r>
-              <a:rPr lang="ru-RU" sz="1400" dirty="0" smtClean="0">
-                <a:latin typeface="Times New Roman" pitchFamily="18" charset="0"/>
-                <a:cs typeface="Times New Roman" pitchFamily="18" charset="0"/>
-              </a:rPr>
-              <a:t>соответственно значения </a:t>
-            </a:r>
-            <a:r>
-              <a:rPr lang="ru-RU" sz="1400" dirty="0" err="1" smtClean="0">
-                <a:latin typeface="Times New Roman" pitchFamily="18" charset="0"/>
-                <a:cs typeface="Times New Roman" pitchFamily="18" charset="0"/>
-              </a:rPr>
-              <a:t>пискелей</a:t>
-            </a:r>
-            <a:r>
-              <a:rPr lang="ru-RU" sz="1400" dirty="0" smtClean="0">
-                <a:latin typeface="Times New Roman" pitchFamily="18" charset="0"/>
-                <a:cs typeface="Times New Roman" pitchFamily="18" charset="0"/>
-              </a:rPr>
-              <a:t> ранговой и доменной областей</a:t>
-            </a:r>
-            <a:endParaRPr kumimoji="0" lang="ru-RU" sz="1800" b="0" i="0" u="none" strike="noStrike" cap="none" normalizeH="0" baseline="0" dirty="0" smtClean="0">
-              <a:ln>
-                <a:noFill/>
-              </a:ln>
-              <a:solidFill>
-                <a:schemeClr val="tx1"/>
-              </a:solidFill>
-              <a:effectLst/>
-              <a:latin typeface="Times New Roman" pitchFamily="18" charset="0"/>
-              <a:cs typeface="Times New Roman" pitchFamily="18" charset="0"/>
-            </a:endParaRPr>
-          </a:p>
-        </p:txBody>
-      </p:sp>
-      <p:sp>
-        <p:nvSpPr>
-          <p:cNvPr id="28683" name="Rectangle 11"/>
+            <a:endParaRPr lang="ru-RU"/>
+          </a:p>
+        </p:txBody>
+      </p:sp>
+      <p:sp>
+        <p:nvSpPr>
+          <p:cNvPr id="28689" name="Rectangle 17"/>
           <p:cNvSpPr>
             <a:spLocks noChangeArrowheads="1"/>
           </p:cNvSpPr>
@@ -8473,416 +12852,6 @@
           </a:p>
         </p:txBody>
       </p:sp>
-      <p:pic>
-        <p:nvPicPr>
-          <p:cNvPr id="28682" name="Picture 10"/>
-          <p:cNvPicPr>
-            <a:picLocks noChangeAspect="1" noChangeArrowheads="1"/>
-          </p:cNvPicPr>
-          <p:nvPr/>
-        </p:nvPicPr>
-        <p:blipFill>
-          <a:blip r:embed="rId4" cstate="print">
-            <a:clrChange>
-              <a:clrFrom>
-                <a:srgbClr val="FFFFFF"/>
-              </a:clrFrom>
-              <a:clrTo>
-                <a:srgbClr val="FFFFFF">
-                  <a:alpha val="0"/>
-                </a:srgbClr>
-              </a:clrTo>
-            </a:clrChange>
-          </a:blip>
-          <a:srcRect/>
-          <a:stretch>
-            <a:fillRect/>
-          </a:stretch>
-        </p:blipFill>
-        <p:spPr bwMode="auto">
-          <a:xfrm>
-            <a:off x="1438697" y="5692105"/>
-            <a:ext cx="180975" cy="257175"/>
-          </a:xfrm>
-          <a:prstGeom prst="rect">
-            <a:avLst/>
-          </a:prstGeom>
-          <a:noFill/>
-        </p:spPr>
-      </p:pic>
-      <p:sp>
-        <p:nvSpPr>
-          <p:cNvPr id="28685" name="Rectangle 13"/>
-          <p:cNvSpPr>
-            <a:spLocks noChangeArrowheads="1"/>
-          </p:cNvSpPr>
-          <p:nvPr/>
-        </p:nvSpPr>
-        <p:spPr bwMode="auto">
-          <a:xfrm>
-            <a:off x="0" y="0"/>
-            <a:ext cx="9144000" cy="0"/>
-          </a:xfrm>
-          <a:prstGeom prst="rect">
-            <a:avLst/>
-          </a:prstGeom>
-          <a:noFill/>
-          <a:ln w="9525">
-            <a:noFill/>
-            <a:miter lim="800000"/>
-            <a:headEnd/>
-            <a:tailEnd/>
-          </a:ln>
-          <a:effectLst/>
-        </p:spPr>
-        <p:txBody>
-          <a:bodyPr vert="horz" wrap="none" lIns="91440" tIns="45720" rIns="91440" bIns="45720" numCol="1" anchor="ctr" anchorCtr="0" compatLnSpc="1">
-            <a:prstTxWarp prst="textNoShape">
-              <a:avLst/>
-            </a:prstTxWarp>
-            <a:spAutoFit/>
-          </a:bodyPr>
-          <a:lstStyle/>
-          <a:p>
-            <a:endParaRPr lang="ru-RU"/>
-          </a:p>
-        </p:txBody>
-      </p:sp>
-      <p:pic>
-        <p:nvPicPr>
-          <p:cNvPr id="28684" name="Picture 12"/>
-          <p:cNvPicPr>
-            <a:picLocks noChangeAspect="1" noChangeArrowheads="1"/>
-          </p:cNvPicPr>
-          <p:nvPr/>
-        </p:nvPicPr>
-        <p:blipFill>
-          <a:blip r:embed="rId5" cstate="print">
-            <a:clrChange>
-              <a:clrFrom>
-                <a:srgbClr val="FFFFFF"/>
-              </a:clrFrom>
-              <a:clrTo>
-                <a:srgbClr val="FFFFFF">
-                  <a:alpha val="0"/>
-                </a:srgbClr>
-              </a:clrTo>
-            </a:clrChange>
-          </a:blip>
-          <a:srcRect/>
-          <a:stretch>
-            <a:fillRect/>
-          </a:stretch>
-        </p:blipFill>
-        <p:spPr bwMode="auto">
-          <a:xfrm>
-            <a:off x="1904653" y="5692105"/>
-            <a:ext cx="219075" cy="257175"/>
-          </a:xfrm>
-          <a:prstGeom prst="rect">
-            <a:avLst/>
-          </a:prstGeom>
-          <a:noFill/>
-        </p:spPr>
-      </p:pic>
-      <p:sp>
-        <p:nvSpPr>
-          <p:cNvPr id="28687" name="Rectangle 15"/>
-          <p:cNvSpPr>
-            <a:spLocks noChangeArrowheads="1"/>
-          </p:cNvSpPr>
-          <p:nvPr/>
-        </p:nvSpPr>
-        <p:spPr bwMode="auto">
-          <a:xfrm>
-            <a:off x="0" y="0"/>
-            <a:ext cx="9144000" cy="0"/>
-          </a:xfrm>
-          <a:prstGeom prst="rect">
-            <a:avLst/>
-          </a:prstGeom>
-          <a:noFill/>
-          <a:ln w="9525">
-            <a:noFill/>
-            <a:miter lim="800000"/>
-            <a:headEnd/>
-            <a:tailEnd/>
-          </a:ln>
-          <a:effectLst/>
-        </p:spPr>
-        <p:txBody>
-          <a:bodyPr vert="horz" wrap="none" lIns="91440" tIns="45720" rIns="91440" bIns="45720" numCol="1" anchor="ctr" anchorCtr="0" compatLnSpc="1">
-            <a:prstTxWarp prst="textNoShape">
-              <a:avLst/>
-            </a:prstTxWarp>
-            <a:spAutoFit/>
-          </a:bodyPr>
-          <a:lstStyle/>
-          <a:p>
-            <a:endParaRPr lang="ru-RU"/>
-          </a:p>
-        </p:txBody>
-      </p:sp>
-      <p:pic>
-        <p:nvPicPr>
-          <p:cNvPr id="28686" name="Picture 14"/>
-          <p:cNvPicPr>
-            <a:picLocks noChangeAspect="1" noChangeArrowheads="1"/>
-          </p:cNvPicPr>
-          <p:nvPr/>
-        </p:nvPicPr>
-        <p:blipFill>
-          <a:blip r:embed="rId6" cstate="print">
-            <a:clrChange>
-              <a:clrFrom>
-                <a:srgbClr val="FFFFFF"/>
-              </a:clrFrom>
-              <a:clrTo>
-                <a:srgbClr val="FFFFFF">
-                  <a:alpha val="0"/>
-                </a:srgbClr>
-              </a:clrTo>
-            </a:clrChange>
-          </a:blip>
-          <a:srcRect/>
-          <a:stretch>
-            <a:fillRect/>
-          </a:stretch>
-        </p:blipFill>
-        <p:spPr bwMode="auto">
-          <a:xfrm>
-            <a:off x="6444208" y="1700808"/>
-            <a:ext cx="752475" cy="238125"/>
-          </a:xfrm>
-          <a:prstGeom prst="rect">
-            <a:avLst/>
-          </a:prstGeom>
-          <a:noFill/>
-        </p:spPr>
-      </p:pic>
-      <p:sp>
-        <p:nvSpPr>
-          <p:cNvPr id="28689" name="Rectangle 17"/>
-          <p:cNvSpPr>
-            <a:spLocks noChangeArrowheads="1"/>
-          </p:cNvSpPr>
-          <p:nvPr/>
-        </p:nvSpPr>
-        <p:spPr bwMode="auto">
-          <a:xfrm>
-            <a:off x="0" y="0"/>
-            <a:ext cx="9144000" cy="0"/>
-          </a:xfrm>
-          <a:prstGeom prst="rect">
-            <a:avLst/>
-          </a:prstGeom>
-          <a:noFill/>
-          <a:ln w="9525">
-            <a:noFill/>
-            <a:miter lim="800000"/>
-            <a:headEnd/>
-            <a:tailEnd/>
-          </a:ln>
-          <a:effectLst/>
-        </p:spPr>
-        <p:txBody>
-          <a:bodyPr vert="horz" wrap="none" lIns="91440" tIns="45720" rIns="91440" bIns="45720" numCol="1" anchor="ctr" anchorCtr="0" compatLnSpc="1">
-            <a:prstTxWarp prst="textNoShape">
-              <a:avLst/>
-            </a:prstTxWarp>
-            <a:spAutoFit/>
-          </a:bodyPr>
-          <a:lstStyle/>
-          <a:p>
-            <a:endParaRPr lang="ru-RU"/>
-          </a:p>
-        </p:txBody>
-      </p:sp>
-      <p:pic>
-        <p:nvPicPr>
-          <p:cNvPr id="28688" name="Picture 16"/>
-          <p:cNvPicPr>
-            <a:picLocks noChangeAspect="1" noChangeArrowheads="1"/>
-          </p:cNvPicPr>
-          <p:nvPr/>
-        </p:nvPicPr>
-        <p:blipFill>
-          <a:blip r:embed="rId7" cstate="print">
-            <a:clrChange>
-              <a:clrFrom>
-                <a:srgbClr val="FFFFFF"/>
-              </a:clrFrom>
-              <a:clrTo>
-                <a:srgbClr val="FFFFFF">
-                  <a:alpha val="0"/>
-                </a:srgbClr>
-              </a:clrTo>
-            </a:clrChange>
-          </a:blip>
-          <a:srcRect/>
-          <a:stretch>
-            <a:fillRect/>
-          </a:stretch>
-        </p:blipFill>
-        <p:spPr bwMode="auto">
-          <a:xfrm>
-            <a:off x="6444208" y="2204864"/>
-            <a:ext cx="923925" cy="428625"/>
-          </a:xfrm>
-          <a:prstGeom prst="rect">
-            <a:avLst/>
-          </a:prstGeom>
-          <a:noFill/>
-        </p:spPr>
-      </p:pic>
-      <p:pic>
-        <p:nvPicPr>
-          <p:cNvPr id="28693" name="Picture 21"/>
-          <p:cNvPicPr>
-            <a:picLocks noChangeAspect="1" noChangeArrowheads="1"/>
-          </p:cNvPicPr>
-          <p:nvPr/>
-        </p:nvPicPr>
-        <p:blipFill>
-          <a:blip r:embed="rId8" cstate="print">
-            <a:clrChange>
-              <a:clrFrom>
-                <a:srgbClr val="FFFFFF"/>
-              </a:clrFrom>
-              <a:clrTo>
-                <a:srgbClr val="FFFFFF">
-                  <a:alpha val="0"/>
-                </a:srgbClr>
-              </a:clrTo>
-            </a:clrChange>
-          </a:blip>
-          <a:srcRect/>
-          <a:stretch>
-            <a:fillRect/>
-          </a:stretch>
-        </p:blipFill>
-        <p:spPr bwMode="auto">
-          <a:xfrm>
-            <a:off x="5742384" y="2871217"/>
-            <a:ext cx="2286000" cy="447675"/>
-          </a:xfrm>
-          <a:prstGeom prst="rect">
-            <a:avLst/>
-          </a:prstGeom>
-          <a:noFill/>
-        </p:spPr>
-      </p:pic>
-      <p:pic>
-        <p:nvPicPr>
-          <p:cNvPr id="28692" name="Picture 20"/>
-          <p:cNvPicPr>
-            <a:picLocks noChangeAspect="1" noChangeArrowheads="1"/>
-          </p:cNvPicPr>
-          <p:nvPr/>
-        </p:nvPicPr>
-        <p:blipFill>
-          <a:blip r:embed="rId9" cstate="print">
-            <a:clrChange>
-              <a:clrFrom>
-                <a:srgbClr val="FFFFFF"/>
-              </a:clrFrom>
-              <a:clrTo>
-                <a:srgbClr val="FFFFFF">
-                  <a:alpha val="0"/>
-                </a:srgbClr>
-              </a:clrTo>
-            </a:clrChange>
-          </a:blip>
-          <a:srcRect/>
-          <a:stretch>
-            <a:fillRect/>
-          </a:stretch>
-        </p:blipFill>
-        <p:spPr bwMode="auto">
-          <a:xfrm>
-            <a:off x="6102424" y="3519289"/>
-            <a:ext cx="1743075" cy="447675"/>
-          </a:xfrm>
-          <a:prstGeom prst="rect">
-            <a:avLst/>
-          </a:prstGeom>
-          <a:noFill/>
-        </p:spPr>
-      </p:pic>
-      <p:pic>
-        <p:nvPicPr>
-          <p:cNvPr id="28691" name="Picture 19"/>
-          <p:cNvPicPr>
-            <a:picLocks noChangeAspect="1" noChangeArrowheads="1"/>
-          </p:cNvPicPr>
-          <p:nvPr/>
-        </p:nvPicPr>
-        <p:blipFill>
-          <a:blip r:embed="rId10" cstate="print">
-            <a:clrChange>
-              <a:clrFrom>
-                <a:srgbClr val="FFFFFF"/>
-              </a:clrFrom>
-              <a:clrTo>
-                <a:srgbClr val="FFFFFF">
-                  <a:alpha val="0"/>
-                </a:srgbClr>
-              </a:clrTo>
-            </a:clrChange>
-          </a:blip>
-          <a:srcRect/>
-          <a:stretch>
-            <a:fillRect/>
-          </a:stretch>
-        </p:blipFill>
-        <p:spPr bwMode="auto">
-          <a:xfrm>
-            <a:off x="6390456" y="4095353"/>
-            <a:ext cx="1457325" cy="485775"/>
-          </a:xfrm>
-          <a:prstGeom prst="rect">
-            <a:avLst/>
-          </a:prstGeom>
-          <a:noFill/>
-        </p:spPr>
-      </p:pic>
-      <p:pic>
-        <p:nvPicPr>
-          <p:cNvPr id="28690" name="Picture 18"/>
-          <p:cNvPicPr>
-            <a:picLocks noChangeAspect="1" noChangeArrowheads="1"/>
-          </p:cNvPicPr>
-          <p:nvPr/>
-        </p:nvPicPr>
-        <p:blipFill>
-          <a:blip r:embed="rId11" cstate="print">
-            <a:clrChange>
-              <a:clrFrom>
-                <a:srgbClr val="FFFFFF"/>
-              </a:clrFrom>
-              <a:clrTo>
-                <a:srgbClr val="FFFFFF">
-                  <a:alpha val="0"/>
-                </a:srgbClr>
-              </a:clrTo>
-            </a:clrChange>
-          </a:blip>
-          <a:srcRect/>
-          <a:stretch>
-            <a:fillRect/>
-          </a:stretch>
-        </p:blipFill>
-        <p:spPr bwMode="auto">
-          <a:xfrm>
-            <a:off x="6462464" y="4725144"/>
-            <a:ext cx="1390650" cy="485775"/>
-          </a:xfrm>
-          <a:prstGeom prst="rect">
-            <a:avLst/>
-          </a:prstGeom>
-          <a:noFill/>
-        </p:spPr>
-      </p:pic>
       <p:sp>
         <p:nvSpPr>
           <p:cNvPr id="28694" name="Rectangle 22"/>
@@ -9123,7 +13092,7 @@
         </p:nvSpPr>
         <p:spPr bwMode="auto">
           <a:xfrm>
-            <a:off x="1403648" y="6021288"/>
+            <a:off x="1403648" y="5661248"/>
             <a:ext cx="7200800" cy="307777"/>
           </a:xfrm>
           <a:prstGeom prst="rect">
@@ -9183,15 +13152,717 @@
           </a:p>
         </p:txBody>
       </p:sp>
+      <p:sp>
+        <p:nvSpPr>
+          <p:cNvPr id="28" name="Номер слайда 27"/>
+          <p:cNvSpPr>
+            <a:spLocks noGrp="1"/>
+          </p:cNvSpPr>
+          <p:nvPr>
+            <p:ph type="sldNum" sz="quarter" idx="12"/>
+          </p:nvPr>
+        </p:nvSpPr>
+        <p:spPr/>
+        <p:txBody>
+          <a:bodyPr/>
+          <a:lstStyle/>
+          <a:p>
+            <a:fld id="{725C68B6-61C2-468F-89AB-4B9F7531AA68}" type="slidenum">
+              <a:rPr lang="ru-RU" sz="3200" smtClean="0"/>
+              <a:pPr/>
+              <a:t>5</a:t>
+            </a:fld>
+            <a:endParaRPr lang="ru-RU" sz="3200" dirty="0"/>
+          </a:p>
+        </p:txBody>
+      </p:sp>
+      <p:sp>
+        <p:nvSpPr>
+          <p:cNvPr id="11266" name="Rectangle 2"/>
+          <p:cNvSpPr>
+            <a:spLocks noChangeArrowheads="1"/>
+          </p:cNvSpPr>
+          <p:nvPr/>
+        </p:nvSpPr>
+        <p:spPr bwMode="auto">
+          <a:xfrm>
+            <a:off x="0" y="0"/>
+            <a:ext cx="9144000" cy="0"/>
+          </a:xfrm>
+          <a:prstGeom prst="rect">
+            <a:avLst/>
+          </a:prstGeom>
+          <a:noFill/>
+          <a:ln w="9525">
+            <a:noFill/>
+            <a:miter lim="800000"/>
+            <a:headEnd/>
+            <a:tailEnd/>
+          </a:ln>
+          <a:effectLst/>
+        </p:spPr>
+        <p:txBody>
+          <a:bodyPr vert="horz" wrap="none" lIns="91440" tIns="45720" rIns="91440" bIns="45720" numCol="1" anchor="ctr" anchorCtr="0" compatLnSpc="1">
+            <a:prstTxWarp prst="textNoShape">
+              <a:avLst/>
+            </a:prstTxWarp>
+            <a:spAutoFit/>
+          </a:bodyPr>
+          <a:lstStyle/>
+          <a:p>
+            <a:endParaRPr lang="ru-RU"/>
+          </a:p>
+        </p:txBody>
+      </p:sp>
+      <p:pic>
+        <p:nvPicPr>
+          <p:cNvPr id="11265" name="Picture 1"/>
+          <p:cNvPicPr>
+            <a:picLocks noChangeAspect="1" noChangeArrowheads="1"/>
+          </p:cNvPicPr>
+          <p:nvPr/>
+        </p:nvPicPr>
+        <p:blipFill>
+          <a:blip r:embed="rId4" cstate="print">
+            <a:clrChange>
+              <a:clrFrom>
+                <a:srgbClr val="FFFFFF"/>
+              </a:clrFrom>
+              <a:clrTo>
+                <a:srgbClr val="FFFFFF">
+                  <a:alpha val="0"/>
+                </a:srgbClr>
+              </a:clrTo>
+            </a:clrChange>
+          </a:blip>
+          <a:srcRect/>
+          <a:stretch>
+            <a:fillRect/>
+          </a:stretch>
+        </p:blipFill>
+        <p:spPr bwMode="auto">
+          <a:xfrm>
+            <a:off x="1331640" y="3429000"/>
+            <a:ext cx="3257922" cy="820426"/>
+          </a:xfrm>
+          <a:prstGeom prst="rect">
+            <a:avLst/>
+          </a:prstGeom>
+          <a:noFill/>
+        </p:spPr>
+      </p:pic>
+      <p:sp>
+        <p:nvSpPr>
+          <p:cNvPr id="31" name="Rectangle 9"/>
+          <p:cNvSpPr>
+            <a:spLocks noChangeArrowheads="1"/>
+          </p:cNvSpPr>
+          <p:nvPr/>
+        </p:nvSpPr>
+        <p:spPr bwMode="auto">
+          <a:xfrm>
+            <a:off x="1403648" y="6021288"/>
+            <a:ext cx="7200800" cy="307777"/>
+          </a:xfrm>
+          <a:prstGeom prst="rect">
+            <a:avLst/>
+          </a:prstGeom>
+          <a:noFill/>
+          <a:ln w="9525">
+            <a:noFill/>
+            <a:miter lim="800000"/>
+            <a:headEnd/>
+            <a:tailEnd/>
+          </a:ln>
+          <a:effectLst/>
+        </p:spPr>
+        <p:txBody>
+          <a:bodyPr vert="horz" wrap="square" lIns="91440" tIns="45720" rIns="91440" bIns="45720" numCol="1" anchor="ctr" anchorCtr="0" compatLnSpc="1">
+            <a:prstTxWarp prst="textNoShape">
+              <a:avLst/>
+            </a:prstTxWarp>
+            <a:spAutoFit/>
+          </a:bodyPr>
+          <a:lstStyle/>
+          <a:p>
+            <a:pPr lvl="0" fontAlgn="base">
+              <a:spcBef>
+                <a:spcPct val="0"/>
+              </a:spcBef>
+              <a:spcAft>
+                <a:spcPct val="0"/>
+              </a:spcAft>
+            </a:pPr>
+            <a:r>
+              <a:rPr lang="en-US" sz="1400" dirty="0" smtClean="0">
+                <a:latin typeface="Times New Roman" pitchFamily="18" charset="0"/>
+                <a:cs typeface="Times New Roman" pitchFamily="18" charset="0"/>
+                <a:sym typeface="Symbol"/>
+              </a:rPr>
+              <a:t></a:t>
+            </a:r>
+            <a:r>
+              <a:rPr lang="ru-RU" sz="1400" dirty="0" smtClean="0">
+                <a:latin typeface="Times New Roman" pitchFamily="18" charset="0"/>
+                <a:cs typeface="Times New Roman" pitchFamily="18" charset="0"/>
+              </a:rPr>
+              <a:t> – коэффициент компрессии</a:t>
+            </a:r>
+            <a:endParaRPr kumimoji="0" lang="ru-RU" sz="1800" b="0" i="0" u="none" strike="noStrike" cap="none" normalizeH="0" baseline="0" dirty="0" smtClean="0">
+              <a:ln>
+                <a:noFill/>
+              </a:ln>
+              <a:solidFill>
+                <a:schemeClr val="tx1"/>
+              </a:solidFill>
+              <a:effectLst/>
+              <a:latin typeface="Times New Roman" pitchFamily="18" charset="0"/>
+              <a:cs typeface="Times New Roman" pitchFamily="18" charset="0"/>
+            </a:endParaRPr>
+          </a:p>
+        </p:txBody>
+      </p:sp>
+      <p:sp>
+        <p:nvSpPr>
+          <p:cNvPr id="11268" name="Rectangle 4"/>
+          <p:cNvSpPr>
+            <a:spLocks noChangeArrowheads="1"/>
+          </p:cNvSpPr>
+          <p:nvPr/>
+        </p:nvSpPr>
+        <p:spPr bwMode="auto">
+          <a:xfrm>
+            <a:off x="0" y="0"/>
+            <a:ext cx="9144000" cy="0"/>
+          </a:xfrm>
+          <a:prstGeom prst="rect">
+            <a:avLst/>
+          </a:prstGeom>
+          <a:noFill/>
+          <a:ln w="9525">
+            <a:noFill/>
+            <a:miter lim="800000"/>
+            <a:headEnd/>
+            <a:tailEnd/>
+          </a:ln>
+          <a:effectLst/>
+        </p:spPr>
+        <p:txBody>
+          <a:bodyPr vert="horz" wrap="none" lIns="91440" tIns="45720" rIns="91440" bIns="45720" numCol="1" anchor="ctr" anchorCtr="0" compatLnSpc="1">
+            <a:prstTxWarp prst="textNoShape">
+              <a:avLst/>
+            </a:prstTxWarp>
+            <a:spAutoFit/>
+          </a:bodyPr>
+          <a:lstStyle/>
+          <a:p>
+            <a:endParaRPr lang="ru-RU"/>
+          </a:p>
+        </p:txBody>
+      </p:sp>
+      <p:pic>
+        <p:nvPicPr>
+          <p:cNvPr id="11267" name="Picture 3"/>
+          <p:cNvPicPr>
+            <a:picLocks noChangeAspect="1" noChangeArrowheads="1"/>
+          </p:cNvPicPr>
+          <p:nvPr/>
+        </p:nvPicPr>
+        <p:blipFill>
+          <a:blip r:embed="rId5" cstate="print">
+            <a:clrChange>
+              <a:clrFrom>
+                <a:srgbClr val="FFFFFF"/>
+              </a:clrFrom>
+              <a:clrTo>
+                <a:srgbClr val="FFFFFF">
+                  <a:alpha val="0"/>
+                </a:srgbClr>
+              </a:clrTo>
+            </a:clrChange>
+          </a:blip>
+          <a:srcRect/>
+          <a:stretch>
+            <a:fillRect/>
+          </a:stretch>
+        </p:blipFill>
+        <p:spPr bwMode="auto">
+          <a:xfrm>
+            <a:off x="6012160" y="2204864"/>
+            <a:ext cx="2304256" cy="676249"/>
+          </a:xfrm>
+          <a:prstGeom prst="rect">
+            <a:avLst/>
+          </a:prstGeom>
+          <a:noFill/>
+        </p:spPr>
+      </p:pic>
+      <p:sp>
+        <p:nvSpPr>
+          <p:cNvPr id="11270" name="Rectangle 6"/>
+          <p:cNvSpPr>
+            <a:spLocks noChangeArrowheads="1"/>
+          </p:cNvSpPr>
+          <p:nvPr/>
+        </p:nvSpPr>
+        <p:spPr bwMode="auto">
+          <a:xfrm>
+            <a:off x="0" y="0"/>
+            <a:ext cx="9144000" cy="0"/>
+          </a:xfrm>
+          <a:prstGeom prst="rect">
+            <a:avLst/>
+          </a:prstGeom>
+          <a:noFill/>
+          <a:ln w="9525">
+            <a:noFill/>
+            <a:miter lim="800000"/>
+            <a:headEnd/>
+            <a:tailEnd/>
+          </a:ln>
+          <a:effectLst/>
+        </p:spPr>
+        <p:txBody>
+          <a:bodyPr vert="horz" wrap="none" lIns="91440" tIns="45720" rIns="91440" bIns="45720" numCol="1" anchor="ctr" anchorCtr="0" compatLnSpc="1">
+            <a:prstTxWarp prst="textNoShape">
+              <a:avLst/>
+            </a:prstTxWarp>
+            <a:spAutoFit/>
+          </a:bodyPr>
+          <a:lstStyle/>
+          <a:p>
+            <a:endParaRPr lang="ru-RU"/>
+          </a:p>
+        </p:txBody>
+      </p:sp>
+      <p:pic>
+        <p:nvPicPr>
+          <p:cNvPr id="11269" name="Picture 5"/>
+          <p:cNvPicPr>
+            <a:picLocks noChangeAspect="1" noChangeArrowheads="1"/>
+          </p:cNvPicPr>
+          <p:nvPr/>
+        </p:nvPicPr>
+        <p:blipFill>
+          <a:blip r:embed="rId6" cstate="print">
+            <a:clrChange>
+              <a:clrFrom>
+                <a:srgbClr val="FFFFFF"/>
+              </a:clrFrom>
+              <a:clrTo>
+                <a:srgbClr val="FFFFFF">
+                  <a:alpha val="0"/>
+                </a:srgbClr>
+              </a:clrTo>
+            </a:clrChange>
+          </a:blip>
+          <a:srcRect/>
+          <a:stretch>
+            <a:fillRect/>
+          </a:stretch>
+        </p:blipFill>
+        <p:spPr bwMode="auto">
+          <a:xfrm>
+            <a:off x="6228184" y="2996952"/>
+            <a:ext cx="1728192" cy="666588"/>
+          </a:xfrm>
+          <a:prstGeom prst="rect">
+            <a:avLst/>
+          </a:prstGeom>
+          <a:noFill/>
+        </p:spPr>
+      </p:pic>
+      <p:sp>
+        <p:nvSpPr>
+          <p:cNvPr id="11272" name="Rectangle 8"/>
+          <p:cNvSpPr>
+            <a:spLocks noChangeArrowheads="1"/>
+          </p:cNvSpPr>
+          <p:nvPr/>
+        </p:nvSpPr>
+        <p:spPr bwMode="auto">
+          <a:xfrm>
+            <a:off x="0" y="0"/>
+            <a:ext cx="9144000" cy="0"/>
+          </a:xfrm>
+          <a:prstGeom prst="rect">
+            <a:avLst/>
+          </a:prstGeom>
+          <a:noFill/>
+          <a:ln w="9525">
+            <a:noFill/>
+            <a:miter lim="800000"/>
+            <a:headEnd/>
+            <a:tailEnd/>
+          </a:ln>
+          <a:effectLst/>
+        </p:spPr>
+        <p:txBody>
+          <a:bodyPr vert="horz" wrap="none" lIns="91440" tIns="45720" rIns="91440" bIns="45720" numCol="1" anchor="ctr" anchorCtr="0" compatLnSpc="1">
+            <a:prstTxWarp prst="textNoShape">
+              <a:avLst/>
+            </a:prstTxWarp>
+            <a:spAutoFit/>
+          </a:bodyPr>
+          <a:lstStyle/>
+          <a:p>
+            <a:endParaRPr lang="ru-RU"/>
+          </a:p>
+        </p:txBody>
+      </p:sp>
+      <p:pic>
+        <p:nvPicPr>
+          <p:cNvPr id="11271" name="Picture 7"/>
+          <p:cNvPicPr>
+            <a:picLocks noChangeAspect="1" noChangeArrowheads="1"/>
+          </p:cNvPicPr>
+          <p:nvPr/>
+        </p:nvPicPr>
+        <p:blipFill>
+          <a:blip r:embed="rId7" cstate="print">
+            <a:clrChange>
+              <a:clrFrom>
+                <a:srgbClr val="FFFFFF"/>
+              </a:clrFrom>
+              <a:clrTo>
+                <a:srgbClr val="FFFFFF">
+                  <a:alpha val="0"/>
+                </a:srgbClr>
+              </a:clrTo>
+            </a:clrChange>
+          </a:blip>
+          <a:srcRect/>
+          <a:stretch>
+            <a:fillRect/>
+          </a:stretch>
+        </p:blipFill>
+        <p:spPr bwMode="auto">
+          <a:xfrm>
+            <a:off x="6444208" y="3717032"/>
+            <a:ext cx="1368152" cy="648072"/>
+          </a:xfrm>
+          <a:prstGeom prst="rect">
+            <a:avLst/>
+          </a:prstGeom>
+          <a:noFill/>
+        </p:spPr>
+      </p:pic>
+      <p:sp>
+        <p:nvSpPr>
+          <p:cNvPr id="11274" name="Rectangle 10"/>
+          <p:cNvSpPr>
+            <a:spLocks noChangeArrowheads="1"/>
+          </p:cNvSpPr>
+          <p:nvPr/>
+        </p:nvSpPr>
+        <p:spPr bwMode="auto">
+          <a:xfrm>
+            <a:off x="0" y="0"/>
+            <a:ext cx="9144000" cy="0"/>
+          </a:xfrm>
+          <a:prstGeom prst="rect">
+            <a:avLst/>
+          </a:prstGeom>
+          <a:noFill/>
+          <a:ln w="9525">
+            <a:noFill/>
+            <a:miter lim="800000"/>
+            <a:headEnd/>
+            <a:tailEnd/>
+          </a:ln>
+          <a:effectLst/>
+        </p:spPr>
+        <p:txBody>
+          <a:bodyPr vert="horz" wrap="none" lIns="91440" tIns="45720" rIns="91440" bIns="45720" numCol="1" anchor="ctr" anchorCtr="0" compatLnSpc="1">
+            <a:prstTxWarp prst="textNoShape">
+              <a:avLst/>
+            </a:prstTxWarp>
+            <a:spAutoFit/>
+          </a:bodyPr>
+          <a:lstStyle/>
+          <a:p>
+            <a:endParaRPr lang="ru-RU"/>
+          </a:p>
+        </p:txBody>
+      </p:sp>
+      <p:pic>
+        <p:nvPicPr>
+          <p:cNvPr id="11273" name="Picture 9"/>
+          <p:cNvPicPr>
+            <a:picLocks noChangeAspect="1" noChangeArrowheads="1"/>
+          </p:cNvPicPr>
+          <p:nvPr/>
+        </p:nvPicPr>
+        <p:blipFill>
+          <a:blip r:embed="rId8" cstate="print">
+            <a:clrChange>
+              <a:clrFrom>
+                <a:srgbClr val="FFFFFF"/>
+              </a:clrFrom>
+              <a:clrTo>
+                <a:srgbClr val="FFFFFF">
+                  <a:alpha val="0"/>
+                </a:srgbClr>
+              </a:clrTo>
+            </a:clrChange>
+          </a:blip>
+          <a:srcRect/>
+          <a:stretch>
+            <a:fillRect/>
+          </a:stretch>
+        </p:blipFill>
+        <p:spPr bwMode="auto">
+          <a:xfrm>
+            <a:off x="6444208" y="4437112"/>
+            <a:ext cx="1328922" cy="658365"/>
+          </a:xfrm>
+          <a:prstGeom prst="rect">
+            <a:avLst/>
+          </a:prstGeom>
+          <a:noFill/>
+        </p:spPr>
+      </p:pic>
+      <p:sp>
+        <p:nvSpPr>
+          <p:cNvPr id="11276" name="Rectangle 12"/>
+          <p:cNvSpPr>
+            <a:spLocks noChangeArrowheads="1"/>
+          </p:cNvSpPr>
+          <p:nvPr/>
+        </p:nvSpPr>
+        <p:spPr bwMode="auto">
+          <a:xfrm>
+            <a:off x="0" y="0"/>
+            <a:ext cx="9144000" cy="0"/>
+          </a:xfrm>
+          <a:prstGeom prst="rect">
+            <a:avLst/>
+          </a:prstGeom>
+          <a:noFill/>
+          <a:ln w="9525">
+            <a:noFill/>
+            <a:miter lim="800000"/>
+            <a:headEnd/>
+            <a:tailEnd/>
+          </a:ln>
+          <a:effectLst/>
+        </p:spPr>
+        <p:txBody>
+          <a:bodyPr vert="horz" wrap="none" lIns="91440" tIns="45720" rIns="91440" bIns="45720" numCol="1" anchor="ctr" anchorCtr="0" compatLnSpc="1">
+            <a:prstTxWarp prst="textNoShape">
+              <a:avLst/>
+            </a:prstTxWarp>
+            <a:spAutoFit/>
+          </a:bodyPr>
+          <a:lstStyle/>
+          <a:p>
+            <a:endParaRPr lang="ru-RU"/>
+          </a:p>
+        </p:txBody>
+      </p:sp>
+      <p:pic>
+        <p:nvPicPr>
+          <p:cNvPr id="11275" name="Picture 11"/>
+          <p:cNvPicPr>
+            <a:picLocks noChangeAspect="1" noChangeArrowheads="1"/>
+          </p:cNvPicPr>
+          <p:nvPr/>
+        </p:nvPicPr>
+        <p:blipFill>
+          <a:blip r:embed="rId9" cstate="print">
+            <a:clrChange>
+              <a:clrFrom>
+                <a:srgbClr val="FFFFFF"/>
+              </a:clrFrom>
+              <a:clrTo>
+                <a:srgbClr val="FFFFFF">
+                  <a:alpha val="0"/>
+                </a:srgbClr>
+              </a:clrTo>
+            </a:clrChange>
+          </a:blip>
+          <a:srcRect/>
+          <a:stretch>
+            <a:fillRect/>
+          </a:stretch>
+        </p:blipFill>
+        <p:spPr bwMode="auto">
+          <a:xfrm>
+            <a:off x="6587683" y="1268760"/>
+            <a:ext cx="936645" cy="334516"/>
+          </a:xfrm>
+          <a:prstGeom prst="rect">
+            <a:avLst/>
+          </a:prstGeom>
+          <a:noFill/>
+        </p:spPr>
+      </p:pic>
+      <p:sp>
+        <p:nvSpPr>
+          <p:cNvPr id="11278" name="Rectangle 14"/>
+          <p:cNvSpPr>
+            <a:spLocks noChangeArrowheads="1"/>
+          </p:cNvSpPr>
+          <p:nvPr/>
+        </p:nvSpPr>
+        <p:spPr bwMode="auto">
+          <a:xfrm>
+            <a:off x="0" y="0"/>
+            <a:ext cx="9144000" cy="0"/>
+          </a:xfrm>
+          <a:prstGeom prst="rect">
+            <a:avLst/>
+          </a:prstGeom>
+          <a:noFill/>
+          <a:ln w="9525">
+            <a:noFill/>
+            <a:miter lim="800000"/>
+            <a:headEnd/>
+            <a:tailEnd/>
+          </a:ln>
+          <a:effectLst/>
+        </p:spPr>
+        <p:txBody>
+          <a:bodyPr vert="horz" wrap="none" lIns="91440" tIns="45720" rIns="91440" bIns="45720" numCol="1" anchor="ctr" anchorCtr="0" compatLnSpc="1">
+            <a:prstTxWarp prst="textNoShape">
+              <a:avLst/>
+            </a:prstTxWarp>
+            <a:spAutoFit/>
+          </a:bodyPr>
+          <a:lstStyle/>
+          <a:p>
+            <a:endParaRPr lang="ru-RU"/>
+          </a:p>
+        </p:txBody>
+      </p:sp>
+      <p:pic>
+        <p:nvPicPr>
+          <p:cNvPr id="11277" name="Picture 13"/>
+          <p:cNvPicPr>
+            <a:picLocks noChangeAspect="1" noChangeArrowheads="1"/>
+          </p:cNvPicPr>
+          <p:nvPr/>
+        </p:nvPicPr>
+        <p:blipFill>
+          <a:blip r:embed="rId10" cstate="print">
+            <a:clrChange>
+              <a:clrFrom>
+                <a:srgbClr val="FFFFFF"/>
+              </a:clrFrom>
+              <a:clrTo>
+                <a:srgbClr val="FFFFFF">
+                  <a:alpha val="0"/>
+                </a:srgbClr>
+              </a:clrTo>
+            </a:clrChange>
+          </a:blip>
+          <a:srcRect/>
+          <a:stretch>
+            <a:fillRect/>
+          </a:stretch>
+        </p:blipFill>
+        <p:spPr bwMode="auto">
+          <a:xfrm>
+            <a:off x="6444208" y="1628800"/>
+            <a:ext cx="1152128" cy="525021"/>
+          </a:xfrm>
+          <a:prstGeom prst="rect">
+            <a:avLst/>
+          </a:prstGeom>
+          <a:noFill/>
+        </p:spPr>
+      </p:pic>
+      <p:sp>
+        <p:nvSpPr>
+          <p:cNvPr id="11280" name="Rectangle 16"/>
+          <p:cNvSpPr>
+            <a:spLocks noChangeArrowheads="1"/>
+          </p:cNvSpPr>
+          <p:nvPr/>
+        </p:nvSpPr>
+        <p:spPr bwMode="auto">
+          <a:xfrm>
+            <a:off x="0" y="0"/>
+            <a:ext cx="9144000" cy="457200"/>
+          </a:xfrm>
+          <a:prstGeom prst="rect">
+            <a:avLst/>
+          </a:prstGeom>
+          <a:noFill/>
+          <a:ln w="9525">
+            <a:noFill/>
+            <a:miter lim="800000"/>
+            <a:headEnd/>
+            <a:tailEnd/>
+          </a:ln>
+          <a:effectLst/>
+        </p:spPr>
+        <p:txBody>
+          <a:bodyPr vert="horz" wrap="none" lIns="91440" tIns="45720" rIns="91440" bIns="45720" numCol="1" anchor="ctr" anchorCtr="0" compatLnSpc="1">
+            <a:prstTxWarp prst="textNoShape">
+              <a:avLst/>
+            </a:prstTxWarp>
+            <a:spAutoFit/>
+          </a:bodyPr>
+          <a:lstStyle/>
+          <a:p>
+            <a:endParaRPr lang="ru-RU"/>
+          </a:p>
+        </p:txBody>
+      </p:sp>
+      <p:pic>
+        <p:nvPicPr>
+          <p:cNvPr id="11279" name="Picture 15"/>
+          <p:cNvPicPr>
+            <a:picLocks noChangeAspect="1" noChangeArrowheads="1"/>
+          </p:cNvPicPr>
+          <p:nvPr/>
+        </p:nvPicPr>
+        <p:blipFill>
+          <a:blip r:embed="rId11" cstate="print">
+            <a:clrChange>
+              <a:clrFrom>
+                <a:srgbClr val="FFFFFF"/>
+              </a:clrFrom>
+              <a:clrTo>
+                <a:srgbClr val="FFFFFF">
+                  <a:alpha val="0"/>
+                </a:srgbClr>
+              </a:clrTo>
+            </a:clrChange>
+          </a:blip>
+          <a:srcRect r="2632"/>
+          <a:stretch>
+            <a:fillRect/>
+          </a:stretch>
+        </p:blipFill>
+        <p:spPr bwMode="auto">
+          <a:xfrm>
+            <a:off x="1691680" y="1484784"/>
+            <a:ext cx="2664296" cy="1037908"/>
+          </a:xfrm>
+          <a:prstGeom prst="rect">
+            <a:avLst/>
+          </a:prstGeom>
+          <a:noFill/>
+        </p:spPr>
+      </p:pic>
     </p:spTree>
   </p:cSld>
   <p:clrMapOvr>
     <a:masterClrMapping/>
   </p:clrMapOvr>
+  <p:timing>
+    <p:tnLst>
+      <p:par>
+        <p:cTn id="1" dur="indefinite" restart="never" nodeType="tmRoot"/>
+      </p:par>
+    </p:tnLst>
+  </p:timing>
 </p:sld>
 </file>
 
-<file path=ppt/slides/slide5.xml><?xml version="1.0" encoding="utf-8"?>
+<file path=ppt/slides/slide6.xml><?xml version="1.0" encoding="utf-8"?>
 <p:sld xmlns:a="http://schemas.openxmlformats.org/drawingml/2006/main" xmlns:r="http://schemas.openxmlformats.org/officeDocument/2006/relationships" xmlns:p="http://schemas.openxmlformats.org/presentationml/2006/main">
   <p:cSld>
     <p:spTree>
@@ -11091,133 +15762,30 @@
           </p:txBody>
         </p:sp>
       </p:grpSp>
-    </p:spTree>
-  </p:cSld>
-  <p:clrMapOvr>
-    <a:masterClrMapping/>
-  </p:clrMapOvr>
-</p:sld>
-</file>
-
-<file path=ppt/slides/slide6.xml><?xml version="1.0" encoding="utf-8"?>
-<p:sld xmlns:a="http://schemas.openxmlformats.org/drawingml/2006/main" xmlns:r="http://schemas.openxmlformats.org/officeDocument/2006/relationships" xmlns:p="http://schemas.openxmlformats.org/presentationml/2006/main">
-  <p:cSld>
-    <p:spTree>
-      <p:nvGrpSpPr>
-        <p:cNvPr id="1" name=""/>
-        <p:cNvGrpSpPr/>
-        <p:nvPr/>
-      </p:nvGrpSpPr>
-      <p:grpSpPr>
-        <a:xfrm>
-          <a:off x="0" y="0"/>
-          <a:ext cx="0" cy="0"/>
-          <a:chOff x="0" y="0"/>
-          <a:chExt cx="0" cy="0"/>
-        </a:xfrm>
-      </p:grpSpPr>
-      <p:sp>
-        <p:nvSpPr>
-          <p:cNvPr id="2" name="Заголовок 1"/>
+      <p:sp>
+        <p:nvSpPr>
+          <p:cNvPr id="34" name="Номер слайда 33"/>
           <p:cNvSpPr>
             <a:spLocks noGrp="1"/>
           </p:cNvSpPr>
           <p:nvPr>
-            <p:ph type="title"/>
+            <p:ph type="sldNum" sz="quarter" idx="12"/>
           </p:nvPr>
         </p:nvSpPr>
         <p:spPr/>
         <p:txBody>
-          <a:bodyPr>
-            <a:normAutofit/>
-          </a:bodyPr>
+          <a:bodyPr/>
           <a:lstStyle/>
           <a:p>
-            <a:r>
-              <a:rPr lang="ru-RU" sz="2400" dirty="0" smtClean="0"/>
-              <a:t>Поиск подходящего доменного блока. </a:t>
-            </a:r>
-            <a:br>
-              <a:rPr lang="ru-RU" sz="2400" dirty="0" smtClean="0"/>
-            </a:br>
-            <a:r>
-              <a:rPr lang="ru-RU" sz="2400" dirty="0" smtClean="0"/>
-              <a:t>Алгоритм без разбиения.</a:t>
-            </a:r>
-            <a:endParaRPr lang="ru-RU" sz="2400" dirty="0"/>
-          </a:p>
-        </p:txBody>
-      </p:sp>
-      <p:sp>
-        <p:nvSpPr>
-          <p:cNvPr id="29743" name="Rectangle 47"/>
-          <p:cNvSpPr>
-            <a:spLocks noChangeArrowheads="1"/>
-          </p:cNvSpPr>
-          <p:nvPr/>
-        </p:nvSpPr>
-        <p:spPr bwMode="auto">
-          <a:xfrm>
-            <a:off x="0" y="0"/>
-            <a:ext cx="9144000" cy="0"/>
-          </a:xfrm>
-          <a:prstGeom prst="rect">
-            <a:avLst/>
-          </a:prstGeom>
-          <a:noFill/>
-          <a:ln w="9525">
-            <a:noFill/>
-            <a:miter lim="800000"/>
-            <a:headEnd/>
-            <a:tailEnd/>
-          </a:ln>
-          <a:effectLst/>
-        </p:spPr>
-        <p:txBody>
-          <a:bodyPr vert="horz" wrap="none" lIns="91440" tIns="45720" rIns="91440" bIns="45720" numCol="1" anchor="ctr" anchorCtr="0" compatLnSpc="1">
-            <a:prstTxWarp prst="textNoShape">
-              <a:avLst/>
-            </a:prstTxWarp>
-            <a:spAutoFit/>
-          </a:bodyPr>
-          <a:lstStyle/>
-          <a:p>
-            <a:endParaRPr lang="ru-RU"/>
-          </a:p>
-        </p:txBody>
-      </p:sp>
-      <p:pic>
-        <p:nvPicPr>
-          <p:cNvPr id="29766" name="Picture 70"/>
-          <p:cNvPicPr>
-            <a:picLocks noChangeAspect="1" noChangeArrowheads="1"/>
-          </p:cNvPicPr>
-          <p:nvPr/>
-        </p:nvPicPr>
-        <p:blipFill>
-          <a:blip r:embed="rId2" cstate="print"/>
-          <a:srcRect b="1424"/>
-          <a:stretch>
-            <a:fillRect/>
-          </a:stretch>
-        </p:blipFill>
-        <p:spPr bwMode="auto">
-          <a:xfrm>
-            <a:off x="3203848" y="1196752"/>
-            <a:ext cx="3960440" cy="5527329"/>
-          </a:xfrm>
-          <a:prstGeom prst="rect">
-            <a:avLst/>
-          </a:prstGeom>
-          <a:noFill/>
-          <a:ln w="9525">
-            <a:noFill/>
-            <a:miter lim="800000"/>
-            <a:headEnd/>
-            <a:tailEnd/>
-          </a:ln>
-        </p:spPr>
-      </p:pic>
+            <a:fld id="{725C68B6-61C2-468F-89AB-4B9F7531AA68}" type="slidenum">
+              <a:rPr lang="ru-RU" sz="3200" smtClean="0"/>
+              <a:pPr/>
+              <a:t>6</a:t>
+            </a:fld>
+            <a:endParaRPr lang="ru-RU" sz="3200" dirty="0"/>
+          </a:p>
+        </p:txBody>
+      </p:sp>
     </p:spTree>
   </p:cSld>
   <p:clrMapOvr>
@@ -11252,7 +15820,31 @@
       </p:grpSpPr>
       <p:sp>
         <p:nvSpPr>
-          <p:cNvPr id="2" name="Заголовок 1"/>
+          <p:cNvPr id="4" name="Номер слайда 3"/>
+          <p:cNvSpPr>
+            <a:spLocks noGrp="1"/>
+          </p:cNvSpPr>
+          <p:nvPr>
+            <p:ph type="sldNum" sz="quarter" idx="12"/>
+          </p:nvPr>
+        </p:nvSpPr>
+        <p:spPr/>
+        <p:txBody>
+          <a:bodyPr anchor="b"/>
+          <a:lstStyle/>
+          <a:p>
+            <a:fld id="{725C68B6-61C2-468F-89AB-4B9F7531AA68}" type="slidenum">
+              <a:rPr lang="ru-RU" sz="3200" smtClean="0"/>
+              <a:pPr/>
+              <a:t>7</a:t>
+            </a:fld>
+            <a:endParaRPr lang="ru-RU" sz="3200"/>
+          </a:p>
+        </p:txBody>
+      </p:sp>
+      <p:sp>
+        <p:nvSpPr>
+          <p:cNvPr id="7" name="Заголовок 1"/>
           <p:cNvSpPr>
             <a:spLocks noGrp="1"/>
           </p:cNvSpPr>
@@ -11260,7 +15852,41 @@
             <p:ph type="title"/>
           </p:nvPr>
         </p:nvSpPr>
-        <p:spPr/>
+        <p:spPr>
+          <a:xfrm>
+            <a:off x="1435608" y="274638"/>
+            <a:ext cx="7498080" cy="1143000"/>
+          </a:xfrm>
+        </p:spPr>
+        <p:txBody>
+          <a:bodyPr>
+            <a:normAutofit fontScale="90000"/>
+          </a:bodyPr>
+          <a:lstStyle/>
+          <a:p>
+            <a:r>
+              <a:rPr lang="ru-RU" dirty="0" smtClean="0"/>
+              <a:t>Поиск подходящего доменного блока</a:t>
+            </a:r>
+          </a:p>
+        </p:txBody>
+      </p:sp>
+      <p:sp>
+        <p:nvSpPr>
+          <p:cNvPr id="8" name="Содержимое 2"/>
+          <p:cNvSpPr>
+            <a:spLocks noGrp="1"/>
+          </p:cNvSpPr>
+          <p:nvPr>
+            <p:ph idx="1"/>
+          </p:nvPr>
+        </p:nvSpPr>
+        <p:spPr>
+          <a:xfrm>
+            <a:off x="1403648" y="1556792"/>
+            <a:ext cx="7498080" cy="3565376"/>
+          </a:xfrm>
+        </p:spPr>
         <p:txBody>
           <a:bodyPr>
             <a:normAutofit/>
@@ -11268,52 +15894,24 @@
           <a:lstStyle/>
           <a:p>
             <a:r>
-              <a:rPr lang="ru-RU" sz="2400" dirty="0" smtClean="0"/>
-              <a:t>Поиск подходящего доменного блока. </a:t>
-            </a:r>
-            <a:br>
-              <a:rPr lang="ru-RU" sz="2400" dirty="0" smtClean="0"/>
-            </a:br>
-            <a:r>
-              <a:rPr lang="ru-RU" sz="2400" dirty="0" smtClean="0"/>
-              <a:t>Алгоритм с разбиением.</a:t>
-            </a:r>
-            <a:endParaRPr lang="ru-RU" sz="2400" dirty="0"/>
-          </a:p>
-        </p:txBody>
-      </p:sp>
-      <p:pic>
-        <p:nvPicPr>
-          <p:cNvPr id="32769" name="Picture 1"/>
-          <p:cNvPicPr>
-            <a:picLocks noChangeAspect="1" noChangeArrowheads="1"/>
-          </p:cNvPicPr>
-          <p:nvPr/>
-        </p:nvPicPr>
-        <p:blipFill>
-          <a:blip r:embed="rId2" cstate="print"/>
-          <a:srcRect b="2413"/>
-          <a:stretch>
-            <a:fillRect/>
-          </a:stretch>
-        </p:blipFill>
-        <p:spPr bwMode="auto">
-          <a:xfrm>
-            <a:off x="3059832" y="1180133"/>
-            <a:ext cx="3945900" cy="5561235"/>
-          </a:xfrm>
-          <a:prstGeom prst="rect">
-            <a:avLst/>
-          </a:prstGeom>
-          <a:noFill/>
-          <a:ln w="9525">
-            <a:noFill/>
-            <a:miter lim="800000"/>
-            <a:headEnd/>
-            <a:tailEnd/>
-          </a:ln>
-        </p:spPr>
-      </p:pic>
+              <a:rPr lang="ru-RU" dirty="0" smtClean="0"/>
+              <a:t>Первый подходящий доменный блока без разбиения</a:t>
+            </a:r>
+          </a:p>
+          <a:p>
+            <a:r>
+              <a:rPr lang="ru-RU" dirty="0" smtClean="0"/>
+              <a:t>Первый подходящий доменный блока с разбиением</a:t>
+            </a:r>
+          </a:p>
+          <a:p>
+            <a:r>
+              <a:rPr lang="ru-RU" dirty="0" smtClean="0"/>
+              <a:t>Поиск доменного блока с минимальным СКО</a:t>
+            </a:r>
+          </a:p>
+        </p:txBody>
+      </p:sp>
     </p:spTree>
   </p:cSld>
   <p:clrMapOvr>
@@ -11372,31 +15970,24 @@
             </a:br>
             <a:r>
               <a:rPr lang="ru-RU" sz="2400" dirty="0" smtClean="0"/>
-              <a:t>Алгоритм поиска блока с минимальным СКО.</a:t>
+              <a:t>Алгоритм без разбиения.</a:t>
             </a:r>
             <a:endParaRPr lang="ru-RU" sz="2400" dirty="0"/>
           </a:p>
         </p:txBody>
       </p:sp>
-      <p:pic>
-        <p:nvPicPr>
-          <p:cNvPr id="33793" name="Picture 1"/>
-          <p:cNvPicPr>
-            <a:picLocks noChangeAspect="1" noChangeArrowheads="1"/>
-          </p:cNvPicPr>
+      <p:sp>
+        <p:nvSpPr>
+          <p:cNvPr id="29743" name="Rectangle 47"/>
+          <p:cNvSpPr>
+            <a:spLocks noChangeArrowheads="1"/>
+          </p:cNvSpPr>
           <p:nvPr/>
-        </p:nvPicPr>
-        <p:blipFill>
-          <a:blip r:embed="rId2" cstate="print"/>
-          <a:srcRect/>
-          <a:stretch>
-            <a:fillRect/>
-          </a:stretch>
-        </p:blipFill>
+        </p:nvSpPr>
         <p:spPr bwMode="auto">
           <a:xfrm>
-            <a:off x="2843808" y="1195611"/>
-            <a:ext cx="3947260" cy="5662389"/>
+            <a:off x="0" y="0"/>
+            <a:ext cx="9144000" cy="0"/>
           </a:xfrm>
           <a:prstGeom prst="rect">
             <a:avLst/>
@@ -11408,13 +15999,89 @@
             <a:headEnd/>
             <a:tailEnd/>
           </a:ln>
+          <a:effectLst/>
+        </p:spPr>
+        <p:txBody>
+          <a:bodyPr vert="horz" wrap="none" lIns="91440" tIns="45720" rIns="91440" bIns="45720" numCol="1" anchor="ctr" anchorCtr="0" compatLnSpc="1">
+            <a:prstTxWarp prst="textNoShape">
+              <a:avLst/>
+            </a:prstTxWarp>
+            <a:spAutoFit/>
+          </a:bodyPr>
+          <a:lstStyle/>
+          <a:p>
+            <a:endParaRPr lang="ru-RU"/>
+          </a:p>
+        </p:txBody>
+      </p:sp>
+      <p:pic>
+        <p:nvPicPr>
+          <p:cNvPr id="29766" name="Picture 70"/>
+          <p:cNvPicPr>
+            <a:picLocks noChangeAspect="1" noChangeArrowheads="1"/>
+          </p:cNvPicPr>
+          <p:nvPr/>
+        </p:nvPicPr>
+        <p:blipFill>
+          <a:blip r:embed="rId2" cstate="print"/>
+          <a:srcRect b="1424"/>
+          <a:stretch>
+            <a:fillRect/>
+          </a:stretch>
+        </p:blipFill>
+        <p:spPr bwMode="auto">
+          <a:xfrm>
+            <a:off x="3203848" y="1196752"/>
+            <a:ext cx="3960440" cy="5527329"/>
+          </a:xfrm>
+          <a:prstGeom prst="rect">
+            <a:avLst/>
+          </a:prstGeom>
+          <a:noFill/>
+          <a:ln w="9525">
+            <a:noFill/>
+            <a:miter lim="800000"/>
+            <a:headEnd/>
+            <a:tailEnd/>
+          </a:ln>
         </p:spPr>
       </p:pic>
+      <p:sp>
+        <p:nvSpPr>
+          <p:cNvPr id="5" name="Номер слайда 4"/>
+          <p:cNvSpPr>
+            <a:spLocks noGrp="1"/>
+          </p:cNvSpPr>
+          <p:nvPr>
+            <p:ph type="sldNum" sz="quarter" idx="12"/>
+          </p:nvPr>
+        </p:nvSpPr>
+        <p:spPr/>
+        <p:txBody>
+          <a:bodyPr anchor="b"/>
+          <a:lstStyle/>
+          <a:p>
+            <a:fld id="{725C68B6-61C2-468F-89AB-4B9F7531AA68}" type="slidenum">
+              <a:rPr lang="ru-RU" sz="3200" smtClean="0"/>
+              <a:pPr/>
+              <a:t>8</a:t>
+            </a:fld>
+            <a:endParaRPr lang="ru-RU" sz="3200"/>
+          </a:p>
+        </p:txBody>
+      </p:sp>
     </p:spTree>
   </p:cSld>
   <p:clrMapOvr>
     <a:masterClrMapping/>
   </p:clrMapOvr>
+  <p:timing>
+    <p:tnLst>
+      <p:par>
+        <p:cTn id="1" dur="indefinite" restart="never" nodeType="tmRoot"/>
+      </p:par>
+    </p:tnLst>
+  </p:timing>
 </p:sld>
 </file>
 
@@ -11453,102 +16120,39 @@
           <a:lstStyle/>
           <a:p>
             <a:r>
-              <a:rPr lang="ru-RU" dirty="0" smtClean="0"/>
-              <a:t>Модификация</a:t>
-            </a:r>
-            <a:r>
               <a:rPr lang="ru-RU" sz="2400" dirty="0" smtClean="0"/>
-              <a:t> </a:t>
-            </a:r>
-            <a:r>
-              <a:rPr lang="ru-RU" dirty="0" smtClean="0"/>
-              <a:t>алгоритма</a:t>
-            </a:r>
-          </a:p>
-        </p:txBody>
-      </p:sp>
-      <p:sp>
-        <p:nvSpPr>
-          <p:cNvPr id="3" name="Содержимое 2"/>
-          <p:cNvSpPr>
-            <a:spLocks noGrp="1"/>
-          </p:cNvSpPr>
-          <p:nvPr>
-            <p:ph idx="1"/>
-          </p:nvPr>
-        </p:nvSpPr>
-        <p:spPr>
-          <a:xfrm>
-            <a:off x="1435608" y="1447800"/>
-            <a:ext cx="7498080" cy="4800600"/>
-          </a:xfrm>
-        </p:spPr>
-        <p:txBody>
-          <a:bodyPr/>
-          <a:lstStyle/>
-          <a:p>
-            <a:r>
-              <a:rPr lang="ru-RU" dirty="0" smtClean="0"/>
-              <a:t>Предварительная классификация блоков</a:t>
-            </a:r>
-          </a:p>
-          <a:p>
-            <a:pPr lvl="1">
-              <a:lnSpc>
-                <a:spcPct val="150000"/>
-              </a:lnSpc>
-            </a:pPr>
-            <a:r>
-              <a:rPr lang="ru-RU" dirty="0" smtClean="0"/>
-              <a:t>Центр масс</a:t>
-            </a:r>
-          </a:p>
-          <a:p>
-            <a:pPr lvl="1">
-              <a:lnSpc>
-                <a:spcPct val="150000"/>
-              </a:lnSpc>
-              <a:buNone/>
-            </a:pPr>
-            <a:endParaRPr lang="ru-RU" dirty="0" smtClean="0"/>
-          </a:p>
-          <a:p>
-            <a:pPr lvl="1">
-              <a:lnSpc>
-                <a:spcPct val="150000"/>
-              </a:lnSpc>
-            </a:pPr>
-            <a:r>
-              <a:rPr lang="ru-RU" dirty="0" smtClean="0"/>
-              <a:t>Граничное значение блоков</a:t>
-            </a:r>
-          </a:p>
-          <a:p>
-            <a:pPr>
-              <a:lnSpc>
-                <a:spcPct val="150000"/>
-              </a:lnSpc>
-            </a:pPr>
-            <a:r>
-              <a:rPr lang="ru-RU" dirty="0" smtClean="0"/>
-              <a:t>Метод эталонного блока</a:t>
-            </a:r>
-            <a:endParaRPr lang="ru-RU" dirty="0"/>
-          </a:p>
-        </p:txBody>
-      </p:sp>
-      <p:sp>
-        <p:nvSpPr>
-          <p:cNvPr id="31746" name="Rectangle 2"/>
-          <p:cNvSpPr>
-            <a:spLocks noChangeArrowheads="1"/>
-          </p:cNvSpPr>
+              <a:t>Поиск подходящего доменного блока. </a:t>
+            </a:r>
+            <a:br>
+              <a:rPr lang="ru-RU" sz="2400" dirty="0" smtClean="0"/>
+            </a:br>
+            <a:r>
+              <a:rPr lang="ru-RU" sz="2400" dirty="0" smtClean="0"/>
+              <a:t>Алгоритм с разбиением.</a:t>
+            </a:r>
+            <a:endParaRPr lang="ru-RU" sz="2400" dirty="0"/>
+          </a:p>
+        </p:txBody>
+      </p:sp>
+      <p:pic>
+        <p:nvPicPr>
+          <p:cNvPr id="32769" name="Picture 1"/>
+          <p:cNvPicPr>
+            <a:picLocks noChangeAspect="1" noChangeArrowheads="1"/>
+          </p:cNvPicPr>
           <p:nvPr/>
-        </p:nvSpPr>
+        </p:nvPicPr>
+        <p:blipFill>
+          <a:blip r:embed="rId2" cstate="print"/>
+          <a:srcRect b="2413"/>
+          <a:stretch>
+            <a:fillRect/>
+          </a:stretch>
+        </p:blipFill>
         <p:spPr bwMode="auto">
           <a:xfrm>
-            <a:off x="0" y="0"/>
-            <a:ext cx="9144000" cy="0"/>
+            <a:off x="3059832" y="1180133"/>
+            <a:ext cx="3945900" cy="5561235"/>
           </a:xfrm>
           <a:prstGeom prst="rect">
             <a:avLst/>
@@ -11560,63 +16164,44 @@
             <a:headEnd/>
             <a:tailEnd/>
           </a:ln>
-          <a:effectLst/>
-        </p:spPr>
-        <p:txBody>
-          <a:bodyPr vert="horz" wrap="none" lIns="91440" tIns="45720" rIns="91440" bIns="45720" numCol="1" anchor="ctr" anchorCtr="0" compatLnSpc="1">
-            <a:prstTxWarp prst="textNoShape">
-              <a:avLst/>
-            </a:prstTxWarp>
-            <a:spAutoFit/>
-          </a:bodyPr>
+        </p:spPr>
+      </p:pic>
+      <p:sp>
+        <p:nvSpPr>
+          <p:cNvPr id="4" name="Номер слайда 3"/>
+          <p:cNvSpPr>
+            <a:spLocks noGrp="1"/>
+          </p:cNvSpPr>
+          <p:nvPr>
+            <p:ph type="sldNum" sz="quarter" idx="12"/>
+          </p:nvPr>
+        </p:nvSpPr>
+        <p:spPr/>
+        <p:txBody>
+          <a:bodyPr anchor="b"/>
           <a:lstStyle/>
           <a:p>
-            <a:endParaRPr lang="ru-RU"/>
-          </a:p>
-        </p:txBody>
-      </p:sp>
-      <p:pic>
-        <p:nvPicPr>
-          <p:cNvPr id="31745" name="Picture 1"/>
-          <p:cNvPicPr>
-            <a:picLocks noChangeAspect="1" noChangeArrowheads="1"/>
-          </p:cNvPicPr>
-          <p:nvPr/>
-        </p:nvPicPr>
-        <p:blipFill>
-          <a:blip r:embed="rId2" cstate="print">
-            <a:clrChange>
-              <a:clrFrom>
-                <a:srgbClr val="FFFFFF"/>
-              </a:clrFrom>
-              <a:clrTo>
-                <a:srgbClr val="FFFFFF">
-                  <a:alpha val="0"/>
-                </a:srgbClr>
-              </a:clrTo>
-            </a:clrChange>
-          </a:blip>
-          <a:srcRect r="26245" b="-3763"/>
-          <a:stretch>
-            <a:fillRect/>
-          </a:stretch>
-        </p:blipFill>
-        <p:spPr bwMode="auto">
-          <a:xfrm>
-            <a:off x="2195735" y="3212976"/>
-            <a:ext cx="1810487" cy="792088"/>
-          </a:xfrm>
-          <a:prstGeom prst="rect">
-            <a:avLst/>
-          </a:prstGeom>
-          <a:noFill/>
-        </p:spPr>
-      </p:pic>
+            <a:fld id="{725C68B6-61C2-468F-89AB-4B9F7531AA68}" type="slidenum">
+              <a:rPr lang="ru-RU" sz="3200" smtClean="0"/>
+              <a:pPr/>
+              <a:t>9</a:t>
+            </a:fld>
+            <a:endParaRPr lang="ru-RU" sz="3200"/>
+          </a:p>
+        </p:txBody>
+      </p:sp>
     </p:spTree>
   </p:cSld>
   <p:clrMapOvr>
     <a:masterClrMapping/>
   </p:clrMapOvr>
+  <p:timing>
+    <p:tnLst>
+      <p:par>
+        <p:cTn id="1" dur="indefinite" restart="never" nodeType="tmRoot"/>
+      </p:par>
+    </p:tnLst>
+  </p:timing>
 </p:sld>
 </file>
 

--- a/documents/Сахибназарова.pptx
+++ b/documents/Сахибназарова.pptx
@@ -142,10 +142,10 @@
           <c:layoutTarget val="inner"/>
           <c:xMode val="edge"/>
           <c:yMode val="edge"/>
-          <c:x val="0.21884834155125171"/>
+          <c:x val="0.21884834155125177"/>
           <c:y val="7.3648555124639276E-2"/>
-          <c:w val="0.50831729526216407"/>
-          <c:h val="0.70692833412247746"/>
+          <c:w val="0.50831729526216396"/>
+          <c:h val="0.70692833412247769"/>
         </c:manualLayout>
       </c:layout>
       <c:barChart>
@@ -189,7 +189,7 @@
                 <c:formatCode>General</c:formatCode>
                 <c:ptCount val="3"/>
                 <c:pt idx="0">
-                  <c:v>32.809999999999995</c:v>
+                  <c:v>32.81</c:v>
                 </c:pt>
                 <c:pt idx="1">
                   <c:v>14.57</c:v>
@@ -222,7 +222,7 @@
                 <c:formatCode>General</c:formatCode>
                 <c:ptCount val="3"/>
                 <c:pt idx="0">
-                  <c:v>209.88000000000002</c:v>
+                  <c:v>209.88000000000005</c:v>
                 </c:pt>
                 <c:pt idx="1">
                   <c:v>84.55</c:v>
@@ -234,25 +234,25 @@
             </c:numRef>
           </c:val>
         </c:ser>
-        <c:axId val="74792320"/>
-        <c:axId val="75216000"/>
+        <c:axId val="70405504"/>
+        <c:axId val="70820992"/>
       </c:barChart>
       <c:catAx>
-        <c:axId val="74792320"/>
+        <c:axId val="70405504"/>
         <c:scaling>
           <c:orientation val="minMax"/>
         </c:scaling>
         <c:axPos val="b"/>
         <c:numFmt formatCode="General" sourceLinked="1"/>
         <c:tickLblPos val="nextTo"/>
-        <c:crossAx val="75216000"/>
+        <c:crossAx val="70820992"/>
         <c:crosses val="autoZero"/>
         <c:auto val="1"/>
         <c:lblAlgn val="ctr"/>
         <c:lblOffset val="100"/>
       </c:catAx>
       <c:valAx>
-        <c:axId val="75216000"/>
+        <c:axId val="70820992"/>
         <c:scaling>
           <c:orientation val="minMax"/>
         </c:scaling>
@@ -286,7 +286,7 @@
         </c:title>
         <c:numFmt formatCode="General" sourceLinked="1"/>
         <c:tickLblPos val="nextTo"/>
-        <c:crossAx val="74792320"/>
+        <c:crossAx val="70405504"/>
         <c:crosses val="autoZero"/>
         <c:crossBetween val="between"/>
       </c:valAx>
@@ -298,8 +298,8 @@
           <c:xMode val="edge"/>
           <c:yMode val="edge"/>
           <c:x val="0.73746773899913254"/>
-          <c:y val="0.2998947519619754"/>
-          <c:w val="0.2388651845064344"/>
+          <c:y val="0.29989475196197546"/>
+          <c:w val="0.23886518450643446"/>
           <c:h val="0.40020997375328082"/>
         </c:manualLayout>
       </c:layout>
@@ -322,7 +322,7 @@
           <c:yMode val="edge"/>
           <c:x val="0.24119362251930856"/>
           <c:y val="7.6778988485025221E-2"/>
-          <c:w val="0.72205505972587414"/>
+          <c:w val="0.72205505972587425"/>
           <c:h val="0.66145274821522348"/>
         </c:manualLayout>
       </c:layout>
@@ -439,7 +439,7 @@
                   <c:v>16.84</c:v>
                 </c:pt>
                 <c:pt idx="2">
-                  <c:v>15.860000000000001</c:v>
+                  <c:v>15.860000000000003</c:v>
                 </c:pt>
               </c:numCache>
             </c:numRef>
@@ -491,7 +491,7 @@
                 <c:formatCode>General</c:formatCode>
                 <c:ptCount val="3"/>
                 <c:pt idx="0">
-                  <c:v>35.720000000000006</c:v>
+                  <c:v>35.720000000000013</c:v>
                 </c:pt>
                 <c:pt idx="1">
                   <c:v>15.75</c:v>
@@ -544,11 +544,11 @@
             </c:numRef>
           </c:val>
         </c:ser>
-        <c:axId val="75842688"/>
-        <c:axId val="75844608"/>
+        <c:axId val="75646080"/>
+        <c:axId val="75648000"/>
       </c:barChart>
       <c:catAx>
-        <c:axId val="75842688"/>
+        <c:axId val="75646080"/>
         <c:scaling>
           <c:orientation val="minMax"/>
         </c:scaling>
@@ -574,20 +574,20 @@
             <c:manualLayout>
               <c:xMode val="edge"/>
               <c:yMode val="edge"/>
-              <c:x val="0.38737799709497317"/>
+              <c:x val="0.38737799709497334"/>
               <c:y val="0.91339177801793059"/>
             </c:manualLayout>
           </c:layout>
         </c:title>
         <c:tickLblPos val="nextTo"/>
-        <c:crossAx val="75844608"/>
+        <c:crossAx val="75648000"/>
         <c:crosses val="autoZero"/>
         <c:auto val="1"/>
         <c:lblAlgn val="ctr"/>
         <c:lblOffset val="100"/>
       </c:catAx>
       <c:valAx>
-        <c:axId val="75844608"/>
+        <c:axId val="75648000"/>
         <c:scaling>
           <c:orientation val="minMax"/>
         </c:scaling>
@@ -622,7 +622,7 @@
         </c:title>
         <c:numFmt formatCode="General" sourceLinked="1"/>
         <c:tickLblPos val="nextTo"/>
-        <c:crossAx val="75842688"/>
+        <c:crossAx val="75646080"/>
         <c:crosses val="autoZero"/>
         <c:crossBetween val="between"/>
       </c:valAx>
@@ -648,9 +648,9 @@
           <c:layoutTarget val="inner"/>
           <c:xMode val="edge"/>
           <c:yMode val="edge"/>
-          <c:x val="0.23679919402894628"/>
-          <c:y val="6.4391657338194408E-2"/>
-          <c:w val="0.72059922634858786"/>
+          <c:x val="0.23679919402894631"/>
+          <c:y val="6.4391657338194422E-2"/>
+          <c:w val="0.7205992263485882"/>
           <c:h val="0.6631460437710438"/>
         </c:manualLayout>
       </c:layout>
@@ -709,7 +709,7 @@
                   <c:v>1.04</c:v>
                 </c:pt>
                 <c:pt idx="2">
-                  <c:v>0.94000000000000006</c:v>
+                  <c:v>0.94000000000000017</c:v>
                 </c:pt>
               </c:numCache>
             </c:numRef>
@@ -872,11 +872,11 @@
             </c:numRef>
           </c:val>
         </c:ser>
-        <c:axId val="75887360"/>
-        <c:axId val="75889280"/>
+        <c:axId val="75690752"/>
+        <c:axId val="75692672"/>
       </c:barChart>
       <c:catAx>
-        <c:axId val="75887360"/>
+        <c:axId val="75690752"/>
         <c:scaling>
           <c:orientation val="minMax"/>
         </c:scaling>
@@ -902,20 +902,20 @@
             <c:manualLayout>
               <c:xMode val="edge"/>
               <c:yMode val="edge"/>
-              <c:x val="0.38844032921810706"/>
-              <c:y val="0.91338215488215468"/>
+              <c:x val="0.38844032921810712"/>
+              <c:y val="0.91338215488215446"/>
             </c:manualLayout>
           </c:layout>
         </c:title>
         <c:tickLblPos val="nextTo"/>
-        <c:crossAx val="75889280"/>
+        <c:crossAx val="75692672"/>
         <c:crosses val="autoZero"/>
         <c:auto val="1"/>
         <c:lblAlgn val="ctr"/>
         <c:lblOffset val="100"/>
       </c:catAx>
       <c:valAx>
-        <c:axId val="75889280"/>
+        <c:axId val="75692672"/>
         <c:scaling>
           <c:orientation val="minMax"/>
         </c:scaling>
@@ -950,7 +950,7 @@
         </c:title>
         <c:numFmt formatCode="General" sourceLinked="1"/>
         <c:tickLblPos val="nextTo"/>
-        <c:crossAx val="75887360"/>
+        <c:crossAx val="75690752"/>
         <c:crosses val="autoZero"/>
         <c:crossBetween val="between"/>
       </c:valAx>
@@ -978,8 +978,8 @@
           <c:yMode val="edge"/>
           <c:x val="0.24120087448559671"/>
           <c:y val="7.6778988485025221E-2"/>
-          <c:w val="0.71719701646090561"/>
-          <c:h val="0.67803852210781679"/>
+          <c:w val="0.71719701646090572"/>
+          <c:h val="0.6780385221078169"/>
         </c:manualLayout>
       </c:layout>
       <c:barChart>
@@ -1037,7 +1037,7 @@
                   <c:v>64.169999999999987</c:v>
                 </c:pt>
                 <c:pt idx="2">
-                  <c:v>43.260000000000005</c:v>
+                  <c:v>43.260000000000012</c:v>
                 </c:pt>
               </c:numCache>
             </c:numRef>
@@ -1089,7 +1089,7 @@
                 <c:formatCode>General</c:formatCode>
                 <c:ptCount val="3"/>
                 <c:pt idx="0">
-                  <c:v>120.94000000000001</c:v>
+                  <c:v>120.94000000000003</c:v>
                 </c:pt>
                 <c:pt idx="1">
                   <c:v>71.209999999999994</c:v>
@@ -1153,7 +1153,7 @@
                   <c:v>96.77</c:v>
                 </c:pt>
                 <c:pt idx="2">
-                  <c:v>37.190000000000005</c:v>
+                  <c:v>37.190000000000012</c:v>
                 </c:pt>
               </c:numCache>
             </c:numRef>
@@ -1200,11 +1200,11 @@
             </c:numRef>
           </c:val>
         </c:ser>
-        <c:axId val="75796864"/>
-        <c:axId val="75798784"/>
+        <c:axId val="75084160"/>
+        <c:axId val="75086080"/>
       </c:barChart>
       <c:catAx>
-        <c:axId val="75796864"/>
+        <c:axId val="75084160"/>
         <c:scaling>
           <c:orientation val="minMax"/>
         </c:scaling>
@@ -1230,20 +1230,20 @@
             <c:manualLayout>
               <c:xMode val="edge"/>
               <c:yMode val="edge"/>
-              <c:x val="0.38839068930041171"/>
-              <c:y val="0.91338215488215468"/>
+              <c:x val="0.38839068930041187"/>
+              <c:y val="0.91338215488215446"/>
             </c:manualLayout>
           </c:layout>
         </c:title>
         <c:tickLblPos val="nextTo"/>
-        <c:crossAx val="75798784"/>
+        <c:crossAx val="75086080"/>
         <c:crosses val="autoZero"/>
         <c:auto val="1"/>
         <c:lblAlgn val="ctr"/>
         <c:lblOffset val="100"/>
       </c:catAx>
       <c:valAx>
-        <c:axId val="75798784"/>
+        <c:axId val="75086080"/>
         <c:scaling>
           <c:orientation val="minMax"/>
         </c:scaling>
@@ -1278,7 +1278,7 @@
         </c:title>
         <c:numFmt formatCode="General" sourceLinked="1"/>
         <c:tickLblPos val="nextTo"/>
-        <c:crossAx val="75796864"/>
+        <c:crossAx val="75084160"/>
         <c:crosses val="autoZero"/>
         <c:crossBetween val="between"/>
       </c:valAx>
@@ -1306,7 +1306,7 @@
           <c:yMode val="edge"/>
           <c:x val="0.26079963991769545"/>
           <c:y val="7.6778988485025221E-2"/>
-          <c:w val="0.69202160493827181"/>
+          <c:w val="0.69202160493827192"/>
           <c:h val="0.68139537103316661"/>
         </c:manualLayout>
       </c:layout>
@@ -1481,7 +1481,7 @@
                   <c:v>57.06</c:v>
                 </c:pt>
                 <c:pt idx="2">
-                  <c:v>31.310000000000002</c:v>
+                  <c:v>31.310000000000006</c:v>
                 </c:pt>
               </c:numCache>
             </c:numRef>
@@ -1528,11 +1528,11 @@
             </c:numRef>
           </c:val>
         </c:ser>
-        <c:axId val="76173312"/>
-        <c:axId val="76175232"/>
+        <c:axId val="75714560"/>
+        <c:axId val="75716480"/>
       </c:barChart>
       <c:catAx>
-        <c:axId val="76173312"/>
+        <c:axId val="75714560"/>
         <c:scaling>
           <c:orientation val="minMax"/>
         </c:scaling>
@@ -1559,19 +1559,19 @@
               <c:xMode val="edge"/>
               <c:yMode val="edge"/>
               <c:x val="0.40653960905349795"/>
-              <c:y val="0.91338215488215468"/>
+              <c:y val="0.91338215488215446"/>
             </c:manualLayout>
           </c:layout>
         </c:title>
         <c:tickLblPos val="nextTo"/>
-        <c:crossAx val="76175232"/>
+        <c:crossAx val="75716480"/>
         <c:crosses val="autoZero"/>
         <c:auto val="1"/>
         <c:lblAlgn val="ctr"/>
         <c:lblOffset val="100"/>
       </c:catAx>
       <c:valAx>
-        <c:axId val="76175232"/>
+        <c:axId val="75716480"/>
         <c:scaling>
           <c:orientation val="minMax"/>
         </c:scaling>
@@ -1606,7 +1606,7 @@
         </c:title>
         <c:numFmt formatCode="General" sourceLinked="1"/>
         <c:tickLblPos val="nextTo"/>
-        <c:crossAx val="76173312"/>
+        <c:crossAx val="75714560"/>
         <c:crosses val="autoZero"/>
         <c:crossBetween val="between"/>
       </c:valAx>
@@ -1633,8 +1633,8 @@
           <c:xMode val="edge"/>
           <c:yMode val="edge"/>
           <c:x val="0.26033420529032131"/>
-          <c:y val="4.208764352579368E-2"/>
-          <c:w val="0.64310135412304625"/>
+          <c:y val="4.2087643525793694E-2"/>
+          <c:w val="0.64310135412304636"/>
           <c:h val="0.71646967520510574"/>
         </c:manualLayout>
       </c:layout>
@@ -1734,7 +1734,7 @@
                   <c:v>11.68</c:v>
                 </c:pt>
                 <c:pt idx="1">
-                  <c:v>53.309999999999995</c:v>
+                  <c:v>53.31</c:v>
                 </c:pt>
                 <c:pt idx="2">
                   <c:v>308.94</c:v>
@@ -1743,11 +1743,11 @@
             </c:numRef>
           </c:val>
         </c:ser>
-        <c:axId val="76208768"/>
-        <c:axId val="75256576"/>
+        <c:axId val="75745920"/>
+        <c:axId val="74789632"/>
       </c:barChart>
       <c:catAx>
-        <c:axId val="76208768"/>
+        <c:axId val="75745920"/>
         <c:scaling>
           <c:orientation val="minMax"/>
         </c:scaling>
@@ -1772,14 +1772,14 @@
         </c:title>
         <c:numFmt formatCode="General" sourceLinked="1"/>
         <c:tickLblPos val="nextTo"/>
-        <c:crossAx val="75256576"/>
+        <c:crossAx val="74789632"/>
         <c:crosses val="autoZero"/>
         <c:auto val="1"/>
         <c:lblAlgn val="ctr"/>
         <c:lblOffset val="100"/>
       </c:catAx>
       <c:valAx>
-        <c:axId val="75256576"/>
+        <c:axId val="74789632"/>
         <c:scaling>
           <c:orientation val="minMax"/>
         </c:scaling>
@@ -1813,7 +1813,7 @@
         </c:title>
         <c:numFmt formatCode="General" sourceLinked="1"/>
         <c:tickLblPos val="nextTo"/>
-        <c:crossAx val="76208768"/>
+        <c:crossAx val="75745920"/>
         <c:crosses val="autoZero"/>
         <c:crossBetween val="between"/>
       </c:valAx>
@@ -1824,9 +1824,9 @@
         <c:manualLayout>
           <c:xMode val="edge"/>
           <c:yMode val="edge"/>
-          <c:x val="0.18050645887830649"/>
-          <c:y val="0.91139119997686224"/>
-          <c:w val="0.67198467847006904"/>
+          <c:x val="0.18050645887830652"/>
+          <c:y val="0.91139119997686213"/>
+          <c:w val="0.67198467847006915"/>
           <c:h val="8.7841159967992924E-2"/>
         </c:manualLayout>
       </c:layout>
@@ -1847,9 +1847,9 @@
           <c:layoutTarget val="inner"/>
           <c:xMode val="edge"/>
           <c:yMode val="edge"/>
-          <c:x val="0.24732484349247796"/>
+          <c:x val="0.24732484349247799"/>
           <c:y val="7.6778988485025221E-2"/>
-          <c:w val="0.73397586257497827"/>
+          <c:w val="0.7339758625749786"/>
           <c:h val="0.59670316787877742"/>
         </c:manualLayout>
       </c:layout>
@@ -1908,7 +1908,7 @@
                   <c:v>45.08</c:v>
                 </c:pt>
                 <c:pt idx="2">
-                  <c:v>35.720000000000006</c:v>
+                  <c:v>35.720000000000013</c:v>
                 </c:pt>
               </c:numCache>
             </c:numRef>
@@ -1960,7 +1960,7 @@
                 <c:formatCode>General</c:formatCode>
                 <c:ptCount val="3"/>
                 <c:pt idx="0">
-                  <c:v>18.989999999999991</c:v>
+                  <c:v>18.989999999999984</c:v>
                 </c:pt>
                 <c:pt idx="1">
                   <c:v>154.73999999999998</c:v>
@@ -2071,11 +2071,11 @@
             </c:numRef>
           </c:val>
         </c:ser>
-        <c:axId val="75292672"/>
-        <c:axId val="75294592"/>
+        <c:axId val="74825728"/>
+        <c:axId val="74827648"/>
       </c:barChart>
       <c:catAx>
-        <c:axId val="75292672"/>
+        <c:axId val="74825728"/>
         <c:scaling>
           <c:orientation val="minMax"/>
         </c:scaling>
@@ -2100,14 +2100,14 @@
           <c:layout/>
         </c:title>
         <c:tickLblPos val="nextTo"/>
-        <c:crossAx val="75294592"/>
+        <c:crossAx val="74827648"/>
         <c:crosses val="autoZero"/>
         <c:auto val="1"/>
         <c:lblAlgn val="ctr"/>
         <c:lblOffset val="100"/>
       </c:catAx>
       <c:valAx>
-        <c:axId val="75294592"/>
+        <c:axId val="74827648"/>
         <c:scaling>
           <c:orientation val="minMax"/>
         </c:scaling>
@@ -2142,7 +2142,7 @@
         </c:title>
         <c:numFmt formatCode="General" sourceLinked="1"/>
         <c:tickLblPos val="nextTo"/>
-        <c:crossAx val="75292672"/>
+        <c:crossAx val="74825728"/>
         <c:crosses val="autoZero"/>
         <c:crossBetween val="between"/>
       </c:valAx>
@@ -2267,7 +2267,7 @@
             <a:fld id="{B3AB11DC-6867-4096-965C-2AEE33BDBF6E}" type="datetimeFigureOut">
               <a:rPr lang="ru-RU" smtClean="0"/>
               <a:pPr/>
-              <a:t>26.05.2018</a:t>
+              <a:t>01.06.2018</a:t>
             </a:fld>
             <a:endParaRPr lang="ru-RU"/>
           </a:p>
@@ -2668,7 +2668,7 @@
             <a:fld id="{DC5CE5B1-E640-48C8-BC5F-011C2BBD09CA}" type="datetime1">
               <a:rPr lang="ru-RU" smtClean="0"/>
               <a:pPr/>
-              <a:t>26.05.2018</a:t>
+              <a:t>01.06.2018</a:t>
             </a:fld>
             <a:endParaRPr lang="ru-RU"/>
           </a:p>
@@ -2983,7 +2983,7 @@
             <a:fld id="{A908F6E1-9441-4DDA-95AC-E29769AA1C4F}" type="datetime1">
               <a:rPr lang="ru-RU" smtClean="0"/>
               <a:pPr/>
-              <a:t>26.05.2018</a:t>
+              <a:t>01.06.2018</a:t>
             </a:fld>
             <a:endParaRPr lang="ru-RU"/>
           </a:p>
@@ -3170,7 +3170,7 @@
             <a:fld id="{7D696E63-F84D-41EE-9FE8-03AAC096D0DC}" type="datetime1">
               <a:rPr lang="ru-RU" smtClean="0"/>
               <a:pPr/>
-              <a:t>26.05.2018</a:t>
+              <a:t>01.06.2018</a:t>
             </a:fld>
             <a:endParaRPr lang="ru-RU"/>
           </a:p>
@@ -3347,7 +3347,7 @@
             <a:fld id="{D79831A1-1230-48E1-A5B7-27D250DCB573}" type="datetime1">
               <a:rPr lang="ru-RU" smtClean="0"/>
               <a:pPr/>
-              <a:t>26.05.2018</a:t>
+              <a:t>01.06.2018</a:t>
             </a:fld>
             <a:endParaRPr lang="ru-RU"/>
           </a:p>
@@ -3617,7 +3617,7 @@
             <a:fld id="{54563D98-FCFF-4998-86E8-51C5468E9B8C}" type="datetime1">
               <a:rPr lang="ru-RU" smtClean="0"/>
               <a:pPr/>
-              <a:t>26.05.2018</a:t>
+              <a:t>01.06.2018</a:t>
             </a:fld>
             <a:endParaRPr lang="ru-RU"/>
           </a:p>
@@ -4087,7 +4087,7 @@
             <a:fld id="{35DAD7E7-A528-4137-97EE-A962BF1C917B}" type="datetime1">
               <a:rPr lang="ru-RU" smtClean="0"/>
               <a:pPr/>
-              <a:t>26.05.2018</a:t>
+              <a:t>01.06.2018</a:t>
             </a:fld>
             <a:endParaRPr lang="ru-RU"/>
           </a:p>
@@ -4578,7 +4578,7 @@
             <a:fld id="{EAD5968E-E7EA-4079-9C3B-152798F08CD1}" type="datetime1">
               <a:rPr lang="ru-RU" smtClean="0"/>
               <a:pPr/>
-              <a:t>26.05.2018</a:t>
+              <a:t>01.06.2018</a:t>
             </a:fld>
             <a:endParaRPr lang="ru-RU"/>
           </a:p>
@@ -4706,7 +4706,7 @@
             <a:fld id="{A7F1A4BA-8F59-4165-9BF7-DE019B6C11D1}" type="datetime1">
               <a:rPr lang="ru-RU" smtClean="0"/>
               <a:pPr/>
-              <a:t>26.05.2018</a:t>
+              <a:t>01.06.2018</a:t>
             </a:fld>
             <a:endParaRPr lang="ru-RU"/>
           </a:p>
@@ -4852,7 +4852,7 @@
             <a:fld id="{8E31537D-7D7F-43D1-BF57-F3F6D339DBE8}" type="datetime1">
               <a:rPr lang="ru-RU" smtClean="0"/>
               <a:pPr/>
-              <a:t>26.05.2018</a:t>
+              <a:t>01.06.2018</a:t>
             </a:fld>
             <a:endParaRPr lang="ru-RU"/>
           </a:p>
@@ -5176,7 +5176,7 @@
             <a:fld id="{0C1AECA4-DC7D-4BFE-B131-48D8260CCE03}" type="datetime1">
               <a:rPr lang="ru-RU" smtClean="0"/>
               <a:pPr/>
-              <a:t>26.05.2018</a:t>
+              <a:t>01.06.2018</a:t>
             </a:fld>
             <a:endParaRPr lang="ru-RU"/>
           </a:p>
@@ -5312,7 +5312,7 @@
             <a:fld id="{65EAD0C3-3C5F-4928-96AB-343BAB3F5EA9}" type="datetime1">
               <a:rPr lang="ru-RU" smtClean="0"/>
               <a:pPr/>
-              <a:t>26.05.2018</a:t>
+              <a:t>01.06.2018</a:t>
             </a:fld>
             <a:endParaRPr lang="ru-RU"/>
           </a:p>
@@ -6095,7 +6095,7 @@
             <a:fld id="{4DE3B94C-16A6-4DE7-B933-066EAA81B95A}" type="datetime1">
               <a:rPr lang="ru-RU" smtClean="0"/>
               <a:pPr/>
-              <a:t>26.05.2018</a:t>
+              <a:t>01.06.2018</a:t>
             </a:fld>
             <a:endParaRPr lang="ru-RU"/>
           </a:p>
@@ -6647,7 +6647,7 @@
           <a:blip r:embed="rId2" cstate="print">
             <a:extLst>
               <a:ext uri="{BEBA8EAE-BF5A-486C-A8C5-ECC9F3942E4B}">
-                <a14:imgProps xmlns="" xmlns:a14="http://schemas.microsoft.com/office/drawing/2010/main">
+                <a14:imgProps xmlns:a14="http://schemas.microsoft.com/office/drawing/2010/main" xmlns="">
                   <a14:imgLayer r:embed="rId4">
                     <a14:imgEffect>
                       <a14:brightnessContrast bright="-100000"/>
@@ -6656,19 +6656,19 @@
                 </a14:imgProps>
               </a:ext>
               <a:ext uri="{28A0092B-C50C-407E-A947-70E740481C1C}">
-                <a14:useLocalDpi xmlns="" xmlns:a14="http://schemas.microsoft.com/office/drawing/2010/main" val="0"/>
+                <a14:useLocalDpi xmlns:a14="http://schemas.microsoft.com/office/drawing/2010/main" xmlns="" val="0"/>
               </a:ext>
             </a:extLst>
           </a:blip>
-          <a:srcRect/>
+          <a:srcRect b="17464"/>
           <a:stretch>
             <a:fillRect/>
           </a:stretch>
         </p:blipFill>
         <p:spPr bwMode="auto">
           <a:xfrm>
-            <a:off x="3779912" y="444126"/>
-            <a:ext cx="1652380" cy="824634"/>
+            <a:off x="3995936" y="188640"/>
+            <a:ext cx="1398548" cy="576064"/>
           </a:xfrm>
           <a:prstGeom prst="rect">
             <a:avLst/>
@@ -6676,7 +6676,7 @@
           <a:noFill/>
           <a:extLst>
             <a:ext uri="{909E8E84-426E-40DD-AFC4-6F175D3DCCD1}">
-              <a14:hiddenFill xmlns="" xmlns:a14="http://schemas.microsoft.com/office/drawing/2010/main">
+              <a14:hiddenFill xmlns:a14="http://schemas.microsoft.com/office/drawing/2010/main" xmlns="">
                 <a:solidFill>
                   <a:srgbClr val="FFFFFF"/>
                 </a:solidFill>
@@ -6695,8 +6695,8 @@
         </p:nvSpPr>
         <p:spPr>
           <a:xfrm>
-            <a:off x="5940152" y="4077072"/>
-            <a:ext cx="3024336" cy="2088232"/>
+            <a:off x="5652120" y="4077072"/>
+            <a:ext cx="3312368" cy="2088232"/>
           </a:xfrm>
           <a:prstGeom prst="rect">
             <a:avLst/>
@@ -6990,8 +6990,31 @@
                 <a:ea typeface="+mj-ea"/>
                 <a:cs typeface="Times New Roman" pitchFamily="18" charset="0"/>
               </a:rPr>
-              <a:t>Доцент кафедры ИСТ, к.т.н.,</a:t>
-            </a:r>
+              <a:t>Доцент кафедры ИСТ, к.т.н</a:t>
+            </a:r>
+            <a:r>
+              <a:rPr lang="ru-RU" sz="1600" dirty="0" smtClean="0">
+                <a:solidFill>
+                  <a:schemeClr val="tx2">
+                    <a:satMod val="130000"/>
+                  </a:schemeClr>
+                </a:solidFill>
+                <a:latin typeface="Times New Roman" pitchFamily="18" charset="0"/>
+                <a:ea typeface="+mj-ea"/>
+                <a:cs typeface="Times New Roman" pitchFamily="18" charset="0"/>
+              </a:rPr>
+              <a:t>., доцент</a:t>
+            </a:r>
+            <a:endParaRPr lang="ru-RU" sz="1600" dirty="0" smtClean="0">
+              <a:solidFill>
+                <a:schemeClr val="tx2">
+                  <a:satMod val="130000"/>
+                </a:schemeClr>
+              </a:solidFill>
+              <a:latin typeface="Times New Roman" pitchFamily="18" charset="0"/>
+              <a:ea typeface="+mj-ea"/>
+              <a:cs typeface="Times New Roman" pitchFamily="18" charset="0"/>
+            </a:endParaRPr>
           </a:p>
           <a:p>
             <a:pPr marL="0" marR="0" lvl="0" indent="0" defTabSz="914400" rtl="0" eaLnBrk="1" fontAlgn="auto" latinLnBrk="0" hangingPunct="1">
@@ -7155,6 +7178,221 @@
               <a:latin typeface="Times New Roman" pitchFamily="18" charset="0"/>
               <a:cs typeface="Times New Roman" pitchFamily="18" charset="0"/>
             </a:endParaRPr>
+          </a:p>
+        </p:txBody>
+      </p:sp>
+      <p:sp>
+        <p:nvSpPr>
+          <p:cNvPr id="9" name="Подзаголовок 2">
+            <a:extLst>
+              <a:ext uri="{FF2B5EF4-FFF2-40B4-BE49-F238E27FC236}">
+                <a16:creationId xmlns:a16="http://schemas.microsoft.com/office/drawing/2014/main" xmlns="" id="{7E54D70F-1F12-4442-AB10-8AD524577E40}"/>
+              </a:ext>
+            </a:extLst>
+          </p:cNvPr>
+          <p:cNvSpPr txBox="1">
+            <a:spLocks/>
+          </p:cNvSpPr>
+          <p:nvPr/>
+        </p:nvSpPr>
+        <p:spPr>
+          <a:xfrm>
+            <a:off x="899592" y="692696"/>
+            <a:ext cx="8172400" cy="1152128"/>
+          </a:xfrm>
+          <a:prstGeom prst="rect">
+            <a:avLst/>
+          </a:prstGeom>
+        </p:spPr>
+        <p:txBody>
+          <a:bodyPr>
+            <a:normAutofit/>
+          </a:bodyPr>
+          <a:lstStyle>
+            <a:lvl1pPr marL="0" indent="0" algn="ctr" defTabSz="914400" rtl="0" eaLnBrk="1" latinLnBrk="0" hangingPunct="1">
+              <a:lnSpc>
+                <a:spcPct val="90000"/>
+              </a:lnSpc>
+              <a:spcBef>
+                <a:spcPts val="1000"/>
+              </a:spcBef>
+              <a:buFont typeface="Arial" panose="020B0604020202020204" pitchFamily="34" charset="0"/>
+              <a:buNone/>
+              <a:defRPr sz="2400" kern="1200">
+                <a:solidFill>
+                  <a:schemeClr val="tx1"/>
+                </a:solidFill>
+                <a:latin typeface="+mn-lt"/>
+                <a:ea typeface="+mn-ea"/>
+                <a:cs typeface="+mn-cs"/>
+              </a:defRPr>
+            </a:lvl1pPr>
+            <a:lvl2pPr marL="457200" indent="0" algn="ctr" defTabSz="914400" rtl="0" eaLnBrk="1" latinLnBrk="0" hangingPunct="1">
+              <a:lnSpc>
+                <a:spcPct val="90000"/>
+              </a:lnSpc>
+              <a:spcBef>
+                <a:spcPts val="500"/>
+              </a:spcBef>
+              <a:buFont typeface="Arial" panose="020B0604020202020204" pitchFamily="34" charset="0"/>
+              <a:buNone/>
+              <a:defRPr sz="2000" kern="1200">
+                <a:solidFill>
+                  <a:schemeClr val="tx1"/>
+                </a:solidFill>
+                <a:latin typeface="+mn-lt"/>
+                <a:ea typeface="+mn-ea"/>
+                <a:cs typeface="+mn-cs"/>
+              </a:defRPr>
+            </a:lvl2pPr>
+            <a:lvl3pPr marL="914400" indent="0" algn="ctr" defTabSz="914400" rtl="0" eaLnBrk="1" latinLnBrk="0" hangingPunct="1">
+              <a:lnSpc>
+                <a:spcPct val="90000"/>
+              </a:lnSpc>
+              <a:spcBef>
+                <a:spcPts val="500"/>
+              </a:spcBef>
+              <a:buFont typeface="Arial" panose="020B0604020202020204" pitchFamily="34" charset="0"/>
+              <a:buNone/>
+              <a:defRPr sz="1800" kern="1200">
+                <a:solidFill>
+                  <a:schemeClr val="tx1"/>
+                </a:solidFill>
+                <a:latin typeface="+mn-lt"/>
+                <a:ea typeface="+mn-ea"/>
+                <a:cs typeface="+mn-cs"/>
+              </a:defRPr>
+            </a:lvl3pPr>
+            <a:lvl4pPr marL="1371600" indent="0" algn="ctr" defTabSz="914400" rtl="0" eaLnBrk="1" latinLnBrk="0" hangingPunct="1">
+              <a:lnSpc>
+                <a:spcPct val="90000"/>
+              </a:lnSpc>
+              <a:spcBef>
+                <a:spcPts val="500"/>
+              </a:spcBef>
+              <a:buFont typeface="Arial" panose="020B0604020202020204" pitchFamily="34" charset="0"/>
+              <a:buNone/>
+              <a:defRPr sz="1600" kern="1200">
+                <a:solidFill>
+                  <a:schemeClr val="tx1"/>
+                </a:solidFill>
+                <a:latin typeface="+mn-lt"/>
+                <a:ea typeface="+mn-ea"/>
+                <a:cs typeface="+mn-cs"/>
+              </a:defRPr>
+            </a:lvl4pPr>
+            <a:lvl5pPr marL="1828800" indent="0" algn="ctr" defTabSz="914400" rtl="0" eaLnBrk="1" latinLnBrk="0" hangingPunct="1">
+              <a:lnSpc>
+                <a:spcPct val="90000"/>
+              </a:lnSpc>
+              <a:spcBef>
+                <a:spcPts val="500"/>
+              </a:spcBef>
+              <a:buFont typeface="Arial" panose="020B0604020202020204" pitchFamily="34" charset="0"/>
+              <a:buNone/>
+              <a:defRPr sz="1600" kern="1200">
+                <a:solidFill>
+                  <a:schemeClr val="tx1"/>
+                </a:solidFill>
+                <a:latin typeface="+mn-lt"/>
+                <a:ea typeface="+mn-ea"/>
+                <a:cs typeface="+mn-cs"/>
+              </a:defRPr>
+            </a:lvl5pPr>
+            <a:lvl6pPr marL="2286000" indent="0" algn="ctr" defTabSz="914400" rtl="0" eaLnBrk="1" latinLnBrk="0" hangingPunct="1">
+              <a:lnSpc>
+                <a:spcPct val="90000"/>
+              </a:lnSpc>
+              <a:spcBef>
+                <a:spcPts val="500"/>
+              </a:spcBef>
+              <a:buFont typeface="Arial" panose="020B0604020202020204" pitchFamily="34" charset="0"/>
+              <a:buNone/>
+              <a:defRPr sz="1600" kern="1200">
+                <a:solidFill>
+                  <a:schemeClr val="tx1"/>
+                </a:solidFill>
+                <a:latin typeface="+mn-lt"/>
+                <a:ea typeface="+mn-ea"/>
+                <a:cs typeface="+mn-cs"/>
+              </a:defRPr>
+            </a:lvl6pPr>
+            <a:lvl7pPr marL="2743200" indent="0" algn="ctr" defTabSz="914400" rtl="0" eaLnBrk="1" latinLnBrk="0" hangingPunct="1">
+              <a:lnSpc>
+                <a:spcPct val="90000"/>
+              </a:lnSpc>
+              <a:spcBef>
+                <a:spcPts val="500"/>
+              </a:spcBef>
+              <a:buFont typeface="Arial" panose="020B0604020202020204" pitchFamily="34" charset="0"/>
+              <a:buNone/>
+              <a:defRPr sz="1600" kern="1200">
+                <a:solidFill>
+                  <a:schemeClr val="tx1"/>
+                </a:solidFill>
+                <a:latin typeface="+mn-lt"/>
+                <a:ea typeface="+mn-ea"/>
+                <a:cs typeface="+mn-cs"/>
+              </a:defRPr>
+            </a:lvl7pPr>
+            <a:lvl8pPr marL="3200400" indent="0" algn="ctr" defTabSz="914400" rtl="0" eaLnBrk="1" latinLnBrk="0" hangingPunct="1">
+              <a:lnSpc>
+                <a:spcPct val="90000"/>
+              </a:lnSpc>
+              <a:spcBef>
+                <a:spcPts val="500"/>
+              </a:spcBef>
+              <a:buFont typeface="Arial" panose="020B0604020202020204" pitchFamily="34" charset="0"/>
+              <a:buNone/>
+              <a:defRPr sz="1600" kern="1200">
+                <a:solidFill>
+                  <a:schemeClr val="tx1"/>
+                </a:solidFill>
+                <a:latin typeface="+mn-lt"/>
+                <a:ea typeface="+mn-ea"/>
+                <a:cs typeface="+mn-cs"/>
+              </a:defRPr>
+            </a:lvl8pPr>
+            <a:lvl9pPr marL="3657600" indent="0" algn="ctr" defTabSz="914400" rtl="0" eaLnBrk="1" latinLnBrk="0" hangingPunct="1">
+              <a:lnSpc>
+                <a:spcPct val="90000"/>
+              </a:lnSpc>
+              <a:spcBef>
+                <a:spcPts val="500"/>
+              </a:spcBef>
+              <a:buFont typeface="Arial" panose="020B0604020202020204" pitchFamily="34" charset="0"/>
+              <a:buNone/>
+              <a:defRPr sz="1600" kern="1200">
+                <a:solidFill>
+                  <a:schemeClr val="tx1"/>
+                </a:solidFill>
+                <a:latin typeface="+mn-lt"/>
+                <a:ea typeface="+mn-ea"/>
+                <a:cs typeface="+mn-cs"/>
+              </a:defRPr>
+            </a:lvl9pPr>
+          </a:lstStyle>
+          <a:p>
+            <a:pPr fontAlgn="auto">
+              <a:lnSpc>
+                <a:spcPct val="170000"/>
+              </a:lnSpc>
+              <a:spcAft>
+                <a:spcPts val="0"/>
+              </a:spcAft>
+              <a:defRPr/>
+            </a:pPr>
+            <a:r>
+              <a:rPr lang="ru-RU" sz="1200" dirty="0"/>
+              <a:t>ФЕДЕРАЛЬНОЕ ГОСУДАРСТВЕННОЕ АВТОНОМНОЕ ОБРАЗОВАТЕЛЬНОЕ УЧРЕЖДЕНИЕ ВЫСШЕГО ОБРАЗОВАНИЯ</a:t>
+            </a:r>
+            <a:br>
+              <a:rPr lang="ru-RU" sz="1200" dirty="0"/>
+            </a:br>
+            <a:r>
+              <a:rPr lang="ru-RU" sz="1200" dirty="0"/>
+              <a:t>«САМАРСКИЙ НАЦИОНАЛЬНЫЙ ИССЛЕДОВАТЕЛЬСКИЙ УНИВЕРСИТЕТ ИМЕНИ АКАДЕМИКА С.П. КОРОЛЕВА (САМАРСКИЙ УНИВЕРСИТЕТ)» </a:t>
+            </a:r>
           </a:p>
         </p:txBody>
       </p:sp>
@@ -7222,16 +7460,56 @@
           </a:p>
         </p:txBody>
       </p:sp>
+      <p:sp>
+        <p:nvSpPr>
+          <p:cNvPr id="4" name="Номер слайда 3"/>
+          <p:cNvSpPr>
+            <a:spLocks noGrp="1"/>
+          </p:cNvSpPr>
+          <p:nvPr>
+            <p:ph type="sldNum" sz="quarter" idx="12"/>
+          </p:nvPr>
+        </p:nvSpPr>
+        <p:spPr>
+          <a:xfrm>
+            <a:off x="8316416" y="6305550"/>
+            <a:ext cx="754432" cy="476250"/>
+          </a:xfrm>
+        </p:spPr>
+        <p:txBody>
+          <a:bodyPr anchor="b"/>
+          <a:lstStyle/>
+          <a:p>
+            <a:fld id="{725C68B6-61C2-468F-89AB-4B9F7531AA68}" type="slidenum">
+              <a:rPr lang="ru-RU" sz="3200" smtClean="0"/>
+              <a:pPr/>
+              <a:t>10</a:t>
+            </a:fld>
+            <a:endParaRPr lang="ru-RU" sz="3200" dirty="0"/>
+          </a:p>
+        </p:txBody>
+      </p:sp>
       <p:pic>
         <p:nvPicPr>
-          <p:cNvPr id="33793" name="Picture 1"/>
+          <p:cNvPr id="12289" name="Picture 1"/>
           <p:cNvPicPr>
             <a:picLocks noChangeAspect="1" noChangeArrowheads="1"/>
           </p:cNvPicPr>
           <p:nvPr/>
         </p:nvPicPr>
         <p:blipFill>
-          <a:blip r:embed="rId2" cstate="print"/>
+          <a:blip r:embed="rId2" cstate="print">
+            <a:clrChange>
+              <a:clrFrom>
+                <a:srgbClr val="FFFFFF"/>
+              </a:clrFrom>
+              <a:clrTo>
+                <a:srgbClr val="FFFFFF">
+                  <a:alpha val="0"/>
+                </a:srgbClr>
+              </a:clrTo>
+            </a:clrChange>
+          </a:blip>
           <a:srcRect/>
           <a:stretch>
             <a:fillRect/>
@@ -7239,8 +7517,8 @@
         </p:blipFill>
         <p:spPr bwMode="auto">
           <a:xfrm>
-            <a:off x="2843808" y="1195611"/>
-            <a:ext cx="3947260" cy="5662389"/>
+            <a:off x="3025727" y="1124744"/>
+            <a:ext cx="3656844" cy="5661248"/>
           </a:xfrm>
           <a:prstGeom prst="rect">
             <a:avLst/>
@@ -7254,35 +7532,6 @@
           </a:ln>
         </p:spPr>
       </p:pic>
-      <p:sp>
-        <p:nvSpPr>
-          <p:cNvPr id="4" name="Номер слайда 3"/>
-          <p:cNvSpPr>
-            <a:spLocks noGrp="1"/>
-          </p:cNvSpPr>
-          <p:nvPr>
-            <p:ph type="sldNum" sz="quarter" idx="12"/>
-          </p:nvPr>
-        </p:nvSpPr>
-        <p:spPr>
-          <a:xfrm>
-            <a:off x="8316416" y="6305550"/>
-            <a:ext cx="754432" cy="476250"/>
-          </a:xfrm>
-        </p:spPr>
-        <p:txBody>
-          <a:bodyPr anchor="b"/>
-          <a:lstStyle/>
-          <a:p>
-            <a:fld id="{725C68B6-61C2-468F-89AB-4B9F7531AA68}" type="slidenum">
-              <a:rPr lang="ru-RU" sz="3200" smtClean="0"/>
-              <a:pPr/>
-              <a:t>10</a:t>
-            </a:fld>
-            <a:endParaRPr lang="ru-RU" sz="3200" dirty="0"/>
-          </a:p>
-        </p:txBody>
-      </p:sp>
     </p:spTree>
   </p:cSld>
   <p:clrMapOvr>
@@ -7990,7 +8239,7 @@
       </p:sp>
       <p:pic>
         <p:nvPicPr>
-          <p:cNvPr id="5357" name="Picture 237"/>
+          <p:cNvPr id="9217" name="Picture 1"/>
           <p:cNvPicPr>
             <a:picLocks noChangeAspect="1" noChangeArrowheads="1"/>
           </p:cNvPicPr>
@@ -8009,58 +8258,15 @@
               </a:clrTo>
             </a:clrChange>
           </a:blip>
-          <a:srcRect/>
+          <a:srcRect b="2957"/>
           <a:stretch>
             <a:fillRect/>
           </a:stretch>
         </p:blipFill>
         <p:spPr bwMode="auto">
           <a:xfrm>
-            <a:off x="1259632" y="620688"/>
-            <a:ext cx="3816424" cy="6129025"/>
-          </a:xfrm>
-          <a:prstGeom prst="rect">
-            <a:avLst/>
-          </a:prstGeom>
-          <a:noFill/>
-          <a:ln w="9525">
-            <a:noFill/>
-            <a:miter lim="800000"/>
-            <a:headEnd/>
-            <a:tailEnd/>
-          </a:ln>
-        </p:spPr>
-      </p:pic>
-      <p:pic>
-        <p:nvPicPr>
-          <p:cNvPr id="5358" name="Picture 238"/>
-          <p:cNvPicPr>
-            <a:picLocks noChangeAspect="1" noChangeArrowheads="1"/>
-          </p:cNvPicPr>
-          <p:nvPr/>
-        </p:nvPicPr>
-        <p:blipFill>
-          <a:blip r:embed="rId3" cstate="print">
-            <a:clrChange>
-              <a:clrFrom>
-                <a:srgbClr val="FFFFFF"/>
-              </a:clrFrom>
-              <a:clrTo>
-                <a:srgbClr val="FFFFFF">
-                  <a:alpha val="0"/>
-                </a:srgbClr>
-              </a:clrTo>
-            </a:clrChange>
-          </a:blip>
-          <a:srcRect t="3280"/>
-          <a:stretch>
-            <a:fillRect/>
-          </a:stretch>
-        </p:blipFill>
-        <p:spPr bwMode="auto">
-          <a:xfrm>
-            <a:off x="4499992" y="622816"/>
-            <a:ext cx="3960440" cy="5678077"/>
+            <a:off x="1907704" y="550718"/>
+            <a:ext cx="5896893" cy="6190650"/>
           </a:xfrm>
           <a:prstGeom prst="rect">
             <a:avLst/>
@@ -8136,16 +8342,56 @@
           </a:p>
         </p:txBody>
       </p:sp>
+      <p:sp>
+        <p:nvSpPr>
+          <p:cNvPr id="4" name="Номер слайда 3"/>
+          <p:cNvSpPr>
+            <a:spLocks noGrp="1"/>
+          </p:cNvSpPr>
+          <p:nvPr>
+            <p:ph type="sldNum" sz="quarter" idx="12"/>
+          </p:nvPr>
+        </p:nvSpPr>
+        <p:spPr>
+          <a:xfrm>
+            <a:off x="8460432" y="6305550"/>
+            <a:ext cx="610416" cy="476250"/>
+          </a:xfrm>
+        </p:spPr>
+        <p:txBody>
+          <a:bodyPr anchor="b"/>
+          <a:lstStyle/>
+          <a:p>
+            <a:fld id="{725C68B6-61C2-468F-89AB-4B9F7531AA68}" type="slidenum">
+              <a:rPr lang="ru-RU" sz="3200" smtClean="0"/>
+              <a:pPr/>
+              <a:t>14</a:t>
+            </a:fld>
+            <a:endParaRPr lang="ru-RU" sz="3200" dirty="0"/>
+          </a:p>
+        </p:txBody>
+      </p:sp>
       <p:pic>
         <p:nvPicPr>
-          <p:cNvPr id="36866" name="Picture 2"/>
+          <p:cNvPr id="8193" name="Picture 1"/>
           <p:cNvPicPr>
             <a:picLocks noChangeAspect="1" noChangeArrowheads="1"/>
           </p:cNvPicPr>
           <p:nvPr/>
         </p:nvPicPr>
         <p:blipFill>
-          <a:blip r:embed="rId2" cstate="print"/>
+          <a:blip r:embed="rId2" cstate="print">
+            <a:clrChange>
+              <a:clrFrom>
+                <a:srgbClr val="FFFFFF"/>
+              </a:clrFrom>
+              <a:clrTo>
+                <a:srgbClr val="FFFFFF">
+                  <a:alpha val="0"/>
+                </a:srgbClr>
+              </a:clrTo>
+            </a:clrChange>
+          </a:blip>
           <a:srcRect/>
           <a:stretch>
             <a:fillRect/>
@@ -8153,8 +8399,8 @@
         </p:blipFill>
         <p:spPr bwMode="auto">
           <a:xfrm>
-            <a:off x="2545831" y="620688"/>
-            <a:ext cx="4316932" cy="6192688"/>
+            <a:off x="3131840" y="461689"/>
+            <a:ext cx="3605205" cy="6396311"/>
           </a:xfrm>
           <a:prstGeom prst="rect">
             <a:avLst/>
@@ -8168,35 +8414,6 @@
           </a:ln>
         </p:spPr>
       </p:pic>
-      <p:sp>
-        <p:nvSpPr>
-          <p:cNvPr id="4" name="Номер слайда 3"/>
-          <p:cNvSpPr>
-            <a:spLocks noGrp="1"/>
-          </p:cNvSpPr>
-          <p:nvPr>
-            <p:ph type="sldNum" sz="quarter" idx="12"/>
-          </p:nvPr>
-        </p:nvSpPr>
-        <p:spPr>
-          <a:xfrm>
-            <a:off x="8460432" y="6305550"/>
-            <a:ext cx="610416" cy="476250"/>
-          </a:xfrm>
-        </p:spPr>
-        <p:txBody>
-          <a:bodyPr anchor="b"/>
-          <a:lstStyle/>
-          <a:p>
-            <a:fld id="{725C68B6-61C2-468F-89AB-4B9F7531AA68}" type="slidenum">
-              <a:rPr lang="ru-RU" sz="3200" smtClean="0"/>
-              <a:pPr/>
-              <a:t>14</a:t>
-            </a:fld>
-            <a:endParaRPr lang="ru-RU" sz="3200" dirty="0"/>
-          </a:p>
-        </p:txBody>
-      </p:sp>
     </p:spTree>
   </p:cSld>
   <p:clrMapOvr>
@@ -16014,25 +16231,60 @@
           </a:p>
         </p:txBody>
       </p:sp>
+      <p:sp>
+        <p:nvSpPr>
+          <p:cNvPr id="5" name="Номер слайда 4"/>
+          <p:cNvSpPr>
+            <a:spLocks noGrp="1"/>
+          </p:cNvSpPr>
+          <p:nvPr>
+            <p:ph type="sldNum" sz="quarter" idx="12"/>
+          </p:nvPr>
+        </p:nvSpPr>
+        <p:spPr/>
+        <p:txBody>
+          <a:bodyPr anchor="b"/>
+          <a:lstStyle/>
+          <a:p>
+            <a:fld id="{725C68B6-61C2-468F-89AB-4B9F7531AA68}" type="slidenum">
+              <a:rPr lang="ru-RU" sz="3200" smtClean="0"/>
+              <a:pPr/>
+              <a:t>8</a:t>
+            </a:fld>
+            <a:endParaRPr lang="ru-RU" sz="3200"/>
+          </a:p>
+        </p:txBody>
+      </p:sp>
       <p:pic>
         <p:nvPicPr>
-          <p:cNvPr id="29766" name="Picture 70"/>
+          <p:cNvPr id="14337" name="Picture 1"/>
           <p:cNvPicPr>
             <a:picLocks noChangeAspect="1" noChangeArrowheads="1"/>
           </p:cNvPicPr>
           <p:nvPr/>
         </p:nvPicPr>
         <p:blipFill>
-          <a:blip r:embed="rId2" cstate="print"/>
-          <a:srcRect b="1424"/>
+          <a:blip r:embed="rId2" cstate="print">
+            <a:clrChange>
+              <a:clrFrom>
+                <a:srgbClr val="FFFFFF"/>
+              </a:clrFrom>
+              <a:clrTo>
+                <a:srgbClr val="FFFFFF">
+                  <a:alpha val="0"/>
+                </a:srgbClr>
+              </a:clrTo>
+            </a:clrChange>
+          </a:blip>
+          <a:srcRect/>
           <a:stretch>
             <a:fillRect/>
           </a:stretch>
         </p:blipFill>
         <p:spPr bwMode="auto">
           <a:xfrm>
-            <a:off x="3203848" y="1196752"/>
-            <a:ext cx="3960440" cy="5527329"/>
+            <a:off x="2635865" y="980728"/>
+            <a:ext cx="4600431" cy="5811391"/>
           </a:xfrm>
           <a:prstGeom prst="rect">
             <a:avLst/>
@@ -16046,30 +16298,6 @@
           </a:ln>
         </p:spPr>
       </p:pic>
-      <p:sp>
-        <p:nvSpPr>
-          <p:cNvPr id="5" name="Номер слайда 4"/>
-          <p:cNvSpPr>
-            <a:spLocks noGrp="1"/>
-          </p:cNvSpPr>
-          <p:nvPr>
-            <p:ph type="sldNum" sz="quarter" idx="12"/>
-          </p:nvPr>
-        </p:nvSpPr>
-        <p:spPr/>
-        <p:txBody>
-          <a:bodyPr anchor="b"/>
-          <a:lstStyle/>
-          <a:p>
-            <a:fld id="{725C68B6-61C2-468F-89AB-4B9F7531AA68}" type="slidenum">
-              <a:rPr lang="ru-RU" sz="3200" smtClean="0"/>
-              <a:pPr/>
-              <a:t>8</a:t>
-            </a:fld>
-            <a:endParaRPr lang="ru-RU" sz="3200"/>
-          </a:p>
-        </p:txBody>
-      </p:sp>
     </p:spTree>
   </p:cSld>
   <p:clrMapOvr>
@@ -16134,25 +16362,60 @@
           </a:p>
         </p:txBody>
       </p:sp>
+      <p:sp>
+        <p:nvSpPr>
+          <p:cNvPr id="4" name="Номер слайда 3"/>
+          <p:cNvSpPr>
+            <a:spLocks noGrp="1"/>
+          </p:cNvSpPr>
+          <p:nvPr>
+            <p:ph type="sldNum" sz="quarter" idx="12"/>
+          </p:nvPr>
+        </p:nvSpPr>
+        <p:spPr/>
+        <p:txBody>
+          <a:bodyPr anchor="b"/>
+          <a:lstStyle/>
+          <a:p>
+            <a:fld id="{725C68B6-61C2-468F-89AB-4B9F7531AA68}" type="slidenum">
+              <a:rPr lang="ru-RU" sz="3200" smtClean="0"/>
+              <a:pPr/>
+              <a:t>9</a:t>
+            </a:fld>
+            <a:endParaRPr lang="ru-RU" sz="3200"/>
+          </a:p>
+        </p:txBody>
+      </p:sp>
       <p:pic>
         <p:nvPicPr>
-          <p:cNvPr id="32769" name="Picture 1"/>
+          <p:cNvPr id="13400" name="Picture 88"/>
           <p:cNvPicPr>
             <a:picLocks noChangeAspect="1" noChangeArrowheads="1"/>
           </p:cNvPicPr>
           <p:nvPr/>
         </p:nvPicPr>
         <p:blipFill>
-          <a:blip r:embed="rId2" cstate="print"/>
-          <a:srcRect b="2413"/>
+          <a:blip r:embed="rId2" cstate="print">
+            <a:clrChange>
+              <a:clrFrom>
+                <a:srgbClr val="FFFFFF"/>
+              </a:clrFrom>
+              <a:clrTo>
+                <a:srgbClr val="FFFFFF">
+                  <a:alpha val="0"/>
+                </a:srgbClr>
+              </a:clrTo>
+            </a:clrChange>
+          </a:blip>
+          <a:srcRect/>
           <a:stretch>
             <a:fillRect/>
           </a:stretch>
         </p:blipFill>
         <p:spPr bwMode="auto">
           <a:xfrm>
-            <a:off x="3059832" y="1180133"/>
-            <a:ext cx="3945900" cy="5561235"/>
+            <a:off x="2593977" y="1035562"/>
+            <a:ext cx="4642319" cy="5849822"/>
           </a:xfrm>
           <a:prstGeom prst="rect">
             <a:avLst/>
@@ -16166,30 +16429,6 @@
           </a:ln>
         </p:spPr>
       </p:pic>
-      <p:sp>
-        <p:nvSpPr>
-          <p:cNvPr id="4" name="Номер слайда 3"/>
-          <p:cNvSpPr>
-            <a:spLocks noGrp="1"/>
-          </p:cNvSpPr>
-          <p:nvPr>
-            <p:ph type="sldNum" sz="quarter" idx="12"/>
-          </p:nvPr>
-        </p:nvSpPr>
-        <p:spPr/>
-        <p:txBody>
-          <a:bodyPr anchor="b"/>
-          <a:lstStyle/>
-          <a:p>
-            <a:fld id="{725C68B6-61C2-468F-89AB-4B9F7531AA68}" type="slidenum">
-              <a:rPr lang="ru-RU" sz="3200" smtClean="0"/>
-              <a:pPr/>
-              <a:t>9</a:t>
-            </a:fld>
-            <a:endParaRPr lang="ru-RU" sz="3200"/>
-          </a:p>
-        </p:txBody>
-      </p:sp>
     </p:spTree>
   </p:cSld>
   <p:clrMapOvr>
